--- a/AGA Datathon 2023.pptx
+++ b/AGA Datathon 2023.pptx
@@ -21,23 +21,28 @@
     <p:sldId id="266" r:id="rId16"/>
     <p:sldId id="267" r:id="rId17"/>
     <p:sldId id="268" r:id="rId18"/>
+    <p:sldId id="269" r:id="rId19"/>
+    <p:sldId id="270" r:id="rId20"/>
+    <p:sldId id="271" r:id="rId21"/>
+    <p:sldId id="272" r:id="rId22"/>
+    <p:sldId id="273" r:id="rId23"/>
   </p:sldIdLst>
   <p:sldSz cy="5143500" cx="9144000"/>
   <p:notesSz cx="6858000" cy="9144000"/>
   <p:embeddedFontLst>
     <p:embeddedFont>
       <p:font typeface="Montserrat"/>
-      <p:regular r:id="rId19"/>
-      <p:bold r:id="rId20"/>
-      <p:italic r:id="rId21"/>
-      <p:boldItalic r:id="rId22"/>
+      <p:regular r:id="rId24"/>
+      <p:bold r:id="rId25"/>
+      <p:italic r:id="rId26"/>
+      <p:boldItalic r:id="rId27"/>
     </p:embeddedFont>
     <p:embeddedFont>
       <p:font typeface="Lato"/>
-      <p:regular r:id="rId23"/>
-      <p:bold r:id="rId24"/>
-      <p:italic r:id="rId25"/>
-      <p:boldItalic r:id="rId26"/>
+      <p:regular r:id="rId28"/>
+      <p:bold r:id="rId29"/>
+      <p:italic r:id="rId30"/>
+      <p:boldItalic r:id="rId31"/>
     </p:embeddedFont>
   </p:embeddedFontLst>
   <p:defaultTextStyle>
@@ -931,7 +936,7 @@
       </p:grpSpPr>
       <p:sp>
         <p:nvSpPr>
-          <p:cNvPr id="189" name="Google Shape;189;g293a6523dbb_6_45:notes"/>
+          <p:cNvPr id="189" name="Google Shape;189;g293a6523dbb_6_48:notes"/>
           <p:cNvSpPr/>
           <p:nvPr>
             <p:ph idx="2" type="sldImg"/>
@@ -966,7 +971,7 @@
       </p:sp>
       <p:sp>
         <p:nvSpPr>
-          <p:cNvPr id="190" name="Google Shape;190;g293a6523dbb_6_45:notes"/>
+          <p:cNvPr id="190" name="Google Shape;190;g293a6523dbb_6_48:notes"/>
           <p:cNvSpPr txBox="1"/>
           <p:nvPr>
             <p:ph idx="1" type="body"/>
@@ -1030,7 +1035,7 @@
       </p:grpSpPr>
       <p:sp>
         <p:nvSpPr>
-          <p:cNvPr id="195" name="Google Shape;195;g293a6523dbb_6_48:notes"/>
+          <p:cNvPr id="195" name="Google Shape;195;g293a6523dbb_6_45:notes"/>
           <p:cNvSpPr/>
           <p:nvPr>
             <p:ph idx="2" type="sldImg"/>
@@ -1065,7 +1070,7 @@
       </p:sp>
       <p:sp>
         <p:nvSpPr>
-          <p:cNvPr id="196" name="Google Shape;196;g293a6523dbb_6_48:notes"/>
+          <p:cNvPr id="196" name="Google Shape;196;g293a6523dbb_6_45:notes"/>
           <p:cNvSpPr txBox="1"/>
           <p:nvPr>
             <p:ph idx="1" type="body"/>
@@ -1165,6 +1170,501 @@
       <p:sp>
         <p:nvSpPr>
           <p:cNvPr id="202" name="Google Shape;202;g293a6523dbb_6_51:notes"/>
+          <p:cNvSpPr txBox="1"/>
+          <p:nvPr>
+            <p:ph idx="1" type="body"/>
+          </p:nvPr>
+        </p:nvSpPr>
+        <p:spPr>
+          <a:xfrm>
+            <a:off x="685800" y="4343400"/>
+            <a:ext cx="5486400" cy="4114800"/>
+          </a:xfrm>
+          <a:prstGeom prst="rect">
+            <a:avLst/>
+          </a:prstGeom>
+        </p:spPr>
+        <p:txBody>
+          <a:bodyPr anchorCtr="0" anchor="t" bIns="91425" lIns="91425" spcFirstLastPara="1" rIns="91425" wrap="square" tIns="91425">
+            <a:noAutofit/>
+          </a:bodyPr>
+          <a:lstStyle/>
+          <a:p>
+            <a:pPr indent="0" lvl="0" marL="0" rtl="0" algn="l">
+              <a:spcBef>
+                <a:spcPts val="0"/>
+              </a:spcBef>
+              <a:spcAft>
+                <a:spcPts val="0"/>
+              </a:spcAft>
+              <a:buNone/>
+            </a:pPr>
+            <a:r>
+              <a:t/>
+            </a:r>
+            <a:endParaRPr/>
+          </a:p>
+        </p:txBody>
+      </p:sp>
+    </p:spTree>
+  </p:cSld>
+  <p:clrMapOvr>
+    <a:masterClrMapping/>
+  </p:clrMapOvr>
+</p:notes>
+</file>
+
+<file path=ppt/notesSlides/notesSlide14.xml><?xml version="1.0" encoding="utf-8"?>
+<p:notes xmlns:a="http://schemas.openxmlformats.org/drawingml/2006/main" xmlns:r="http://schemas.openxmlformats.org/officeDocument/2006/relationships" xmlns:mc="http://schemas.openxmlformats.org/markup-compatibility/2006" xmlns:mv="urn:schemas-microsoft-com:mac:vml" xmlns:p="http://schemas.openxmlformats.org/presentationml/2006/main" xmlns:c="http://schemas.openxmlformats.org/drawingml/2006/chart" xmlns:dgm="http://schemas.openxmlformats.org/drawingml/2006/diagram" xmlns:o="urn:schemas-microsoft-com:office:office" xmlns:v="urn:schemas-microsoft-com:vml" xmlns:pvml="urn:schemas-microsoft-com:office:powerpoint" xmlns:com="http://schemas.openxmlformats.org/drawingml/2006/compatibility" xmlns:p14="http://schemas.microsoft.com/office/powerpoint/2010/main" xmlns:p15="http://schemas.microsoft.com/office/powerpoint/2012/main" xmlns:ahyp="http://schemas.microsoft.com/office/drawing/2018/hyperlinkcolor" showMasterPhAnim="0" showMasterSp="0">
+  <p:cSld>
+    <p:spTree>
+      <p:nvGrpSpPr>
+        <p:cNvPr id="206" name="Shape 206"/>
+        <p:cNvGrpSpPr/>
+        <p:nvPr/>
+      </p:nvGrpSpPr>
+      <p:grpSpPr>
+        <a:xfrm>
+          <a:off x="0" y="0"/>
+          <a:ext cx="0" cy="0"/>
+          <a:chOff x="0" y="0"/>
+          <a:chExt cx="0" cy="0"/>
+        </a:xfrm>
+      </p:grpSpPr>
+      <p:sp>
+        <p:nvSpPr>
+          <p:cNvPr id="207" name="Google Shape;207;g293a6523dbb_6_74:notes"/>
+          <p:cNvSpPr/>
+          <p:nvPr>
+            <p:ph idx="2" type="sldImg"/>
+          </p:nvPr>
+        </p:nvSpPr>
+        <p:spPr>
+          <a:xfrm>
+            <a:off x="381300" y="685800"/>
+            <a:ext cx="6096000" cy="3429000"/>
+          </a:xfrm>
+          <a:custGeom>
+            <a:rect b="b" l="l" r="r" t="t"/>
+            <a:pathLst>
+              <a:path extrusionOk="0" h="120000" w="120000">
+                <a:moveTo>
+                  <a:pt x="0" y="0"/>
+                </a:moveTo>
+                <a:lnTo>
+                  <a:pt x="120000" y="0"/>
+                </a:lnTo>
+                <a:lnTo>
+                  <a:pt x="120000" y="120000"/>
+                </a:lnTo>
+                <a:lnTo>
+                  <a:pt x="0" y="120000"/>
+                </a:lnTo>
+                <a:close/>
+              </a:path>
+            </a:pathLst>
+          </a:custGeom>
+        </p:spPr>
+      </p:sp>
+      <p:sp>
+        <p:nvSpPr>
+          <p:cNvPr id="208" name="Google Shape;208;g293a6523dbb_6_74:notes"/>
+          <p:cNvSpPr txBox="1"/>
+          <p:nvPr>
+            <p:ph idx="1" type="body"/>
+          </p:nvPr>
+        </p:nvSpPr>
+        <p:spPr>
+          <a:xfrm>
+            <a:off x="685800" y="4343400"/>
+            <a:ext cx="5486400" cy="4114800"/>
+          </a:xfrm>
+          <a:prstGeom prst="rect">
+            <a:avLst/>
+          </a:prstGeom>
+        </p:spPr>
+        <p:txBody>
+          <a:bodyPr anchorCtr="0" anchor="t" bIns="91425" lIns="91425" spcFirstLastPara="1" rIns="91425" wrap="square" tIns="91425">
+            <a:noAutofit/>
+          </a:bodyPr>
+          <a:lstStyle/>
+          <a:p>
+            <a:pPr indent="0" lvl="0" marL="0" rtl="0" algn="l">
+              <a:spcBef>
+                <a:spcPts val="0"/>
+              </a:spcBef>
+              <a:spcAft>
+                <a:spcPts val="0"/>
+              </a:spcAft>
+              <a:buNone/>
+            </a:pPr>
+            <a:r>
+              <a:t/>
+            </a:r>
+            <a:endParaRPr/>
+          </a:p>
+        </p:txBody>
+      </p:sp>
+    </p:spTree>
+  </p:cSld>
+  <p:clrMapOvr>
+    <a:masterClrMapping/>
+  </p:clrMapOvr>
+</p:notes>
+</file>
+
+<file path=ppt/notesSlides/notesSlide15.xml><?xml version="1.0" encoding="utf-8"?>
+<p:notes xmlns:a="http://schemas.openxmlformats.org/drawingml/2006/main" xmlns:r="http://schemas.openxmlformats.org/officeDocument/2006/relationships" xmlns:mc="http://schemas.openxmlformats.org/markup-compatibility/2006" xmlns:mv="urn:schemas-microsoft-com:mac:vml" xmlns:p="http://schemas.openxmlformats.org/presentationml/2006/main" xmlns:c="http://schemas.openxmlformats.org/drawingml/2006/chart" xmlns:dgm="http://schemas.openxmlformats.org/drawingml/2006/diagram" xmlns:o="urn:schemas-microsoft-com:office:office" xmlns:v="urn:schemas-microsoft-com:vml" xmlns:pvml="urn:schemas-microsoft-com:office:powerpoint" xmlns:com="http://schemas.openxmlformats.org/drawingml/2006/compatibility" xmlns:p14="http://schemas.microsoft.com/office/powerpoint/2010/main" xmlns:p15="http://schemas.microsoft.com/office/powerpoint/2012/main" xmlns:ahyp="http://schemas.microsoft.com/office/drawing/2018/hyperlinkcolor" showMasterPhAnim="0" showMasterSp="0">
+  <p:cSld>
+    <p:spTree>
+      <p:nvGrpSpPr>
+        <p:cNvPr id="211" name="Shape 211"/>
+        <p:cNvGrpSpPr/>
+        <p:nvPr/>
+      </p:nvGrpSpPr>
+      <p:grpSpPr>
+        <a:xfrm>
+          <a:off x="0" y="0"/>
+          <a:ext cx="0" cy="0"/>
+          <a:chOff x="0" y="0"/>
+          <a:chExt cx="0" cy="0"/>
+        </a:xfrm>
+      </p:grpSpPr>
+      <p:sp>
+        <p:nvSpPr>
+          <p:cNvPr id="212" name="Google Shape;212;g293a6523dbb_6_80:notes"/>
+          <p:cNvSpPr/>
+          <p:nvPr>
+            <p:ph idx="2" type="sldImg"/>
+          </p:nvPr>
+        </p:nvSpPr>
+        <p:spPr>
+          <a:xfrm>
+            <a:off x="381300" y="685800"/>
+            <a:ext cx="6096000" cy="3429000"/>
+          </a:xfrm>
+          <a:custGeom>
+            <a:rect b="b" l="l" r="r" t="t"/>
+            <a:pathLst>
+              <a:path extrusionOk="0" h="120000" w="120000">
+                <a:moveTo>
+                  <a:pt x="0" y="0"/>
+                </a:moveTo>
+                <a:lnTo>
+                  <a:pt x="120000" y="0"/>
+                </a:lnTo>
+                <a:lnTo>
+                  <a:pt x="120000" y="120000"/>
+                </a:lnTo>
+                <a:lnTo>
+                  <a:pt x="0" y="120000"/>
+                </a:lnTo>
+                <a:close/>
+              </a:path>
+            </a:pathLst>
+          </a:custGeom>
+        </p:spPr>
+      </p:sp>
+      <p:sp>
+        <p:nvSpPr>
+          <p:cNvPr id="213" name="Google Shape;213;g293a6523dbb_6_80:notes"/>
+          <p:cNvSpPr txBox="1"/>
+          <p:nvPr>
+            <p:ph idx="1" type="body"/>
+          </p:nvPr>
+        </p:nvSpPr>
+        <p:spPr>
+          <a:xfrm>
+            <a:off x="685800" y="4343400"/>
+            <a:ext cx="5486400" cy="4114800"/>
+          </a:xfrm>
+          <a:prstGeom prst="rect">
+            <a:avLst/>
+          </a:prstGeom>
+        </p:spPr>
+        <p:txBody>
+          <a:bodyPr anchorCtr="0" anchor="t" bIns="91425" lIns="91425" spcFirstLastPara="1" rIns="91425" wrap="square" tIns="91425">
+            <a:noAutofit/>
+          </a:bodyPr>
+          <a:lstStyle/>
+          <a:p>
+            <a:pPr indent="0" lvl="0" marL="0" rtl="0" algn="l">
+              <a:spcBef>
+                <a:spcPts val="0"/>
+              </a:spcBef>
+              <a:spcAft>
+                <a:spcPts val="0"/>
+              </a:spcAft>
+              <a:buNone/>
+            </a:pPr>
+            <a:r>
+              <a:t/>
+            </a:r>
+            <a:endParaRPr/>
+          </a:p>
+        </p:txBody>
+      </p:sp>
+    </p:spTree>
+  </p:cSld>
+  <p:clrMapOvr>
+    <a:masterClrMapping/>
+  </p:clrMapOvr>
+</p:notes>
+</file>
+
+<file path=ppt/notesSlides/notesSlide16.xml><?xml version="1.0" encoding="utf-8"?>
+<p:notes xmlns:a="http://schemas.openxmlformats.org/drawingml/2006/main" xmlns:r="http://schemas.openxmlformats.org/officeDocument/2006/relationships" xmlns:mc="http://schemas.openxmlformats.org/markup-compatibility/2006" xmlns:mv="urn:schemas-microsoft-com:mac:vml" xmlns:p="http://schemas.openxmlformats.org/presentationml/2006/main" xmlns:c="http://schemas.openxmlformats.org/drawingml/2006/chart" xmlns:dgm="http://schemas.openxmlformats.org/drawingml/2006/diagram" xmlns:o="urn:schemas-microsoft-com:office:office" xmlns:v="urn:schemas-microsoft-com:vml" xmlns:pvml="urn:schemas-microsoft-com:office:powerpoint" xmlns:com="http://schemas.openxmlformats.org/drawingml/2006/compatibility" xmlns:p14="http://schemas.microsoft.com/office/powerpoint/2010/main" xmlns:p15="http://schemas.microsoft.com/office/powerpoint/2012/main" xmlns:ahyp="http://schemas.microsoft.com/office/drawing/2018/hyperlinkcolor" showMasterPhAnim="0" showMasterSp="0">
+  <p:cSld>
+    <p:spTree>
+      <p:nvGrpSpPr>
+        <p:cNvPr id="217" name="Shape 217"/>
+        <p:cNvGrpSpPr/>
+        <p:nvPr/>
+      </p:nvGrpSpPr>
+      <p:grpSpPr>
+        <a:xfrm>
+          <a:off x="0" y="0"/>
+          <a:ext cx="0" cy="0"/>
+          <a:chOff x="0" y="0"/>
+          <a:chExt cx="0" cy="0"/>
+        </a:xfrm>
+      </p:grpSpPr>
+      <p:sp>
+        <p:nvSpPr>
+          <p:cNvPr id="218" name="Google Shape;218;g293a6523dbb_6_101:notes"/>
+          <p:cNvSpPr/>
+          <p:nvPr>
+            <p:ph idx="2" type="sldImg"/>
+          </p:nvPr>
+        </p:nvSpPr>
+        <p:spPr>
+          <a:xfrm>
+            <a:off x="381300" y="685800"/>
+            <a:ext cx="6096000" cy="3429000"/>
+          </a:xfrm>
+          <a:custGeom>
+            <a:rect b="b" l="l" r="r" t="t"/>
+            <a:pathLst>
+              <a:path extrusionOk="0" h="120000" w="120000">
+                <a:moveTo>
+                  <a:pt x="0" y="0"/>
+                </a:moveTo>
+                <a:lnTo>
+                  <a:pt x="120000" y="0"/>
+                </a:lnTo>
+                <a:lnTo>
+                  <a:pt x="120000" y="120000"/>
+                </a:lnTo>
+                <a:lnTo>
+                  <a:pt x="0" y="120000"/>
+                </a:lnTo>
+                <a:close/>
+              </a:path>
+            </a:pathLst>
+          </a:custGeom>
+        </p:spPr>
+      </p:sp>
+      <p:sp>
+        <p:nvSpPr>
+          <p:cNvPr id="219" name="Google Shape;219;g293a6523dbb_6_101:notes"/>
+          <p:cNvSpPr txBox="1"/>
+          <p:nvPr>
+            <p:ph idx="1" type="body"/>
+          </p:nvPr>
+        </p:nvSpPr>
+        <p:spPr>
+          <a:xfrm>
+            <a:off x="685800" y="4343400"/>
+            <a:ext cx="5486400" cy="4114800"/>
+          </a:xfrm>
+          <a:prstGeom prst="rect">
+            <a:avLst/>
+          </a:prstGeom>
+        </p:spPr>
+        <p:txBody>
+          <a:bodyPr anchorCtr="0" anchor="t" bIns="91425" lIns="91425" spcFirstLastPara="1" rIns="91425" wrap="square" tIns="91425">
+            <a:noAutofit/>
+          </a:bodyPr>
+          <a:lstStyle/>
+          <a:p>
+            <a:pPr indent="0" lvl="0" marL="0" rtl="0" algn="l">
+              <a:spcBef>
+                <a:spcPts val="0"/>
+              </a:spcBef>
+              <a:spcAft>
+                <a:spcPts val="0"/>
+              </a:spcAft>
+              <a:buNone/>
+            </a:pPr>
+            <a:r>
+              <a:t/>
+            </a:r>
+            <a:endParaRPr/>
+          </a:p>
+        </p:txBody>
+      </p:sp>
+    </p:spTree>
+  </p:cSld>
+  <p:clrMapOvr>
+    <a:masterClrMapping/>
+  </p:clrMapOvr>
+</p:notes>
+</file>
+
+<file path=ppt/notesSlides/notesSlide17.xml><?xml version="1.0" encoding="utf-8"?>
+<p:notes xmlns:a="http://schemas.openxmlformats.org/drawingml/2006/main" xmlns:r="http://schemas.openxmlformats.org/officeDocument/2006/relationships" xmlns:mc="http://schemas.openxmlformats.org/markup-compatibility/2006" xmlns:mv="urn:schemas-microsoft-com:mac:vml" xmlns:p="http://schemas.openxmlformats.org/presentationml/2006/main" xmlns:c="http://schemas.openxmlformats.org/drawingml/2006/chart" xmlns:dgm="http://schemas.openxmlformats.org/drawingml/2006/diagram" xmlns:o="urn:schemas-microsoft-com:office:office" xmlns:v="urn:schemas-microsoft-com:vml" xmlns:pvml="urn:schemas-microsoft-com:office:powerpoint" xmlns:com="http://schemas.openxmlformats.org/drawingml/2006/compatibility" xmlns:p14="http://schemas.microsoft.com/office/powerpoint/2010/main" xmlns:p15="http://schemas.microsoft.com/office/powerpoint/2012/main" xmlns:ahyp="http://schemas.microsoft.com/office/drawing/2018/hyperlinkcolor" showMasterPhAnim="0" showMasterSp="0">
+  <p:cSld>
+    <p:spTree>
+      <p:nvGrpSpPr>
+        <p:cNvPr id="222" name="Shape 222"/>
+        <p:cNvGrpSpPr/>
+        <p:nvPr/>
+      </p:nvGrpSpPr>
+      <p:grpSpPr>
+        <a:xfrm>
+          <a:off x="0" y="0"/>
+          <a:ext cx="0" cy="0"/>
+          <a:chOff x="0" y="0"/>
+          <a:chExt cx="0" cy="0"/>
+        </a:xfrm>
+      </p:grpSpPr>
+      <p:sp>
+        <p:nvSpPr>
+          <p:cNvPr id="223" name="Google Shape;223;g293a6523dbb_6_96:notes"/>
+          <p:cNvSpPr/>
+          <p:nvPr>
+            <p:ph idx="2" type="sldImg"/>
+          </p:nvPr>
+        </p:nvSpPr>
+        <p:spPr>
+          <a:xfrm>
+            <a:off x="381300" y="685800"/>
+            <a:ext cx="6096000" cy="3429000"/>
+          </a:xfrm>
+          <a:custGeom>
+            <a:rect b="b" l="l" r="r" t="t"/>
+            <a:pathLst>
+              <a:path extrusionOk="0" h="120000" w="120000">
+                <a:moveTo>
+                  <a:pt x="0" y="0"/>
+                </a:moveTo>
+                <a:lnTo>
+                  <a:pt x="120000" y="0"/>
+                </a:lnTo>
+                <a:lnTo>
+                  <a:pt x="120000" y="120000"/>
+                </a:lnTo>
+                <a:lnTo>
+                  <a:pt x="0" y="120000"/>
+                </a:lnTo>
+                <a:close/>
+              </a:path>
+            </a:pathLst>
+          </a:custGeom>
+        </p:spPr>
+      </p:sp>
+      <p:sp>
+        <p:nvSpPr>
+          <p:cNvPr id="224" name="Google Shape;224;g293a6523dbb_6_96:notes"/>
+          <p:cNvSpPr txBox="1"/>
+          <p:nvPr>
+            <p:ph idx="1" type="body"/>
+          </p:nvPr>
+        </p:nvSpPr>
+        <p:spPr>
+          <a:xfrm>
+            <a:off x="685800" y="4343400"/>
+            <a:ext cx="5486400" cy="4114800"/>
+          </a:xfrm>
+          <a:prstGeom prst="rect">
+            <a:avLst/>
+          </a:prstGeom>
+        </p:spPr>
+        <p:txBody>
+          <a:bodyPr anchorCtr="0" anchor="t" bIns="91425" lIns="91425" spcFirstLastPara="1" rIns="91425" wrap="square" tIns="91425">
+            <a:noAutofit/>
+          </a:bodyPr>
+          <a:lstStyle/>
+          <a:p>
+            <a:pPr indent="0" lvl="0" marL="0" rtl="0" algn="l">
+              <a:spcBef>
+                <a:spcPts val="0"/>
+              </a:spcBef>
+              <a:spcAft>
+                <a:spcPts val="0"/>
+              </a:spcAft>
+              <a:buNone/>
+            </a:pPr>
+            <a:r>
+              <a:t/>
+            </a:r>
+            <a:endParaRPr/>
+          </a:p>
+        </p:txBody>
+      </p:sp>
+    </p:spTree>
+  </p:cSld>
+  <p:clrMapOvr>
+    <a:masterClrMapping/>
+  </p:clrMapOvr>
+</p:notes>
+</file>
+
+<file path=ppt/notesSlides/notesSlide18.xml><?xml version="1.0" encoding="utf-8"?>
+<p:notes xmlns:a="http://schemas.openxmlformats.org/drawingml/2006/main" xmlns:r="http://schemas.openxmlformats.org/officeDocument/2006/relationships" xmlns:mc="http://schemas.openxmlformats.org/markup-compatibility/2006" xmlns:mv="urn:schemas-microsoft-com:mac:vml" xmlns:p="http://schemas.openxmlformats.org/presentationml/2006/main" xmlns:c="http://schemas.openxmlformats.org/drawingml/2006/chart" xmlns:dgm="http://schemas.openxmlformats.org/drawingml/2006/diagram" xmlns:o="urn:schemas-microsoft-com:office:office" xmlns:v="urn:schemas-microsoft-com:vml" xmlns:pvml="urn:schemas-microsoft-com:office:powerpoint" xmlns:com="http://schemas.openxmlformats.org/drawingml/2006/compatibility" xmlns:p14="http://schemas.microsoft.com/office/powerpoint/2010/main" xmlns:p15="http://schemas.microsoft.com/office/powerpoint/2012/main" xmlns:ahyp="http://schemas.microsoft.com/office/drawing/2018/hyperlinkcolor" showMasterPhAnim="0" showMasterSp="0">
+  <p:cSld>
+    <p:spTree>
+      <p:nvGrpSpPr>
+        <p:cNvPr id="229" name="Shape 229"/>
+        <p:cNvGrpSpPr/>
+        <p:nvPr/>
+      </p:nvGrpSpPr>
+      <p:grpSpPr>
+        <a:xfrm>
+          <a:off x="0" y="0"/>
+          <a:ext cx="0" cy="0"/>
+          <a:chOff x="0" y="0"/>
+          <a:chExt cx="0" cy="0"/>
+        </a:xfrm>
+      </p:grpSpPr>
+      <p:sp>
+        <p:nvSpPr>
+          <p:cNvPr id="230" name="Google Shape;230;g293a6523dbb_6_111:notes"/>
+          <p:cNvSpPr/>
+          <p:nvPr>
+            <p:ph idx="2" type="sldImg"/>
+          </p:nvPr>
+        </p:nvSpPr>
+        <p:spPr>
+          <a:xfrm>
+            <a:off x="381300" y="685800"/>
+            <a:ext cx="6096000" cy="3429000"/>
+          </a:xfrm>
+          <a:custGeom>
+            <a:rect b="b" l="l" r="r" t="t"/>
+            <a:pathLst>
+              <a:path extrusionOk="0" h="120000" w="120000">
+                <a:moveTo>
+                  <a:pt x="0" y="0"/>
+                </a:moveTo>
+                <a:lnTo>
+                  <a:pt x="120000" y="0"/>
+                </a:lnTo>
+                <a:lnTo>
+                  <a:pt x="120000" y="120000"/>
+                </a:lnTo>
+                <a:lnTo>
+                  <a:pt x="0" y="120000"/>
+                </a:lnTo>
+                <a:close/>
+              </a:path>
+            </a:pathLst>
+          </a:custGeom>
+        </p:spPr>
+      </p:sp>
+      <p:sp>
+        <p:nvSpPr>
+          <p:cNvPr id="231" name="Google Shape;231;g293a6523dbb_6_111:notes"/>
           <p:cNvSpPr txBox="1"/>
           <p:nvPr>
             <p:ph idx="1" type="body"/>
@@ -10508,8 +11008,8 @@
         </p:blipFill>
         <p:spPr>
           <a:xfrm>
-            <a:off x="1883663" y="155088"/>
-            <a:ext cx="6931154" cy="4833325"/>
+            <a:off x="1881899" y="152400"/>
+            <a:ext cx="6934682" cy="4838701"/>
           </a:xfrm>
           <a:prstGeom prst="rect">
             <a:avLst/>
@@ -10528,8 +11028,8 @@
         </p:nvSpPr>
         <p:spPr>
           <a:xfrm>
-            <a:off x="416150" y="1564675"/>
-            <a:ext cx="3071100" cy="1689600"/>
+            <a:off x="51000" y="1656225"/>
+            <a:ext cx="1830900" cy="1606200"/>
           </a:xfrm>
           <a:prstGeom prst="rect">
             <a:avLst/>
@@ -10564,39 +11064,7 @@
                 <a:cs typeface="Lato"/>
                 <a:sym typeface="Lato"/>
               </a:rPr>
-              <a:t>No Center: 315 </a:t>
-            </a:r>
-            <a:endParaRPr>
-              <a:solidFill>
-                <a:schemeClr val="lt1"/>
-              </a:solidFill>
-              <a:latin typeface="Lato"/>
-              <a:ea typeface="Lato"/>
-              <a:cs typeface="Lato"/>
-              <a:sym typeface="Lato"/>
-            </a:endParaRPr>
-          </a:p>
-          <a:p>
-            <a:pPr indent="0" lvl="0" marL="0" rtl="0" algn="l">
-              <a:spcBef>
-                <a:spcPts val="0"/>
-              </a:spcBef>
-              <a:spcAft>
-                <a:spcPts val="0"/>
-              </a:spcAft>
-              <a:buNone/>
-            </a:pPr>
-            <a:r>
-              <a:rPr lang="en">
-                <a:solidFill>
-                  <a:schemeClr val="lt1"/>
-                </a:solidFill>
-                <a:latin typeface="Lato"/>
-                <a:ea typeface="Lato"/>
-                <a:cs typeface="Lato"/>
-                <a:sym typeface="Lato"/>
-              </a:rPr>
-              <a:t>At Least One Center: 2,748 </a:t>
+              <a:t>6 States with the Lowest Enroll Rates</a:t>
             </a:r>
             <a:endParaRPr>
               <a:solidFill>
@@ -10658,8 +11126,8 @@
         </p:blipFill>
         <p:spPr>
           <a:xfrm>
-            <a:off x="1881899" y="152400"/>
-            <a:ext cx="6934682" cy="4838701"/>
+            <a:off x="1883663" y="155088"/>
+            <a:ext cx="6931154" cy="4833325"/>
           </a:xfrm>
           <a:prstGeom prst="rect">
             <a:avLst/>
@@ -10678,8 +11146,8 @@
         </p:nvSpPr>
         <p:spPr>
           <a:xfrm>
-            <a:off x="51000" y="1656225"/>
-            <a:ext cx="1830900" cy="1606200"/>
+            <a:off x="416150" y="1564675"/>
+            <a:ext cx="3071100" cy="1689600"/>
           </a:xfrm>
           <a:prstGeom prst="rect">
             <a:avLst/>
@@ -10714,7 +11182,39 @@
                 <a:cs typeface="Lato"/>
                 <a:sym typeface="Lato"/>
               </a:rPr>
-              <a:t>6 States with the Lowest Enroll Rates</a:t>
+              <a:t>No Center: 315 </a:t>
+            </a:r>
+            <a:endParaRPr>
+              <a:solidFill>
+                <a:schemeClr val="lt1"/>
+              </a:solidFill>
+              <a:latin typeface="Lato"/>
+              <a:ea typeface="Lato"/>
+              <a:cs typeface="Lato"/>
+              <a:sym typeface="Lato"/>
+            </a:endParaRPr>
+          </a:p>
+          <a:p>
+            <a:pPr indent="0" lvl="0" marL="0" rtl="0" algn="l">
+              <a:spcBef>
+                <a:spcPts val="0"/>
+              </a:spcBef>
+              <a:spcAft>
+                <a:spcPts val="0"/>
+              </a:spcAft>
+              <a:buNone/>
+            </a:pPr>
+            <a:r>
+              <a:rPr lang="en">
+                <a:solidFill>
+                  <a:schemeClr val="lt1"/>
+                </a:solidFill>
+                <a:latin typeface="Lato"/>
+                <a:ea typeface="Lato"/>
+                <a:cs typeface="Lato"/>
+                <a:sym typeface="Lato"/>
+              </a:rPr>
+              <a:t>At Least One Center: 2,748 </a:t>
             </a:r>
             <a:endParaRPr>
               <a:solidFill>
@@ -10854,6 +11354,552 @@
 </p:sld>
 </file>
 
+<file path=ppt/slides/slide14.xml><?xml version="1.0" encoding="utf-8"?>
+<p:sld xmlns:a="http://schemas.openxmlformats.org/drawingml/2006/main" xmlns:r="http://schemas.openxmlformats.org/officeDocument/2006/relationships" xmlns:mc="http://schemas.openxmlformats.org/markup-compatibility/2006" xmlns:mv="urn:schemas-microsoft-com:mac:vml" xmlns:p="http://schemas.openxmlformats.org/presentationml/2006/main" xmlns:c="http://schemas.openxmlformats.org/drawingml/2006/chart" xmlns:dgm="http://schemas.openxmlformats.org/drawingml/2006/diagram" xmlns:o="urn:schemas-microsoft-com:office:office" xmlns:v="urn:schemas-microsoft-com:vml" xmlns:pvml="urn:schemas-microsoft-com:office:powerpoint" xmlns:com="http://schemas.openxmlformats.org/drawingml/2006/compatibility" xmlns:p14="http://schemas.microsoft.com/office/powerpoint/2010/main" xmlns:p15="http://schemas.microsoft.com/office/powerpoint/2012/main" xmlns:ahyp="http://schemas.microsoft.com/office/drawing/2018/hyperlinkcolor">
+  <p:cSld>
+    <p:bg>
+      <p:bgPr>
+        <a:solidFill>
+          <a:srgbClr val="000000"/>
+        </a:solidFill>
+      </p:bgPr>
+    </p:bg>
+    <p:spTree>
+      <p:nvGrpSpPr>
+        <p:cNvPr id="209" name="Shape 209"/>
+        <p:cNvGrpSpPr/>
+        <p:nvPr/>
+      </p:nvGrpSpPr>
+      <p:grpSpPr>
+        <a:xfrm>
+          <a:off x="0" y="0"/>
+          <a:ext cx="0" cy="0"/>
+          <a:chOff x="0" y="0"/>
+          <a:chExt cx="0" cy="0"/>
+        </a:xfrm>
+      </p:grpSpPr>
+      <p:sp>
+        <p:nvSpPr>
+          <p:cNvPr id="210" name="Google Shape;210;p26"/>
+          <p:cNvSpPr txBox="1"/>
+          <p:nvPr>
+            <p:ph type="title"/>
+          </p:nvPr>
+        </p:nvSpPr>
+        <p:spPr>
+          <a:xfrm>
+            <a:off x="823850" y="2053000"/>
+            <a:ext cx="4587000" cy="1148700"/>
+          </a:xfrm>
+          <a:prstGeom prst="rect">
+            <a:avLst/>
+          </a:prstGeom>
+        </p:spPr>
+        <p:txBody>
+          <a:bodyPr anchorCtr="0" anchor="ctr" bIns="91425" lIns="91425" spcFirstLastPara="1" rIns="91425" wrap="square" tIns="91425">
+            <a:normAutofit/>
+          </a:bodyPr>
+          <a:lstStyle/>
+          <a:p>
+            <a:pPr indent="0" lvl="0" marL="0" rtl="0" algn="l">
+              <a:spcBef>
+                <a:spcPts val="0"/>
+              </a:spcBef>
+              <a:spcAft>
+                <a:spcPts val="0"/>
+              </a:spcAft>
+              <a:buNone/>
+            </a:pPr>
+            <a:r>
+              <a:rPr lang="en"/>
+              <a:t>Major Insights</a:t>
+            </a:r>
+            <a:endParaRPr/>
+          </a:p>
+        </p:txBody>
+      </p:sp>
+    </p:spTree>
+  </p:cSld>
+  <p:clrMapOvr>
+    <a:masterClrMapping/>
+  </p:clrMapOvr>
+</p:sld>
+</file>
+
+<file path=ppt/slides/slide15.xml><?xml version="1.0" encoding="utf-8"?>
+<p:sld xmlns:a="http://schemas.openxmlformats.org/drawingml/2006/main" xmlns:r="http://schemas.openxmlformats.org/officeDocument/2006/relationships" xmlns:mc="http://schemas.openxmlformats.org/markup-compatibility/2006" xmlns:mv="urn:schemas-microsoft-com:mac:vml" xmlns:p="http://schemas.openxmlformats.org/presentationml/2006/main" xmlns:c="http://schemas.openxmlformats.org/drawingml/2006/chart" xmlns:dgm="http://schemas.openxmlformats.org/drawingml/2006/diagram" xmlns:o="urn:schemas-microsoft-com:office:office" xmlns:v="urn:schemas-microsoft-com:vml" xmlns:pvml="urn:schemas-microsoft-com:office:powerpoint" xmlns:com="http://schemas.openxmlformats.org/drawingml/2006/compatibility" xmlns:p14="http://schemas.microsoft.com/office/powerpoint/2010/main" xmlns:p15="http://schemas.microsoft.com/office/powerpoint/2012/main" xmlns:ahyp="http://schemas.microsoft.com/office/drawing/2018/hyperlinkcolor">
+  <p:cSld>
+    <p:bg>
+      <p:bgPr>
+        <a:solidFill>
+          <a:srgbClr val="000000"/>
+        </a:solidFill>
+      </p:bgPr>
+    </p:bg>
+    <p:spTree>
+      <p:nvGrpSpPr>
+        <p:cNvPr id="214" name="Shape 214"/>
+        <p:cNvGrpSpPr/>
+        <p:nvPr/>
+      </p:nvGrpSpPr>
+      <p:grpSpPr>
+        <a:xfrm>
+          <a:off x="0" y="0"/>
+          <a:ext cx="0" cy="0"/>
+          <a:chOff x="0" y="0"/>
+          <a:chExt cx="0" cy="0"/>
+        </a:xfrm>
+      </p:grpSpPr>
+      <p:sp>
+        <p:nvSpPr>
+          <p:cNvPr id="215" name="Google Shape;215;p27"/>
+          <p:cNvSpPr txBox="1"/>
+          <p:nvPr>
+            <p:ph type="title"/>
+          </p:nvPr>
+        </p:nvSpPr>
+        <p:spPr>
+          <a:xfrm>
+            <a:off x="1297500" y="393750"/>
+            <a:ext cx="7038900" cy="914100"/>
+          </a:xfrm>
+          <a:prstGeom prst="rect">
+            <a:avLst/>
+          </a:prstGeom>
+        </p:spPr>
+        <p:txBody>
+          <a:bodyPr anchorCtr="0" anchor="t" bIns="91425" lIns="91425" spcFirstLastPara="1" rIns="91425" wrap="square" tIns="91425">
+            <a:normAutofit/>
+          </a:bodyPr>
+          <a:lstStyle/>
+          <a:p>
+            <a:pPr indent="0" lvl="0" marL="0" rtl="0" algn="l">
+              <a:spcBef>
+                <a:spcPts val="0"/>
+              </a:spcBef>
+              <a:spcAft>
+                <a:spcPts val="0"/>
+              </a:spcAft>
+              <a:buNone/>
+            </a:pPr>
+            <a:r>
+              <a:rPr lang="en"/>
+              <a:t>Major Insights</a:t>
+            </a:r>
+            <a:endParaRPr/>
+          </a:p>
+        </p:txBody>
+      </p:sp>
+      <p:sp>
+        <p:nvSpPr>
+          <p:cNvPr id="216" name="Google Shape;216;p27"/>
+          <p:cNvSpPr txBox="1"/>
+          <p:nvPr>
+            <p:ph idx="1" type="body"/>
+          </p:nvPr>
+        </p:nvSpPr>
+        <p:spPr>
+          <a:xfrm>
+            <a:off x="1297500" y="1567550"/>
+            <a:ext cx="7038900" cy="2911200"/>
+          </a:xfrm>
+          <a:prstGeom prst="rect">
+            <a:avLst/>
+          </a:prstGeom>
+        </p:spPr>
+        <p:txBody>
+          <a:bodyPr anchorCtr="0" anchor="t" bIns="91425" lIns="91425" spcFirstLastPara="1" rIns="91425" wrap="square" tIns="91425">
+            <a:normAutofit fontScale="92500" lnSpcReduction="20000"/>
+          </a:bodyPr>
+          <a:lstStyle/>
+          <a:p>
+            <a:pPr indent="0" lvl="0" marL="0" rtl="0" algn="l">
+              <a:spcBef>
+                <a:spcPts val="0"/>
+              </a:spcBef>
+              <a:spcAft>
+                <a:spcPts val="0"/>
+              </a:spcAft>
+              <a:buNone/>
+            </a:pPr>
+            <a:r>
+              <a:rPr lang="en"/>
+              <a:t>We found that there are clusters of counties in both Texas and Georgia where the metric children per center have abnormally high values, indicating potential scarcity of Head Start recourse in those areas. Policy makers may need to find more Head Start participants in those areas so as to facilitate the accessibility of Head Start.</a:t>
+            </a:r>
+            <a:endParaRPr/>
+          </a:p>
+          <a:p>
+            <a:pPr indent="0" lvl="0" marL="0" rtl="0" algn="l">
+              <a:spcBef>
+                <a:spcPts val="1200"/>
+              </a:spcBef>
+              <a:spcAft>
+                <a:spcPts val="0"/>
+              </a:spcAft>
+              <a:buNone/>
+            </a:pPr>
+            <a:r>
+              <a:rPr lang="en"/>
+              <a:t>Nevada, Idaho, Arizona, Georgia, and Texas are the states with the lowest estimated enrollment rate, meaning that the communities in these five states are very likely to be underserved. Policy makers may need to increase public exposure to Head Start, especially to low-income families, so that low-income families are aware of Head Start and begin enrolling in Head Start.</a:t>
+            </a:r>
+            <a:endParaRPr/>
+          </a:p>
+          <a:p>
+            <a:pPr indent="0" lvl="0" marL="0" rtl="0" algn="l">
+              <a:spcBef>
+                <a:spcPts val="1200"/>
+              </a:spcBef>
+              <a:spcAft>
+                <a:spcPts val="1200"/>
+              </a:spcAft>
+              <a:buNone/>
+            </a:pPr>
+            <a:r>
+              <a:rPr lang="en"/>
+              <a:t>A linear regression model was built to better understand and evaluate the funding policy of Head Start. We achieved an adjusted score of 0.971, indicating very successful regression modeling. The model suggests a strong correlation between funding amount, enrollment amount, and regional personal income level, showing that the funding policy of Head Start is well tailored to the actual situation of each state.</a:t>
+            </a:r>
+            <a:endParaRPr/>
+          </a:p>
+        </p:txBody>
+      </p:sp>
+    </p:spTree>
+  </p:cSld>
+  <p:clrMapOvr>
+    <a:masterClrMapping/>
+  </p:clrMapOvr>
+</p:sld>
+</file>
+
+<file path=ppt/slides/slide16.xml><?xml version="1.0" encoding="utf-8"?>
+<p:sld xmlns:a="http://schemas.openxmlformats.org/drawingml/2006/main" xmlns:r="http://schemas.openxmlformats.org/officeDocument/2006/relationships" xmlns:mc="http://schemas.openxmlformats.org/markup-compatibility/2006" xmlns:mv="urn:schemas-microsoft-com:mac:vml" xmlns:p="http://schemas.openxmlformats.org/presentationml/2006/main" xmlns:c="http://schemas.openxmlformats.org/drawingml/2006/chart" xmlns:dgm="http://schemas.openxmlformats.org/drawingml/2006/diagram" xmlns:o="urn:schemas-microsoft-com:office:office" xmlns:v="urn:schemas-microsoft-com:vml" xmlns:pvml="urn:schemas-microsoft-com:office:powerpoint" xmlns:com="http://schemas.openxmlformats.org/drawingml/2006/compatibility" xmlns:p14="http://schemas.microsoft.com/office/powerpoint/2010/main" xmlns:p15="http://schemas.microsoft.com/office/powerpoint/2012/main" xmlns:ahyp="http://schemas.microsoft.com/office/drawing/2018/hyperlinkcolor">
+  <p:cSld>
+    <p:bg>
+      <p:bgPr>
+        <a:solidFill>
+          <a:srgbClr val="000000"/>
+        </a:solidFill>
+      </p:bgPr>
+    </p:bg>
+    <p:spTree>
+      <p:nvGrpSpPr>
+        <p:cNvPr id="220" name="Shape 220"/>
+        <p:cNvGrpSpPr/>
+        <p:nvPr/>
+      </p:nvGrpSpPr>
+      <p:grpSpPr>
+        <a:xfrm>
+          <a:off x="0" y="0"/>
+          <a:ext cx="0" cy="0"/>
+          <a:chOff x="0" y="0"/>
+          <a:chExt cx="0" cy="0"/>
+        </a:xfrm>
+      </p:grpSpPr>
+      <p:sp>
+        <p:nvSpPr>
+          <p:cNvPr id="221" name="Google Shape;221;p28"/>
+          <p:cNvSpPr txBox="1"/>
+          <p:nvPr>
+            <p:ph type="title"/>
+          </p:nvPr>
+        </p:nvSpPr>
+        <p:spPr>
+          <a:xfrm>
+            <a:off x="823850" y="2053000"/>
+            <a:ext cx="4587000" cy="1148700"/>
+          </a:xfrm>
+          <a:prstGeom prst="rect">
+            <a:avLst/>
+          </a:prstGeom>
+        </p:spPr>
+        <p:txBody>
+          <a:bodyPr anchorCtr="0" anchor="ctr" bIns="91425" lIns="91425" spcFirstLastPara="1" rIns="91425" wrap="square" tIns="91425">
+            <a:normAutofit/>
+          </a:bodyPr>
+          <a:lstStyle/>
+          <a:p>
+            <a:pPr indent="0" lvl="0" marL="0" rtl="0" algn="l">
+              <a:spcBef>
+                <a:spcPts val="0"/>
+              </a:spcBef>
+              <a:spcAft>
+                <a:spcPts val="0"/>
+              </a:spcAft>
+              <a:buNone/>
+            </a:pPr>
+            <a:r>
+              <a:rPr lang="en"/>
+              <a:t>One More Thing…</a:t>
+            </a:r>
+            <a:endParaRPr/>
+          </a:p>
+        </p:txBody>
+      </p:sp>
+    </p:spTree>
+  </p:cSld>
+  <p:clrMapOvr>
+    <a:masterClrMapping/>
+  </p:clrMapOvr>
+</p:sld>
+</file>
+
+<file path=ppt/slides/slide17.xml><?xml version="1.0" encoding="utf-8"?>
+<p:sld xmlns:a="http://schemas.openxmlformats.org/drawingml/2006/main" xmlns:r="http://schemas.openxmlformats.org/officeDocument/2006/relationships" xmlns:mc="http://schemas.openxmlformats.org/markup-compatibility/2006" xmlns:mv="urn:schemas-microsoft-com:mac:vml" xmlns:p="http://schemas.openxmlformats.org/presentationml/2006/main" xmlns:c="http://schemas.openxmlformats.org/drawingml/2006/chart" xmlns:dgm="http://schemas.openxmlformats.org/drawingml/2006/diagram" xmlns:o="urn:schemas-microsoft-com:office:office" xmlns:v="urn:schemas-microsoft-com:vml" xmlns:pvml="urn:schemas-microsoft-com:office:powerpoint" xmlns:com="http://schemas.openxmlformats.org/drawingml/2006/compatibility" xmlns:p14="http://schemas.microsoft.com/office/powerpoint/2010/main" xmlns:p15="http://schemas.microsoft.com/office/powerpoint/2012/main" xmlns:ahyp="http://schemas.microsoft.com/office/drawing/2018/hyperlinkcolor">
+  <p:cSld>
+    <p:bg>
+      <p:bgPr>
+        <a:solidFill>
+          <a:srgbClr val="000000"/>
+        </a:solidFill>
+      </p:bgPr>
+    </p:bg>
+    <p:spTree>
+      <p:nvGrpSpPr>
+        <p:cNvPr id="225" name="Shape 225"/>
+        <p:cNvGrpSpPr/>
+        <p:nvPr/>
+      </p:nvGrpSpPr>
+      <p:grpSpPr>
+        <a:xfrm>
+          <a:off x="0" y="0"/>
+          <a:ext cx="0" cy="0"/>
+          <a:chOff x="0" y="0"/>
+          <a:chExt cx="0" cy="0"/>
+        </a:xfrm>
+      </p:grpSpPr>
+      <p:sp>
+        <p:nvSpPr>
+          <p:cNvPr id="226" name="Google Shape;226;p29"/>
+          <p:cNvSpPr txBox="1"/>
+          <p:nvPr>
+            <p:ph type="title"/>
+          </p:nvPr>
+        </p:nvSpPr>
+        <p:spPr>
+          <a:xfrm>
+            <a:off x="1297500" y="393750"/>
+            <a:ext cx="7038900" cy="914100"/>
+          </a:xfrm>
+          <a:prstGeom prst="rect">
+            <a:avLst/>
+          </a:prstGeom>
+        </p:spPr>
+        <p:txBody>
+          <a:bodyPr anchorCtr="0" anchor="t" bIns="91425" lIns="91425" spcFirstLastPara="1" rIns="91425" wrap="square" tIns="91425">
+            <a:normAutofit fontScale="90000"/>
+          </a:bodyPr>
+          <a:lstStyle/>
+          <a:p>
+            <a:pPr indent="0" lvl="0" marL="0" rtl="0" algn="l">
+              <a:spcBef>
+                <a:spcPts val="0"/>
+              </a:spcBef>
+              <a:spcAft>
+                <a:spcPts val="0"/>
+              </a:spcAft>
+              <a:buNone/>
+            </a:pPr>
+            <a:r>
+              <a:rPr lang="en"/>
+              <a:t>Automated Analytics Pipeline</a:t>
+            </a:r>
+            <a:endParaRPr/>
+          </a:p>
+          <a:p>
+            <a:pPr indent="0" lvl="0" marL="0" rtl="0" algn="l">
+              <a:spcBef>
+                <a:spcPts val="0"/>
+              </a:spcBef>
+              <a:spcAft>
+                <a:spcPts val="0"/>
+              </a:spcAft>
+              <a:buNone/>
+            </a:pPr>
+            <a:r>
+              <a:t/>
+            </a:r>
+            <a:endParaRPr/>
+          </a:p>
+        </p:txBody>
+      </p:sp>
+      <p:pic>
+        <p:nvPicPr>
+          <p:cNvPr id="227" name="Google Shape;227;p29"/>
+          <p:cNvPicPr preferRelativeResize="0"/>
+          <p:nvPr/>
+        </p:nvPicPr>
+        <p:blipFill>
+          <a:blip r:embed="rId3">
+            <a:alphaModFix/>
+          </a:blip>
+          <a:stretch>
+            <a:fillRect/>
+          </a:stretch>
+        </p:blipFill>
+        <p:spPr>
+          <a:xfrm>
+            <a:off x="1494900" y="991575"/>
+            <a:ext cx="6154199" cy="3530852"/>
+          </a:xfrm>
+          <a:prstGeom prst="rect">
+            <a:avLst/>
+          </a:prstGeom>
+          <a:noFill/>
+          <a:ln>
+            <a:noFill/>
+          </a:ln>
+        </p:spPr>
+      </p:pic>
+      <p:sp>
+        <p:nvSpPr>
+          <p:cNvPr id="228" name="Google Shape;228;p29"/>
+          <p:cNvSpPr txBox="1"/>
+          <p:nvPr/>
+        </p:nvSpPr>
+        <p:spPr>
+          <a:xfrm>
+            <a:off x="2175000" y="4605650"/>
+            <a:ext cx="4794000" cy="400200"/>
+          </a:xfrm>
+          <a:prstGeom prst="rect">
+            <a:avLst/>
+          </a:prstGeom>
+          <a:noFill/>
+          <a:ln>
+            <a:noFill/>
+          </a:ln>
+        </p:spPr>
+        <p:txBody>
+          <a:bodyPr anchorCtr="0" anchor="t" bIns="91425" lIns="91425" spcFirstLastPara="1" rIns="91425" wrap="square" tIns="91425">
+            <a:spAutoFit/>
+          </a:bodyPr>
+          <a:lstStyle/>
+          <a:p>
+            <a:pPr indent="0" lvl="0" marL="0" rtl="0" algn="ctr">
+              <a:spcBef>
+                <a:spcPts val="0"/>
+              </a:spcBef>
+              <a:spcAft>
+                <a:spcPts val="0"/>
+              </a:spcAft>
+              <a:buNone/>
+            </a:pPr>
+            <a:r>
+              <a:rPr lang="en" u="sng">
+                <a:solidFill>
+                  <a:schemeClr val="hlink"/>
+                </a:solidFill>
+                <a:latin typeface="Lato"/>
+                <a:ea typeface="Lato"/>
+                <a:cs typeface="Lato"/>
+                <a:sym typeface="Lato"/>
+                <a:hlinkClick r:id="rId4"/>
+              </a:rPr>
+              <a:t>http://54.90.52.121/</a:t>
+            </a:r>
+            <a:r>
+              <a:rPr lang="en">
+                <a:solidFill>
+                  <a:schemeClr val="lt1"/>
+                </a:solidFill>
+                <a:latin typeface="Lato"/>
+                <a:ea typeface="Lato"/>
+                <a:cs typeface="Lato"/>
+                <a:sym typeface="Lato"/>
+              </a:rPr>
+              <a:t> </a:t>
+            </a:r>
+            <a:endParaRPr>
+              <a:solidFill>
+                <a:schemeClr val="lt1"/>
+              </a:solidFill>
+              <a:latin typeface="Lato"/>
+              <a:ea typeface="Lato"/>
+              <a:cs typeface="Lato"/>
+              <a:sym typeface="Lato"/>
+            </a:endParaRPr>
+          </a:p>
+        </p:txBody>
+      </p:sp>
+    </p:spTree>
+  </p:cSld>
+  <p:clrMapOvr>
+    <a:masterClrMapping/>
+  </p:clrMapOvr>
+</p:sld>
+</file>
+
+<file path=ppt/slides/slide18.xml><?xml version="1.0" encoding="utf-8"?>
+<p:sld xmlns:a="http://schemas.openxmlformats.org/drawingml/2006/main" xmlns:r="http://schemas.openxmlformats.org/officeDocument/2006/relationships" xmlns:mc="http://schemas.openxmlformats.org/markup-compatibility/2006" xmlns:mv="urn:schemas-microsoft-com:mac:vml" xmlns:p="http://schemas.openxmlformats.org/presentationml/2006/main" xmlns:c="http://schemas.openxmlformats.org/drawingml/2006/chart" xmlns:dgm="http://schemas.openxmlformats.org/drawingml/2006/diagram" xmlns:o="urn:schemas-microsoft-com:office:office" xmlns:v="urn:schemas-microsoft-com:vml" xmlns:pvml="urn:schemas-microsoft-com:office:powerpoint" xmlns:com="http://schemas.openxmlformats.org/drawingml/2006/compatibility" xmlns:p14="http://schemas.microsoft.com/office/powerpoint/2010/main" xmlns:p15="http://schemas.microsoft.com/office/powerpoint/2012/main" xmlns:ahyp="http://schemas.microsoft.com/office/drawing/2018/hyperlinkcolor">
+  <p:cSld>
+    <p:bg>
+      <p:bgPr>
+        <a:solidFill>
+          <a:srgbClr val="000000"/>
+        </a:solidFill>
+      </p:bgPr>
+    </p:bg>
+    <p:spTree>
+      <p:nvGrpSpPr>
+        <p:cNvPr id="232" name="Shape 232"/>
+        <p:cNvGrpSpPr/>
+        <p:nvPr/>
+      </p:nvGrpSpPr>
+      <p:grpSpPr>
+        <a:xfrm>
+          <a:off x="0" y="0"/>
+          <a:ext cx="0" cy="0"/>
+          <a:chOff x="0" y="0"/>
+          <a:chExt cx="0" cy="0"/>
+        </a:xfrm>
+      </p:grpSpPr>
+      <p:sp>
+        <p:nvSpPr>
+          <p:cNvPr id="233" name="Google Shape;233;p30"/>
+          <p:cNvSpPr txBox="1"/>
+          <p:nvPr>
+            <p:ph type="title"/>
+          </p:nvPr>
+        </p:nvSpPr>
+        <p:spPr>
+          <a:xfrm>
+            <a:off x="116400" y="1921350"/>
+            <a:ext cx="6067500" cy="1300800"/>
+          </a:xfrm>
+          <a:prstGeom prst="rect">
+            <a:avLst/>
+          </a:prstGeom>
+        </p:spPr>
+        <p:txBody>
+          <a:bodyPr anchorCtr="0" anchor="t" bIns="91425" lIns="91425" spcFirstLastPara="1" rIns="91425" wrap="square" tIns="91425">
+            <a:normAutofit fontScale="90000"/>
+          </a:bodyPr>
+          <a:lstStyle/>
+          <a:p>
+            <a:pPr indent="0" lvl="0" marL="0" rtl="0" algn="l">
+              <a:spcBef>
+                <a:spcPts val="0"/>
+              </a:spcBef>
+              <a:spcAft>
+                <a:spcPts val="0"/>
+              </a:spcAft>
+              <a:buNone/>
+            </a:pPr>
+            <a:r>
+              <a:rPr lang="en"/>
+              <a:t>Thank You!</a:t>
+            </a:r>
+            <a:endParaRPr/>
+          </a:p>
+        </p:txBody>
+      </p:sp>
+    </p:spTree>
+  </p:cSld>
+  <p:clrMapOvr>
+    <a:masterClrMapping/>
+  </p:clrMapOvr>
+</p:sld>
+</file>
+
 <file path=ppt/slides/slide2.xml><?xml version="1.0" encoding="utf-8"?>
 <p:sld xmlns:a="http://schemas.openxmlformats.org/drawingml/2006/main" xmlns:r="http://schemas.openxmlformats.org/officeDocument/2006/relationships" xmlns:mc="http://schemas.openxmlformats.org/markup-compatibility/2006" xmlns:mv="urn:schemas-microsoft-com:mac:vml" xmlns:p="http://schemas.openxmlformats.org/presentationml/2006/main" xmlns:c="http://schemas.openxmlformats.org/drawingml/2006/chart" xmlns:dgm="http://schemas.openxmlformats.org/drawingml/2006/diagram" xmlns:o="urn:schemas-microsoft-com:office:office" xmlns:v="urn:schemas-microsoft-com:vml" xmlns:pvml="urn:schemas-microsoft-com:office:powerpoint" xmlns:com="http://schemas.openxmlformats.org/drawingml/2006/compatibility" xmlns:p14="http://schemas.microsoft.com/office/powerpoint/2010/main" xmlns:p15="http://schemas.microsoft.com/office/powerpoint/2012/main" xmlns:ahyp="http://schemas.microsoft.com/office/drawing/2018/hyperlinkcolor">
   <p:cSld>
@@ -10941,37 +11987,89 @@
           </a:bodyPr>
           <a:lstStyle/>
           <a:p>
-            <a:pPr indent="-311150" lvl="0" marL="457200" rtl="0" algn="l">
-              <a:spcBef>
-                <a:spcPts val="0"/>
-              </a:spcBef>
-              <a:spcAft>
-                <a:spcPts val="0"/>
-              </a:spcAft>
-              <a:buSzPts val="1300"/>
+            <a:pPr indent="-330200" lvl="0" marL="457200" rtl="0" algn="l">
+              <a:spcBef>
+                <a:spcPts val="0"/>
+              </a:spcBef>
+              <a:spcAft>
+                <a:spcPts val="0"/>
+              </a:spcAft>
+              <a:buSzPts val="1600"/>
               <a:buChar char="-"/>
             </a:pPr>
             <a:r>
-              <a:rPr lang="en"/>
+              <a:rPr lang="en" sz="1600"/>
               <a:t>Background</a:t>
             </a:r>
-            <a:endParaRPr/>
+            <a:endParaRPr sz="1600"/>
           </a:p>
           <a:p>
-            <a:pPr indent="-311150" lvl="0" marL="457200" rtl="0" algn="l">
-              <a:spcBef>
-                <a:spcPts val="0"/>
-              </a:spcBef>
-              <a:spcAft>
-                <a:spcPts val="0"/>
-              </a:spcAft>
-              <a:buSzPts val="1300"/>
+            <a:pPr indent="-330200" lvl="0" marL="457200" rtl="0" algn="l">
+              <a:spcBef>
+                <a:spcPts val="0"/>
+              </a:spcBef>
+              <a:spcAft>
+                <a:spcPts val="0"/>
+              </a:spcAft>
+              <a:buSzPts val="1600"/>
               <a:buChar char="-"/>
             </a:pPr>
             <a:r>
-              <a:t/>
+              <a:rPr lang="en" sz="1600"/>
+              <a:t>Technologies In-use</a:t>
             </a:r>
-            <a:endParaRPr/>
+            <a:endParaRPr sz="1600"/>
+          </a:p>
+          <a:p>
+            <a:pPr indent="-330200" lvl="0" marL="457200" rtl="0" algn="l">
+              <a:spcBef>
+                <a:spcPts val="0"/>
+              </a:spcBef>
+              <a:spcAft>
+                <a:spcPts val="0"/>
+              </a:spcAft>
+              <a:buSzPts val="1600"/>
+              <a:buChar char="-"/>
+            </a:pPr>
+            <a:r>
+              <a:rPr lang="en" sz="1600"/>
+              <a:t>Major Findings</a:t>
+            </a:r>
+            <a:endParaRPr sz="1600"/>
+          </a:p>
+          <a:p>
+            <a:pPr indent="-330200" lvl="0" marL="457200" rtl="0" algn="l">
+              <a:spcBef>
+                <a:spcPts val="0"/>
+              </a:spcBef>
+              <a:spcAft>
+                <a:spcPts val="0"/>
+              </a:spcAft>
+              <a:buSzPts val="1600"/>
+              <a:buChar char="-"/>
+            </a:pPr>
+            <a:r>
+              <a:rPr lang="en" sz="1600"/>
+              <a:t>Major Insights</a:t>
+            </a:r>
+            <a:endParaRPr sz="1600"/>
+          </a:p>
+          <a:p>
+            <a:pPr indent="-330200" lvl="0" marL="457200" rtl="0" algn="l">
+              <a:spcBef>
+                <a:spcPts val="0"/>
+              </a:spcBef>
+              <a:spcAft>
+                <a:spcPts val="0"/>
+              </a:spcAft>
+              <a:buSzPts val="1600"/>
+              <a:buChar char="-"/>
+            </a:pPr>
+            <a:r>
+              <a:rPr lang="en" sz="1600"/>
+              <a:t>One More Thing</a:t>
+            </a:r>
+            <a:endParaRPr sz="1600"/>
           </a:p>
         </p:txBody>
       </p:sp>
@@ -11917,6 +13015,285 @@
 </file>
 
 <file path=ppt/theme/theme1.xml><?xml version="1.0" encoding="utf-8"?>
+<a:theme xmlns:a="http://schemas.openxmlformats.org/drawingml/2006/main" xmlns:r="http://schemas.openxmlformats.org/officeDocument/2006/relationships" name="Focus">
+  <a:themeElements>
+    <a:clrScheme name="Focus">
+      <a:dk1>
+        <a:srgbClr val="1B212C"/>
+      </a:dk1>
+      <a:lt1>
+        <a:srgbClr val="FFFFFF"/>
+      </a:lt1>
+      <a:dk2>
+        <a:srgbClr val="D9D9D9"/>
+      </a:dk2>
+      <a:lt2>
+        <a:srgbClr val="82C7A5"/>
+      </a:lt2>
+      <a:accent1>
+        <a:srgbClr val="0145AC"/>
+      </a:accent1>
+      <a:accent2>
+        <a:srgbClr val="EECE1A"/>
+      </a:accent2>
+      <a:accent3>
+        <a:srgbClr val="4E5567"/>
+      </a:accent3>
+      <a:accent4>
+        <a:srgbClr val="F4D6AD"/>
+      </a:accent4>
+      <a:accent5>
+        <a:srgbClr val="7890CD"/>
+      </a:accent5>
+      <a:accent6>
+        <a:srgbClr val="F15E22"/>
+      </a:accent6>
+      <a:hlink>
+        <a:srgbClr val="7890CD"/>
+      </a:hlink>
+      <a:folHlink>
+        <a:srgbClr val="7890CD"/>
+      </a:folHlink>
+    </a:clrScheme>
+    <a:fontScheme name="Office">
+      <a:majorFont>
+        <a:latin typeface="Arial"/>
+        <a:ea typeface=""/>
+        <a:cs typeface=""/>
+        <a:font script="Jpan" typeface="ＭＳ Ｐゴシック"/>
+        <a:font script="Hang" typeface="맑은 고딕"/>
+        <a:font script="Hans" typeface="宋体"/>
+        <a:font script="Hant" typeface="新細明體"/>
+        <a:font script="Arab" typeface="Times New Roman"/>
+        <a:font script="Hebr" typeface="Times New Roman"/>
+        <a:font script="Thai" typeface="Angsana New"/>
+        <a:font script="Ethi" typeface="Nyala"/>
+        <a:font script="Beng" typeface="Vrinda"/>
+        <a:font script="Gujr" typeface="Shruti"/>
+        <a:font script="Khmr" typeface="MoolBoran"/>
+        <a:font script="Knda" typeface="Tunga"/>
+        <a:font script="Guru" typeface="Raavi"/>
+        <a:font script="Cans" typeface="Euphemia"/>
+        <a:font script="Cher" typeface="Plantagenet Cherokee"/>
+        <a:font script="Yiii" typeface="Microsoft Yi Baiti"/>
+        <a:font script="Tibt" typeface="Microsoft Himalaya"/>
+        <a:font script="Thaa" typeface="MV Boli"/>
+        <a:font script="Deva" typeface="Mangal"/>
+        <a:font script="Telu" typeface="Gautami"/>
+        <a:font script="Taml" typeface="Latha"/>
+        <a:font script="Syrc" typeface="Estrangelo Edessa"/>
+        <a:font script="Orya" typeface="Kalinga"/>
+        <a:font script="Mlym" typeface="Kartika"/>
+        <a:font script="Laoo" typeface="DokChampa"/>
+        <a:font script="Sinh" typeface="Iskoola Pota"/>
+        <a:font script="Mong" typeface="Mongolian Baiti"/>
+        <a:font script="Viet" typeface="Times New Roman"/>
+        <a:font script="Uigh" typeface="Microsoft Uighur"/>
+        <a:font script="Geor" typeface="Sylfaen"/>
+      </a:majorFont>
+      <a:minorFont>
+        <a:latin typeface="Arial"/>
+        <a:ea typeface=""/>
+        <a:cs typeface=""/>
+        <a:font script="Jpan" typeface="ＭＳ Ｐゴシック"/>
+        <a:font script="Hang" typeface="맑은 고딕"/>
+        <a:font script="Hans" typeface="宋体"/>
+        <a:font script="Hant" typeface="新細明體"/>
+        <a:font script="Arab" typeface="Arial"/>
+        <a:font script="Hebr" typeface="Arial"/>
+        <a:font script="Thai" typeface="Cordia New"/>
+        <a:font script="Ethi" typeface="Nyala"/>
+        <a:font script="Beng" typeface="Vrinda"/>
+        <a:font script="Gujr" typeface="Shruti"/>
+        <a:font script="Khmr" typeface="DaunPenh"/>
+        <a:font script="Knda" typeface="Tunga"/>
+        <a:font script="Guru" typeface="Raavi"/>
+        <a:font script="Cans" typeface="Euphemia"/>
+        <a:font script="Cher" typeface="Plantagenet Cherokee"/>
+        <a:font script="Yiii" typeface="Microsoft Yi Baiti"/>
+        <a:font script="Tibt" typeface="Microsoft Himalaya"/>
+        <a:font script="Thaa" typeface="MV Boli"/>
+        <a:font script="Deva" typeface="Mangal"/>
+        <a:font script="Telu" typeface="Gautami"/>
+        <a:font script="Taml" typeface="Latha"/>
+        <a:font script="Syrc" typeface="Estrangelo Edessa"/>
+        <a:font script="Orya" typeface="Kalinga"/>
+        <a:font script="Mlym" typeface="Kartika"/>
+        <a:font script="Laoo" typeface="DokChampa"/>
+        <a:font script="Sinh" typeface="Iskoola Pota"/>
+        <a:font script="Mong" typeface="Mongolian Baiti"/>
+        <a:font script="Viet" typeface="Arial"/>
+        <a:font script="Uigh" typeface="Microsoft Uighur"/>
+        <a:font script="Geor" typeface="Sylfaen"/>
+      </a:minorFont>
+    </a:fontScheme>
+    <a:fmtScheme name="Office">
+      <a:fillStyleLst>
+        <a:solidFill>
+          <a:schemeClr val="phClr"/>
+        </a:solidFill>
+        <a:gradFill rotWithShape="1">
+          <a:gsLst>
+            <a:gs pos="0">
+              <a:schemeClr val="phClr">
+                <a:tint val="50000"/>
+                <a:satMod val="300000"/>
+              </a:schemeClr>
+            </a:gs>
+            <a:gs pos="35000">
+              <a:schemeClr val="phClr">
+                <a:tint val="37000"/>
+                <a:satMod val="300000"/>
+              </a:schemeClr>
+            </a:gs>
+            <a:gs pos="100000">
+              <a:schemeClr val="phClr">
+                <a:tint val="15000"/>
+                <a:satMod val="350000"/>
+              </a:schemeClr>
+            </a:gs>
+          </a:gsLst>
+          <a:lin ang="16200000" scaled="1"/>
+        </a:gradFill>
+        <a:gradFill rotWithShape="1">
+          <a:gsLst>
+            <a:gs pos="0">
+              <a:schemeClr val="phClr">
+                <a:tint val="100000"/>
+                <a:shade val="100000"/>
+                <a:satMod val="130000"/>
+              </a:schemeClr>
+            </a:gs>
+            <a:gs pos="100000">
+              <a:schemeClr val="phClr">
+                <a:tint val="50000"/>
+                <a:shade val="100000"/>
+                <a:satMod val="350000"/>
+              </a:schemeClr>
+            </a:gs>
+          </a:gsLst>
+          <a:lin ang="16200000" scaled="0"/>
+        </a:gradFill>
+      </a:fillStyleLst>
+      <a:lnStyleLst>
+        <a:ln w="9525" cap="flat" cmpd="sng" algn="ctr">
+          <a:solidFill>
+            <a:schemeClr val="phClr">
+              <a:shade val="95000"/>
+              <a:satMod val="105000"/>
+            </a:schemeClr>
+          </a:solidFill>
+          <a:prstDash val="solid"/>
+        </a:ln>
+        <a:ln w="25400" cap="flat" cmpd="sng" algn="ctr">
+          <a:solidFill>
+            <a:schemeClr val="phClr"/>
+          </a:solidFill>
+          <a:prstDash val="solid"/>
+        </a:ln>
+        <a:ln w="38100" cap="flat" cmpd="sng" algn="ctr">
+          <a:solidFill>
+            <a:schemeClr val="phClr"/>
+          </a:solidFill>
+          <a:prstDash val="solid"/>
+        </a:ln>
+      </a:lnStyleLst>
+      <a:effectStyleLst>
+        <a:effectStyle>
+          <a:effectLst>
+            <a:outerShdw blurRad="40000" dist="20000" dir="5400000" rotWithShape="0">
+              <a:srgbClr val="000000">
+                <a:alpha val="38000"/>
+              </a:srgbClr>
+            </a:outerShdw>
+          </a:effectLst>
+        </a:effectStyle>
+        <a:effectStyle>
+          <a:effectLst>
+            <a:outerShdw blurRad="40000" dist="23000" dir="5400000" rotWithShape="0">
+              <a:srgbClr val="000000">
+                <a:alpha val="35000"/>
+              </a:srgbClr>
+            </a:outerShdw>
+          </a:effectLst>
+        </a:effectStyle>
+        <a:effectStyle>
+          <a:effectLst>
+            <a:outerShdw blurRad="40000" dist="23000" dir="5400000" rotWithShape="0">
+              <a:srgbClr val="000000">
+                <a:alpha val="35000"/>
+              </a:srgbClr>
+            </a:outerShdw>
+          </a:effectLst>
+          <a:scene3d>
+            <a:camera prst="orthographicFront">
+              <a:rot lat="0" lon="0" rev="0"/>
+            </a:camera>
+            <a:lightRig rig="threePt" dir="t">
+              <a:rot lat="0" lon="0" rev="1200000"/>
+            </a:lightRig>
+          </a:scene3d>
+          <a:sp3d>
+            <a:bevelT w="63500" h="25400"/>
+          </a:sp3d>
+        </a:effectStyle>
+      </a:effectStyleLst>
+      <a:bgFillStyleLst>
+        <a:solidFill>
+          <a:schemeClr val="phClr"/>
+        </a:solidFill>
+        <a:gradFill rotWithShape="1">
+          <a:gsLst>
+            <a:gs pos="0">
+              <a:schemeClr val="phClr">
+                <a:tint val="40000"/>
+                <a:satMod val="350000"/>
+              </a:schemeClr>
+            </a:gs>
+            <a:gs pos="40000">
+              <a:schemeClr val="phClr">
+                <a:tint val="45000"/>
+                <a:shade val="99000"/>
+                <a:satMod val="350000"/>
+              </a:schemeClr>
+            </a:gs>
+            <a:gs pos="100000">
+              <a:schemeClr val="phClr">
+                <a:shade val="20000"/>
+                <a:satMod val="255000"/>
+              </a:schemeClr>
+            </a:gs>
+          </a:gsLst>
+          <a:path path="circle">
+            <a:fillToRect l="50000" t="-80000" r="50000" b="180000"/>
+          </a:path>
+        </a:gradFill>
+        <a:gradFill rotWithShape="1">
+          <a:gsLst>
+            <a:gs pos="0">
+              <a:schemeClr val="phClr">
+                <a:tint val="80000"/>
+                <a:satMod val="300000"/>
+              </a:schemeClr>
+            </a:gs>
+            <a:gs pos="100000">
+              <a:schemeClr val="phClr">
+                <a:shade val="30000"/>
+                <a:satMod val="200000"/>
+              </a:schemeClr>
+            </a:gs>
+          </a:gsLst>
+          <a:path path="circle">
+            <a:fillToRect l="50000" t="50000" r="50000" b="50000"/>
+          </a:path>
+        </a:gradFill>
+      </a:bgFillStyleLst>
+    </a:fmtScheme>
+  </a:themeElements>
+</a:theme>
+</file>
+
+<file path=ppt/theme/theme2.xml><?xml version="1.0" encoding="utf-8"?>
 <a:theme xmlns:a="http://schemas.openxmlformats.org/drawingml/2006/main" xmlns:r="http://schemas.openxmlformats.org/officeDocument/2006/relationships">
   <a:themeElements>
     <a:clrScheme name="Default">
@@ -12193,283 +13570,4 @@
     </a:fmtScheme>
   </a:themeElements>
 </a:theme>
-</file>
-
-<file path=ppt/theme/theme2.xml><?xml version="1.0" encoding="utf-8"?>
-<a:theme xmlns:a="http://schemas.openxmlformats.org/drawingml/2006/main" xmlns:r="http://schemas.openxmlformats.org/officeDocument/2006/relationships" name="Focus">
-  <a:themeElements>
-    <a:clrScheme name="Focus">
-      <a:dk1>
-        <a:srgbClr val="1B212C"/>
-      </a:dk1>
-      <a:lt1>
-        <a:srgbClr val="FFFFFF"/>
-      </a:lt1>
-      <a:dk2>
-        <a:srgbClr val="D9D9D9"/>
-      </a:dk2>
-      <a:lt2>
-        <a:srgbClr val="82C7A5"/>
-      </a:lt2>
-      <a:accent1>
-        <a:srgbClr val="0145AC"/>
-      </a:accent1>
-      <a:accent2>
-        <a:srgbClr val="EECE1A"/>
-      </a:accent2>
-      <a:accent3>
-        <a:srgbClr val="4E5567"/>
-      </a:accent3>
-      <a:accent4>
-        <a:srgbClr val="F4D6AD"/>
-      </a:accent4>
-      <a:accent5>
-        <a:srgbClr val="7890CD"/>
-      </a:accent5>
-      <a:accent6>
-        <a:srgbClr val="F15E22"/>
-      </a:accent6>
-      <a:hlink>
-        <a:srgbClr val="7890CD"/>
-      </a:hlink>
-      <a:folHlink>
-        <a:srgbClr val="7890CD"/>
-      </a:folHlink>
-    </a:clrScheme>
-    <a:fontScheme name="Office">
-      <a:majorFont>
-        <a:latin typeface="Arial"/>
-        <a:ea typeface=""/>
-        <a:cs typeface=""/>
-        <a:font script="Jpan" typeface="ＭＳ Ｐゴシック"/>
-        <a:font script="Hang" typeface="맑은 고딕"/>
-        <a:font script="Hans" typeface="宋体"/>
-        <a:font script="Hant" typeface="新細明體"/>
-        <a:font script="Arab" typeface="Times New Roman"/>
-        <a:font script="Hebr" typeface="Times New Roman"/>
-        <a:font script="Thai" typeface="Angsana New"/>
-        <a:font script="Ethi" typeface="Nyala"/>
-        <a:font script="Beng" typeface="Vrinda"/>
-        <a:font script="Gujr" typeface="Shruti"/>
-        <a:font script="Khmr" typeface="MoolBoran"/>
-        <a:font script="Knda" typeface="Tunga"/>
-        <a:font script="Guru" typeface="Raavi"/>
-        <a:font script="Cans" typeface="Euphemia"/>
-        <a:font script="Cher" typeface="Plantagenet Cherokee"/>
-        <a:font script="Yiii" typeface="Microsoft Yi Baiti"/>
-        <a:font script="Tibt" typeface="Microsoft Himalaya"/>
-        <a:font script="Thaa" typeface="MV Boli"/>
-        <a:font script="Deva" typeface="Mangal"/>
-        <a:font script="Telu" typeface="Gautami"/>
-        <a:font script="Taml" typeface="Latha"/>
-        <a:font script="Syrc" typeface="Estrangelo Edessa"/>
-        <a:font script="Orya" typeface="Kalinga"/>
-        <a:font script="Mlym" typeface="Kartika"/>
-        <a:font script="Laoo" typeface="DokChampa"/>
-        <a:font script="Sinh" typeface="Iskoola Pota"/>
-        <a:font script="Mong" typeface="Mongolian Baiti"/>
-        <a:font script="Viet" typeface="Times New Roman"/>
-        <a:font script="Uigh" typeface="Microsoft Uighur"/>
-        <a:font script="Geor" typeface="Sylfaen"/>
-      </a:majorFont>
-      <a:minorFont>
-        <a:latin typeface="Arial"/>
-        <a:ea typeface=""/>
-        <a:cs typeface=""/>
-        <a:font script="Jpan" typeface="ＭＳ Ｐゴシック"/>
-        <a:font script="Hang" typeface="맑은 고딕"/>
-        <a:font script="Hans" typeface="宋体"/>
-        <a:font script="Hant" typeface="新細明體"/>
-        <a:font script="Arab" typeface="Arial"/>
-        <a:font script="Hebr" typeface="Arial"/>
-        <a:font script="Thai" typeface="Cordia New"/>
-        <a:font script="Ethi" typeface="Nyala"/>
-        <a:font script="Beng" typeface="Vrinda"/>
-        <a:font script="Gujr" typeface="Shruti"/>
-        <a:font script="Khmr" typeface="DaunPenh"/>
-        <a:font script="Knda" typeface="Tunga"/>
-        <a:font script="Guru" typeface="Raavi"/>
-        <a:font script="Cans" typeface="Euphemia"/>
-        <a:font script="Cher" typeface="Plantagenet Cherokee"/>
-        <a:font script="Yiii" typeface="Microsoft Yi Baiti"/>
-        <a:font script="Tibt" typeface="Microsoft Himalaya"/>
-        <a:font script="Thaa" typeface="MV Boli"/>
-        <a:font script="Deva" typeface="Mangal"/>
-        <a:font script="Telu" typeface="Gautami"/>
-        <a:font script="Taml" typeface="Latha"/>
-        <a:font script="Syrc" typeface="Estrangelo Edessa"/>
-        <a:font script="Orya" typeface="Kalinga"/>
-        <a:font script="Mlym" typeface="Kartika"/>
-        <a:font script="Laoo" typeface="DokChampa"/>
-        <a:font script="Sinh" typeface="Iskoola Pota"/>
-        <a:font script="Mong" typeface="Mongolian Baiti"/>
-        <a:font script="Viet" typeface="Arial"/>
-        <a:font script="Uigh" typeface="Microsoft Uighur"/>
-        <a:font script="Geor" typeface="Sylfaen"/>
-      </a:minorFont>
-    </a:fontScheme>
-    <a:fmtScheme name="Office">
-      <a:fillStyleLst>
-        <a:solidFill>
-          <a:schemeClr val="phClr"/>
-        </a:solidFill>
-        <a:gradFill rotWithShape="1">
-          <a:gsLst>
-            <a:gs pos="0">
-              <a:schemeClr val="phClr">
-                <a:tint val="50000"/>
-                <a:satMod val="300000"/>
-              </a:schemeClr>
-            </a:gs>
-            <a:gs pos="35000">
-              <a:schemeClr val="phClr">
-                <a:tint val="37000"/>
-                <a:satMod val="300000"/>
-              </a:schemeClr>
-            </a:gs>
-            <a:gs pos="100000">
-              <a:schemeClr val="phClr">
-                <a:tint val="15000"/>
-                <a:satMod val="350000"/>
-              </a:schemeClr>
-            </a:gs>
-          </a:gsLst>
-          <a:lin ang="16200000" scaled="1"/>
-        </a:gradFill>
-        <a:gradFill rotWithShape="1">
-          <a:gsLst>
-            <a:gs pos="0">
-              <a:schemeClr val="phClr">
-                <a:tint val="100000"/>
-                <a:shade val="100000"/>
-                <a:satMod val="130000"/>
-              </a:schemeClr>
-            </a:gs>
-            <a:gs pos="100000">
-              <a:schemeClr val="phClr">
-                <a:tint val="50000"/>
-                <a:shade val="100000"/>
-                <a:satMod val="350000"/>
-              </a:schemeClr>
-            </a:gs>
-          </a:gsLst>
-          <a:lin ang="16200000" scaled="0"/>
-        </a:gradFill>
-      </a:fillStyleLst>
-      <a:lnStyleLst>
-        <a:ln w="9525" cap="flat" cmpd="sng" algn="ctr">
-          <a:solidFill>
-            <a:schemeClr val="phClr">
-              <a:shade val="95000"/>
-              <a:satMod val="105000"/>
-            </a:schemeClr>
-          </a:solidFill>
-          <a:prstDash val="solid"/>
-        </a:ln>
-        <a:ln w="25400" cap="flat" cmpd="sng" algn="ctr">
-          <a:solidFill>
-            <a:schemeClr val="phClr"/>
-          </a:solidFill>
-          <a:prstDash val="solid"/>
-        </a:ln>
-        <a:ln w="38100" cap="flat" cmpd="sng" algn="ctr">
-          <a:solidFill>
-            <a:schemeClr val="phClr"/>
-          </a:solidFill>
-          <a:prstDash val="solid"/>
-        </a:ln>
-      </a:lnStyleLst>
-      <a:effectStyleLst>
-        <a:effectStyle>
-          <a:effectLst>
-            <a:outerShdw blurRad="40000" dist="20000" dir="5400000" rotWithShape="0">
-              <a:srgbClr val="000000">
-                <a:alpha val="38000"/>
-              </a:srgbClr>
-            </a:outerShdw>
-          </a:effectLst>
-        </a:effectStyle>
-        <a:effectStyle>
-          <a:effectLst>
-            <a:outerShdw blurRad="40000" dist="23000" dir="5400000" rotWithShape="0">
-              <a:srgbClr val="000000">
-                <a:alpha val="35000"/>
-              </a:srgbClr>
-            </a:outerShdw>
-          </a:effectLst>
-        </a:effectStyle>
-        <a:effectStyle>
-          <a:effectLst>
-            <a:outerShdw blurRad="40000" dist="23000" dir="5400000" rotWithShape="0">
-              <a:srgbClr val="000000">
-                <a:alpha val="35000"/>
-              </a:srgbClr>
-            </a:outerShdw>
-          </a:effectLst>
-          <a:scene3d>
-            <a:camera prst="orthographicFront">
-              <a:rot lat="0" lon="0" rev="0"/>
-            </a:camera>
-            <a:lightRig rig="threePt" dir="t">
-              <a:rot lat="0" lon="0" rev="1200000"/>
-            </a:lightRig>
-          </a:scene3d>
-          <a:sp3d>
-            <a:bevelT w="63500" h="25400"/>
-          </a:sp3d>
-        </a:effectStyle>
-      </a:effectStyleLst>
-      <a:bgFillStyleLst>
-        <a:solidFill>
-          <a:schemeClr val="phClr"/>
-        </a:solidFill>
-        <a:gradFill rotWithShape="1">
-          <a:gsLst>
-            <a:gs pos="0">
-              <a:schemeClr val="phClr">
-                <a:tint val="40000"/>
-                <a:satMod val="350000"/>
-              </a:schemeClr>
-            </a:gs>
-            <a:gs pos="40000">
-              <a:schemeClr val="phClr">
-                <a:tint val="45000"/>
-                <a:shade val="99000"/>
-                <a:satMod val="350000"/>
-              </a:schemeClr>
-            </a:gs>
-            <a:gs pos="100000">
-              <a:schemeClr val="phClr">
-                <a:shade val="20000"/>
-                <a:satMod val="255000"/>
-              </a:schemeClr>
-            </a:gs>
-          </a:gsLst>
-          <a:path path="circle">
-            <a:fillToRect l="50000" t="-80000" r="50000" b="180000"/>
-          </a:path>
-        </a:gradFill>
-        <a:gradFill rotWithShape="1">
-          <a:gsLst>
-            <a:gs pos="0">
-              <a:schemeClr val="phClr">
-                <a:tint val="80000"/>
-                <a:satMod val="300000"/>
-              </a:schemeClr>
-            </a:gs>
-            <a:gs pos="100000">
-              <a:schemeClr val="phClr">
-                <a:shade val="30000"/>
-                <a:satMod val="200000"/>
-              </a:schemeClr>
-            </a:gs>
-          </a:gsLst>
-          <a:path path="circle">
-            <a:fillToRect l="50000" t="50000" r="50000" b="50000"/>
-          </a:path>
-        </a:gradFill>
-      </a:bgFillStyleLst>
-    </a:fmtScheme>
-  </a:themeElements>
-</a:theme>
 </file>
--- a/AGA Datathon 2023.pptx
+++ b/AGA Datathon 2023.pptx
@@ -1,52 +1,52 @@
 
 <file path=ppt/presentation.xml><?xml version="1.0" encoding="utf-8"?>
-<p:presentation xmlns:a="http://schemas.openxmlformats.org/drawingml/2006/main" xmlns:r="http://schemas.openxmlformats.org/officeDocument/2006/relationships" xmlns:mc="http://schemas.openxmlformats.org/markup-compatibility/2006" xmlns:mv="urn:schemas-microsoft-com:mac:vml" xmlns:p="http://schemas.openxmlformats.org/presentationml/2006/main" xmlns:c="http://schemas.openxmlformats.org/drawingml/2006/chart" xmlns:dgm="http://schemas.openxmlformats.org/drawingml/2006/diagram" xmlns:o="urn:schemas-microsoft-com:office:office" xmlns:v="urn:schemas-microsoft-com:vml" xmlns:pvml="urn:schemas-microsoft-com:office:powerpoint" xmlns:com="http://schemas.openxmlformats.org/drawingml/2006/compatibility" xmlns:p14="http://schemas.microsoft.com/office/powerpoint/2010/main" xmlns:p15="http://schemas.microsoft.com/office/powerpoint/2012/main" xmlns:ahyp="http://schemas.microsoft.com/office/drawing/2018/hyperlinkcolor" autoCompressPictures="0" embedTrueTypeFonts="1" strictFirstAndLastChars="0" saveSubsetFonts="1">
+<p:presentation xmlns:a="http://schemas.openxmlformats.org/drawingml/2006/main" xmlns:r="http://schemas.openxmlformats.org/officeDocument/2006/relationships" xmlns:p="http://schemas.openxmlformats.org/presentationml/2006/main" strictFirstAndLastChars="0" embedTrueTypeFonts="1" saveSubsetFonts="1" autoCompressPictures="0">
   <p:sldMasterIdLst>
-    <p:sldMasterId id="2147483659" r:id="rId4"/>
+    <p:sldMasterId id="2147483659" r:id="rId1"/>
   </p:sldMasterIdLst>
   <p:notesMasterIdLst>
-    <p:notesMasterId r:id="rId5"/>
+    <p:notesMasterId r:id="rId20"/>
   </p:notesMasterIdLst>
   <p:sldIdLst>
-    <p:sldId id="256" r:id="rId6"/>
-    <p:sldId id="257" r:id="rId7"/>
-    <p:sldId id="258" r:id="rId8"/>
-    <p:sldId id="259" r:id="rId9"/>
-    <p:sldId id="260" r:id="rId10"/>
-    <p:sldId id="261" r:id="rId11"/>
-    <p:sldId id="262" r:id="rId12"/>
-    <p:sldId id="263" r:id="rId13"/>
-    <p:sldId id="264" r:id="rId14"/>
-    <p:sldId id="265" r:id="rId15"/>
-    <p:sldId id="266" r:id="rId16"/>
-    <p:sldId id="267" r:id="rId17"/>
-    <p:sldId id="268" r:id="rId18"/>
-    <p:sldId id="269" r:id="rId19"/>
-    <p:sldId id="270" r:id="rId20"/>
-    <p:sldId id="271" r:id="rId21"/>
-    <p:sldId id="272" r:id="rId22"/>
-    <p:sldId id="273" r:id="rId23"/>
+    <p:sldId id="256" r:id="rId2"/>
+    <p:sldId id="257" r:id="rId3"/>
+    <p:sldId id="258" r:id="rId4"/>
+    <p:sldId id="259" r:id="rId5"/>
+    <p:sldId id="260" r:id="rId6"/>
+    <p:sldId id="261" r:id="rId7"/>
+    <p:sldId id="262" r:id="rId8"/>
+    <p:sldId id="263" r:id="rId9"/>
+    <p:sldId id="264" r:id="rId10"/>
+    <p:sldId id="265" r:id="rId11"/>
+    <p:sldId id="266" r:id="rId12"/>
+    <p:sldId id="267" r:id="rId13"/>
+    <p:sldId id="268" r:id="rId14"/>
+    <p:sldId id="269" r:id="rId15"/>
+    <p:sldId id="270" r:id="rId16"/>
+    <p:sldId id="271" r:id="rId17"/>
+    <p:sldId id="272" r:id="rId18"/>
+    <p:sldId id="273" r:id="rId19"/>
   </p:sldIdLst>
-  <p:sldSz cy="5143500" cx="9144000"/>
+  <p:sldSz cx="9144000" cy="5143500" type="screen16x9"/>
   <p:notesSz cx="6858000" cy="9144000"/>
   <p:embeddedFontLst>
     <p:embeddedFont>
-      <p:font typeface="Montserrat"/>
-      <p:regular r:id="rId24"/>
-      <p:bold r:id="rId25"/>
-      <p:italic r:id="rId26"/>
-      <p:boldItalic r:id="rId27"/>
+      <p:font typeface="Lato" panose="020F0502020204030203" pitchFamily="34" charset="0"/>
+      <p:regular r:id="rId21"/>
+      <p:bold r:id="rId22"/>
+      <p:italic r:id="rId23"/>
+      <p:boldItalic r:id="rId24"/>
     </p:embeddedFont>
     <p:embeddedFont>
-      <p:font typeface="Lato"/>
-      <p:regular r:id="rId28"/>
-      <p:bold r:id="rId29"/>
-      <p:italic r:id="rId30"/>
-      <p:boldItalic r:id="rId31"/>
+      <p:font typeface="Montserrat" panose="00000500000000000000" pitchFamily="2" charset="0"/>
+      <p:regular r:id="rId25"/>
+      <p:bold r:id="rId26"/>
+      <p:italic r:id="rId27"/>
+      <p:boldItalic r:id="rId28"/>
     </p:embeddedFont>
   </p:embeddedFontLst>
   <p:defaultTextStyle>
-    <a:defPPr lvl="0" marR="0" rtl="0" algn="l">
+    <a:defPPr marR="0" lvl="0" algn="l" rtl="0">
       <a:lnSpc>
         <a:spcPct val="100000"/>
       </a:lnSpc>
@@ -57,7 +57,7 @@
         <a:spcPts val="0"/>
       </a:spcAft>
     </a:defPPr>
-    <a:lvl1pPr lvl="0" marR="0" rtl="0" algn="l">
+    <a:lvl1pPr marR="0" lvl="0" algn="l" rtl="0">
       <a:lnSpc>
         <a:spcPct val="100000"/>
       </a:lnSpc>
@@ -71,7 +71,7 @@
         <a:srgbClr val="000000"/>
       </a:buClr>
       <a:buFont typeface="Arial"/>
-      <a:defRPr b="0" i="0" sz="1400" u="none" cap="none" strike="noStrike">
+      <a:defRPr sz="1400" b="0" i="0" u="none" strike="noStrike" cap="none">
         <a:solidFill>
           <a:srgbClr val="000000"/>
         </a:solidFill>
@@ -81,7 +81,7 @@
         <a:sym typeface="Arial"/>
       </a:defRPr>
     </a:lvl1pPr>
-    <a:lvl2pPr lvl="1" marR="0" rtl="0" algn="l">
+    <a:lvl2pPr marR="0" lvl="1" algn="l" rtl="0">
       <a:lnSpc>
         <a:spcPct val="100000"/>
       </a:lnSpc>
@@ -95,7 +95,7 @@
         <a:srgbClr val="000000"/>
       </a:buClr>
       <a:buFont typeface="Arial"/>
-      <a:defRPr b="0" i="0" sz="1400" u="none" cap="none" strike="noStrike">
+      <a:defRPr sz="1400" b="0" i="0" u="none" strike="noStrike" cap="none">
         <a:solidFill>
           <a:srgbClr val="000000"/>
         </a:solidFill>
@@ -105,7 +105,7 @@
         <a:sym typeface="Arial"/>
       </a:defRPr>
     </a:lvl2pPr>
-    <a:lvl3pPr lvl="2" marR="0" rtl="0" algn="l">
+    <a:lvl3pPr marR="0" lvl="2" algn="l" rtl="0">
       <a:lnSpc>
         <a:spcPct val="100000"/>
       </a:lnSpc>
@@ -119,7 +119,7 @@
         <a:srgbClr val="000000"/>
       </a:buClr>
       <a:buFont typeface="Arial"/>
-      <a:defRPr b="0" i="0" sz="1400" u="none" cap="none" strike="noStrike">
+      <a:defRPr sz="1400" b="0" i="0" u="none" strike="noStrike" cap="none">
         <a:solidFill>
           <a:srgbClr val="000000"/>
         </a:solidFill>
@@ -129,7 +129,7 @@
         <a:sym typeface="Arial"/>
       </a:defRPr>
     </a:lvl3pPr>
-    <a:lvl4pPr lvl="3" marR="0" rtl="0" algn="l">
+    <a:lvl4pPr marR="0" lvl="3" algn="l" rtl="0">
       <a:lnSpc>
         <a:spcPct val="100000"/>
       </a:lnSpc>
@@ -143,7 +143,7 @@
         <a:srgbClr val="000000"/>
       </a:buClr>
       <a:buFont typeface="Arial"/>
-      <a:defRPr b="0" i="0" sz="1400" u="none" cap="none" strike="noStrike">
+      <a:defRPr sz="1400" b="0" i="0" u="none" strike="noStrike" cap="none">
         <a:solidFill>
           <a:srgbClr val="000000"/>
         </a:solidFill>
@@ -153,7 +153,7 @@
         <a:sym typeface="Arial"/>
       </a:defRPr>
     </a:lvl4pPr>
-    <a:lvl5pPr lvl="4" marR="0" rtl="0" algn="l">
+    <a:lvl5pPr marR="0" lvl="4" algn="l" rtl="0">
       <a:lnSpc>
         <a:spcPct val="100000"/>
       </a:lnSpc>
@@ -167,7 +167,7 @@
         <a:srgbClr val="000000"/>
       </a:buClr>
       <a:buFont typeface="Arial"/>
-      <a:defRPr b="0" i="0" sz="1400" u="none" cap="none" strike="noStrike">
+      <a:defRPr sz="1400" b="0" i="0" u="none" strike="noStrike" cap="none">
         <a:solidFill>
           <a:srgbClr val="000000"/>
         </a:solidFill>
@@ -177,7 +177,7 @@
         <a:sym typeface="Arial"/>
       </a:defRPr>
     </a:lvl5pPr>
-    <a:lvl6pPr lvl="5" marR="0" rtl="0" algn="l">
+    <a:lvl6pPr marR="0" lvl="5" algn="l" rtl="0">
       <a:lnSpc>
         <a:spcPct val="100000"/>
       </a:lnSpc>
@@ -191,7 +191,7 @@
         <a:srgbClr val="000000"/>
       </a:buClr>
       <a:buFont typeface="Arial"/>
-      <a:defRPr b="0" i="0" sz="1400" u="none" cap="none" strike="noStrike">
+      <a:defRPr sz="1400" b="0" i="0" u="none" strike="noStrike" cap="none">
         <a:solidFill>
           <a:srgbClr val="000000"/>
         </a:solidFill>
@@ -201,7 +201,7 @@
         <a:sym typeface="Arial"/>
       </a:defRPr>
     </a:lvl6pPr>
-    <a:lvl7pPr lvl="6" marR="0" rtl="0" algn="l">
+    <a:lvl7pPr marR="0" lvl="6" algn="l" rtl="0">
       <a:lnSpc>
         <a:spcPct val="100000"/>
       </a:lnSpc>
@@ -215,7 +215,7 @@
         <a:srgbClr val="000000"/>
       </a:buClr>
       <a:buFont typeface="Arial"/>
-      <a:defRPr b="0" i="0" sz="1400" u="none" cap="none" strike="noStrike">
+      <a:defRPr sz="1400" b="0" i="0" u="none" strike="noStrike" cap="none">
         <a:solidFill>
           <a:srgbClr val="000000"/>
         </a:solidFill>
@@ -225,7 +225,7 @@
         <a:sym typeface="Arial"/>
       </a:defRPr>
     </a:lvl7pPr>
-    <a:lvl8pPr lvl="7" marR="0" rtl="0" algn="l">
+    <a:lvl8pPr marR="0" lvl="7" algn="l" rtl="0">
       <a:lnSpc>
         <a:spcPct val="100000"/>
       </a:lnSpc>
@@ -239,7 +239,7 @@
         <a:srgbClr val="000000"/>
       </a:buClr>
       <a:buFont typeface="Arial"/>
-      <a:defRPr b="0" i="0" sz="1400" u="none" cap="none" strike="noStrike">
+      <a:defRPr sz="1400" b="0" i="0" u="none" strike="noStrike" cap="none">
         <a:solidFill>
           <a:srgbClr val="000000"/>
         </a:solidFill>
@@ -249,7 +249,7 @@
         <a:sym typeface="Arial"/>
       </a:defRPr>
     </a:lvl8pPr>
-    <a:lvl9pPr lvl="8" marR="0" rtl="0" algn="l">
+    <a:lvl9pPr marR="0" lvl="8" algn="l" rtl="0">
       <a:lnSpc>
         <a:spcPct val="100000"/>
       </a:lnSpc>
@@ -263,7 +263,7 @@
         <a:srgbClr val="000000"/>
       </a:buClr>
       <a:buFont typeface="Arial"/>
-      <a:defRPr b="0" i="0" sz="1400" u="none" cap="none" strike="noStrike">
+      <a:defRPr sz="1400" b="0" i="0" u="none" strike="noStrike" cap="none">
         <a:solidFill>
           <a:srgbClr val="000000"/>
         </a:solidFill>
@@ -276,7 +276,7 @@
   </p:defaultTextStyle>
   <p:extLst>
     <p:ext uri="{EFAFB233-063F-42B5-8137-9DF3F51BA10A}">
-      <p15:sldGuideLst>
+      <p15:sldGuideLst xmlns:p15="http://schemas.microsoft.com/office/powerpoint/2012/main">
         <p15:guide id="1" orient="horz" pos="1620">
           <p15:clr>
             <a:srgbClr val="747775"/>
@@ -294,11 +294,16 @@
 </file>
 
 <file path=ppt/notesMasters/notesMaster1.xml><?xml version="1.0" encoding="utf-8"?>
-<p:notesMaster xmlns:a="http://schemas.openxmlformats.org/drawingml/2006/main" xmlns:r="http://schemas.openxmlformats.org/officeDocument/2006/relationships" xmlns:mc="http://schemas.openxmlformats.org/markup-compatibility/2006" xmlns:mv="urn:schemas-microsoft-com:mac:vml" xmlns:p="http://schemas.openxmlformats.org/presentationml/2006/main" xmlns:c="http://schemas.openxmlformats.org/drawingml/2006/chart" xmlns:dgm="http://schemas.openxmlformats.org/drawingml/2006/diagram" xmlns:o="urn:schemas-microsoft-com:office:office" xmlns:v="urn:schemas-microsoft-com:vml" xmlns:pvml="urn:schemas-microsoft-com:office:powerpoint" xmlns:com="http://schemas.openxmlformats.org/drawingml/2006/compatibility" xmlns:p14="http://schemas.microsoft.com/office/powerpoint/2010/main" xmlns:p15="http://schemas.microsoft.com/office/powerpoint/2012/main" xmlns:ahyp="http://schemas.microsoft.com/office/drawing/2018/hyperlinkcolor">
+<p:notesMaster xmlns:a="http://schemas.openxmlformats.org/drawingml/2006/main" xmlns:r="http://schemas.openxmlformats.org/officeDocument/2006/relationships" xmlns:p="http://schemas.openxmlformats.org/presentationml/2006/main">
   <p:cSld>
+    <p:bg>
+      <p:bgRef idx="1001">
+        <a:schemeClr val="bg1"/>
+      </p:bgRef>
+    </p:bg>
     <p:spTree>
       <p:nvGrpSpPr>
-        <p:cNvPr id="2" name="Shape 2"/>
+        <p:cNvPr id="1" name="Shape 2"/>
         <p:cNvGrpSpPr/>
         <p:nvPr/>
       </p:nvGrpSpPr>
@@ -313,9 +318,11 @@
       <p:sp>
         <p:nvSpPr>
           <p:cNvPr id="3" name="Google Shape;3;n"/>
-          <p:cNvSpPr/>
+          <p:cNvSpPr>
+            <a:spLocks noGrp="1" noRot="1" noChangeAspect="1"/>
+          </p:cNvSpPr>
           <p:nvPr>
-            <p:ph idx="2" type="sldImg"/>
+            <p:ph type="sldImg" idx="2"/>
           </p:nvPr>
         </p:nvSpPr>
         <p:spPr>
@@ -324,9 +331,13 @@
             <a:ext cx="6096075" cy="3429000"/>
           </a:xfrm>
           <a:custGeom>
-            <a:rect b="b" l="l" r="r" t="t"/>
+            <a:avLst/>
+            <a:gdLst/>
+            <a:ahLst/>
+            <a:cxnLst/>
+            <a:rect l="l" t="t" r="r" b="b"/>
             <a:pathLst>
-              <a:path extrusionOk="0" h="120000" w="120000">
+              <a:path w="120000" h="120000" extrusionOk="0">
                 <a:moveTo>
                   <a:pt x="0" y="0"/>
                 </a:moveTo>
@@ -344,23 +355,25 @@
             </a:pathLst>
           </a:custGeom>
           <a:noFill/>
-          <a:ln cap="flat" cmpd="sng" w="9525">
+          <a:ln w="9525" cap="flat" cmpd="sng">
             <a:solidFill>
               <a:srgbClr val="000000"/>
             </a:solidFill>
             <a:prstDash val="solid"/>
             <a:round/>
-            <a:headEnd len="sm" w="sm" type="none"/>
-            <a:tailEnd len="sm" w="sm" type="none"/>
+            <a:headEnd type="none" w="sm" len="sm"/>
+            <a:tailEnd type="none" w="sm" len="sm"/>
           </a:ln>
         </p:spPr>
       </p:sp>
       <p:sp>
         <p:nvSpPr>
           <p:cNvPr id="4" name="Google Shape;4;n"/>
-          <p:cNvSpPr txBox="1"/>
+          <p:cNvSpPr txBox="1">
+            <a:spLocks noGrp="1"/>
+          </p:cNvSpPr>
           <p:nvPr>
-            <p:ph idx="1" type="body"/>
+            <p:ph type="body" idx="1"/>
           </p:nvPr>
         </p:nvSpPr>
         <p:spPr>
@@ -377,11 +390,11 @@
           </a:ln>
         </p:spPr>
         <p:txBody>
-          <a:bodyPr anchorCtr="0" anchor="t" bIns="91425" lIns="91425" spcFirstLastPara="1" rIns="91425" wrap="square" tIns="91425">
+          <a:bodyPr spcFirstLastPara="1" wrap="square" lIns="91425" tIns="91425" rIns="91425" bIns="91425" anchor="t" anchorCtr="0">
             <a:noAutofit/>
           </a:bodyPr>
           <a:lstStyle>
-            <a:lvl1pPr indent="-298450" lvl="0" marL="457200">
+            <a:lvl1pPr marL="457200" lvl="0" indent="-298450">
               <a:spcBef>
                 <a:spcPts val="0"/>
               </a:spcBef>
@@ -392,7 +405,7 @@
               <a:buChar char="●"/>
               <a:defRPr sz="1100"/>
             </a:lvl1pPr>
-            <a:lvl2pPr indent="-298450" lvl="1" marL="914400">
+            <a:lvl2pPr marL="914400" lvl="1" indent="-298450">
               <a:spcBef>
                 <a:spcPts val="0"/>
               </a:spcBef>
@@ -403,7 +416,7 @@
               <a:buChar char="○"/>
               <a:defRPr sz="1100"/>
             </a:lvl2pPr>
-            <a:lvl3pPr indent="-298450" lvl="2" marL="1371600">
+            <a:lvl3pPr marL="1371600" lvl="2" indent="-298450">
               <a:spcBef>
                 <a:spcPts val="0"/>
               </a:spcBef>
@@ -414,7 +427,7 @@
               <a:buChar char="■"/>
               <a:defRPr sz="1100"/>
             </a:lvl3pPr>
-            <a:lvl4pPr indent="-298450" lvl="3" marL="1828800">
+            <a:lvl4pPr marL="1828800" lvl="3" indent="-298450">
               <a:spcBef>
                 <a:spcPts val="0"/>
               </a:spcBef>
@@ -425,7 +438,7 @@
               <a:buChar char="●"/>
               <a:defRPr sz="1100"/>
             </a:lvl4pPr>
-            <a:lvl5pPr indent="-298450" lvl="4" marL="2286000">
+            <a:lvl5pPr marL="2286000" lvl="4" indent="-298450">
               <a:spcBef>
                 <a:spcPts val="0"/>
               </a:spcBef>
@@ -436,7 +449,7 @@
               <a:buChar char="○"/>
               <a:defRPr sz="1100"/>
             </a:lvl5pPr>
-            <a:lvl6pPr indent="-298450" lvl="5" marL="2743200">
+            <a:lvl6pPr marL="2743200" lvl="5" indent="-298450">
               <a:spcBef>
                 <a:spcPts val="0"/>
               </a:spcBef>
@@ -447,7 +460,7 @@
               <a:buChar char="■"/>
               <a:defRPr sz="1100"/>
             </a:lvl6pPr>
-            <a:lvl7pPr indent="-298450" lvl="6" marL="3200400">
+            <a:lvl7pPr marL="3200400" lvl="6" indent="-298450">
               <a:spcBef>
                 <a:spcPts val="0"/>
               </a:spcBef>
@@ -458,7 +471,7 @@
               <a:buChar char="●"/>
               <a:defRPr sz="1100"/>
             </a:lvl7pPr>
-            <a:lvl8pPr indent="-298450" lvl="7" marL="3657600">
+            <a:lvl8pPr marL="3657600" lvl="7" indent="-298450">
               <a:spcBef>
                 <a:spcPts val="0"/>
               </a:spcBef>
@@ -469,7 +482,7 @@
               <a:buChar char="○"/>
               <a:defRPr sz="1100"/>
             </a:lvl8pPr>
-            <a:lvl9pPr indent="-298450" lvl="8" marL="4114800">
+            <a:lvl9pPr marL="4114800" lvl="8" indent="-298450">
               <a:spcBef>
                 <a:spcPts val="0"/>
               </a:spcBef>
@@ -481,14 +494,16 @@
               <a:defRPr sz="1100"/>
             </a:lvl9pPr>
           </a:lstStyle>
-          <a:p/>
+          <a:p>
+            <a:endParaRPr/>
+          </a:p>
         </p:txBody>
       </p:sp>
     </p:spTree>
   </p:cSld>
-  <p:clrMap accent1="accent1" accent2="accent2" accent3="accent3" accent4="accent4" accent5="accent5" accent6="accent6" bg1="lt1" bg2="dk2" tx1="dk1" tx2="lt2" folHlink="folHlink" hlink="hlink"/>
+  <p:clrMap bg1="lt1" tx1="dk1" bg2="dk2" tx2="lt2" accent1="accent1" accent2="accent2" accent3="accent3" accent4="accent4" accent5="accent5" accent6="accent6" hlink="hlink" folHlink="folHlink"/>
   <p:notesStyle>
-    <a:defPPr lvl="0" marR="0" rtl="0" algn="l">
+    <a:defPPr marR="0" lvl="0" algn="l" rtl="0">
       <a:lnSpc>
         <a:spcPct val="100000"/>
       </a:lnSpc>
@@ -499,7 +514,7 @@
         <a:spcPts val="0"/>
       </a:spcAft>
     </a:defPPr>
-    <a:lvl1pPr lvl="0" marR="0" rtl="0" algn="l">
+    <a:lvl1pPr marR="0" lvl="0" algn="l" rtl="0">
       <a:lnSpc>
         <a:spcPct val="100000"/>
       </a:lnSpc>
@@ -513,7 +528,7 @@
         <a:srgbClr val="000000"/>
       </a:buClr>
       <a:buFont typeface="Arial"/>
-      <a:defRPr b="0" i="0" sz="1400" u="none" cap="none" strike="noStrike">
+      <a:defRPr sz="1400" b="0" i="0" u="none" strike="noStrike" cap="none">
         <a:solidFill>
           <a:srgbClr val="000000"/>
         </a:solidFill>
@@ -523,7 +538,7 @@
         <a:sym typeface="Arial"/>
       </a:defRPr>
     </a:lvl1pPr>
-    <a:lvl2pPr lvl="1" marR="0" rtl="0" algn="l">
+    <a:lvl2pPr marR="0" lvl="1" algn="l" rtl="0">
       <a:lnSpc>
         <a:spcPct val="100000"/>
       </a:lnSpc>
@@ -537,7 +552,7 @@
         <a:srgbClr val="000000"/>
       </a:buClr>
       <a:buFont typeface="Arial"/>
-      <a:defRPr b="0" i="0" sz="1400" u="none" cap="none" strike="noStrike">
+      <a:defRPr sz="1400" b="0" i="0" u="none" strike="noStrike" cap="none">
         <a:solidFill>
           <a:srgbClr val="000000"/>
         </a:solidFill>
@@ -547,7 +562,7 @@
         <a:sym typeface="Arial"/>
       </a:defRPr>
     </a:lvl2pPr>
-    <a:lvl3pPr lvl="2" marR="0" rtl="0" algn="l">
+    <a:lvl3pPr marR="0" lvl="2" algn="l" rtl="0">
       <a:lnSpc>
         <a:spcPct val="100000"/>
       </a:lnSpc>
@@ -561,7 +576,7 @@
         <a:srgbClr val="000000"/>
       </a:buClr>
       <a:buFont typeface="Arial"/>
-      <a:defRPr b="0" i="0" sz="1400" u="none" cap="none" strike="noStrike">
+      <a:defRPr sz="1400" b="0" i="0" u="none" strike="noStrike" cap="none">
         <a:solidFill>
           <a:srgbClr val="000000"/>
         </a:solidFill>
@@ -571,7 +586,7 @@
         <a:sym typeface="Arial"/>
       </a:defRPr>
     </a:lvl3pPr>
-    <a:lvl4pPr lvl="3" marR="0" rtl="0" algn="l">
+    <a:lvl4pPr marR="0" lvl="3" algn="l" rtl="0">
       <a:lnSpc>
         <a:spcPct val="100000"/>
       </a:lnSpc>
@@ -585,7 +600,7 @@
         <a:srgbClr val="000000"/>
       </a:buClr>
       <a:buFont typeface="Arial"/>
-      <a:defRPr b="0" i="0" sz="1400" u="none" cap="none" strike="noStrike">
+      <a:defRPr sz="1400" b="0" i="0" u="none" strike="noStrike" cap="none">
         <a:solidFill>
           <a:srgbClr val="000000"/>
         </a:solidFill>
@@ -595,7 +610,7 @@
         <a:sym typeface="Arial"/>
       </a:defRPr>
     </a:lvl4pPr>
-    <a:lvl5pPr lvl="4" marR="0" rtl="0" algn="l">
+    <a:lvl5pPr marR="0" lvl="4" algn="l" rtl="0">
       <a:lnSpc>
         <a:spcPct val="100000"/>
       </a:lnSpc>
@@ -609,7 +624,7 @@
         <a:srgbClr val="000000"/>
       </a:buClr>
       <a:buFont typeface="Arial"/>
-      <a:defRPr b="0" i="0" sz="1400" u="none" cap="none" strike="noStrike">
+      <a:defRPr sz="1400" b="0" i="0" u="none" strike="noStrike" cap="none">
         <a:solidFill>
           <a:srgbClr val="000000"/>
         </a:solidFill>
@@ -619,7 +634,7 @@
         <a:sym typeface="Arial"/>
       </a:defRPr>
     </a:lvl5pPr>
-    <a:lvl6pPr lvl="5" marR="0" rtl="0" algn="l">
+    <a:lvl6pPr marR="0" lvl="5" algn="l" rtl="0">
       <a:lnSpc>
         <a:spcPct val="100000"/>
       </a:lnSpc>
@@ -633,7 +648,7 @@
         <a:srgbClr val="000000"/>
       </a:buClr>
       <a:buFont typeface="Arial"/>
-      <a:defRPr b="0" i="0" sz="1400" u="none" cap="none" strike="noStrike">
+      <a:defRPr sz="1400" b="0" i="0" u="none" strike="noStrike" cap="none">
         <a:solidFill>
           <a:srgbClr val="000000"/>
         </a:solidFill>
@@ -643,7 +658,7 @@
         <a:sym typeface="Arial"/>
       </a:defRPr>
     </a:lvl6pPr>
-    <a:lvl7pPr lvl="6" marR="0" rtl="0" algn="l">
+    <a:lvl7pPr marR="0" lvl="6" algn="l" rtl="0">
       <a:lnSpc>
         <a:spcPct val="100000"/>
       </a:lnSpc>
@@ -657,7 +672,7 @@
         <a:srgbClr val="000000"/>
       </a:buClr>
       <a:buFont typeface="Arial"/>
-      <a:defRPr b="0" i="0" sz="1400" u="none" cap="none" strike="noStrike">
+      <a:defRPr sz="1400" b="0" i="0" u="none" strike="noStrike" cap="none">
         <a:solidFill>
           <a:srgbClr val="000000"/>
         </a:solidFill>
@@ -667,7 +682,7 @@
         <a:sym typeface="Arial"/>
       </a:defRPr>
     </a:lvl7pPr>
-    <a:lvl8pPr lvl="7" marR="0" rtl="0" algn="l">
+    <a:lvl8pPr marR="0" lvl="7" algn="l" rtl="0">
       <a:lnSpc>
         <a:spcPct val="100000"/>
       </a:lnSpc>
@@ -681,7 +696,7 @@
         <a:srgbClr val="000000"/>
       </a:buClr>
       <a:buFont typeface="Arial"/>
-      <a:defRPr b="0" i="0" sz="1400" u="none" cap="none" strike="noStrike">
+      <a:defRPr sz="1400" b="0" i="0" u="none" strike="noStrike" cap="none">
         <a:solidFill>
           <a:srgbClr val="000000"/>
         </a:solidFill>
@@ -691,7 +706,7 @@
         <a:sym typeface="Arial"/>
       </a:defRPr>
     </a:lvl8pPr>
-    <a:lvl9pPr lvl="8" marR="0" rtl="0" algn="l">
+    <a:lvl9pPr marR="0" lvl="8" algn="l" rtl="0">
       <a:lnSpc>
         <a:spcPct val="100000"/>
       </a:lnSpc>
@@ -705,7 +720,7 @@
         <a:srgbClr val="000000"/>
       </a:buClr>
       <a:buFont typeface="Arial"/>
-      <a:defRPr b="0" i="0" sz="1400" u="none" cap="none" strike="noStrike">
+      <a:defRPr sz="1400" b="0" i="0" u="none" strike="noStrike" cap="none">
         <a:solidFill>
           <a:srgbClr val="000000"/>
         </a:solidFill>
@@ -720,11 +735,11 @@
 </file>
 
 <file path=ppt/notesSlides/notesSlide1.xml><?xml version="1.0" encoding="utf-8"?>
-<p:notes xmlns:a="http://schemas.openxmlformats.org/drawingml/2006/main" xmlns:r="http://schemas.openxmlformats.org/officeDocument/2006/relationships" xmlns:mc="http://schemas.openxmlformats.org/markup-compatibility/2006" xmlns:mv="urn:schemas-microsoft-com:mac:vml" xmlns:p="http://schemas.openxmlformats.org/presentationml/2006/main" xmlns:c="http://schemas.openxmlformats.org/drawingml/2006/chart" xmlns:dgm="http://schemas.openxmlformats.org/drawingml/2006/diagram" xmlns:o="urn:schemas-microsoft-com:office:office" xmlns:v="urn:schemas-microsoft-com:vml" xmlns:pvml="urn:schemas-microsoft-com:office:powerpoint" xmlns:com="http://schemas.openxmlformats.org/drawingml/2006/compatibility" xmlns:p14="http://schemas.microsoft.com/office/powerpoint/2010/main" xmlns:p15="http://schemas.microsoft.com/office/powerpoint/2012/main" xmlns:ahyp="http://schemas.microsoft.com/office/drawing/2018/hyperlinkcolor" showMasterPhAnim="0" showMasterSp="0">
+<p:notes xmlns:a="http://schemas.openxmlformats.org/drawingml/2006/main" xmlns:r="http://schemas.openxmlformats.org/officeDocument/2006/relationships" xmlns:p="http://schemas.openxmlformats.org/presentationml/2006/main" showMasterSp="0" showMasterPhAnim="0">
   <p:cSld>
     <p:spTree>
       <p:nvGrpSpPr>
-        <p:cNvPr id="130" name="Shape 130"/>
+        <p:cNvPr id="1" name="Shape 130"/>
         <p:cNvGrpSpPr/>
         <p:nvPr/>
       </p:nvGrpSpPr>
@@ -739,9 +754,11 @@
       <p:sp>
         <p:nvSpPr>
           <p:cNvPr id="131" name="Google Shape;131;p:notes"/>
-          <p:cNvSpPr/>
+          <p:cNvSpPr>
+            <a:spLocks noGrp="1" noRot="1" noChangeAspect="1"/>
+          </p:cNvSpPr>
           <p:nvPr>
-            <p:ph idx="2" type="sldImg"/>
+            <p:ph type="sldImg" idx="2"/>
           </p:nvPr>
         </p:nvSpPr>
         <p:spPr>
@@ -750,9 +767,13 @@
             <a:ext cx="6096075" cy="3429000"/>
           </a:xfrm>
           <a:custGeom>
-            <a:rect b="b" l="l" r="r" t="t"/>
+            <a:avLst/>
+            <a:gdLst/>
+            <a:ahLst/>
+            <a:cxnLst/>
+            <a:rect l="l" t="t" r="r" b="b"/>
             <a:pathLst>
-              <a:path extrusionOk="0" h="120000" w="120000">
+              <a:path w="120000" h="120000" extrusionOk="0">
                 <a:moveTo>
                   <a:pt x="0" y="0"/>
                 </a:moveTo>
@@ -774,9 +795,11 @@
       <p:sp>
         <p:nvSpPr>
           <p:cNvPr id="132" name="Google Shape;132;p:notes"/>
-          <p:cNvSpPr txBox="1"/>
+          <p:cNvSpPr txBox="1">
+            <a:spLocks noGrp="1"/>
+          </p:cNvSpPr>
           <p:nvPr>
-            <p:ph idx="1" type="body"/>
+            <p:ph type="body" idx="1"/>
           </p:nvPr>
         </p:nvSpPr>
         <p:spPr>
@@ -789,12 +812,12 @@
           </a:prstGeom>
         </p:spPr>
         <p:txBody>
-          <a:bodyPr anchorCtr="0" anchor="t" bIns="91425" lIns="91425" spcFirstLastPara="1" rIns="91425" wrap="square" tIns="91425">
+          <a:bodyPr spcFirstLastPara="1" wrap="square" lIns="91425" tIns="91425" rIns="91425" bIns="91425" anchor="t" anchorCtr="0">
             <a:noAutofit/>
           </a:bodyPr>
           <a:lstStyle/>
           <a:p>
-            <a:pPr indent="0" lvl="0" marL="0" rtl="0" algn="l">
+            <a:pPr marL="0" lvl="0" indent="0" algn="l" rtl="0">
               <a:spcBef>
                 <a:spcPts val="0"/>
               </a:spcBef>
@@ -803,9 +826,6 @@
               </a:spcAft>
               <a:buNone/>
             </a:pPr>
-            <a:r>
-              <a:t/>
-            </a:r>
             <a:endParaRPr/>
           </a:p>
         </p:txBody>
@@ -819,11 +839,11 @@
 </file>
 
 <file path=ppt/notesSlides/notesSlide10.xml><?xml version="1.0" encoding="utf-8"?>
-<p:notes xmlns:a="http://schemas.openxmlformats.org/drawingml/2006/main" xmlns:r="http://schemas.openxmlformats.org/officeDocument/2006/relationships" xmlns:mc="http://schemas.openxmlformats.org/markup-compatibility/2006" xmlns:mv="urn:schemas-microsoft-com:mac:vml" xmlns:p="http://schemas.openxmlformats.org/presentationml/2006/main" xmlns:c="http://schemas.openxmlformats.org/drawingml/2006/chart" xmlns:dgm="http://schemas.openxmlformats.org/drawingml/2006/diagram" xmlns:o="urn:schemas-microsoft-com:office:office" xmlns:v="urn:schemas-microsoft-com:vml" xmlns:pvml="urn:schemas-microsoft-com:office:powerpoint" xmlns:com="http://schemas.openxmlformats.org/drawingml/2006/compatibility" xmlns:p14="http://schemas.microsoft.com/office/powerpoint/2010/main" xmlns:p15="http://schemas.microsoft.com/office/powerpoint/2012/main" xmlns:ahyp="http://schemas.microsoft.com/office/drawing/2018/hyperlinkcolor" showMasterPhAnim="0" showMasterSp="0">
+<p:notes xmlns:a="http://schemas.openxmlformats.org/drawingml/2006/main" xmlns:r="http://schemas.openxmlformats.org/officeDocument/2006/relationships" xmlns:p="http://schemas.openxmlformats.org/presentationml/2006/main" showMasterSp="0" showMasterPhAnim="0">
   <p:cSld>
     <p:spTree>
       <p:nvGrpSpPr>
-        <p:cNvPr id="182" name="Shape 182"/>
+        <p:cNvPr id="1" name="Shape 182"/>
         <p:cNvGrpSpPr/>
         <p:nvPr/>
       </p:nvGrpSpPr>
@@ -838,9 +858,11 @@
       <p:sp>
         <p:nvSpPr>
           <p:cNvPr id="183" name="Google Shape;183;g293a6523dbb_6_3:notes"/>
-          <p:cNvSpPr/>
+          <p:cNvSpPr>
+            <a:spLocks noGrp="1" noRot="1" noChangeAspect="1"/>
+          </p:cNvSpPr>
           <p:nvPr>
-            <p:ph idx="2" type="sldImg"/>
+            <p:ph type="sldImg" idx="2"/>
           </p:nvPr>
         </p:nvSpPr>
         <p:spPr>
@@ -849,9 +871,13 @@
             <a:ext cx="6096000" cy="3429000"/>
           </a:xfrm>
           <a:custGeom>
-            <a:rect b="b" l="l" r="r" t="t"/>
+            <a:avLst/>
+            <a:gdLst/>
+            <a:ahLst/>
+            <a:cxnLst/>
+            <a:rect l="l" t="t" r="r" b="b"/>
             <a:pathLst>
-              <a:path extrusionOk="0" h="120000" w="120000">
+              <a:path w="120000" h="120000" extrusionOk="0">
                 <a:moveTo>
                   <a:pt x="0" y="0"/>
                 </a:moveTo>
@@ -873,9 +899,11 @@
       <p:sp>
         <p:nvSpPr>
           <p:cNvPr id="184" name="Google Shape;184;g293a6523dbb_6_3:notes"/>
-          <p:cNvSpPr txBox="1"/>
+          <p:cNvSpPr txBox="1">
+            <a:spLocks noGrp="1"/>
+          </p:cNvSpPr>
           <p:nvPr>
-            <p:ph idx="1" type="body"/>
+            <p:ph type="body" idx="1"/>
           </p:nvPr>
         </p:nvSpPr>
         <p:spPr>
@@ -888,12 +916,12 @@
           </a:prstGeom>
         </p:spPr>
         <p:txBody>
-          <a:bodyPr anchorCtr="0" anchor="t" bIns="91425" lIns="91425" spcFirstLastPara="1" rIns="91425" wrap="square" tIns="91425">
+          <a:bodyPr spcFirstLastPara="1" wrap="square" lIns="91425" tIns="91425" rIns="91425" bIns="91425" anchor="t" anchorCtr="0">
             <a:noAutofit/>
           </a:bodyPr>
           <a:lstStyle/>
           <a:p>
-            <a:pPr indent="0" lvl="0" marL="0" rtl="0" algn="l">
+            <a:pPr marL="0" lvl="0" indent="0" algn="l" rtl="0">
               <a:spcBef>
                 <a:spcPts val="0"/>
               </a:spcBef>
@@ -902,9 +930,6 @@
               </a:spcAft>
               <a:buNone/>
             </a:pPr>
-            <a:r>
-              <a:t/>
-            </a:r>
             <a:endParaRPr/>
           </a:p>
         </p:txBody>
@@ -918,11 +943,11 @@
 </file>
 
 <file path=ppt/notesSlides/notesSlide11.xml><?xml version="1.0" encoding="utf-8"?>
-<p:notes xmlns:a="http://schemas.openxmlformats.org/drawingml/2006/main" xmlns:r="http://schemas.openxmlformats.org/officeDocument/2006/relationships" xmlns:mc="http://schemas.openxmlformats.org/markup-compatibility/2006" xmlns:mv="urn:schemas-microsoft-com:mac:vml" xmlns:p="http://schemas.openxmlformats.org/presentationml/2006/main" xmlns:c="http://schemas.openxmlformats.org/drawingml/2006/chart" xmlns:dgm="http://schemas.openxmlformats.org/drawingml/2006/diagram" xmlns:o="urn:schemas-microsoft-com:office:office" xmlns:v="urn:schemas-microsoft-com:vml" xmlns:pvml="urn:schemas-microsoft-com:office:powerpoint" xmlns:com="http://schemas.openxmlformats.org/drawingml/2006/compatibility" xmlns:p14="http://schemas.microsoft.com/office/powerpoint/2010/main" xmlns:p15="http://schemas.microsoft.com/office/powerpoint/2012/main" xmlns:ahyp="http://schemas.microsoft.com/office/drawing/2018/hyperlinkcolor" showMasterPhAnim="0" showMasterSp="0">
+<p:notes xmlns:a="http://schemas.openxmlformats.org/drawingml/2006/main" xmlns:r="http://schemas.openxmlformats.org/officeDocument/2006/relationships" xmlns:p="http://schemas.openxmlformats.org/presentationml/2006/main" showMasterSp="0" showMasterPhAnim="0">
   <p:cSld>
     <p:spTree>
       <p:nvGrpSpPr>
-        <p:cNvPr id="188" name="Shape 188"/>
+        <p:cNvPr id="1" name="Shape 188"/>
         <p:cNvGrpSpPr/>
         <p:nvPr/>
       </p:nvGrpSpPr>
@@ -937,9 +962,11 @@
       <p:sp>
         <p:nvSpPr>
           <p:cNvPr id="189" name="Google Shape;189;g293a6523dbb_6_48:notes"/>
-          <p:cNvSpPr/>
+          <p:cNvSpPr>
+            <a:spLocks noGrp="1" noRot="1" noChangeAspect="1"/>
+          </p:cNvSpPr>
           <p:nvPr>
-            <p:ph idx="2" type="sldImg"/>
+            <p:ph type="sldImg" idx="2"/>
           </p:nvPr>
         </p:nvSpPr>
         <p:spPr>
@@ -948,9 +975,13 @@
             <a:ext cx="6096000" cy="3429000"/>
           </a:xfrm>
           <a:custGeom>
-            <a:rect b="b" l="l" r="r" t="t"/>
+            <a:avLst/>
+            <a:gdLst/>
+            <a:ahLst/>
+            <a:cxnLst/>
+            <a:rect l="l" t="t" r="r" b="b"/>
             <a:pathLst>
-              <a:path extrusionOk="0" h="120000" w="120000">
+              <a:path w="120000" h="120000" extrusionOk="0">
                 <a:moveTo>
                   <a:pt x="0" y="0"/>
                 </a:moveTo>
@@ -972,9 +1003,11 @@
       <p:sp>
         <p:nvSpPr>
           <p:cNvPr id="190" name="Google Shape;190;g293a6523dbb_6_48:notes"/>
-          <p:cNvSpPr txBox="1"/>
+          <p:cNvSpPr txBox="1">
+            <a:spLocks noGrp="1"/>
+          </p:cNvSpPr>
           <p:nvPr>
-            <p:ph idx="1" type="body"/>
+            <p:ph type="body" idx="1"/>
           </p:nvPr>
         </p:nvSpPr>
         <p:spPr>
@@ -987,12 +1020,12 @@
           </a:prstGeom>
         </p:spPr>
         <p:txBody>
-          <a:bodyPr anchorCtr="0" anchor="t" bIns="91425" lIns="91425" spcFirstLastPara="1" rIns="91425" wrap="square" tIns="91425">
+          <a:bodyPr spcFirstLastPara="1" wrap="square" lIns="91425" tIns="91425" rIns="91425" bIns="91425" anchor="t" anchorCtr="0">
             <a:noAutofit/>
           </a:bodyPr>
           <a:lstStyle/>
           <a:p>
-            <a:pPr indent="0" lvl="0" marL="0" rtl="0" algn="l">
+            <a:pPr marL="0" lvl="0" indent="0" algn="l" rtl="0">
               <a:spcBef>
                 <a:spcPts val="0"/>
               </a:spcBef>
@@ -1001,9 +1034,6 @@
               </a:spcAft>
               <a:buNone/>
             </a:pPr>
-            <a:r>
-              <a:t/>
-            </a:r>
             <a:endParaRPr/>
           </a:p>
         </p:txBody>
@@ -1017,11 +1047,11 @@
 </file>
 
 <file path=ppt/notesSlides/notesSlide12.xml><?xml version="1.0" encoding="utf-8"?>
-<p:notes xmlns:a="http://schemas.openxmlformats.org/drawingml/2006/main" xmlns:r="http://schemas.openxmlformats.org/officeDocument/2006/relationships" xmlns:mc="http://schemas.openxmlformats.org/markup-compatibility/2006" xmlns:mv="urn:schemas-microsoft-com:mac:vml" xmlns:p="http://schemas.openxmlformats.org/presentationml/2006/main" xmlns:c="http://schemas.openxmlformats.org/drawingml/2006/chart" xmlns:dgm="http://schemas.openxmlformats.org/drawingml/2006/diagram" xmlns:o="urn:schemas-microsoft-com:office:office" xmlns:v="urn:schemas-microsoft-com:vml" xmlns:pvml="urn:schemas-microsoft-com:office:powerpoint" xmlns:com="http://schemas.openxmlformats.org/drawingml/2006/compatibility" xmlns:p14="http://schemas.microsoft.com/office/powerpoint/2010/main" xmlns:p15="http://schemas.microsoft.com/office/powerpoint/2012/main" xmlns:ahyp="http://schemas.microsoft.com/office/drawing/2018/hyperlinkcolor" showMasterPhAnim="0" showMasterSp="0">
+<p:notes xmlns:a="http://schemas.openxmlformats.org/drawingml/2006/main" xmlns:r="http://schemas.openxmlformats.org/officeDocument/2006/relationships" xmlns:p="http://schemas.openxmlformats.org/presentationml/2006/main" showMasterSp="0" showMasterPhAnim="0">
   <p:cSld>
     <p:spTree>
       <p:nvGrpSpPr>
-        <p:cNvPr id="194" name="Shape 194"/>
+        <p:cNvPr id="1" name="Shape 194"/>
         <p:cNvGrpSpPr/>
         <p:nvPr/>
       </p:nvGrpSpPr>
@@ -1036,9 +1066,11 @@
       <p:sp>
         <p:nvSpPr>
           <p:cNvPr id="195" name="Google Shape;195;g293a6523dbb_6_45:notes"/>
-          <p:cNvSpPr/>
+          <p:cNvSpPr>
+            <a:spLocks noGrp="1" noRot="1" noChangeAspect="1"/>
+          </p:cNvSpPr>
           <p:nvPr>
-            <p:ph idx="2" type="sldImg"/>
+            <p:ph type="sldImg" idx="2"/>
           </p:nvPr>
         </p:nvSpPr>
         <p:spPr>
@@ -1047,9 +1079,13 @@
             <a:ext cx="6096000" cy="3429000"/>
           </a:xfrm>
           <a:custGeom>
-            <a:rect b="b" l="l" r="r" t="t"/>
+            <a:avLst/>
+            <a:gdLst/>
+            <a:ahLst/>
+            <a:cxnLst/>
+            <a:rect l="l" t="t" r="r" b="b"/>
             <a:pathLst>
-              <a:path extrusionOk="0" h="120000" w="120000">
+              <a:path w="120000" h="120000" extrusionOk="0">
                 <a:moveTo>
                   <a:pt x="0" y="0"/>
                 </a:moveTo>
@@ -1071,9 +1107,11 @@
       <p:sp>
         <p:nvSpPr>
           <p:cNvPr id="196" name="Google Shape;196;g293a6523dbb_6_45:notes"/>
-          <p:cNvSpPr txBox="1"/>
+          <p:cNvSpPr txBox="1">
+            <a:spLocks noGrp="1"/>
+          </p:cNvSpPr>
           <p:nvPr>
-            <p:ph idx="1" type="body"/>
+            <p:ph type="body" idx="1"/>
           </p:nvPr>
         </p:nvSpPr>
         <p:spPr>
@@ -1086,12 +1124,12 @@
           </a:prstGeom>
         </p:spPr>
         <p:txBody>
-          <a:bodyPr anchorCtr="0" anchor="t" bIns="91425" lIns="91425" spcFirstLastPara="1" rIns="91425" wrap="square" tIns="91425">
+          <a:bodyPr spcFirstLastPara="1" wrap="square" lIns="91425" tIns="91425" rIns="91425" bIns="91425" anchor="t" anchorCtr="0">
             <a:noAutofit/>
           </a:bodyPr>
           <a:lstStyle/>
           <a:p>
-            <a:pPr indent="0" lvl="0" marL="0" rtl="0" algn="l">
+            <a:pPr marL="0" lvl="0" indent="0" algn="l" rtl="0">
               <a:spcBef>
                 <a:spcPts val="0"/>
               </a:spcBef>
@@ -1100,9 +1138,6 @@
               </a:spcAft>
               <a:buNone/>
             </a:pPr>
-            <a:r>
-              <a:t/>
-            </a:r>
             <a:endParaRPr/>
           </a:p>
         </p:txBody>
@@ -1116,11 +1151,11 @@
 </file>
 
 <file path=ppt/notesSlides/notesSlide13.xml><?xml version="1.0" encoding="utf-8"?>
-<p:notes xmlns:a="http://schemas.openxmlformats.org/drawingml/2006/main" xmlns:r="http://schemas.openxmlformats.org/officeDocument/2006/relationships" xmlns:mc="http://schemas.openxmlformats.org/markup-compatibility/2006" xmlns:mv="urn:schemas-microsoft-com:mac:vml" xmlns:p="http://schemas.openxmlformats.org/presentationml/2006/main" xmlns:c="http://schemas.openxmlformats.org/drawingml/2006/chart" xmlns:dgm="http://schemas.openxmlformats.org/drawingml/2006/diagram" xmlns:o="urn:schemas-microsoft-com:office:office" xmlns:v="urn:schemas-microsoft-com:vml" xmlns:pvml="urn:schemas-microsoft-com:office:powerpoint" xmlns:com="http://schemas.openxmlformats.org/drawingml/2006/compatibility" xmlns:p14="http://schemas.microsoft.com/office/powerpoint/2010/main" xmlns:p15="http://schemas.microsoft.com/office/powerpoint/2012/main" xmlns:ahyp="http://schemas.microsoft.com/office/drawing/2018/hyperlinkcolor" showMasterPhAnim="0" showMasterSp="0">
+<p:notes xmlns:a="http://schemas.openxmlformats.org/drawingml/2006/main" xmlns:r="http://schemas.openxmlformats.org/officeDocument/2006/relationships" xmlns:p="http://schemas.openxmlformats.org/presentationml/2006/main" showMasterSp="0" showMasterPhAnim="0">
   <p:cSld>
     <p:spTree>
       <p:nvGrpSpPr>
-        <p:cNvPr id="200" name="Shape 200"/>
+        <p:cNvPr id="1" name="Shape 200"/>
         <p:cNvGrpSpPr/>
         <p:nvPr/>
       </p:nvGrpSpPr>
@@ -1135,9 +1170,11 @@
       <p:sp>
         <p:nvSpPr>
           <p:cNvPr id="201" name="Google Shape;201;g293a6523dbb_6_51:notes"/>
-          <p:cNvSpPr/>
+          <p:cNvSpPr>
+            <a:spLocks noGrp="1" noRot="1" noChangeAspect="1"/>
+          </p:cNvSpPr>
           <p:nvPr>
-            <p:ph idx="2" type="sldImg"/>
+            <p:ph type="sldImg" idx="2"/>
           </p:nvPr>
         </p:nvSpPr>
         <p:spPr>
@@ -1146,9 +1183,13 @@
             <a:ext cx="6096000" cy="3429000"/>
           </a:xfrm>
           <a:custGeom>
-            <a:rect b="b" l="l" r="r" t="t"/>
+            <a:avLst/>
+            <a:gdLst/>
+            <a:ahLst/>
+            <a:cxnLst/>
+            <a:rect l="l" t="t" r="r" b="b"/>
             <a:pathLst>
-              <a:path extrusionOk="0" h="120000" w="120000">
+              <a:path w="120000" h="120000" extrusionOk="0">
                 <a:moveTo>
                   <a:pt x="0" y="0"/>
                 </a:moveTo>
@@ -1170,9 +1211,11 @@
       <p:sp>
         <p:nvSpPr>
           <p:cNvPr id="202" name="Google Shape;202;g293a6523dbb_6_51:notes"/>
-          <p:cNvSpPr txBox="1"/>
+          <p:cNvSpPr txBox="1">
+            <a:spLocks noGrp="1"/>
+          </p:cNvSpPr>
           <p:nvPr>
-            <p:ph idx="1" type="body"/>
+            <p:ph type="body" idx="1"/>
           </p:nvPr>
         </p:nvSpPr>
         <p:spPr>
@@ -1185,12 +1228,12 @@
           </a:prstGeom>
         </p:spPr>
         <p:txBody>
-          <a:bodyPr anchorCtr="0" anchor="t" bIns="91425" lIns="91425" spcFirstLastPara="1" rIns="91425" wrap="square" tIns="91425">
+          <a:bodyPr spcFirstLastPara="1" wrap="square" lIns="91425" tIns="91425" rIns="91425" bIns="91425" anchor="t" anchorCtr="0">
             <a:noAutofit/>
           </a:bodyPr>
           <a:lstStyle/>
           <a:p>
-            <a:pPr indent="0" lvl="0" marL="0" rtl="0" algn="l">
+            <a:pPr marL="0" lvl="0" indent="0" algn="l" rtl="0">
               <a:spcBef>
                 <a:spcPts val="0"/>
               </a:spcBef>
@@ -1199,9 +1242,6 @@
               </a:spcAft>
               <a:buNone/>
             </a:pPr>
-            <a:r>
-              <a:t/>
-            </a:r>
             <a:endParaRPr/>
           </a:p>
         </p:txBody>
@@ -1215,11 +1255,11 @@
 </file>
 
 <file path=ppt/notesSlides/notesSlide14.xml><?xml version="1.0" encoding="utf-8"?>
-<p:notes xmlns:a="http://schemas.openxmlformats.org/drawingml/2006/main" xmlns:r="http://schemas.openxmlformats.org/officeDocument/2006/relationships" xmlns:mc="http://schemas.openxmlformats.org/markup-compatibility/2006" xmlns:mv="urn:schemas-microsoft-com:mac:vml" xmlns:p="http://schemas.openxmlformats.org/presentationml/2006/main" xmlns:c="http://schemas.openxmlformats.org/drawingml/2006/chart" xmlns:dgm="http://schemas.openxmlformats.org/drawingml/2006/diagram" xmlns:o="urn:schemas-microsoft-com:office:office" xmlns:v="urn:schemas-microsoft-com:vml" xmlns:pvml="urn:schemas-microsoft-com:office:powerpoint" xmlns:com="http://schemas.openxmlformats.org/drawingml/2006/compatibility" xmlns:p14="http://schemas.microsoft.com/office/powerpoint/2010/main" xmlns:p15="http://schemas.microsoft.com/office/powerpoint/2012/main" xmlns:ahyp="http://schemas.microsoft.com/office/drawing/2018/hyperlinkcolor" showMasterPhAnim="0" showMasterSp="0">
+<p:notes xmlns:a="http://schemas.openxmlformats.org/drawingml/2006/main" xmlns:r="http://schemas.openxmlformats.org/officeDocument/2006/relationships" xmlns:p="http://schemas.openxmlformats.org/presentationml/2006/main" showMasterSp="0" showMasterPhAnim="0">
   <p:cSld>
     <p:spTree>
       <p:nvGrpSpPr>
-        <p:cNvPr id="206" name="Shape 206"/>
+        <p:cNvPr id="1" name="Shape 206"/>
         <p:cNvGrpSpPr/>
         <p:nvPr/>
       </p:nvGrpSpPr>
@@ -1234,9 +1274,11 @@
       <p:sp>
         <p:nvSpPr>
           <p:cNvPr id="207" name="Google Shape;207;g293a6523dbb_6_74:notes"/>
-          <p:cNvSpPr/>
+          <p:cNvSpPr>
+            <a:spLocks noGrp="1" noRot="1" noChangeAspect="1"/>
+          </p:cNvSpPr>
           <p:nvPr>
-            <p:ph idx="2" type="sldImg"/>
+            <p:ph type="sldImg" idx="2"/>
           </p:nvPr>
         </p:nvSpPr>
         <p:spPr>
@@ -1245,9 +1287,13 @@
             <a:ext cx="6096000" cy="3429000"/>
           </a:xfrm>
           <a:custGeom>
-            <a:rect b="b" l="l" r="r" t="t"/>
+            <a:avLst/>
+            <a:gdLst/>
+            <a:ahLst/>
+            <a:cxnLst/>
+            <a:rect l="l" t="t" r="r" b="b"/>
             <a:pathLst>
-              <a:path extrusionOk="0" h="120000" w="120000">
+              <a:path w="120000" h="120000" extrusionOk="0">
                 <a:moveTo>
                   <a:pt x="0" y="0"/>
                 </a:moveTo>
@@ -1269,9 +1315,11 @@
       <p:sp>
         <p:nvSpPr>
           <p:cNvPr id="208" name="Google Shape;208;g293a6523dbb_6_74:notes"/>
-          <p:cNvSpPr txBox="1"/>
+          <p:cNvSpPr txBox="1">
+            <a:spLocks noGrp="1"/>
+          </p:cNvSpPr>
           <p:nvPr>
-            <p:ph idx="1" type="body"/>
+            <p:ph type="body" idx="1"/>
           </p:nvPr>
         </p:nvSpPr>
         <p:spPr>
@@ -1284,12 +1332,12 @@
           </a:prstGeom>
         </p:spPr>
         <p:txBody>
-          <a:bodyPr anchorCtr="0" anchor="t" bIns="91425" lIns="91425" spcFirstLastPara="1" rIns="91425" wrap="square" tIns="91425">
+          <a:bodyPr spcFirstLastPara="1" wrap="square" lIns="91425" tIns="91425" rIns="91425" bIns="91425" anchor="t" anchorCtr="0">
             <a:noAutofit/>
           </a:bodyPr>
           <a:lstStyle/>
           <a:p>
-            <a:pPr indent="0" lvl="0" marL="0" rtl="0" algn="l">
+            <a:pPr marL="0" lvl="0" indent="0" algn="l" rtl="0">
               <a:spcBef>
                 <a:spcPts val="0"/>
               </a:spcBef>
@@ -1298,9 +1346,6 @@
               </a:spcAft>
               <a:buNone/>
             </a:pPr>
-            <a:r>
-              <a:t/>
-            </a:r>
             <a:endParaRPr/>
           </a:p>
         </p:txBody>
@@ -1314,11 +1359,11 @@
 </file>
 
 <file path=ppt/notesSlides/notesSlide15.xml><?xml version="1.0" encoding="utf-8"?>
-<p:notes xmlns:a="http://schemas.openxmlformats.org/drawingml/2006/main" xmlns:r="http://schemas.openxmlformats.org/officeDocument/2006/relationships" xmlns:mc="http://schemas.openxmlformats.org/markup-compatibility/2006" xmlns:mv="urn:schemas-microsoft-com:mac:vml" xmlns:p="http://schemas.openxmlformats.org/presentationml/2006/main" xmlns:c="http://schemas.openxmlformats.org/drawingml/2006/chart" xmlns:dgm="http://schemas.openxmlformats.org/drawingml/2006/diagram" xmlns:o="urn:schemas-microsoft-com:office:office" xmlns:v="urn:schemas-microsoft-com:vml" xmlns:pvml="urn:schemas-microsoft-com:office:powerpoint" xmlns:com="http://schemas.openxmlformats.org/drawingml/2006/compatibility" xmlns:p14="http://schemas.microsoft.com/office/powerpoint/2010/main" xmlns:p15="http://schemas.microsoft.com/office/powerpoint/2012/main" xmlns:ahyp="http://schemas.microsoft.com/office/drawing/2018/hyperlinkcolor" showMasterPhAnim="0" showMasterSp="0">
+<p:notes xmlns:a="http://schemas.openxmlformats.org/drawingml/2006/main" xmlns:r="http://schemas.openxmlformats.org/officeDocument/2006/relationships" xmlns:p="http://schemas.openxmlformats.org/presentationml/2006/main" showMasterSp="0" showMasterPhAnim="0">
   <p:cSld>
     <p:spTree>
       <p:nvGrpSpPr>
-        <p:cNvPr id="211" name="Shape 211"/>
+        <p:cNvPr id="1" name="Shape 211"/>
         <p:cNvGrpSpPr/>
         <p:nvPr/>
       </p:nvGrpSpPr>
@@ -1333,9 +1378,11 @@
       <p:sp>
         <p:nvSpPr>
           <p:cNvPr id="212" name="Google Shape;212;g293a6523dbb_6_80:notes"/>
-          <p:cNvSpPr/>
+          <p:cNvSpPr>
+            <a:spLocks noGrp="1" noRot="1" noChangeAspect="1"/>
+          </p:cNvSpPr>
           <p:nvPr>
-            <p:ph idx="2" type="sldImg"/>
+            <p:ph type="sldImg" idx="2"/>
           </p:nvPr>
         </p:nvSpPr>
         <p:spPr>
@@ -1344,9 +1391,13 @@
             <a:ext cx="6096000" cy="3429000"/>
           </a:xfrm>
           <a:custGeom>
-            <a:rect b="b" l="l" r="r" t="t"/>
+            <a:avLst/>
+            <a:gdLst/>
+            <a:ahLst/>
+            <a:cxnLst/>
+            <a:rect l="l" t="t" r="r" b="b"/>
             <a:pathLst>
-              <a:path extrusionOk="0" h="120000" w="120000">
+              <a:path w="120000" h="120000" extrusionOk="0">
                 <a:moveTo>
                   <a:pt x="0" y="0"/>
                 </a:moveTo>
@@ -1368,9 +1419,11 @@
       <p:sp>
         <p:nvSpPr>
           <p:cNvPr id="213" name="Google Shape;213;g293a6523dbb_6_80:notes"/>
-          <p:cNvSpPr txBox="1"/>
+          <p:cNvSpPr txBox="1">
+            <a:spLocks noGrp="1"/>
+          </p:cNvSpPr>
           <p:nvPr>
-            <p:ph idx="1" type="body"/>
+            <p:ph type="body" idx="1"/>
           </p:nvPr>
         </p:nvSpPr>
         <p:spPr>
@@ -1383,12 +1436,12 @@
           </a:prstGeom>
         </p:spPr>
         <p:txBody>
-          <a:bodyPr anchorCtr="0" anchor="t" bIns="91425" lIns="91425" spcFirstLastPara="1" rIns="91425" wrap="square" tIns="91425">
+          <a:bodyPr spcFirstLastPara="1" wrap="square" lIns="91425" tIns="91425" rIns="91425" bIns="91425" anchor="t" anchorCtr="0">
             <a:noAutofit/>
           </a:bodyPr>
           <a:lstStyle/>
           <a:p>
-            <a:pPr indent="0" lvl="0" marL="0" rtl="0" algn="l">
+            <a:pPr marL="0" lvl="0" indent="0" algn="l" rtl="0">
               <a:spcBef>
                 <a:spcPts val="0"/>
               </a:spcBef>
@@ -1397,9 +1450,6 @@
               </a:spcAft>
               <a:buNone/>
             </a:pPr>
-            <a:r>
-              <a:t/>
-            </a:r>
             <a:endParaRPr/>
           </a:p>
         </p:txBody>
@@ -1413,11 +1463,11 @@
 </file>
 
 <file path=ppt/notesSlides/notesSlide16.xml><?xml version="1.0" encoding="utf-8"?>
-<p:notes xmlns:a="http://schemas.openxmlformats.org/drawingml/2006/main" xmlns:r="http://schemas.openxmlformats.org/officeDocument/2006/relationships" xmlns:mc="http://schemas.openxmlformats.org/markup-compatibility/2006" xmlns:mv="urn:schemas-microsoft-com:mac:vml" xmlns:p="http://schemas.openxmlformats.org/presentationml/2006/main" xmlns:c="http://schemas.openxmlformats.org/drawingml/2006/chart" xmlns:dgm="http://schemas.openxmlformats.org/drawingml/2006/diagram" xmlns:o="urn:schemas-microsoft-com:office:office" xmlns:v="urn:schemas-microsoft-com:vml" xmlns:pvml="urn:schemas-microsoft-com:office:powerpoint" xmlns:com="http://schemas.openxmlformats.org/drawingml/2006/compatibility" xmlns:p14="http://schemas.microsoft.com/office/powerpoint/2010/main" xmlns:p15="http://schemas.microsoft.com/office/powerpoint/2012/main" xmlns:ahyp="http://schemas.microsoft.com/office/drawing/2018/hyperlinkcolor" showMasterPhAnim="0" showMasterSp="0">
+<p:notes xmlns:a="http://schemas.openxmlformats.org/drawingml/2006/main" xmlns:r="http://schemas.openxmlformats.org/officeDocument/2006/relationships" xmlns:p="http://schemas.openxmlformats.org/presentationml/2006/main" showMasterSp="0" showMasterPhAnim="0">
   <p:cSld>
     <p:spTree>
       <p:nvGrpSpPr>
-        <p:cNvPr id="217" name="Shape 217"/>
+        <p:cNvPr id="1" name="Shape 217"/>
         <p:cNvGrpSpPr/>
         <p:nvPr/>
       </p:nvGrpSpPr>
@@ -1432,9 +1482,11 @@
       <p:sp>
         <p:nvSpPr>
           <p:cNvPr id="218" name="Google Shape;218;g293a6523dbb_6_101:notes"/>
-          <p:cNvSpPr/>
+          <p:cNvSpPr>
+            <a:spLocks noGrp="1" noRot="1" noChangeAspect="1"/>
+          </p:cNvSpPr>
           <p:nvPr>
-            <p:ph idx="2" type="sldImg"/>
+            <p:ph type="sldImg" idx="2"/>
           </p:nvPr>
         </p:nvSpPr>
         <p:spPr>
@@ -1443,9 +1495,13 @@
             <a:ext cx="6096000" cy="3429000"/>
           </a:xfrm>
           <a:custGeom>
-            <a:rect b="b" l="l" r="r" t="t"/>
+            <a:avLst/>
+            <a:gdLst/>
+            <a:ahLst/>
+            <a:cxnLst/>
+            <a:rect l="l" t="t" r="r" b="b"/>
             <a:pathLst>
-              <a:path extrusionOk="0" h="120000" w="120000">
+              <a:path w="120000" h="120000" extrusionOk="0">
                 <a:moveTo>
                   <a:pt x="0" y="0"/>
                 </a:moveTo>
@@ -1467,9 +1523,11 @@
       <p:sp>
         <p:nvSpPr>
           <p:cNvPr id="219" name="Google Shape;219;g293a6523dbb_6_101:notes"/>
-          <p:cNvSpPr txBox="1"/>
+          <p:cNvSpPr txBox="1">
+            <a:spLocks noGrp="1"/>
+          </p:cNvSpPr>
           <p:nvPr>
-            <p:ph idx="1" type="body"/>
+            <p:ph type="body" idx="1"/>
           </p:nvPr>
         </p:nvSpPr>
         <p:spPr>
@@ -1482,12 +1540,12 @@
           </a:prstGeom>
         </p:spPr>
         <p:txBody>
-          <a:bodyPr anchorCtr="0" anchor="t" bIns="91425" lIns="91425" spcFirstLastPara="1" rIns="91425" wrap="square" tIns="91425">
+          <a:bodyPr spcFirstLastPara="1" wrap="square" lIns="91425" tIns="91425" rIns="91425" bIns="91425" anchor="t" anchorCtr="0">
             <a:noAutofit/>
           </a:bodyPr>
           <a:lstStyle/>
           <a:p>
-            <a:pPr indent="0" lvl="0" marL="0" rtl="0" algn="l">
+            <a:pPr marL="0" lvl="0" indent="0" algn="l" rtl="0">
               <a:spcBef>
                 <a:spcPts val="0"/>
               </a:spcBef>
@@ -1496,9 +1554,6 @@
               </a:spcAft>
               <a:buNone/>
             </a:pPr>
-            <a:r>
-              <a:t/>
-            </a:r>
             <a:endParaRPr/>
           </a:p>
         </p:txBody>
@@ -1512,11 +1567,11 @@
 </file>
 
 <file path=ppt/notesSlides/notesSlide17.xml><?xml version="1.0" encoding="utf-8"?>
-<p:notes xmlns:a="http://schemas.openxmlformats.org/drawingml/2006/main" xmlns:r="http://schemas.openxmlformats.org/officeDocument/2006/relationships" xmlns:mc="http://schemas.openxmlformats.org/markup-compatibility/2006" xmlns:mv="urn:schemas-microsoft-com:mac:vml" xmlns:p="http://schemas.openxmlformats.org/presentationml/2006/main" xmlns:c="http://schemas.openxmlformats.org/drawingml/2006/chart" xmlns:dgm="http://schemas.openxmlformats.org/drawingml/2006/diagram" xmlns:o="urn:schemas-microsoft-com:office:office" xmlns:v="urn:schemas-microsoft-com:vml" xmlns:pvml="urn:schemas-microsoft-com:office:powerpoint" xmlns:com="http://schemas.openxmlformats.org/drawingml/2006/compatibility" xmlns:p14="http://schemas.microsoft.com/office/powerpoint/2010/main" xmlns:p15="http://schemas.microsoft.com/office/powerpoint/2012/main" xmlns:ahyp="http://schemas.microsoft.com/office/drawing/2018/hyperlinkcolor" showMasterPhAnim="0" showMasterSp="0">
+<p:notes xmlns:a="http://schemas.openxmlformats.org/drawingml/2006/main" xmlns:r="http://schemas.openxmlformats.org/officeDocument/2006/relationships" xmlns:p="http://schemas.openxmlformats.org/presentationml/2006/main" showMasterSp="0" showMasterPhAnim="0">
   <p:cSld>
     <p:spTree>
       <p:nvGrpSpPr>
-        <p:cNvPr id="222" name="Shape 222"/>
+        <p:cNvPr id="1" name="Shape 222"/>
         <p:cNvGrpSpPr/>
         <p:nvPr/>
       </p:nvGrpSpPr>
@@ -1531,20 +1586,26 @@
       <p:sp>
         <p:nvSpPr>
           <p:cNvPr id="223" name="Google Shape;223;g293a6523dbb_6_96:notes"/>
-          <p:cNvSpPr/>
+          <p:cNvSpPr>
+            <a:spLocks noGrp="1" noRot="1" noChangeAspect="1"/>
+          </p:cNvSpPr>
           <p:nvPr>
-            <p:ph idx="2" type="sldImg"/>
+            <p:ph type="sldImg" idx="2"/>
           </p:nvPr>
         </p:nvSpPr>
         <p:spPr>
           <a:xfrm>
-            <a:off x="381300" y="685800"/>
+            <a:off x="381000" y="685800"/>
             <a:ext cx="6096000" cy="3429000"/>
           </a:xfrm>
           <a:custGeom>
-            <a:rect b="b" l="l" r="r" t="t"/>
+            <a:avLst/>
+            <a:gdLst/>
+            <a:ahLst/>
+            <a:cxnLst/>
+            <a:rect l="l" t="t" r="r" b="b"/>
             <a:pathLst>
-              <a:path extrusionOk="0" h="120000" w="120000">
+              <a:path w="120000" h="120000" extrusionOk="0">
                 <a:moveTo>
                   <a:pt x="0" y="0"/>
                 </a:moveTo>
@@ -1566,9 +1627,11 @@
       <p:sp>
         <p:nvSpPr>
           <p:cNvPr id="224" name="Google Shape;224;g293a6523dbb_6_96:notes"/>
-          <p:cNvSpPr txBox="1"/>
+          <p:cNvSpPr txBox="1">
+            <a:spLocks noGrp="1"/>
+          </p:cNvSpPr>
           <p:nvPr>
-            <p:ph idx="1" type="body"/>
+            <p:ph type="body" idx="1"/>
           </p:nvPr>
         </p:nvSpPr>
         <p:spPr>
@@ -1581,12 +1644,12 @@
           </a:prstGeom>
         </p:spPr>
         <p:txBody>
-          <a:bodyPr anchorCtr="0" anchor="t" bIns="91425" lIns="91425" spcFirstLastPara="1" rIns="91425" wrap="square" tIns="91425">
+          <a:bodyPr spcFirstLastPara="1" wrap="square" lIns="91425" tIns="91425" rIns="91425" bIns="91425" anchor="t" anchorCtr="0">
             <a:noAutofit/>
           </a:bodyPr>
           <a:lstStyle/>
           <a:p>
-            <a:pPr indent="0" lvl="0" marL="0" rtl="0" algn="l">
+            <a:pPr marL="0" lvl="0" indent="0" algn="l" rtl="0">
               <a:spcBef>
                 <a:spcPts val="0"/>
               </a:spcBef>
@@ -1595,9 +1658,6 @@
               </a:spcAft>
               <a:buNone/>
             </a:pPr>
-            <a:r>
-              <a:t/>
-            </a:r>
             <a:endParaRPr/>
           </a:p>
         </p:txBody>
@@ -1611,11 +1671,11 @@
 </file>
 
 <file path=ppt/notesSlides/notesSlide18.xml><?xml version="1.0" encoding="utf-8"?>
-<p:notes xmlns:a="http://schemas.openxmlformats.org/drawingml/2006/main" xmlns:r="http://schemas.openxmlformats.org/officeDocument/2006/relationships" xmlns:mc="http://schemas.openxmlformats.org/markup-compatibility/2006" xmlns:mv="urn:schemas-microsoft-com:mac:vml" xmlns:p="http://schemas.openxmlformats.org/presentationml/2006/main" xmlns:c="http://schemas.openxmlformats.org/drawingml/2006/chart" xmlns:dgm="http://schemas.openxmlformats.org/drawingml/2006/diagram" xmlns:o="urn:schemas-microsoft-com:office:office" xmlns:v="urn:schemas-microsoft-com:vml" xmlns:pvml="urn:schemas-microsoft-com:office:powerpoint" xmlns:com="http://schemas.openxmlformats.org/drawingml/2006/compatibility" xmlns:p14="http://schemas.microsoft.com/office/powerpoint/2010/main" xmlns:p15="http://schemas.microsoft.com/office/powerpoint/2012/main" xmlns:ahyp="http://schemas.microsoft.com/office/drawing/2018/hyperlinkcolor" showMasterPhAnim="0" showMasterSp="0">
+<p:notes xmlns:a="http://schemas.openxmlformats.org/drawingml/2006/main" xmlns:r="http://schemas.openxmlformats.org/officeDocument/2006/relationships" xmlns:p="http://schemas.openxmlformats.org/presentationml/2006/main" showMasterSp="0" showMasterPhAnim="0">
   <p:cSld>
     <p:spTree>
       <p:nvGrpSpPr>
-        <p:cNvPr id="229" name="Shape 229"/>
+        <p:cNvPr id="1" name="Shape 229"/>
         <p:cNvGrpSpPr/>
         <p:nvPr/>
       </p:nvGrpSpPr>
@@ -1630,9 +1690,11 @@
       <p:sp>
         <p:nvSpPr>
           <p:cNvPr id="230" name="Google Shape;230;g293a6523dbb_6_111:notes"/>
-          <p:cNvSpPr/>
+          <p:cNvSpPr>
+            <a:spLocks noGrp="1" noRot="1" noChangeAspect="1"/>
+          </p:cNvSpPr>
           <p:nvPr>
-            <p:ph idx="2" type="sldImg"/>
+            <p:ph type="sldImg" idx="2"/>
           </p:nvPr>
         </p:nvSpPr>
         <p:spPr>
@@ -1641,9 +1703,13 @@
             <a:ext cx="6096000" cy="3429000"/>
           </a:xfrm>
           <a:custGeom>
-            <a:rect b="b" l="l" r="r" t="t"/>
+            <a:avLst/>
+            <a:gdLst/>
+            <a:ahLst/>
+            <a:cxnLst/>
+            <a:rect l="l" t="t" r="r" b="b"/>
             <a:pathLst>
-              <a:path extrusionOk="0" h="120000" w="120000">
+              <a:path w="120000" h="120000" extrusionOk="0">
                 <a:moveTo>
                   <a:pt x="0" y="0"/>
                 </a:moveTo>
@@ -1665,9 +1731,11 @@
       <p:sp>
         <p:nvSpPr>
           <p:cNvPr id="231" name="Google Shape;231;g293a6523dbb_6_111:notes"/>
-          <p:cNvSpPr txBox="1"/>
+          <p:cNvSpPr txBox="1">
+            <a:spLocks noGrp="1"/>
+          </p:cNvSpPr>
           <p:nvPr>
-            <p:ph idx="1" type="body"/>
+            <p:ph type="body" idx="1"/>
           </p:nvPr>
         </p:nvSpPr>
         <p:spPr>
@@ -1680,12 +1748,12 @@
           </a:prstGeom>
         </p:spPr>
         <p:txBody>
-          <a:bodyPr anchorCtr="0" anchor="t" bIns="91425" lIns="91425" spcFirstLastPara="1" rIns="91425" wrap="square" tIns="91425">
+          <a:bodyPr spcFirstLastPara="1" wrap="square" lIns="91425" tIns="91425" rIns="91425" bIns="91425" anchor="t" anchorCtr="0">
             <a:noAutofit/>
           </a:bodyPr>
           <a:lstStyle/>
           <a:p>
-            <a:pPr indent="0" lvl="0" marL="0" rtl="0" algn="l">
+            <a:pPr marL="0" lvl="0" indent="0" algn="l" rtl="0">
               <a:spcBef>
                 <a:spcPts val="0"/>
               </a:spcBef>
@@ -1694,9 +1762,6 @@
               </a:spcAft>
               <a:buNone/>
             </a:pPr>
-            <a:r>
-              <a:t/>
-            </a:r>
             <a:endParaRPr/>
           </a:p>
         </p:txBody>
@@ -1710,11 +1775,11 @@
 </file>
 
 <file path=ppt/notesSlides/notesSlide2.xml><?xml version="1.0" encoding="utf-8"?>
-<p:notes xmlns:a="http://schemas.openxmlformats.org/drawingml/2006/main" xmlns:r="http://schemas.openxmlformats.org/officeDocument/2006/relationships" xmlns:mc="http://schemas.openxmlformats.org/markup-compatibility/2006" xmlns:mv="urn:schemas-microsoft-com:mac:vml" xmlns:p="http://schemas.openxmlformats.org/presentationml/2006/main" xmlns:c="http://schemas.openxmlformats.org/drawingml/2006/chart" xmlns:dgm="http://schemas.openxmlformats.org/drawingml/2006/diagram" xmlns:o="urn:schemas-microsoft-com:office:office" xmlns:v="urn:schemas-microsoft-com:vml" xmlns:pvml="urn:schemas-microsoft-com:office:powerpoint" xmlns:com="http://schemas.openxmlformats.org/drawingml/2006/compatibility" xmlns:p14="http://schemas.microsoft.com/office/powerpoint/2010/main" xmlns:p15="http://schemas.microsoft.com/office/powerpoint/2012/main" xmlns:ahyp="http://schemas.microsoft.com/office/drawing/2018/hyperlinkcolor" showMasterPhAnim="0" showMasterSp="0">
+<p:notes xmlns:a="http://schemas.openxmlformats.org/drawingml/2006/main" xmlns:r="http://schemas.openxmlformats.org/officeDocument/2006/relationships" xmlns:p="http://schemas.openxmlformats.org/presentationml/2006/main" showMasterSp="0" showMasterPhAnim="0">
   <p:cSld>
     <p:spTree>
       <p:nvGrpSpPr>
-        <p:cNvPr id="136" name="Shape 136"/>
+        <p:cNvPr id="1" name="Shape 136"/>
         <p:cNvGrpSpPr/>
         <p:nvPr/>
       </p:nvGrpSpPr>
@@ -1729,9 +1794,11 @@
       <p:sp>
         <p:nvSpPr>
           <p:cNvPr id="137" name="Google Shape;137;g29291fc1054_0_250:notes"/>
-          <p:cNvSpPr/>
+          <p:cNvSpPr>
+            <a:spLocks noGrp="1" noRot="1" noChangeAspect="1"/>
+          </p:cNvSpPr>
           <p:nvPr>
-            <p:ph idx="2" type="sldImg"/>
+            <p:ph type="sldImg" idx="2"/>
           </p:nvPr>
         </p:nvSpPr>
         <p:spPr>
@@ -1740,9 +1807,13 @@
             <a:ext cx="6096000" cy="3429000"/>
           </a:xfrm>
           <a:custGeom>
-            <a:rect b="b" l="l" r="r" t="t"/>
+            <a:avLst/>
+            <a:gdLst/>
+            <a:ahLst/>
+            <a:cxnLst/>
+            <a:rect l="l" t="t" r="r" b="b"/>
             <a:pathLst>
-              <a:path extrusionOk="0" h="120000" w="120000">
+              <a:path w="120000" h="120000" extrusionOk="0">
                 <a:moveTo>
                   <a:pt x="0" y="0"/>
                 </a:moveTo>
@@ -1764,9 +1835,11 @@
       <p:sp>
         <p:nvSpPr>
           <p:cNvPr id="138" name="Google Shape;138;g29291fc1054_0_250:notes"/>
-          <p:cNvSpPr txBox="1"/>
+          <p:cNvSpPr txBox="1">
+            <a:spLocks noGrp="1"/>
+          </p:cNvSpPr>
           <p:nvPr>
-            <p:ph idx="1" type="body"/>
+            <p:ph type="body" idx="1"/>
           </p:nvPr>
         </p:nvSpPr>
         <p:spPr>
@@ -1779,12 +1852,12 @@
           </a:prstGeom>
         </p:spPr>
         <p:txBody>
-          <a:bodyPr anchorCtr="0" anchor="t" bIns="91425" lIns="91425" spcFirstLastPara="1" rIns="91425" wrap="square" tIns="91425">
+          <a:bodyPr spcFirstLastPara="1" wrap="square" lIns="91425" tIns="91425" rIns="91425" bIns="91425" anchor="t" anchorCtr="0">
             <a:noAutofit/>
           </a:bodyPr>
           <a:lstStyle/>
           <a:p>
-            <a:pPr indent="0" lvl="0" marL="0" rtl="0" algn="l">
+            <a:pPr marL="0" lvl="0" indent="0" algn="l" rtl="0">
               <a:spcBef>
                 <a:spcPts val="0"/>
               </a:spcBef>
@@ -1793,9 +1866,6 @@
               </a:spcAft>
               <a:buNone/>
             </a:pPr>
-            <a:r>
-              <a:t/>
-            </a:r>
             <a:endParaRPr/>
           </a:p>
         </p:txBody>
@@ -1809,11 +1879,11 @@
 </file>
 
 <file path=ppt/notesSlides/notesSlide3.xml><?xml version="1.0" encoding="utf-8"?>
-<p:notes xmlns:a="http://schemas.openxmlformats.org/drawingml/2006/main" xmlns:r="http://schemas.openxmlformats.org/officeDocument/2006/relationships" xmlns:mc="http://schemas.openxmlformats.org/markup-compatibility/2006" xmlns:mv="urn:schemas-microsoft-com:mac:vml" xmlns:p="http://schemas.openxmlformats.org/presentationml/2006/main" xmlns:c="http://schemas.openxmlformats.org/drawingml/2006/chart" xmlns:dgm="http://schemas.openxmlformats.org/drawingml/2006/diagram" xmlns:o="urn:schemas-microsoft-com:office:office" xmlns:v="urn:schemas-microsoft-com:vml" xmlns:pvml="urn:schemas-microsoft-com:office:powerpoint" xmlns:com="http://schemas.openxmlformats.org/drawingml/2006/compatibility" xmlns:p14="http://schemas.microsoft.com/office/powerpoint/2010/main" xmlns:p15="http://schemas.microsoft.com/office/powerpoint/2012/main" xmlns:ahyp="http://schemas.microsoft.com/office/drawing/2018/hyperlinkcolor" showMasterPhAnim="0" showMasterSp="0">
+<p:notes xmlns:a="http://schemas.openxmlformats.org/drawingml/2006/main" xmlns:r="http://schemas.openxmlformats.org/officeDocument/2006/relationships" xmlns:p="http://schemas.openxmlformats.org/presentationml/2006/main" showMasterSp="0" showMasterPhAnim="0">
   <p:cSld>
     <p:spTree>
       <p:nvGrpSpPr>
-        <p:cNvPr id="142" name="Shape 142"/>
+        <p:cNvPr id="1" name="Shape 142"/>
         <p:cNvGrpSpPr/>
         <p:nvPr/>
       </p:nvGrpSpPr>
@@ -1828,9 +1898,11 @@
       <p:sp>
         <p:nvSpPr>
           <p:cNvPr id="143" name="Google Shape;143;g29291fc1054_0_1128:notes"/>
-          <p:cNvSpPr/>
+          <p:cNvSpPr>
+            <a:spLocks noGrp="1" noRot="1" noChangeAspect="1"/>
+          </p:cNvSpPr>
           <p:nvPr>
-            <p:ph idx="2" type="sldImg"/>
+            <p:ph type="sldImg" idx="2"/>
           </p:nvPr>
         </p:nvSpPr>
         <p:spPr>
@@ -1839,9 +1911,13 @@
             <a:ext cx="6096000" cy="3429000"/>
           </a:xfrm>
           <a:custGeom>
-            <a:rect b="b" l="l" r="r" t="t"/>
+            <a:avLst/>
+            <a:gdLst/>
+            <a:ahLst/>
+            <a:cxnLst/>
+            <a:rect l="l" t="t" r="r" b="b"/>
             <a:pathLst>
-              <a:path extrusionOk="0" h="120000" w="120000">
+              <a:path w="120000" h="120000" extrusionOk="0">
                 <a:moveTo>
                   <a:pt x="0" y="0"/>
                 </a:moveTo>
@@ -1863,9 +1939,11 @@
       <p:sp>
         <p:nvSpPr>
           <p:cNvPr id="144" name="Google Shape;144;g29291fc1054_0_1128:notes"/>
-          <p:cNvSpPr txBox="1"/>
+          <p:cNvSpPr txBox="1">
+            <a:spLocks noGrp="1"/>
+          </p:cNvSpPr>
           <p:nvPr>
-            <p:ph idx="1" type="body"/>
+            <p:ph type="body" idx="1"/>
           </p:nvPr>
         </p:nvSpPr>
         <p:spPr>
@@ -1878,12 +1956,12 @@
           </a:prstGeom>
         </p:spPr>
         <p:txBody>
-          <a:bodyPr anchorCtr="0" anchor="t" bIns="91425" lIns="91425" spcFirstLastPara="1" rIns="91425" wrap="square" tIns="91425">
+          <a:bodyPr spcFirstLastPara="1" wrap="square" lIns="91425" tIns="91425" rIns="91425" bIns="91425" anchor="t" anchorCtr="0">
             <a:noAutofit/>
           </a:bodyPr>
           <a:lstStyle/>
           <a:p>
-            <a:pPr indent="0" lvl="0" marL="0" rtl="0" algn="l">
+            <a:pPr marL="0" lvl="0" indent="0" algn="l" rtl="0">
               <a:spcBef>
                 <a:spcPts val="0"/>
               </a:spcBef>
@@ -1892,9 +1970,6 @@
               </a:spcAft>
               <a:buNone/>
             </a:pPr>
-            <a:r>
-              <a:t/>
-            </a:r>
             <a:endParaRPr/>
           </a:p>
         </p:txBody>
@@ -1908,11 +1983,11 @@
 </file>
 
 <file path=ppt/notesSlides/notesSlide4.xml><?xml version="1.0" encoding="utf-8"?>
-<p:notes xmlns:a="http://schemas.openxmlformats.org/drawingml/2006/main" xmlns:r="http://schemas.openxmlformats.org/officeDocument/2006/relationships" xmlns:mc="http://schemas.openxmlformats.org/markup-compatibility/2006" xmlns:mv="urn:schemas-microsoft-com:mac:vml" xmlns:p="http://schemas.openxmlformats.org/presentationml/2006/main" xmlns:c="http://schemas.openxmlformats.org/drawingml/2006/chart" xmlns:dgm="http://schemas.openxmlformats.org/drawingml/2006/diagram" xmlns:o="urn:schemas-microsoft-com:office:office" xmlns:v="urn:schemas-microsoft-com:vml" xmlns:pvml="urn:schemas-microsoft-com:office:powerpoint" xmlns:com="http://schemas.openxmlformats.org/drawingml/2006/compatibility" xmlns:p14="http://schemas.microsoft.com/office/powerpoint/2010/main" xmlns:p15="http://schemas.microsoft.com/office/powerpoint/2012/main" xmlns:ahyp="http://schemas.microsoft.com/office/drawing/2018/hyperlinkcolor" showMasterPhAnim="0" showMasterSp="0">
+<p:notes xmlns:a="http://schemas.openxmlformats.org/drawingml/2006/main" xmlns:r="http://schemas.openxmlformats.org/officeDocument/2006/relationships" xmlns:p="http://schemas.openxmlformats.org/presentationml/2006/main" showMasterSp="0" showMasterPhAnim="0">
   <p:cSld>
     <p:spTree>
       <p:nvGrpSpPr>
-        <p:cNvPr id="148" name="Shape 148"/>
+        <p:cNvPr id="1" name="Shape 148"/>
         <p:cNvGrpSpPr/>
         <p:nvPr/>
       </p:nvGrpSpPr>
@@ -1927,9 +2002,11 @@
       <p:sp>
         <p:nvSpPr>
           <p:cNvPr id="149" name="Google Shape;149;g29291fc1054_0_1123:notes"/>
-          <p:cNvSpPr/>
+          <p:cNvSpPr>
+            <a:spLocks noGrp="1" noRot="1" noChangeAspect="1"/>
+          </p:cNvSpPr>
           <p:nvPr>
-            <p:ph idx="2" type="sldImg"/>
+            <p:ph type="sldImg" idx="2"/>
           </p:nvPr>
         </p:nvSpPr>
         <p:spPr>
@@ -1938,9 +2015,13 @@
             <a:ext cx="6096000" cy="3429000"/>
           </a:xfrm>
           <a:custGeom>
-            <a:rect b="b" l="l" r="r" t="t"/>
+            <a:avLst/>
+            <a:gdLst/>
+            <a:ahLst/>
+            <a:cxnLst/>
+            <a:rect l="l" t="t" r="r" b="b"/>
             <a:pathLst>
-              <a:path extrusionOk="0" h="120000" w="120000">
+              <a:path w="120000" h="120000" extrusionOk="0">
                 <a:moveTo>
                   <a:pt x="0" y="0"/>
                 </a:moveTo>
@@ -1962,9 +2043,11 @@
       <p:sp>
         <p:nvSpPr>
           <p:cNvPr id="150" name="Google Shape;150;g29291fc1054_0_1123:notes"/>
-          <p:cNvSpPr txBox="1"/>
+          <p:cNvSpPr txBox="1">
+            <a:spLocks noGrp="1"/>
+          </p:cNvSpPr>
           <p:nvPr>
-            <p:ph idx="1" type="body"/>
+            <p:ph type="body" idx="1"/>
           </p:nvPr>
         </p:nvSpPr>
         <p:spPr>
@@ -1977,12 +2060,12 @@
           </a:prstGeom>
         </p:spPr>
         <p:txBody>
-          <a:bodyPr anchorCtr="0" anchor="t" bIns="91425" lIns="91425" spcFirstLastPara="1" rIns="91425" wrap="square" tIns="91425">
+          <a:bodyPr spcFirstLastPara="1" wrap="square" lIns="91425" tIns="91425" rIns="91425" bIns="91425" anchor="t" anchorCtr="0">
             <a:noAutofit/>
           </a:bodyPr>
           <a:lstStyle/>
           <a:p>
-            <a:pPr indent="0" lvl="0" marL="0" rtl="0" algn="l">
+            <a:pPr marL="0" lvl="0" indent="0" algn="l" rtl="0">
               <a:spcBef>
                 <a:spcPts val="0"/>
               </a:spcBef>
@@ -1991,9 +2074,6 @@
               </a:spcAft>
               <a:buNone/>
             </a:pPr>
-            <a:r>
-              <a:t/>
-            </a:r>
             <a:endParaRPr/>
           </a:p>
         </p:txBody>
@@ -2007,11 +2087,11 @@
 </file>
 
 <file path=ppt/notesSlides/notesSlide5.xml><?xml version="1.0" encoding="utf-8"?>
-<p:notes xmlns:a="http://schemas.openxmlformats.org/drawingml/2006/main" xmlns:r="http://schemas.openxmlformats.org/officeDocument/2006/relationships" xmlns:mc="http://schemas.openxmlformats.org/markup-compatibility/2006" xmlns:mv="urn:schemas-microsoft-com:mac:vml" xmlns:p="http://schemas.openxmlformats.org/presentationml/2006/main" xmlns:c="http://schemas.openxmlformats.org/drawingml/2006/chart" xmlns:dgm="http://schemas.openxmlformats.org/drawingml/2006/diagram" xmlns:o="urn:schemas-microsoft-com:office:office" xmlns:v="urn:schemas-microsoft-com:vml" xmlns:pvml="urn:schemas-microsoft-com:office:powerpoint" xmlns:com="http://schemas.openxmlformats.org/drawingml/2006/compatibility" xmlns:p14="http://schemas.microsoft.com/office/powerpoint/2010/main" xmlns:p15="http://schemas.microsoft.com/office/powerpoint/2012/main" xmlns:ahyp="http://schemas.microsoft.com/office/drawing/2018/hyperlinkcolor" showMasterPhAnim="0" showMasterSp="0">
+<p:notes xmlns:a="http://schemas.openxmlformats.org/drawingml/2006/main" xmlns:r="http://schemas.openxmlformats.org/officeDocument/2006/relationships" xmlns:p="http://schemas.openxmlformats.org/presentationml/2006/main" showMasterSp="0" showMasterPhAnim="0">
   <p:cSld>
     <p:spTree>
       <p:nvGrpSpPr>
-        <p:cNvPr id="154" name="Shape 154"/>
+        <p:cNvPr id="1" name="Shape 154"/>
         <p:cNvGrpSpPr/>
         <p:nvPr/>
       </p:nvGrpSpPr>
@@ -2026,9 +2106,11 @@
       <p:sp>
         <p:nvSpPr>
           <p:cNvPr id="155" name="Google Shape;155;g29291fc1054_0_1133:notes"/>
-          <p:cNvSpPr/>
+          <p:cNvSpPr>
+            <a:spLocks noGrp="1" noRot="1" noChangeAspect="1"/>
+          </p:cNvSpPr>
           <p:nvPr>
-            <p:ph idx="2" type="sldImg"/>
+            <p:ph type="sldImg" idx="2"/>
           </p:nvPr>
         </p:nvSpPr>
         <p:spPr>
@@ -2037,9 +2119,13 @@
             <a:ext cx="6096000" cy="3429000"/>
           </a:xfrm>
           <a:custGeom>
-            <a:rect b="b" l="l" r="r" t="t"/>
+            <a:avLst/>
+            <a:gdLst/>
+            <a:ahLst/>
+            <a:cxnLst/>
+            <a:rect l="l" t="t" r="r" b="b"/>
             <a:pathLst>
-              <a:path extrusionOk="0" h="120000" w="120000">
+              <a:path w="120000" h="120000" extrusionOk="0">
                 <a:moveTo>
                   <a:pt x="0" y="0"/>
                 </a:moveTo>
@@ -2061,9 +2147,11 @@
       <p:sp>
         <p:nvSpPr>
           <p:cNvPr id="156" name="Google Shape;156;g29291fc1054_0_1133:notes"/>
-          <p:cNvSpPr txBox="1"/>
+          <p:cNvSpPr txBox="1">
+            <a:spLocks noGrp="1"/>
+          </p:cNvSpPr>
           <p:nvPr>
-            <p:ph idx="1" type="body"/>
+            <p:ph type="body" idx="1"/>
           </p:nvPr>
         </p:nvSpPr>
         <p:spPr>
@@ -2076,12 +2164,12 @@
           </a:prstGeom>
         </p:spPr>
         <p:txBody>
-          <a:bodyPr anchorCtr="0" anchor="t" bIns="91425" lIns="91425" spcFirstLastPara="1" rIns="91425" wrap="square" tIns="91425">
+          <a:bodyPr spcFirstLastPara="1" wrap="square" lIns="91425" tIns="91425" rIns="91425" bIns="91425" anchor="t" anchorCtr="0">
             <a:noAutofit/>
           </a:bodyPr>
           <a:lstStyle/>
           <a:p>
-            <a:pPr indent="0" lvl="0" marL="0" rtl="0" algn="l">
+            <a:pPr marL="0" lvl="0" indent="0" algn="l" rtl="0">
               <a:spcBef>
                 <a:spcPts val="0"/>
               </a:spcBef>
@@ -2090,9 +2178,6 @@
               </a:spcAft>
               <a:buNone/>
             </a:pPr>
-            <a:r>
-              <a:t/>
-            </a:r>
             <a:endParaRPr/>
           </a:p>
         </p:txBody>
@@ -2106,11 +2191,11 @@
 </file>
 
 <file path=ppt/notesSlides/notesSlide6.xml><?xml version="1.0" encoding="utf-8"?>
-<p:notes xmlns:a="http://schemas.openxmlformats.org/drawingml/2006/main" xmlns:r="http://schemas.openxmlformats.org/officeDocument/2006/relationships" xmlns:mc="http://schemas.openxmlformats.org/markup-compatibility/2006" xmlns:mv="urn:schemas-microsoft-com:mac:vml" xmlns:p="http://schemas.openxmlformats.org/presentationml/2006/main" xmlns:c="http://schemas.openxmlformats.org/drawingml/2006/chart" xmlns:dgm="http://schemas.openxmlformats.org/drawingml/2006/diagram" xmlns:o="urn:schemas-microsoft-com:office:office" xmlns:v="urn:schemas-microsoft-com:vml" xmlns:pvml="urn:schemas-microsoft-com:office:powerpoint" xmlns:com="http://schemas.openxmlformats.org/drawingml/2006/compatibility" xmlns:p14="http://schemas.microsoft.com/office/powerpoint/2010/main" xmlns:p15="http://schemas.microsoft.com/office/powerpoint/2012/main" xmlns:ahyp="http://schemas.microsoft.com/office/drawing/2018/hyperlinkcolor" showMasterPhAnim="0" showMasterSp="0">
+<p:notes xmlns:a="http://schemas.openxmlformats.org/drawingml/2006/main" xmlns:r="http://schemas.openxmlformats.org/officeDocument/2006/relationships" xmlns:p="http://schemas.openxmlformats.org/presentationml/2006/main" showMasterSp="0" showMasterPhAnim="0">
   <p:cSld>
     <p:spTree>
       <p:nvGrpSpPr>
-        <p:cNvPr id="160" name="Shape 160"/>
+        <p:cNvPr id="1" name="Shape 160"/>
         <p:cNvGrpSpPr/>
         <p:nvPr/>
       </p:nvGrpSpPr>
@@ -2125,9 +2210,11 @@
       <p:sp>
         <p:nvSpPr>
           <p:cNvPr id="161" name="Google Shape;161;g29291fc1054_0_255:notes"/>
-          <p:cNvSpPr/>
+          <p:cNvSpPr>
+            <a:spLocks noGrp="1" noRot="1" noChangeAspect="1"/>
+          </p:cNvSpPr>
           <p:nvPr>
-            <p:ph idx="2" type="sldImg"/>
+            <p:ph type="sldImg" idx="2"/>
           </p:nvPr>
         </p:nvSpPr>
         <p:spPr>
@@ -2136,9 +2223,13 @@
             <a:ext cx="6096000" cy="3429000"/>
           </a:xfrm>
           <a:custGeom>
-            <a:rect b="b" l="l" r="r" t="t"/>
+            <a:avLst/>
+            <a:gdLst/>
+            <a:ahLst/>
+            <a:cxnLst/>
+            <a:rect l="l" t="t" r="r" b="b"/>
             <a:pathLst>
-              <a:path extrusionOk="0" h="120000" w="120000">
+              <a:path w="120000" h="120000" extrusionOk="0">
                 <a:moveTo>
                   <a:pt x="0" y="0"/>
                 </a:moveTo>
@@ -2160,9 +2251,11 @@
       <p:sp>
         <p:nvSpPr>
           <p:cNvPr id="162" name="Google Shape;162;g29291fc1054_0_255:notes"/>
-          <p:cNvSpPr txBox="1"/>
+          <p:cNvSpPr txBox="1">
+            <a:spLocks noGrp="1"/>
+          </p:cNvSpPr>
           <p:nvPr>
-            <p:ph idx="1" type="body"/>
+            <p:ph type="body" idx="1"/>
           </p:nvPr>
         </p:nvSpPr>
         <p:spPr>
@@ -2175,12 +2268,12 @@
           </a:prstGeom>
         </p:spPr>
         <p:txBody>
-          <a:bodyPr anchorCtr="0" anchor="t" bIns="91425" lIns="91425" spcFirstLastPara="1" rIns="91425" wrap="square" tIns="91425">
+          <a:bodyPr spcFirstLastPara="1" wrap="square" lIns="91425" tIns="91425" rIns="91425" bIns="91425" anchor="t" anchorCtr="0">
             <a:noAutofit/>
           </a:bodyPr>
           <a:lstStyle/>
           <a:p>
-            <a:pPr indent="0" lvl="0" marL="0" rtl="0" algn="l">
+            <a:pPr marL="0" lvl="0" indent="0" algn="l" rtl="0">
               <a:spcBef>
                 <a:spcPts val="0"/>
               </a:spcBef>
@@ -2189,9 +2282,6 @@
               </a:spcAft>
               <a:buNone/>
             </a:pPr>
-            <a:r>
-              <a:t/>
-            </a:r>
             <a:endParaRPr/>
           </a:p>
         </p:txBody>
@@ -2205,11 +2295,11 @@
 </file>
 
 <file path=ppt/notesSlides/notesSlide7.xml><?xml version="1.0" encoding="utf-8"?>
-<p:notes xmlns:a="http://schemas.openxmlformats.org/drawingml/2006/main" xmlns:r="http://schemas.openxmlformats.org/officeDocument/2006/relationships" xmlns:mc="http://schemas.openxmlformats.org/markup-compatibility/2006" xmlns:mv="urn:schemas-microsoft-com:mac:vml" xmlns:p="http://schemas.openxmlformats.org/presentationml/2006/main" xmlns:c="http://schemas.openxmlformats.org/drawingml/2006/chart" xmlns:dgm="http://schemas.openxmlformats.org/drawingml/2006/diagram" xmlns:o="urn:schemas-microsoft-com:office:office" xmlns:v="urn:schemas-microsoft-com:vml" xmlns:pvml="urn:schemas-microsoft-com:office:powerpoint" xmlns:com="http://schemas.openxmlformats.org/drawingml/2006/compatibility" xmlns:p14="http://schemas.microsoft.com/office/powerpoint/2010/main" xmlns:p15="http://schemas.microsoft.com/office/powerpoint/2012/main" xmlns:ahyp="http://schemas.microsoft.com/office/drawing/2018/hyperlinkcolor" showMasterPhAnim="0" showMasterSp="0">
+<p:notes xmlns:a="http://schemas.openxmlformats.org/drawingml/2006/main" xmlns:r="http://schemas.openxmlformats.org/officeDocument/2006/relationships" xmlns:p="http://schemas.openxmlformats.org/presentationml/2006/main" showMasterSp="0" showMasterPhAnim="0">
   <p:cSld>
     <p:spTree>
       <p:nvGrpSpPr>
-        <p:cNvPr id="165" name="Shape 165"/>
+        <p:cNvPr id="1" name="Shape 165"/>
         <p:cNvGrpSpPr/>
         <p:nvPr/>
       </p:nvGrpSpPr>
@@ -2224,9 +2314,11 @@
       <p:sp>
         <p:nvSpPr>
           <p:cNvPr id="166" name="Google Shape;166;g293a6523dbb_6_67:notes"/>
-          <p:cNvSpPr/>
+          <p:cNvSpPr>
+            <a:spLocks noGrp="1" noRot="1" noChangeAspect="1"/>
+          </p:cNvSpPr>
           <p:nvPr>
-            <p:ph idx="2" type="sldImg"/>
+            <p:ph type="sldImg" idx="2"/>
           </p:nvPr>
         </p:nvSpPr>
         <p:spPr>
@@ -2235,9 +2327,13 @@
             <a:ext cx="6096000" cy="3429000"/>
           </a:xfrm>
           <a:custGeom>
-            <a:rect b="b" l="l" r="r" t="t"/>
+            <a:avLst/>
+            <a:gdLst/>
+            <a:ahLst/>
+            <a:cxnLst/>
+            <a:rect l="l" t="t" r="r" b="b"/>
             <a:pathLst>
-              <a:path extrusionOk="0" h="120000" w="120000">
+              <a:path w="120000" h="120000" extrusionOk="0">
                 <a:moveTo>
                   <a:pt x="0" y="0"/>
                 </a:moveTo>
@@ -2259,9 +2355,11 @@
       <p:sp>
         <p:nvSpPr>
           <p:cNvPr id="167" name="Google Shape;167;g293a6523dbb_6_67:notes"/>
-          <p:cNvSpPr txBox="1"/>
+          <p:cNvSpPr txBox="1">
+            <a:spLocks noGrp="1"/>
+          </p:cNvSpPr>
           <p:nvPr>
-            <p:ph idx="1" type="body"/>
+            <p:ph type="body" idx="1"/>
           </p:nvPr>
         </p:nvSpPr>
         <p:spPr>
@@ -2274,12 +2372,12 @@
           </a:prstGeom>
         </p:spPr>
         <p:txBody>
-          <a:bodyPr anchorCtr="0" anchor="t" bIns="91425" lIns="91425" spcFirstLastPara="1" rIns="91425" wrap="square" tIns="91425">
+          <a:bodyPr spcFirstLastPara="1" wrap="square" lIns="91425" tIns="91425" rIns="91425" bIns="91425" anchor="t" anchorCtr="0">
             <a:noAutofit/>
           </a:bodyPr>
           <a:lstStyle/>
           <a:p>
-            <a:pPr indent="0" lvl="0" marL="0" rtl="0" algn="l">
+            <a:pPr marL="0" lvl="0" indent="0" algn="l" rtl="0">
               <a:spcBef>
                 <a:spcPts val="0"/>
               </a:spcBef>
@@ -2288,9 +2386,6 @@
               </a:spcAft>
               <a:buNone/>
             </a:pPr>
-            <a:r>
-              <a:t/>
-            </a:r>
             <a:endParaRPr/>
           </a:p>
         </p:txBody>
@@ -2304,11 +2399,11 @@
 </file>
 
 <file path=ppt/notesSlides/notesSlide8.xml><?xml version="1.0" encoding="utf-8"?>
-<p:notes xmlns:a="http://schemas.openxmlformats.org/drawingml/2006/main" xmlns:r="http://schemas.openxmlformats.org/officeDocument/2006/relationships" xmlns:mc="http://schemas.openxmlformats.org/markup-compatibility/2006" xmlns:mv="urn:schemas-microsoft-com:mac:vml" xmlns:p="http://schemas.openxmlformats.org/presentationml/2006/main" xmlns:c="http://schemas.openxmlformats.org/drawingml/2006/chart" xmlns:dgm="http://schemas.openxmlformats.org/drawingml/2006/diagram" xmlns:o="urn:schemas-microsoft-com:office:office" xmlns:v="urn:schemas-microsoft-com:vml" xmlns:pvml="urn:schemas-microsoft-com:office:powerpoint" xmlns:com="http://schemas.openxmlformats.org/drawingml/2006/compatibility" xmlns:p14="http://schemas.microsoft.com/office/powerpoint/2010/main" xmlns:p15="http://schemas.microsoft.com/office/powerpoint/2012/main" xmlns:ahyp="http://schemas.microsoft.com/office/drawing/2018/hyperlinkcolor" showMasterPhAnim="0" showMasterSp="0">
+<p:notes xmlns:a="http://schemas.openxmlformats.org/drawingml/2006/main" xmlns:r="http://schemas.openxmlformats.org/officeDocument/2006/relationships" xmlns:p="http://schemas.openxmlformats.org/presentationml/2006/main" showMasterSp="0" showMasterPhAnim="0">
   <p:cSld>
     <p:spTree>
       <p:nvGrpSpPr>
-        <p:cNvPr id="171" name="Shape 171"/>
+        <p:cNvPr id="1" name="Shape 171"/>
         <p:cNvGrpSpPr/>
         <p:nvPr/>
       </p:nvGrpSpPr>
@@ -2323,9 +2418,11 @@
       <p:sp>
         <p:nvSpPr>
           <p:cNvPr id="172" name="Google Shape;172;g293a6523dbb_6_18:notes"/>
-          <p:cNvSpPr/>
+          <p:cNvSpPr>
+            <a:spLocks noGrp="1" noRot="1" noChangeAspect="1"/>
+          </p:cNvSpPr>
           <p:nvPr>
-            <p:ph idx="2" type="sldImg"/>
+            <p:ph type="sldImg" idx="2"/>
           </p:nvPr>
         </p:nvSpPr>
         <p:spPr>
@@ -2334,9 +2431,13 @@
             <a:ext cx="6096000" cy="3429000"/>
           </a:xfrm>
           <a:custGeom>
-            <a:rect b="b" l="l" r="r" t="t"/>
+            <a:avLst/>
+            <a:gdLst/>
+            <a:ahLst/>
+            <a:cxnLst/>
+            <a:rect l="l" t="t" r="r" b="b"/>
             <a:pathLst>
-              <a:path extrusionOk="0" h="120000" w="120000">
+              <a:path w="120000" h="120000" extrusionOk="0">
                 <a:moveTo>
                   <a:pt x="0" y="0"/>
                 </a:moveTo>
@@ -2358,9 +2459,11 @@
       <p:sp>
         <p:nvSpPr>
           <p:cNvPr id="173" name="Google Shape;173;g293a6523dbb_6_18:notes"/>
-          <p:cNvSpPr txBox="1"/>
+          <p:cNvSpPr txBox="1">
+            <a:spLocks noGrp="1"/>
+          </p:cNvSpPr>
           <p:nvPr>
-            <p:ph idx="1" type="body"/>
+            <p:ph type="body" idx="1"/>
           </p:nvPr>
         </p:nvSpPr>
         <p:spPr>
@@ -2373,12 +2476,12 @@
           </a:prstGeom>
         </p:spPr>
         <p:txBody>
-          <a:bodyPr anchorCtr="0" anchor="t" bIns="91425" lIns="91425" spcFirstLastPara="1" rIns="91425" wrap="square" tIns="91425">
+          <a:bodyPr spcFirstLastPara="1" wrap="square" lIns="91425" tIns="91425" rIns="91425" bIns="91425" anchor="t" anchorCtr="0">
             <a:noAutofit/>
           </a:bodyPr>
           <a:lstStyle/>
           <a:p>
-            <a:pPr indent="0" lvl="0" marL="0" rtl="0" algn="l">
+            <a:pPr marL="0" lvl="0" indent="0" algn="l" rtl="0">
               <a:spcBef>
                 <a:spcPts val="0"/>
               </a:spcBef>
@@ -2387,9 +2490,6 @@
               </a:spcAft>
               <a:buNone/>
             </a:pPr>
-            <a:r>
-              <a:t/>
-            </a:r>
             <a:endParaRPr/>
           </a:p>
         </p:txBody>
@@ -2403,11 +2503,11 @@
 </file>
 
 <file path=ppt/notesSlides/notesSlide9.xml><?xml version="1.0" encoding="utf-8"?>
-<p:notes xmlns:a="http://schemas.openxmlformats.org/drawingml/2006/main" xmlns:r="http://schemas.openxmlformats.org/officeDocument/2006/relationships" xmlns:mc="http://schemas.openxmlformats.org/markup-compatibility/2006" xmlns:mv="urn:schemas-microsoft-com:mac:vml" xmlns:p="http://schemas.openxmlformats.org/presentationml/2006/main" xmlns:c="http://schemas.openxmlformats.org/drawingml/2006/chart" xmlns:dgm="http://schemas.openxmlformats.org/drawingml/2006/diagram" xmlns:o="urn:schemas-microsoft-com:office:office" xmlns:v="urn:schemas-microsoft-com:vml" xmlns:pvml="urn:schemas-microsoft-com:office:powerpoint" xmlns:com="http://schemas.openxmlformats.org/drawingml/2006/compatibility" xmlns:p14="http://schemas.microsoft.com/office/powerpoint/2010/main" xmlns:p15="http://schemas.microsoft.com/office/powerpoint/2012/main" xmlns:ahyp="http://schemas.microsoft.com/office/drawing/2018/hyperlinkcolor" showMasterPhAnim="0" showMasterSp="0">
+<p:notes xmlns:a="http://schemas.openxmlformats.org/drawingml/2006/main" xmlns:r="http://schemas.openxmlformats.org/officeDocument/2006/relationships" xmlns:p="http://schemas.openxmlformats.org/presentationml/2006/main" showMasterSp="0" showMasterPhAnim="0">
   <p:cSld>
     <p:spTree>
       <p:nvGrpSpPr>
-        <p:cNvPr id="177" name="Shape 177"/>
+        <p:cNvPr id="1" name="Shape 177"/>
         <p:cNvGrpSpPr/>
         <p:nvPr/>
       </p:nvGrpSpPr>
@@ -2422,9 +2522,11 @@
       <p:sp>
         <p:nvSpPr>
           <p:cNvPr id="178" name="Google Shape;178;g293a6523dbb_6_42:notes"/>
-          <p:cNvSpPr/>
+          <p:cNvSpPr>
+            <a:spLocks noGrp="1" noRot="1" noChangeAspect="1"/>
+          </p:cNvSpPr>
           <p:nvPr>
-            <p:ph idx="2" type="sldImg"/>
+            <p:ph type="sldImg" idx="2"/>
           </p:nvPr>
         </p:nvSpPr>
         <p:spPr>
@@ -2433,9 +2535,13 @@
             <a:ext cx="6096000" cy="3429000"/>
           </a:xfrm>
           <a:custGeom>
-            <a:rect b="b" l="l" r="r" t="t"/>
+            <a:avLst/>
+            <a:gdLst/>
+            <a:ahLst/>
+            <a:cxnLst/>
+            <a:rect l="l" t="t" r="r" b="b"/>
             <a:pathLst>
-              <a:path extrusionOk="0" h="120000" w="120000">
+              <a:path w="120000" h="120000" extrusionOk="0">
                 <a:moveTo>
                   <a:pt x="0" y="0"/>
                 </a:moveTo>
@@ -2457,9 +2563,11 @@
       <p:sp>
         <p:nvSpPr>
           <p:cNvPr id="179" name="Google Shape;179;g293a6523dbb_6_42:notes"/>
-          <p:cNvSpPr txBox="1"/>
+          <p:cNvSpPr txBox="1">
+            <a:spLocks noGrp="1"/>
+          </p:cNvSpPr>
           <p:nvPr>
-            <p:ph idx="1" type="body"/>
+            <p:ph type="body" idx="1"/>
           </p:nvPr>
         </p:nvSpPr>
         <p:spPr>
@@ -2472,12 +2580,12 @@
           </a:prstGeom>
         </p:spPr>
         <p:txBody>
-          <a:bodyPr anchorCtr="0" anchor="t" bIns="91425" lIns="91425" spcFirstLastPara="1" rIns="91425" wrap="square" tIns="91425">
+          <a:bodyPr spcFirstLastPara="1" wrap="square" lIns="91425" tIns="91425" rIns="91425" bIns="91425" anchor="t" anchorCtr="0">
             <a:noAutofit/>
           </a:bodyPr>
           <a:lstStyle/>
           <a:p>
-            <a:pPr indent="0" lvl="0" marL="0" rtl="0" algn="l">
+            <a:pPr marL="0" lvl="0" indent="0" algn="l" rtl="0">
               <a:spcBef>
                 <a:spcPts val="0"/>
               </a:spcBef>
@@ -2486,9 +2594,6 @@
               </a:spcAft>
               <a:buNone/>
             </a:pPr>
-            <a:r>
-              <a:t/>
-            </a:r>
             <a:endParaRPr/>
           </a:p>
         </p:txBody>
@@ -2502,11 +2607,11 @@
 </file>
 
 <file path=ppt/slideLayouts/slideLayout1.xml><?xml version="1.0" encoding="utf-8"?>
-<p:sldLayout xmlns:a="http://schemas.openxmlformats.org/drawingml/2006/main" xmlns:r="http://schemas.openxmlformats.org/officeDocument/2006/relationships" xmlns:mc="http://schemas.openxmlformats.org/markup-compatibility/2006" xmlns:mv="urn:schemas-microsoft-com:mac:vml" xmlns:p="http://schemas.openxmlformats.org/presentationml/2006/main" xmlns:c="http://schemas.openxmlformats.org/drawingml/2006/chart" xmlns:dgm="http://schemas.openxmlformats.org/drawingml/2006/diagram" xmlns:o="urn:schemas-microsoft-com:office:office" xmlns:v="urn:schemas-microsoft-com:vml" xmlns:pvml="urn:schemas-microsoft-com:office:powerpoint" xmlns:com="http://schemas.openxmlformats.org/drawingml/2006/compatibility" xmlns:p14="http://schemas.microsoft.com/office/powerpoint/2010/main" xmlns:p15="http://schemas.microsoft.com/office/powerpoint/2012/main" xmlns:ahyp="http://schemas.microsoft.com/office/drawing/2018/hyperlinkcolor" matchingName="Title slide" type="title">
+<p:sldLayout xmlns:a="http://schemas.openxmlformats.org/drawingml/2006/main" xmlns:r="http://schemas.openxmlformats.org/officeDocument/2006/relationships" xmlns:p="http://schemas.openxmlformats.org/presentationml/2006/main" matchingName="Title slide" type="title">
   <p:cSld name="TITLE">
     <p:spTree>
       <p:nvGrpSpPr>
-        <p:cNvPr id="9" name="Shape 9"/>
+        <p:cNvPr id="1" name="Shape 9"/>
         <p:cNvGrpSpPr/>
         <p:nvPr/>
       </p:nvGrpSpPr>
@@ -2531,7 +2636,7 @@
           </a:xfrm>
           <a:prstGeom prst="diagStripe">
             <a:avLst>
-              <a:gd fmla="val 0" name="adj"/>
+              <a:gd name="adj" fmla="val 0"/>
             </a:avLst>
           </a:prstGeom>
           <a:solidFill>
@@ -2544,12 +2649,12 @@
           </a:ln>
         </p:spPr>
         <p:txBody>
-          <a:bodyPr anchorCtr="0" anchor="ctr" bIns="91425" lIns="91425" spcFirstLastPara="1" rIns="91425" wrap="square" tIns="91425">
+          <a:bodyPr spcFirstLastPara="1" wrap="square" lIns="91425" tIns="91425" rIns="91425" bIns="91425" anchor="ctr" anchorCtr="0">
             <a:noAutofit/>
           </a:bodyPr>
           <a:lstStyle/>
           <a:p>
-            <a:pPr indent="0" lvl="0" marL="0" rtl="0" algn="l">
+            <a:pPr marL="0" lvl="0" indent="0" algn="l" rtl="0">
               <a:spcBef>
                 <a:spcPts val="0"/>
               </a:spcBef>
@@ -2558,9 +2663,6 @@
               </a:spcAft>
               <a:buNone/>
             </a:pPr>
-            <a:r>
-              <a:t/>
-            </a:r>
             <a:endParaRPr/>
           </a:p>
         </p:txBody>
@@ -2592,7 +2694,7 @@
             </a:xfrm>
             <a:prstGeom prst="diagStripe">
               <a:avLst>
-                <a:gd fmla="val 50000" name="adj"/>
+                <a:gd name="adj" fmla="val 50000"/>
               </a:avLst>
             </a:prstGeom>
             <a:solidFill>
@@ -2605,12 +2707,12 @@
             </a:ln>
           </p:spPr>
           <p:txBody>
-            <a:bodyPr anchorCtr="0" anchor="ctr" bIns="91425" lIns="91425" spcFirstLastPara="1" rIns="91425" wrap="square" tIns="91425">
+            <a:bodyPr spcFirstLastPara="1" wrap="square" lIns="91425" tIns="91425" rIns="91425" bIns="91425" anchor="ctr" anchorCtr="0">
               <a:noAutofit/>
             </a:bodyPr>
             <a:lstStyle/>
             <a:p>
-              <a:pPr indent="0" lvl="0" marL="0" rtl="0" algn="l">
+              <a:pPr marL="0" lvl="0" indent="0" algn="l" rtl="0">
                 <a:spcBef>
                   <a:spcPts val="0"/>
                 </a:spcBef>
@@ -2619,9 +2721,6 @@
                 </a:spcAft>
                 <a:buNone/>
               </a:pPr>
-              <a:r>
-                <a:t/>
-              </a:r>
               <a:endParaRPr/>
             </a:p>
           </p:txBody>
@@ -2639,7 +2738,7 @@
             </a:xfrm>
             <a:prstGeom prst="diagStripe">
               <a:avLst>
-                <a:gd fmla="val 58774" name="adj"/>
+                <a:gd name="adj" fmla="val 58774"/>
               </a:avLst>
             </a:prstGeom>
             <a:solidFill>
@@ -2652,12 +2751,12 @@
             </a:ln>
           </p:spPr>
           <p:txBody>
-            <a:bodyPr anchorCtr="0" anchor="ctr" bIns="91425" lIns="91425" spcFirstLastPara="1" rIns="91425" wrap="square" tIns="91425">
+            <a:bodyPr spcFirstLastPara="1" wrap="square" lIns="91425" tIns="91425" rIns="91425" bIns="91425" anchor="ctr" anchorCtr="0">
               <a:noAutofit/>
             </a:bodyPr>
             <a:lstStyle/>
             <a:p>
-              <a:pPr indent="0" lvl="0" marL="0" rtl="0" algn="l">
+              <a:pPr marL="0" lvl="0" indent="0" algn="l" rtl="0">
                 <a:spcBef>
                   <a:spcPts val="0"/>
                 </a:spcBef>
@@ -2666,9 +2765,6 @@
                 </a:spcAft>
                 <a:buNone/>
               </a:pPr>
-              <a:r>
-                <a:t/>
-              </a:r>
               <a:endParaRPr/>
             </a:p>
           </p:txBody>
@@ -2686,7 +2782,7 @@
             </a:xfrm>
             <a:prstGeom prst="diagStripe">
               <a:avLst>
-                <a:gd fmla="val 50000" name="adj"/>
+                <a:gd name="adj" fmla="val 50000"/>
               </a:avLst>
             </a:prstGeom>
             <a:solidFill>
@@ -2697,12 +2793,12 @@
             </a:ln>
           </p:spPr>
           <p:txBody>
-            <a:bodyPr anchorCtr="0" anchor="ctr" bIns="91425" lIns="91425" spcFirstLastPara="1" rIns="91425" wrap="square" tIns="91425">
+            <a:bodyPr spcFirstLastPara="1" wrap="square" lIns="91425" tIns="91425" rIns="91425" bIns="91425" anchor="ctr" anchorCtr="0">
               <a:noAutofit/>
             </a:bodyPr>
             <a:lstStyle/>
             <a:p>
-              <a:pPr indent="0" lvl="0" marL="0" rtl="0" algn="l">
+              <a:pPr marL="0" lvl="0" indent="0" algn="l" rtl="0">
                 <a:spcBef>
                   <a:spcPts val="0"/>
                 </a:spcBef>
@@ -2711,9 +2807,6 @@
                 </a:spcAft>
                 <a:buNone/>
               </a:pPr>
-              <a:r>
-                <a:t/>
-              </a:r>
               <a:endParaRPr/>
             </a:p>
           </p:txBody>
@@ -2731,7 +2824,7 @@
             </a:xfrm>
             <a:prstGeom prst="diagStripe">
               <a:avLst>
-                <a:gd fmla="val 50000" name="adj"/>
+                <a:gd name="adj" fmla="val 50000"/>
               </a:avLst>
             </a:prstGeom>
             <a:solidFill>
@@ -2742,12 +2835,12 @@
             </a:ln>
           </p:spPr>
           <p:txBody>
-            <a:bodyPr anchorCtr="0" anchor="ctr" bIns="91425" lIns="91425" spcFirstLastPara="1" rIns="91425" wrap="square" tIns="91425">
+            <a:bodyPr spcFirstLastPara="1" wrap="square" lIns="91425" tIns="91425" rIns="91425" bIns="91425" anchor="ctr" anchorCtr="0">
               <a:noAutofit/>
             </a:bodyPr>
             <a:lstStyle/>
             <a:p>
-              <a:pPr indent="0" lvl="0" marL="0" rtl="0" algn="l">
+              <a:pPr marL="0" lvl="0" indent="0" algn="l" rtl="0">
                 <a:spcBef>
                   <a:spcPts val="0"/>
                 </a:spcBef>
@@ -2756,9 +2849,6 @@
                 </a:spcAft>
                 <a:buNone/>
               </a:pPr>
-              <a:r>
-                <a:t/>
-              </a:r>
               <a:endParaRPr/>
             </a:p>
           </p:txBody>
@@ -2767,7 +2857,9 @@
       <p:sp>
         <p:nvSpPr>
           <p:cNvPr id="16" name="Google Shape;16;p2"/>
-          <p:cNvSpPr txBox="1"/>
+          <p:cNvSpPr txBox="1">
+            <a:spLocks noGrp="1"/>
+          </p:cNvSpPr>
           <p:nvPr>
             <p:ph type="ctrTitle"/>
           </p:nvPr>
@@ -2782,7 +2874,7 @@
           </a:prstGeom>
         </p:spPr>
         <p:txBody>
-          <a:bodyPr anchorCtr="0" anchor="t" bIns="91425" lIns="91425" spcFirstLastPara="1" rIns="91425" wrap="square" tIns="91425">
+          <a:bodyPr spcFirstLastPara="1" wrap="square" lIns="91425" tIns="91425" rIns="91425" bIns="91425" anchor="t" anchorCtr="0">
             <a:normAutofit/>
           </a:bodyPr>
           <a:lstStyle>
@@ -2886,15 +2978,19 @@
               <a:defRPr sz="4000"/>
             </a:lvl9pPr>
           </a:lstStyle>
-          <a:p/>
+          <a:p>
+            <a:endParaRPr/>
+          </a:p>
         </p:txBody>
       </p:sp>
       <p:sp>
         <p:nvSpPr>
           <p:cNvPr id="17" name="Google Shape;17;p2"/>
-          <p:cNvSpPr txBox="1"/>
+          <p:cNvSpPr txBox="1">
+            <a:spLocks noGrp="1"/>
+          </p:cNvSpPr>
           <p:nvPr>
-            <p:ph idx="1" type="subTitle"/>
+            <p:ph type="subTitle" idx="1"/>
           </p:nvPr>
         </p:nvSpPr>
         <p:spPr>
@@ -2907,7 +3003,7 @@
           </a:prstGeom>
         </p:spPr>
         <p:txBody>
-          <a:bodyPr anchorCtr="0" anchor="t" bIns="91425" lIns="91425" spcFirstLastPara="1" rIns="91425" wrap="square" tIns="91425">
+          <a:bodyPr spcFirstLastPara="1" wrap="square" lIns="91425" tIns="91425" rIns="91425" bIns="91425" anchor="t" anchorCtr="0">
             <a:normAutofit/>
           </a:bodyPr>
           <a:lstStyle>
@@ -3038,15 +3134,19 @@
               <a:defRPr sz="1300"/>
             </a:lvl9pPr>
           </a:lstStyle>
-          <a:p/>
+          <a:p>
+            <a:endParaRPr/>
+          </a:p>
         </p:txBody>
       </p:sp>
       <p:sp>
         <p:nvSpPr>
           <p:cNvPr id="18" name="Google Shape;18;p2"/>
-          <p:cNvSpPr txBox="1"/>
+          <p:cNvSpPr txBox="1">
+            <a:spLocks noGrp="1"/>
+          </p:cNvSpPr>
           <p:nvPr>
-            <p:ph idx="12" type="sldNum"/>
+            <p:ph type="sldNum" idx="12"/>
           </p:nvPr>
         </p:nvSpPr>
         <p:spPr>
@@ -3059,7 +3159,7 @@
           </a:prstGeom>
         </p:spPr>
         <p:txBody>
-          <a:bodyPr anchorCtr="0" anchor="ctr" bIns="91425" lIns="91425" spcFirstLastPara="1" rIns="91425" wrap="square" tIns="91425">
+          <a:bodyPr spcFirstLastPara="1" wrap="square" lIns="91425" tIns="91425" rIns="91425" bIns="91425" anchor="ctr" anchorCtr="0">
             <a:normAutofit/>
           </a:bodyPr>
           <a:lstStyle>
@@ -3101,7 +3201,7 @@
             </a:lvl9pPr>
           </a:lstStyle>
           <a:p>
-            <a:pPr indent="0" lvl="0" marL="0" rtl="0" algn="r">
+            <a:pPr marL="0" lvl="0" indent="0" algn="r" rtl="0">
               <a:spcBef>
                 <a:spcPts val="0"/>
               </a:spcBef>
@@ -3127,11 +3227,11 @@
 </file>
 
 <file path=ppt/slideLayouts/slideLayout10.xml><?xml version="1.0" encoding="utf-8"?>
-<p:sldLayout xmlns:a="http://schemas.openxmlformats.org/drawingml/2006/main" xmlns:r="http://schemas.openxmlformats.org/officeDocument/2006/relationships" xmlns:mc="http://schemas.openxmlformats.org/markup-compatibility/2006" xmlns:mv="urn:schemas-microsoft-com:mac:vml" xmlns:p="http://schemas.openxmlformats.org/presentationml/2006/main" xmlns:c="http://schemas.openxmlformats.org/drawingml/2006/chart" xmlns:dgm="http://schemas.openxmlformats.org/drawingml/2006/diagram" xmlns:o="urn:schemas-microsoft-com:office:office" xmlns:v="urn:schemas-microsoft-com:vml" xmlns:pvml="urn:schemas-microsoft-com:office:powerpoint" xmlns:com="http://schemas.openxmlformats.org/drawingml/2006/compatibility" xmlns:p14="http://schemas.microsoft.com/office/powerpoint/2010/main" xmlns:p15="http://schemas.microsoft.com/office/powerpoint/2012/main" xmlns:ahyp="http://schemas.microsoft.com/office/drawing/2018/hyperlinkcolor" matchingName="Big number">
+<p:sldLayout xmlns:a="http://schemas.openxmlformats.org/drawingml/2006/main" xmlns:r="http://schemas.openxmlformats.org/officeDocument/2006/relationships" xmlns:p="http://schemas.openxmlformats.org/presentationml/2006/main" matchingName="Big number">
   <p:cSld name="BIG_NUMBER">
     <p:spTree>
       <p:nvGrpSpPr>
-        <p:cNvPr id="105" name="Shape 105"/>
+        <p:cNvPr id="1" name="Shape 105"/>
         <p:cNvGrpSpPr/>
         <p:nvPr/>
       </p:nvGrpSpPr>
@@ -3170,7 +3270,7 @@
             </a:xfrm>
             <a:prstGeom prst="diagStripe">
               <a:avLst>
-                <a:gd fmla="val 49469" name="adj"/>
+                <a:gd name="adj" fmla="val 49469"/>
               </a:avLst>
             </a:prstGeom>
             <a:solidFill>
@@ -3183,12 +3283,12 @@
             </a:ln>
           </p:spPr>
           <p:txBody>
-            <a:bodyPr anchorCtr="0" anchor="ctr" bIns="91425" lIns="91425" spcFirstLastPara="1" rIns="91425" wrap="square" tIns="91425">
+            <a:bodyPr spcFirstLastPara="1" wrap="square" lIns="91425" tIns="91425" rIns="91425" bIns="91425" anchor="ctr" anchorCtr="0">
               <a:noAutofit/>
             </a:bodyPr>
             <a:lstStyle/>
             <a:p>
-              <a:pPr indent="0" lvl="0" marL="0" rtl="0" algn="l">
+              <a:pPr marL="0" lvl="0" indent="0" algn="l" rtl="0">
                 <a:spcBef>
                   <a:spcPts val="0"/>
                 </a:spcBef>
@@ -3197,9 +3297,6 @@
                 </a:spcAft>
                 <a:buNone/>
               </a:pPr>
-              <a:r>
-                <a:t/>
-              </a:r>
               <a:endParaRPr/>
             </a:p>
           </p:txBody>
@@ -3217,7 +3314,7 @@
             </a:xfrm>
             <a:prstGeom prst="diagStripe">
               <a:avLst>
-                <a:gd fmla="val 0" name="adj"/>
+                <a:gd name="adj" fmla="val 0"/>
               </a:avLst>
             </a:prstGeom>
             <a:solidFill>
@@ -3230,12 +3327,12 @@
             </a:ln>
           </p:spPr>
           <p:txBody>
-            <a:bodyPr anchorCtr="0" anchor="ctr" bIns="91425" lIns="91425" spcFirstLastPara="1" rIns="91425" wrap="square" tIns="91425">
+            <a:bodyPr spcFirstLastPara="1" wrap="square" lIns="91425" tIns="91425" rIns="91425" bIns="91425" anchor="ctr" anchorCtr="0">
               <a:noAutofit/>
             </a:bodyPr>
             <a:lstStyle/>
             <a:p>
-              <a:pPr indent="0" lvl="0" marL="0" rtl="0" algn="l">
+              <a:pPr marL="0" lvl="0" indent="0" algn="l" rtl="0">
                 <a:spcBef>
                   <a:spcPts val="0"/>
                 </a:spcBef>
@@ -3244,9 +3341,6 @@
                 </a:spcAft>
                 <a:buNone/>
               </a:pPr>
-              <a:r>
-                <a:t/>
-              </a:r>
               <a:endParaRPr/>
             </a:p>
           </p:txBody>
@@ -3264,7 +3358,7 @@
             </a:xfrm>
             <a:prstGeom prst="diagStripe">
               <a:avLst>
-                <a:gd fmla="val 50000" name="adj"/>
+                <a:gd name="adj" fmla="val 50000"/>
               </a:avLst>
             </a:prstGeom>
             <a:solidFill>
@@ -3277,12 +3371,12 @@
             </a:ln>
           </p:spPr>
           <p:txBody>
-            <a:bodyPr anchorCtr="0" anchor="ctr" bIns="91425" lIns="91425" spcFirstLastPara="1" rIns="91425" wrap="square" tIns="91425">
+            <a:bodyPr spcFirstLastPara="1" wrap="square" lIns="91425" tIns="91425" rIns="91425" bIns="91425" anchor="ctr" anchorCtr="0">
               <a:noAutofit/>
             </a:bodyPr>
             <a:lstStyle/>
             <a:p>
-              <a:pPr indent="0" lvl="0" marL="0" rtl="0" algn="l">
+              <a:pPr marL="0" lvl="0" indent="0" algn="l" rtl="0">
                 <a:spcBef>
                   <a:spcPts val="0"/>
                 </a:spcBef>
@@ -3291,9 +3385,6 @@
                 </a:spcAft>
                 <a:buNone/>
               </a:pPr>
-              <a:r>
-                <a:t/>
-              </a:r>
               <a:endParaRPr/>
             </a:p>
           </p:txBody>
@@ -3311,7 +3402,7 @@
             </a:xfrm>
             <a:prstGeom prst="diagStripe">
               <a:avLst>
-                <a:gd fmla="val 50000" name="adj"/>
+                <a:gd name="adj" fmla="val 50000"/>
               </a:avLst>
             </a:prstGeom>
             <a:solidFill>
@@ -3324,12 +3415,12 @@
             </a:ln>
           </p:spPr>
           <p:txBody>
-            <a:bodyPr anchorCtr="0" anchor="ctr" bIns="91425" lIns="91425" spcFirstLastPara="1" rIns="91425" wrap="square" tIns="91425">
+            <a:bodyPr spcFirstLastPara="1" wrap="square" lIns="91425" tIns="91425" rIns="91425" bIns="91425" anchor="ctr" anchorCtr="0">
               <a:noAutofit/>
             </a:bodyPr>
             <a:lstStyle/>
             <a:p>
-              <a:pPr indent="0" lvl="0" marL="0" rtl="0" algn="l">
+              <a:pPr marL="0" lvl="0" indent="0" algn="l" rtl="0">
                 <a:spcBef>
                   <a:spcPts val="0"/>
                 </a:spcBef>
@@ -3338,9 +3429,6 @@
                 </a:spcAft>
                 <a:buNone/>
               </a:pPr>
-              <a:r>
-                <a:t/>
-              </a:r>
               <a:endParaRPr/>
             </a:p>
           </p:txBody>
@@ -3358,7 +3446,7 @@
             </a:xfrm>
             <a:prstGeom prst="diagStripe">
               <a:avLst>
-                <a:gd fmla="val 50000" name="adj"/>
+                <a:gd name="adj" fmla="val 50000"/>
               </a:avLst>
             </a:prstGeom>
             <a:solidFill>
@@ -3371,12 +3459,12 @@
             </a:ln>
           </p:spPr>
           <p:txBody>
-            <a:bodyPr anchorCtr="0" anchor="ctr" bIns="91425" lIns="91425" spcFirstLastPara="1" rIns="91425" wrap="square" tIns="91425">
+            <a:bodyPr spcFirstLastPara="1" wrap="square" lIns="91425" tIns="91425" rIns="91425" bIns="91425" anchor="ctr" anchorCtr="0">
               <a:noAutofit/>
             </a:bodyPr>
             <a:lstStyle/>
             <a:p>
-              <a:pPr indent="0" lvl="0" marL="0" rtl="0" algn="l">
+              <a:pPr marL="0" lvl="0" indent="0" algn="l" rtl="0">
                 <a:spcBef>
                   <a:spcPts val="0"/>
                 </a:spcBef>
@@ -3385,9 +3473,6 @@
                 </a:spcAft>
                 <a:buNone/>
               </a:pPr>
-              <a:r>
-                <a:t/>
-              </a:r>
               <a:endParaRPr/>
             </a:p>
           </p:txBody>
@@ -3405,7 +3490,7 @@
             </a:xfrm>
             <a:prstGeom prst="diagStripe">
               <a:avLst>
-                <a:gd fmla="val 50000" name="adj"/>
+                <a:gd name="adj" fmla="val 50000"/>
               </a:avLst>
             </a:prstGeom>
             <a:solidFill>
@@ -3418,12 +3503,12 @@
             </a:ln>
           </p:spPr>
           <p:txBody>
-            <a:bodyPr anchorCtr="0" anchor="ctr" bIns="91425" lIns="91425" spcFirstLastPara="1" rIns="91425" wrap="square" tIns="91425">
+            <a:bodyPr spcFirstLastPara="1" wrap="square" lIns="91425" tIns="91425" rIns="91425" bIns="91425" anchor="ctr" anchorCtr="0">
               <a:noAutofit/>
             </a:bodyPr>
             <a:lstStyle/>
             <a:p>
-              <a:pPr indent="0" lvl="0" marL="0" rtl="0" algn="l">
+              <a:pPr marL="0" lvl="0" indent="0" algn="l" rtl="0">
                 <a:spcBef>
                   <a:spcPts val="0"/>
                 </a:spcBef>
@@ -3432,9 +3517,6 @@
                 </a:spcAft>
                 <a:buNone/>
               </a:pPr>
-              <a:r>
-                <a:t/>
-              </a:r>
               <a:endParaRPr/>
             </a:p>
           </p:txBody>
@@ -3452,7 +3534,7 @@
             </a:xfrm>
             <a:prstGeom prst="diagStripe">
               <a:avLst>
-                <a:gd fmla="val 50000" name="adj"/>
+                <a:gd name="adj" fmla="val 50000"/>
               </a:avLst>
             </a:prstGeom>
             <a:solidFill>
@@ -3465,12 +3547,12 @@
             </a:ln>
           </p:spPr>
           <p:txBody>
-            <a:bodyPr anchorCtr="0" anchor="ctr" bIns="91425" lIns="91425" spcFirstLastPara="1" rIns="91425" wrap="square" tIns="91425">
+            <a:bodyPr spcFirstLastPara="1" wrap="square" lIns="91425" tIns="91425" rIns="91425" bIns="91425" anchor="ctr" anchorCtr="0">
               <a:noAutofit/>
             </a:bodyPr>
             <a:lstStyle/>
             <a:p>
-              <a:pPr indent="0" lvl="0" marL="0" rtl="0" algn="l">
+              <a:pPr marL="0" lvl="0" indent="0" algn="l" rtl="0">
                 <a:spcBef>
                   <a:spcPts val="0"/>
                 </a:spcBef>
@@ -3479,9 +3561,6 @@
                 </a:spcAft>
                 <a:buNone/>
               </a:pPr>
-              <a:r>
-                <a:t/>
-              </a:r>
               <a:endParaRPr/>
             </a:p>
           </p:txBody>
@@ -3499,7 +3578,7 @@
             </a:xfrm>
             <a:prstGeom prst="diagStripe">
               <a:avLst>
-                <a:gd fmla="val 50000" name="adj"/>
+                <a:gd name="adj" fmla="val 50000"/>
               </a:avLst>
             </a:prstGeom>
             <a:solidFill>
@@ -3510,12 +3589,12 @@
             </a:ln>
           </p:spPr>
           <p:txBody>
-            <a:bodyPr anchorCtr="0" anchor="ctr" bIns="91425" lIns="91425" spcFirstLastPara="1" rIns="91425" wrap="square" tIns="91425">
+            <a:bodyPr spcFirstLastPara="1" wrap="square" lIns="91425" tIns="91425" rIns="91425" bIns="91425" anchor="ctr" anchorCtr="0">
               <a:noAutofit/>
             </a:bodyPr>
             <a:lstStyle/>
             <a:p>
-              <a:pPr indent="0" lvl="0" marL="0" rtl="0" algn="l">
+              <a:pPr marL="0" lvl="0" indent="0" algn="l" rtl="0">
                 <a:spcBef>
                   <a:spcPts val="0"/>
                 </a:spcBef>
@@ -3524,9 +3603,6 @@
                 </a:spcAft>
                 <a:buNone/>
               </a:pPr>
-              <a:r>
-                <a:t/>
-              </a:r>
               <a:endParaRPr/>
             </a:p>
           </p:txBody>
@@ -3544,7 +3620,7 @@
             </a:xfrm>
             <a:prstGeom prst="diagStripe">
               <a:avLst>
-                <a:gd fmla="val 50000" name="adj"/>
+                <a:gd name="adj" fmla="val 50000"/>
               </a:avLst>
             </a:prstGeom>
             <a:solidFill>
@@ -3557,12 +3633,12 @@
             </a:ln>
           </p:spPr>
           <p:txBody>
-            <a:bodyPr anchorCtr="0" anchor="ctr" bIns="91425" lIns="91425" spcFirstLastPara="1" rIns="91425" wrap="square" tIns="91425">
+            <a:bodyPr spcFirstLastPara="1" wrap="square" lIns="91425" tIns="91425" rIns="91425" bIns="91425" anchor="ctr" anchorCtr="0">
               <a:noAutofit/>
             </a:bodyPr>
             <a:lstStyle/>
             <a:p>
-              <a:pPr indent="0" lvl="0" marL="0" rtl="0" algn="l">
+              <a:pPr marL="0" lvl="0" indent="0" algn="l" rtl="0">
                 <a:spcBef>
                   <a:spcPts val="0"/>
                 </a:spcBef>
@@ -3571,9 +3647,6 @@
                 </a:spcAft>
                 <a:buNone/>
               </a:pPr>
-              <a:r>
-                <a:t/>
-              </a:r>
               <a:endParaRPr/>
             </a:p>
           </p:txBody>
@@ -3591,7 +3664,7 @@
             </a:xfrm>
             <a:prstGeom prst="diagStripe">
               <a:avLst>
-                <a:gd fmla="val 50000" name="adj"/>
+                <a:gd name="adj" fmla="val 50000"/>
               </a:avLst>
             </a:prstGeom>
             <a:solidFill>
@@ -3604,12 +3677,12 @@
             </a:ln>
           </p:spPr>
           <p:txBody>
-            <a:bodyPr anchorCtr="0" anchor="ctr" bIns="91425" lIns="91425" spcFirstLastPara="1" rIns="91425" wrap="square" tIns="91425">
+            <a:bodyPr spcFirstLastPara="1" wrap="square" lIns="91425" tIns="91425" rIns="91425" bIns="91425" anchor="ctr" anchorCtr="0">
               <a:noAutofit/>
             </a:bodyPr>
             <a:lstStyle/>
             <a:p>
-              <a:pPr indent="0" lvl="0" marL="0" rtl="0" algn="l">
+              <a:pPr marL="0" lvl="0" indent="0" algn="l" rtl="0">
                 <a:spcBef>
                   <a:spcPts val="0"/>
                 </a:spcBef>
@@ -3618,9 +3691,6 @@
                 </a:spcAft>
                 <a:buNone/>
               </a:pPr>
-              <a:r>
-                <a:t/>
-              </a:r>
               <a:endParaRPr/>
             </a:p>
           </p:txBody>
@@ -3638,7 +3708,7 @@
             </a:xfrm>
             <a:prstGeom prst="diagStripe">
               <a:avLst>
-                <a:gd fmla="val 50000" name="adj"/>
+                <a:gd name="adj" fmla="val 50000"/>
               </a:avLst>
             </a:prstGeom>
             <a:solidFill>
@@ -3651,12 +3721,12 @@
             </a:ln>
           </p:spPr>
           <p:txBody>
-            <a:bodyPr anchorCtr="0" anchor="ctr" bIns="91425" lIns="91425" spcFirstLastPara="1" rIns="91425" wrap="square" tIns="91425">
+            <a:bodyPr spcFirstLastPara="1" wrap="square" lIns="91425" tIns="91425" rIns="91425" bIns="91425" anchor="ctr" anchorCtr="0">
               <a:noAutofit/>
             </a:bodyPr>
             <a:lstStyle/>
             <a:p>
-              <a:pPr indent="0" lvl="0" marL="0" rtl="0" algn="l">
+              <a:pPr marL="0" lvl="0" indent="0" algn="l" rtl="0">
                 <a:spcBef>
                   <a:spcPts val="0"/>
                 </a:spcBef>
@@ -3665,9 +3735,6 @@
                 </a:spcAft>
                 <a:buNone/>
               </a:pPr>
-              <a:r>
-                <a:t/>
-              </a:r>
               <a:endParaRPr/>
             </a:p>
           </p:txBody>
@@ -3685,7 +3752,7 @@
             </a:xfrm>
             <a:prstGeom prst="diagStripe">
               <a:avLst>
-                <a:gd fmla="val 50000" name="adj"/>
+                <a:gd name="adj" fmla="val 50000"/>
               </a:avLst>
             </a:prstGeom>
             <a:solidFill>
@@ -3698,12 +3765,12 @@
             </a:ln>
           </p:spPr>
           <p:txBody>
-            <a:bodyPr anchorCtr="0" anchor="ctr" bIns="91425" lIns="91425" spcFirstLastPara="1" rIns="91425" wrap="square" tIns="91425">
+            <a:bodyPr spcFirstLastPara="1" wrap="square" lIns="91425" tIns="91425" rIns="91425" bIns="91425" anchor="ctr" anchorCtr="0">
               <a:noAutofit/>
             </a:bodyPr>
             <a:lstStyle/>
             <a:p>
-              <a:pPr indent="0" lvl="0" marL="0" rtl="0" algn="l">
+              <a:pPr marL="0" lvl="0" indent="0" algn="l" rtl="0">
                 <a:spcBef>
                   <a:spcPts val="0"/>
                 </a:spcBef>
@@ -3712,9 +3779,6 @@
                 </a:spcAft>
                 <a:buNone/>
               </a:pPr>
-              <a:r>
-                <a:t/>
-              </a:r>
               <a:endParaRPr/>
             </a:p>
           </p:txBody>
@@ -3732,7 +3796,7 @@
             </a:xfrm>
             <a:prstGeom prst="diagStripe">
               <a:avLst>
-                <a:gd fmla="val 50000" name="adj"/>
+                <a:gd name="adj" fmla="val 50000"/>
               </a:avLst>
             </a:prstGeom>
             <a:solidFill>
@@ -3745,12 +3809,12 @@
             </a:ln>
           </p:spPr>
           <p:txBody>
-            <a:bodyPr anchorCtr="0" anchor="ctr" bIns="91425" lIns="91425" spcFirstLastPara="1" rIns="91425" wrap="square" tIns="91425">
+            <a:bodyPr spcFirstLastPara="1" wrap="square" lIns="91425" tIns="91425" rIns="91425" bIns="91425" anchor="ctr" anchorCtr="0">
               <a:noAutofit/>
             </a:bodyPr>
             <a:lstStyle/>
             <a:p>
-              <a:pPr indent="0" lvl="0" marL="0" rtl="0" algn="l">
+              <a:pPr marL="0" lvl="0" indent="0" algn="l" rtl="0">
                 <a:spcBef>
                   <a:spcPts val="0"/>
                 </a:spcBef>
@@ -3759,9 +3823,6 @@
                 </a:spcAft>
                 <a:buNone/>
               </a:pPr>
-              <a:r>
-                <a:t/>
-              </a:r>
               <a:endParaRPr/>
             </a:p>
           </p:txBody>
@@ -3779,7 +3840,7 @@
             </a:xfrm>
             <a:prstGeom prst="diagStripe">
               <a:avLst>
-                <a:gd fmla="val 50000" name="adj"/>
+                <a:gd name="adj" fmla="val 50000"/>
               </a:avLst>
             </a:prstGeom>
             <a:solidFill>
@@ -3790,12 +3851,12 @@
             </a:ln>
           </p:spPr>
           <p:txBody>
-            <a:bodyPr anchorCtr="0" anchor="ctr" bIns="91425" lIns="91425" spcFirstLastPara="1" rIns="91425" wrap="square" tIns="91425">
+            <a:bodyPr spcFirstLastPara="1" wrap="square" lIns="91425" tIns="91425" rIns="91425" bIns="91425" anchor="ctr" anchorCtr="0">
               <a:noAutofit/>
             </a:bodyPr>
             <a:lstStyle/>
             <a:p>
-              <a:pPr indent="0" lvl="0" marL="0" rtl="0" algn="l">
+              <a:pPr marL="0" lvl="0" indent="0" algn="l" rtl="0">
                 <a:spcBef>
                   <a:spcPts val="0"/>
                 </a:spcBef>
@@ -3804,9 +3865,6 @@
                 </a:spcAft>
                 <a:buNone/>
               </a:pPr>
-              <a:r>
-                <a:t/>
-              </a:r>
               <a:endParaRPr/>
             </a:p>
           </p:txBody>
@@ -3824,7 +3882,7 @@
             </a:xfrm>
             <a:prstGeom prst="diagStripe">
               <a:avLst>
-                <a:gd fmla="val 50000" name="adj"/>
+                <a:gd name="adj" fmla="val 50000"/>
               </a:avLst>
             </a:prstGeom>
             <a:solidFill>
@@ -3837,12 +3895,12 @@
             </a:ln>
           </p:spPr>
           <p:txBody>
-            <a:bodyPr anchorCtr="0" anchor="ctr" bIns="91425" lIns="91425" spcFirstLastPara="1" rIns="91425" wrap="square" tIns="91425">
+            <a:bodyPr spcFirstLastPara="1" wrap="square" lIns="91425" tIns="91425" rIns="91425" bIns="91425" anchor="ctr" anchorCtr="0">
               <a:noAutofit/>
             </a:bodyPr>
             <a:lstStyle/>
             <a:p>
-              <a:pPr indent="0" lvl="0" marL="0" rtl="0" algn="l">
+              <a:pPr marL="0" lvl="0" indent="0" algn="l" rtl="0">
                 <a:spcBef>
                   <a:spcPts val="0"/>
                 </a:spcBef>
@@ -3851,9 +3909,6 @@
                 </a:spcAft>
                 <a:buNone/>
               </a:pPr>
-              <a:r>
-                <a:t/>
-              </a:r>
               <a:endParaRPr/>
             </a:p>
           </p:txBody>
@@ -3871,7 +3926,7 @@
             </a:xfrm>
             <a:prstGeom prst="diagStripe">
               <a:avLst>
-                <a:gd fmla="val 50000" name="adj"/>
+                <a:gd name="adj" fmla="val 50000"/>
               </a:avLst>
             </a:prstGeom>
             <a:solidFill>
@@ -3884,12 +3939,12 @@
             </a:ln>
           </p:spPr>
           <p:txBody>
-            <a:bodyPr anchorCtr="0" anchor="ctr" bIns="91425" lIns="91425" spcFirstLastPara="1" rIns="91425" wrap="square" tIns="91425">
+            <a:bodyPr spcFirstLastPara="1" wrap="square" lIns="91425" tIns="91425" rIns="91425" bIns="91425" anchor="ctr" anchorCtr="0">
               <a:noAutofit/>
             </a:bodyPr>
             <a:lstStyle/>
             <a:p>
-              <a:pPr indent="0" lvl="0" marL="0" rtl="0" algn="l">
+              <a:pPr marL="0" lvl="0" indent="0" algn="l" rtl="0">
                 <a:spcBef>
                   <a:spcPts val="0"/>
                 </a:spcBef>
@@ -3898,9 +3953,6 @@
                 </a:spcAft>
                 <a:buNone/>
               </a:pPr>
-              <a:r>
-                <a:t/>
-              </a:r>
               <a:endParaRPr/>
             </a:p>
           </p:txBody>
@@ -3918,7 +3970,7 @@
             </a:xfrm>
             <a:prstGeom prst="diagStripe">
               <a:avLst>
-                <a:gd fmla="val 50000" name="adj"/>
+                <a:gd name="adj" fmla="val 50000"/>
               </a:avLst>
             </a:prstGeom>
             <a:solidFill>
@@ -3931,12 +3983,12 @@
             </a:ln>
           </p:spPr>
           <p:txBody>
-            <a:bodyPr anchorCtr="0" anchor="ctr" bIns="91425" lIns="91425" spcFirstLastPara="1" rIns="91425" wrap="square" tIns="91425">
+            <a:bodyPr spcFirstLastPara="1" wrap="square" lIns="91425" tIns="91425" rIns="91425" bIns="91425" anchor="ctr" anchorCtr="0">
               <a:noAutofit/>
             </a:bodyPr>
             <a:lstStyle/>
             <a:p>
-              <a:pPr indent="0" lvl="0" marL="0" rtl="0" algn="l">
+              <a:pPr marL="0" lvl="0" indent="0" algn="l" rtl="0">
                 <a:spcBef>
                   <a:spcPts val="0"/>
                 </a:spcBef>
@@ -3945,9 +3997,6 @@
                 </a:spcAft>
                 <a:buNone/>
               </a:pPr>
-              <a:r>
-                <a:t/>
-              </a:r>
               <a:endParaRPr/>
             </a:p>
           </p:txBody>
@@ -3965,7 +4014,7 @@
             </a:xfrm>
             <a:prstGeom prst="diagStripe">
               <a:avLst>
-                <a:gd fmla="val 50000" name="adj"/>
+                <a:gd name="adj" fmla="val 50000"/>
               </a:avLst>
             </a:prstGeom>
             <a:solidFill>
@@ -3978,12 +4027,12 @@
             </a:ln>
           </p:spPr>
           <p:txBody>
-            <a:bodyPr anchorCtr="0" anchor="ctr" bIns="91425" lIns="91425" spcFirstLastPara="1" rIns="91425" wrap="square" tIns="91425">
+            <a:bodyPr spcFirstLastPara="1" wrap="square" lIns="91425" tIns="91425" rIns="91425" bIns="91425" anchor="ctr" anchorCtr="0">
               <a:noAutofit/>
             </a:bodyPr>
             <a:lstStyle/>
             <a:p>
-              <a:pPr indent="0" lvl="0" marL="0" rtl="0" algn="l">
+              <a:pPr marL="0" lvl="0" indent="0" algn="l" rtl="0">
                 <a:spcBef>
                   <a:spcPts val="0"/>
                 </a:spcBef>
@@ -3992,9 +4041,6 @@
                 </a:spcAft>
                 <a:buNone/>
               </a:pPr>
-              <a:r>
-                <a:t/>
-              </a:r>
               <a:endParaRPr/>
             </a:p>
           </p:txBody>
@@ -4003,9 +4049,11 @@
       <p:sp>
         <p:nvSpPr>
           <p:cNvPr id="125" name="Google Shape;125;p11"/>
-          <p:cNvSpPr txBox="1"/>
+          <p:cNvSpPr txBox="1">
+            <a:spLocks noGrp="1"/>
+          </p:cNvSpPr>
           <p:nvPr>
-            <p:ph hasCustomPrompt="1" type="title"/>
+            <p:ph type="title" hasCustomPrompt="1"/>
           </p:nvPr>
         </p:nvSpPr>
         <p:spPr>
@@ -4018,7 +4066,7 @@
           </a:prstGeom>
         </p:spPr>
         <p:txBody>
-          <a:bodyPr anchorCtr="0" anchor="t" bIns="91425" lIns="91425" spcFirstLastPara="1" rIns="91425" wrap="square" tIns="91425">
+          <a:bodyPr spcFirstLastPara="1" wrap="square" lIns="91425" tIns="91425" rIns="91425" bIns="91425" anchor="t" anchorCtr="0">
             <a:normAutofit/>
           </a:bodyPr>
           <a:lstStyle>
@@ -4132,9 +4180,11 @@
       <p:sp>
         <p:nvSpPr>
           <p:cNvPr id="126" name="Google Shape;126;p11"/>
-          <p:cNvSpPr txBox="1"/>
+          <p:cNvSpPr txBox="1">
+            <a:spLocks noGrp="1"/>
+          </p:cNvSpPr>
           <p:nvPr>
-            <p:ph idx="1" type="body"/>
+            <p:ph type="body" idx="1"/>
           </p:nvPr>
         </p:nvSpPr>
         <p:spPr>
@@ -4147,11 +4197,11 @@
           </a:prstGeom>
         </p:spPr>
         <p:txBody>
-          <a:bodyPr anchorCtr="0" anchor="t" bIns="91425" lIns="91425" spcFirstLastPara="1" rIns="91425" wrap="square" tIns="91425">
+          <a:bodyPr spcFirstLastPara="1" wrap="square" lIns="91425" tIns="91425" rIns="91425" bIns="91425" anchor="t" anchorCtr="0">
             <a:normAutofit/>
           </a:bodyPr>
           <a:lstStyle>
-            <a:lvl1pPr indent="-311150" lvl="0" marL="457200">
+            <a:lvl1pPr marL="457200" lvl="0" indent="-311150">
               <a:spcBef>
                 <a:spcPts val="0"/>
               </a:spcBef>
@@ -4162,7 +4212,7 @@
               <a:buChar char="●"/>
               <a:defRPr/>
             </a:lvl1pPr>
-            <a:lvl2pPr indent="-298450" lvl="1" marL="914400">
+            <a:lvl2pPr marL="914400" lvl="1" indent="-298450">
               <a:spcBef>
                 <a:spcPts val="0"/>
               </a:spcBef>
@@ -4173,7 +4223,7 @@
               <a:buChar char="○"/>
               <a:defRPr/>
             </a:lvl2pPr>
-            <a:lvl3pPr indent="-298450" lvl="2" marL="1371600">
+            <a:lvl3pPr marL="1371600" lvl="2" indent="-298450">
               <a:spcBef>
                 <a:spcPts val="0"/>
               </a:spcBef>
@@ -4184,7 +4234,7 @@
               <a:buChar char="■"/>
               <a:defRPr/>
             </a:lvl3pPr>
-            <a:lvl4pPr indent="-298450" lvl="3" marL="1828800">
+            <a:lvl4pPr marL="1828800" lvl="3" indent="-298450">
               <a:spcBef>
                 <a:spcPts val="0"/>
               </a:spcBef>
@@ -4195,7 +4245,7 @@
               <a:buChar char="●"/>
               <a:defRPr/>
             </a:lvl4pPr>
-            <a:lvl5pPr indent="-298450" lvl="4" marL="2286000">
+            <a:lvl5pPr marL="2286000" lvl="4" indent="-298450">
               <a:spcBef>
                 <a:spcPts val="0"/>
               </a:spcBef>
@@ -4206,7 +4256,7 @@
               <a:buChar char="○"/>
               <a:defRPr/>
             </a:lvl5pPr>
-            <a:lvl6pPr indent="-298450" lvl="5" marL="2743200">
+            <a:lvl6pPr marL="2743200" lvl="5" indent="-298450">
               <a:spcBef>
                 <a:spcPts val="0"/>
               </a:spcBef>
@@ -4217,7 +4267,7 @@
               <a:buChar char="■"/>
               <a:defRPr/>
             </a:lvl6pPr>
-            <a:lvl7pPr indent="-298450" lvl="6" marL="3200400">
+            <a:lvl7pPr marL="3200400" lvl="6" indent="-298450">
               <a:spcBef>
                 <a:spcPts val="0"/>
               </a:spcBef>
@@ -4228,7 +4278,7 @@
               <a:buChar char="●"/>
               <a:defRPr/>
             </a:lvl7pPr>
-            <a:lvl8pPr indent="-298450" lvl="7" marL="3657600">
+            <a:lvl8pPr marL="3657600" lvl="7" indent="-298450">
               <a:spcBef>
                 <a:spcPts val="0"/>
               </a:spcBef>
@@ -4239,7 +4289,7 @@
               <a:buChar char="○"/>
               <a:defRPr/>
             </a:lvl8pPr>
-            <a:lvl9pPr indent="-298450" lvl="8" marL="4114800">
+            <a:lvl9pPr marL="4114800" lvl="8" indent="-298450">
               <a:spcBef>
                 <a:spcPts val="0"/>
               </a:spcBef>
@@ -4251,15 +4301,19 @@
               <a:defRPr/>
             </a:lvl9pPr>
           </a:lstStyle>
-          <a:p/>
+          <a:p>
+            <a:endParaRPr/>
+          </a:p>
         </p:txBody>
       </p:sp>
       <p:sp>
         <p:nvSpPr>
           <p:cNvPr id="127" name="Google Shape;127;p11"/>
-          <p:cNvSpPr txBox="1"/>
+          <p:cNvSpPr txBox="1">
+            <a:spLocks noGrp="1"/>
+          </p:cNvSpPr>
           <p:nvPr>
-            <p:ph idx="12" type="sldNum"/>
+            <p:ph type="sldNum" idx="12"/>
           </p:nvPr>
         </p:nvSpPr>
         <p:spPr>
@@ -4272,7 +4326,7 @@
           </a:prstGeom>
         </p:spPr>
         <p:txBody>
-          <a:bodyPr anchorCtr="0" anchor="ctr" bIns="91425" lIns="91425" spcFirstLastPara="1" rIns="91425" wrap="square" tIns="91425">
+          <a:bodyPr spcFirstLastPara="1" wrap="square" lIns="91425" tIns="91425" rIns="91425" bIns="91425" anchor="ctr" anchorCtr="0">
             <a:normAutofit/>
           </a:bodyPr>
           <a:lstStyle>
@@ -4314,7 +4368,7 @@
             </a:lvl9pPr>
           </a:lstStyle>
           <a:p>
-            <a:pPr indent="0" lvl="0" marL="0" rtl="0" algn="r">
+            <a:pPr marL="0" lvl="0" indent="0" algn="r" rtl="0">
               <a:spcBef>
                 <a:spcPts val="0"/>
               </a:spcBef>
@@ -4340,11 +4394,11 @@
 </file>
 
 <file path=ppt/slideLayouts/slideLayout11.xml><?xml version="1.0" encoding="utf-8"?>
-<p:sldLayout xmlns:a="http://schemas.openxmlformats.org/drawingml/2006/main" xmlns:r="http://schemas.openxmlformats.org/officeDocument/2006/relationships" xmlns:mc="http://schemas.openxmlformats.org/markup-compatibility/2006" xmlns:mv="urn:schemas-microsoft-com:mac:vml" xmlns:p="http://schemas.openxmlformats.org/presentationml/2006/main" xmlns:c="http://schemas.openxmlformats.org/drawingml/2006/chart" xmlns:dgm="http://schemas.openxmlformats.org/drawingml/2006/diagram" xmlns:o="urn:schemas-microsoft-com:office:office" xmlns:v="urn:schemas-microsoft-com:vml" xmlns:pvml="urn:schemas-microsoft-com:office:powerpoint" xmlns:com="http://schemas.openxmlformats.org/drawingml/2006/compatibility" xmlns:p14="http://schemas.microsoft.com/office/powerpoint/2010/main" xmlns:p15="http://schemas.microsoft.com/office/powerpoint/2012/main" xmlns:ahyp="http://schemas.microsoft.com/office/drawing/2018/hyperlinkcolor" matchingName="Blank" type="blank">
+<p:sldLayout xmlns:a="http://schemas.openxmlformats.org/drawingml/2006/main" xmlns:r="http://schemas.openxmlformats.org/officeDocument/2006/relationships" xmlns:p="http://schemas.openxmlformats.org/presentationml/2006/main" matchingName="Blank" type="blank">
   <p:cSld name="BLANK">
     <p:spTree>
       <p:nvGrpSpPr>
-        <p:cNvPr id="128" name="Shape 128"/>
+        <p:cNvPr id="1" name="Shape 128"/>
         <p:cNvGrpSpPr/>
         <p:nvPr/>
       </p:nvGrpSpPr>
@@ -4359,9 +4413,11 @@
       <p:sp>
         <p:nvSpPr>
           <p:cNvPr id="129" name="Google Shape;129;p12"/>
-          <p:cNvSpPr txBox="1"/>
+          <p:cNvSpPr txBox="1">
+            <a:spLocks noGrp="1"/>
+          </p:cNvSpPr>
           <p:nvPr>
-            <p:ph idx="12" type="sldNum"/>
+            <p:ph type="sldNum" idx="12"/>
           </p:nvPr>
         </p:nvSpPr>
         <p:spPr>
@@ -4374,7 +4430,7 @@
           </a:prstGeom>
         </p:spPr>
         <p:txBody>
-          <a:bodyPr anchorCtr="0" anchor="ctr" bIns="91425" lIns="91425" spcFirstLastPara="1" rIns="91425" wrap="square" tIns="91425">
+          <a:bodyPr spcFirstLastPara="1" wrap="square" lIns="91425" tIns="91425" rIns="91425" bIns="91425" anchor="ctr" anchorCtr="0">
             <a:normAutofit/>
           </a:bodyPr>
           <a:lstStyle>
@@ -4416,7 +4472,7 @@
             </a:lvl9pPr>
           </a:lstStyle>
           <a:p>
-            <a:pPr indent="0" lvl="0" marL="0" rtl="0" algn="r">
+            <a:pPr marL="0" lvl="0" indent="0" algn="r" rtl="0">
               <a:spcBef>
                 <a:spcPts val="0"/>
               </a:spcBef>
@@ -4442,11 +4498,11 @@
 </file>
 
 <file path=ppt/slideLayouts/slideLayout2.xml><?xml version="1.0" encoding="utf-8"?>
-<p:sldLayout xmlns:a="http://schemas.openxmlformats.org/drawingml/2006/main" xmlns:r="http://schemas.openxmlformats.org/officeDocument/2006/relationships" xmlns:mc="http://schemas.openxmlformats.org/markup-compatibility/2006" xmlns:mv="urn:schemas-microsoft-com:mac:vml" xmlns:p="http://schemas.openxmlformats.org/presentationml/2006/main" xmlns:c="http://schemas.openxmlformats.org/drawingml/2006/chart" xmlns:dgm="http://schemas.openxmlformats.org/drawingml/2006/diagram" xmlns:o="urn:schemas-microsoft-com:office:office" xmlns:v="urn:schemas-microsoft-com:vml" xmlns:pvml="urn:schemas-microsoft-com:office:powerpoint" xmlns:com="http://schemas.openxmlformats.org/drawingml/2006/compatibility" xmlns:p14="http://schemas.microsoft.com/office/powerpoint/2010/main" xmlns:p15="http://schemas.microsoft.com/office/powerpoint/2012/main" xmlns:ahyp="http://schemas.microsoft.com/office/drawing/2018/hyperlinkcolor" matchingName="Section header" type="secHead">
+<p:sldLayout xmlns:a="http://schemas.openxmlformats.org/drawingml/2006/main" xmlns:r="http://schemas.openxmlformats.org/officeDocument/2006/relationships" xmlns:p="http://schemas.openxmlformats.org/presentationml/2006/main" matchingName="Section header" type="secHead">
   <p:cSld name="SECTION_HEADER">
     <p:spTree>
       <p:nvGrpSpPr>
-        <p:cNvPr id="19" name="Shape 19"/>
+        <p:cNvPr id="1" name="Shape 19"/>
         <p:cNvGrpSpPr/>
         <p:nvPr/>
       </p:nvGrpSpPr>
@@ -4485,7 +4541,7 @@
             </a:xfrm>
             <a:prstGeom prst="diagStripe">
               <a:avLst>
-                <a:gd fmla="val 49469" name="adj"/>
+                <a:gd name="adj" fmla="val 49469"/>
               </a:avLst>
             </a:prstGeom>
             <a:solidFill>
@@ -4498,12 +4554,12 @@
             </a:ln>
           </p:spPr>
           <p:txBody>
-            <a:bodyPr anchorCtr="0" anchor="ctr" bIns="91425" lIns="91425" spcFirstLastPara="1" rIns="91425" wrap="square" tIns="91425">
+            <a:bodyPr spcFirstLastPara="1" wrap="square" lIns="91425" tIns="91425" rIns="91425" bIns="91425" anchor="ctr" anchorCtr="0">
               <a:noAutofit/>
             </a:bodyPr>
             <a:lstStyle/>
             <a:p>
-              <a:pPr indent="0" lvl="0" marL="0" rtl="0" algn="l">
+              <a:pPr marL="0" lvl="0" indent="0" algn="l" rtl="0">
                 <a:spcBef>
                   <a:spcPts val="0"/>
                 </a:spcBef>
@@ -4512,9 +4568,6 @@
                 </a:spcAft>
                 <a:buNone/>
               </a:pPr>
-              <a:r>
-                <a:t/>
-              </a:r>
               <a:endParaRPr/>
             </a:p>
           </p:txBody>
@@ -4532,7 +4585,7 @@
             </a:xfrm>
             <a:prstGeom prst="diagStripe">
               <a:avLst>
-                <a:gd fmla="val 0" name="adj"/>
+                <a:gd name="adj" fmla="val 0"/>
               </a:avLst>
             </a:prstGeom>
             <a:solidFill>
@@ -4545,12 +4598,12 @@
             </a:ln>
           </p:spPr>
           <p:txBody>
-            <a:bodyPr anchorCtr="0" anchor="ctr" bIns="91425" lIns="91425" spcFirstLastPara="1" rIns="91425" wrap="square" tIns="91425">
+            <a:bodyPr spcFirstLastPara="1" wrap="square" lIns="91425" tIns="91425" rIns="91425" bIns="91425" anchor="ctr" anchorCtr="0">
               <a:noAutofit/>
             </a:bodyPr>
             <a:lstStyle/>
             <a:p>
-              <a:pPr indent="0" lvl="0" marL="0" rtl="0" algn="l">
+              <a:pPr marL="0" lvl="0" indent="0" algn="l" rtl="0">
                 <a:spcBef>
                   <a:spcPts val="0"/>
                 </a:spcBef>
@@ -4559,9 +4612,6 @@
                 </a:spcAft>
                 <a:buNone/>
               </a:pPr>
-              <a:r>
-                <a:t/>
-              </a:r>
               <a:endParaRPr/>
             </a:p>
           </p:txBody>
@@ -4579,7 +4629,7 @@
             </a:xfrm>
             <a:prstGeom prst="diagStripe">
               <a:avLst>
-                <a:gd fmla="val 50000" name="adj"/>
+                <a:gd name="adj" fmla="val 50000"/>
               </a:avLst>
             </a:prstGeom>
             <a:solidFill>
@@ -4592,12 +4642,12 @@
             </a:ln>
           </p:spPr>
           <p:txBody>
-            <a:bodyPr anchorCtr="0" anchor="ctr" bIns="91425" lIns="91425" spcFirstLastPara="1" rIns="91425" wrap="square" tIns="91425">
+            <a:bodyPr spcFirstLastPara="1" wrap="square" lIns="91425" tIns="91425" rIns="91425" bIns="91425" anchor="ctr" anchorCtr="0">
               <a:noAutofit/>
             </a:bodyPr>
             <a:lstStyle/>
             <a:p>
-              <a:pPr indent="0" lvl="0" marL="0" rtl="0" algn="l">
+              <a:pPr marL="0" lvl="0" indent="0" algn="l" rtl="0">
                 <a:spcBef>
                   <a:spcPts val="0"/>
                 </a:spcBef>
@@ -4606,9 +4656,6 @@
                 </a:spcAft>
                 <a:buNone/>
               </a:pPr>
-              <a:r>
-                <a:t/>
-              </a:r>
               <a:endParaRPr/>
             </a:p>
           </p:txBody>
@@ -4626,7 +4673,7 @@
             </a:xfrm>
             <a:prstGeom prst="diagStripe">
               <a:avLst>
-                <a:gd fmla="val 50000" name="adj"/>
+                <a:gd name="adj" fmla="val 50000"/>
               </a:avLst>
             </a:prstGeom>
             <a:solidFill>
@@ -4639,12 +4686,12 @@
             </a:ln>
           </p:spPr>
           <p:txBody>
-            <a:bodyPr anchorCtr="0" anchor="ctr" bIns="91425" lIns="91425" spcFirstLastPara="1" rIns="91425" wrap="square" tIns="91425">
+            <a:bodyPr spcFirstLastPara="1" wrap="square" lIns="91425" tIns="91425" rIns="91425" bIns="91425" anchor="ctr" anchorCtr="0">
               <a:noAutofit/>
             </a:bodyPr>
             <a:lstStyle/>
             <a:p>
-              <a:pPr indent="0" lvl="0" marL="0" rtl="0" algn="l">
+              <a:pPr marL="0" lvl="0" indent="0" algn="l" rtl="0">
                 <a:spcBef>
                   <a:spcPts val="0"/>
                 </a:spcBef>
@@ -4653,9 +4700,6 @@
                 </a:spcAft>
                 <a:buNone/>
               </a:pPr>
-              <a:r>
-                <a:t/>
-              </a:r>
               <a:endParaRPr/>
             </a:p>
           </p:txBody>
@@ -4673,7 +4717,7 @@
             </a:xfrm>
             <a:prstGeom prst="diagStripe">
               <a:avLst>
-                <a:gd fmla="val 50000" name="adj"/>
+                <a:gd name="adj" fmla="val 50000"/>
               </a:avLst>
             </a:prstGeom>
             <a:solidFill>
@@ -4686,12 +4730,12 @@
             </a:ln>
           </p:spPr>
           <p:txBody>
-            <a:bodyPr anchorCtr="0" anchor="ctr" bIns="91425" lIns="91425" spcFirstLastPara="1" rIns="91425" wrap="square" tIns="91425">
+            <a:bodyPr spcFirstLastPara="1" wrap="square" lIns="91425" tIns="91425" rIns="91425" bIns="91425" anchor="ctr" anchorCtr="0">
               <a:noAutofit/>
             </a:bodyPr>
             <a:lstStyle/>
             <a:p>
-              <a:pPr indent="0" lvl="0" marL="0" rtl="0" algn="l">
+              <a:pPr marL="0" lvl="0" indent="0" algn="l" rtl="0">
                 <a:spcBef>
                   <a:spcPts val="0"/>
                 </a:spcBef>
@@ -4700,9 +4744,6 @@
                 </a:spcAft>
                 <a:buNone/>
               </a:pPr>
-              <a:r>
-                <a:t/>
-              </a:r>
               <a:endParaRPr/>
             </a:p>
           </p:txBody>
@@ -4720,7 +4761,7 @@
             </a:xfrm>
             <a:prstGeom prst="diagStripe">
               <a:avLst>
-                <a:gd fmla="val 50000" name="adj"/>
+                <a:gd name="adj" fmla="val 50000"/>
               </a:avLst>
             </a:prstGeom>
             <a:solidFill>
@@ -4733,12 +4774,12 @@
             </a:ln>
           </p:spPr>
           <p:txBody>
-            <a:bodyPr anchorCtr="0" anchor="ctr" bIns="91425" lIns="91425" spcFirstLastPara="1" rIns="91425" wrap="square" tIns="91425">
+            <a:bodyPr spcFirstLastPara="1" wrap="square" lIns="91425" tIns="91425" rIns="91425" bIns="91425" anchor="ctr" anchorCtr="0">
               <a:noAutofit/>
             </a:bodyPr>
             <a:lstStyle/>
             <a:p>
-              <a:pPr indent="0" lvl="0" marL="0" rtl="0" algn="l">
+              <a:pPr marL="0" lvl="0" indent="0" algn="l" rtl="0">
                 <a:spcBef>
                   <a:spcPts val="0"/>
                 </a:spcBef>
@@ -4747,9 +4788,6 @@
                 </a:spcAft>
                 <a:buNone/>
               </a:pPr>
-              <a:r>
-                <a:t/>
-              </a:r>
               <a:endParaRPr/>
             </a:p>
           </p:txBody>
@@ -4767,7 +4805,7 @@
             </a:xfrm>
             <a:prstGeom prst="diagStripe">
               <a:avLst>
-                <a:gd fmla="val 50000" name="adj"/>
+                <a:gd name="adj" fmla="val 50000"/>
               </a:avLst>
             </a:prstGeom>
             <a:solidFill>
@@ -4780,12 +4818,12 @@
             </a:ln>
           </p:spPr>
           <p:txBody>
-            <a:bodyPr anchorCtr="0" anchor="ctr" bIns="91425" lIns="91425" spcFirstLastPara="1" rIns="91425" wrap="square" tIns="91425">
+            <a:bodyPr spcFirstLastPara="1" wrap="square" lIns="91425" tIns="91425" rIns="91425" bIns="91425" anchor="ctr" anchorCtr="0">
               <a:noAutofit/>
             </a:bodyPr>
             <a:lstStyle/>
             <a:p>
-              <a:pPr indent="0" lvl="0" marL="0" rtl="0" algn="l">
+              <a:pPr marL="0" lvl="0" indent="0" algn="l" rtl="0">
                 <a:spcBef>
                   <a:spcPts val="0"/>
                 </a:spcBef>
@@ -4794,9 +4832,6 @@
                 </a:spcAft>
                 <a:buNone/>
               </a:pPr>
-              <a:r>
-                <a:t/>
-              </a:r>
               <a:endParaRPr/>
             </a:p>
           </p:txBody>
@@ -4814,7 +4849,7 @@
             </a:xfrm>
             <a:prstGeom prst="diagStripe">
               <a:avLst>
-                <a:gd fmla="val 50000" name="adj"/>
+                <a:gd name="adj" fmla="val 50000"/>
               </a:avLst>
             </a:prstGeom>
             <a:solidFill>
@@ -4825,12 +4860,12 @@
             </a:ln>
           </p:spPr>
           <p:txBody>
-            <a:bodyPr anchorCtr="0" anchor="ctr" bIns="91425" lIns="91425" spcFirstLastPara="1" rIns="91425" wrap="square" tIns="91425">
+            <a:bodyPr spcFirstLastPara="1" wrap="square" lIns="91425" tIns="91425" rIns="91425" bIns="91425" anchor="ctr" anchorCtr="0">
               <a:noAutofit/>
             </a:bodyPr>
             <a:lstStyle/>
             <a:p>
-              <a:pPr indent="0" lvl="0" marL="0" rtl="0" algn="l">
+              <a:pPr marL="0" lvl="0" indent="0" algn="l" rtl="0">
                 <a:spcBef>
                   <a:spcPts val="0"/>
                 </a:spcBef>
@@ -4839,9 +4874,6 @@
                 </a:spcAft>
                 <a:buNone/>
               </a:pPr>
-              <a:r>
-                <a:t/>
-              </a:r>
               <a:endParaRPr/>
             </a:p>
           </p:txBody>
@@ -4859,7 +4891,7 @@
             </a:xfrm>
             <a:prstGeom prst="diagStripe">
               <a:avLst>
-                <a:gd fmla="val 50000" name="adj"/>
+                <a:gd name="adj" fmla="val 50000"/>
               </a:avLst>
             </a:prstGeom>
             <a:solidFill>
@@ -4872,12 +4904,12 @@
             </a:ln>
           </p:spPr>
           <p:txBody>
-            <a:bodyPr anchorCtr="0" anchor="ctr" bIns="91425" lIns="91425" spcFirstLastPara="1" rIns="91425" wrap="square" tIns="91425">
+            <a:bodyPr spcFirstLastPara="1" wrap="square" lIns="91425" tIns="91425" rIns="91425" bIns="91425" anchor="ctr" anchorCtr="0">
               <a:noAutofit/>
             </a:bodyPr>
             <a:lstStyle/>
             <a:p>
-              <a:pPr indent="0" lvl="0" marL="0" rtl="0" algn="l">
+              <a:pPr marL="0" lvl="0" indent="0" algn="l" rtl="0">
                 <a:spcBef>
                   <a:spcPts val="0"/>
                 </a:spcBef>
@@ -4886,9 +4918,6 @@
                 </a:spcAft>
                 <a:buNone/>
               </a:pPr>
-              <a:r>
-                <a:t/>
-              </a:r>
               <a:endParaRPr/>
             </a:p>
           </p:txBody>
@@ -4906,7 +4935,7 @@
             </a:xfrm>
             <a:prstGeom prst="diagStripe">
               <a:avLst>
-                <a:gd fmla="val 50000" name="adj"/>
+                <a:gd name="adj" fmla="val 50000"/>
               </a:avLst>
             </a:prstGeom>
             <a:solidFill>
@@ -4919,12 +4948,12 @@
             </a:ln>
           </p:spPr>
           <p:txBody>
-            <a:bodyPr anchorCtr="0" anchor="ctr" bIns="91425" lIns="91425" spcFirstLastPara="1" rIns="91425" wrap="square" tIns="91425">
+            <a:bodyPr spcFirstLastPara="1" wrap="square" lIns="91425" tIns="91425" rIns="91425" bIns="91425" anchor="ctr" anchorCtr="0">
               <a:noAutofit/>
             </a:bodyPr>
             <a:lstStyle/>
             <a:p>
-              <a:pPr indent="0" lvl="0" marL="0" rtl="0" algn="l">
+              <a:pPr marL="0" lvl="0" indent="0" algn="l" rtl="0">
                 <a:spcBef>
                   <a:spcPts val="0"/>
                 </a:spcBef>
@@ -4933,9 +4962,6 @@
                 </a:spcAft>
                 <a:buNone/>
               </a:pPr>
-              <a:r>
-                <a:t/>
-              </a:r>
               <a:endParaRPr/>
             </a:p>
           </p:txBody>
@@ -4953,7 +4979,7 @@
             </a:xfrm>
             <a:prstGeom prst="diagStripe">
               <a:avLst>
-                <a:gd fmla="val 50000" name="adj"/>
+                <a:gd name="adj" fmla="val 50000"/>
               </a:avLst>
             </a:prstGeom>
             <a:solidFill>
@@ -4966,12 +4992,12 @@
             </a:ln>
           </p:spPr>
           <p:txBody>
-            <a:bodyPr anchorCtr="0" anchor="ctr" bIns="91425" lIns="91425" spcFirstLastPara="1" rIns="91425" wrap="square" tIns="91425">
+            <a:bodyPr spcFirstLastPara="1" wrap="square" lIns="91425" tIns="91425" rIns="91425" bIns="91425" anchor="ctr" anchorCtr="0">
               <a:noAutofit/>
             </a:bodyPr>
             <a:lstStyle/>
             <a:p>
-              <a:pPr indent="0" lvl="0" marL="0" rtl="0" algn="l">
+              <a:pPr marL="0" lvl="0" indent="0" algn="l" rtl="0">
                 <a:spcBef>
                   <a:spcPts val="0"/>
                 </a:spcBef>
@@ -4980,9 +5006,6 @@
                 </a:spcAft>
                 <a:buNone/>
               </a:pPr>
-              <a:r>
-                <a:t/>
-              </a:r>
               <a:endParaRPr/>
             </a:p>
           </p:txBody>
@@ -5000,7 +5023,7 @@
             </a:xfrm>
             <a:prstGeom prst="diagStripe">
               <a:avLst>
-                <a:gd fmla="val 50000" name="adj"/>
+                <a:gd name="adj" fmla="val 50000"/>
               </a:avLst>
             </a:prstGeom>
             <a:solidFill>
@@ -5013,12 +5036,12 @@
             </a:ln>
           </p:spPr>
           <p:txBody>
-            <a:bodyPr anchorCtr="0" anchor="ctr" bIns="91425" lIns="91425" spcFirstLastPara="1" rIns="91425" wrap="square" tIns="91425">
+            <a:bodyPr spcFirstLastPara="1" wrap="square" lIns="91425" tIns="91425" rIns="91425" bIns="91425" anchor="ctr" anchorCtr="0">
               <a:noAutofit/>
             </a:bodyPr>
             <a:lstStyle/>
             <a:p>
-              <a:pPr indent="0" lvl="0" marL="0" rtl="0" algn="l">
+              <a:pPr marL="0" lvl="0" indent="0" algn="l" rtl="0">
                 <a:spcBef>
                   <a:spcPts val="0"/>
                 </a:spcBef>
@@ -5027,9 +5050,6 @@
                 </a:spcAft>
                 <a:buNone/>
               </a:pPr>
-              <a:r>
-                <a:t/>
-              </a:r>
               <a:endParaRPr/>
             </a:p>
           </p:txBody>
@@ -5047,7 +5067,7 @@
             </a:xfrm>
             <a:prstGeom prst="diagStripe">
               <a:avLst>
-                <a:gd fmla="val 50000" name="adj"/>
+                <a:gd name="adj" fmla="val 50000"/>
               </a:avLst>
             </a:prstGeom>
             <a:solidFill>
@@ -5060,12 +5080,12 @@
             </a:ln>
           </p:spPr>
           <p:txBody>
-            <a:bodyPr anchorCtr="0" anchor="ctr" bIns="91425" lIns="91425" spcFirstLastPara="1" rIns="91425" wrap="square" tIns="91425">
+            <a:bodyPr spcFirstLastPara="1" wrap="square" lIns="91425" tIns="91425" rIns="91425" bIns="91425" anchor="ctr" anchorCtr="0">
               <a:noAutofit/>
             </a:bodyPr>
             <a:lstStyle/>
             <a:p>
-              <a:pPr indent="0" lvl="0" marL="0" rtl="0" algn="l">
+              <a:pPr marL="0" lvl="0" indent="0" algn="l" rtl="0">
                 <a:spcBef>
                   <a:spcPts val="0"/>
                 </a:spcBef>
@@ -5074,9 +5094,6 @@
                 </a:spcAft>
                 <a:buNone/>
               </a:pPr>
-              <a:r>
-                <a:t/>
-              </a:r>
               <a:endParaRPr/>
             </a:p>
           </p:txBody>
@@ -5094,7 +5111,7 @@
             </a:xfrm>
             <a:prstGeom prst="diagStripe">
               <a:avLst>
-                <a:gd fmla="val 50000" name="adj"/>
+                <a:gd name="adj" fmla="val 50000"/>
               </a:avLst>
             </a:prstGeom>
             <a:solidFill>
@@ -5105,12 +5122,12 @@
             </a:ln>
           </p:spPr>
           <p:txBody>
-            <a:bodyPr anchorCtr="0" anchor="ctr" bIns="91425" lIns="91425" spcFirstLastPara="1" rIns="91425" wrap="square" tIns="91425">
+            <a:bodyPr spcFirstLastPara="1" wrap="square" lIns="91425" tIns="91425" rIns="91425" bIns="91425" anchor="ctr" anchorCtr="0">
               <a:noAutofit/>
             </a:bodyPr>
             <a:lstStyle/>
             <a:p>
-              <a:pPr indent="0" lvl="0" marL="0" rtl="0" algn="l">
+              <a:pPr marL="0" lvl="0" indent="0" algn="l" rtl="0">
                 <a:spcBef>
                   <a:spcPts val="0"/>
                 </a:spcBef>
@@ -5119,9 +5136,6 @@
                 </a:spcAft>
                 <a:buNone/>
               </a:pPr>
-              <a:r>
-                <a:t/>
-              </a:r>
               <a:endParaRPr/>
             </a:p>
           </p:txBody>
@@ -5139,7 +5153,7 @@
             </a:xfrm>
             <a:prstGeom prst="diagStripe">
               <a:avLst>
-                <a:gd fmla="val 50000" name="adj"/>
+                <a:gd name="adj" fmla="val 50000"/>
               </a:avLst>
             </a:prstGeom>
             <a:solidFill>
@@ -5152,12 +5166,12 @@
             </a:ln>
           </p:spPr>
           <p:txBody>
-            <a:bodyPr anchorCtr="0" anchor="ctr" bIns="91425" lIns="91425" spcFirstLastPara="1" rIns="91425" wrap="square" tIns="91425">
+            <a:bodyPr spcFirstLastPara="1" wrap="square" lIns="91425" tIns="91425" rIns="91425" bIns="91425" anchor="ctr" anchorCtr="0">
               <a:noAutofit/>
             </a:bodyPr>
             <a:lstStyle/>
             <a:p>
-              <a:pPr indent="0" lvl="0" marL="0" rtl="0" algn="l">
+              <a:pPr marL="0" lvl="0" indent="0" algn="l" rtl="0">
                 <a:spcBef>
                   <a:spcPts val="0"/>
                 </a:spcBef>
@@ -5166,9 +5180,6 @@
                 </a:spcAft>
                 <a:buNone/>
               </a:pPr>
-              <a:r>
-                <a:t/>
-              </a:r>
               <a:endParaRPr/>
             </a:p>
           </p:txBody>
@@ -5186,7 +5197,7 @@
             </a:xfrm>
             <a:prstGeom prst="diagStripe">
               <a:avLst>
-                <a:gd fmla="val 50000" name="adj"/>
+                <a:gd name="adj" fmla="val 50000"/>
               </a:avLst>
             </a:prstGeom>
             <a:solidFill>
@@ -5199,12 +5210,12 @@
             </a:ln>
           </p:spPr>
           <p:txBody>
-            <a:bodyPr anchorCtr="0" anchor="ctr" bIns="91425" lIns="91425" spcFirstLastPara="1" rIns="91425" wrap="square" tIns="91425">
+            <a:bodyPr spcFirstLastPara="1" wrap="square" lIns="91425" tIns="91425" rIns="91425" bIns="91425" anchor="ctr" anchorCtr="0">
               <a:noAutofit/>
             </a:bodyPr>
             <a:lstStyle/>
             <a:p>
-              <a:pPr indent="0" lvl="0" marL="0" rtl="0" algn="l">
+              <a:pPr marL="0" lvl="0" indent="0" algn="l" rtl="0">
                 <a:spcBef>
                   <a:spcPts val="0"/>
                 </a:spcBef>
@@ -5213,9 +5224,6 @@
                 </a:spcAft>
                 <a:buNone/>
               </a:pPr>
-              <a:r>
-                <a:t/>
-              </a:r>
               <a:endParaRPr/>
             </a:p>
           </p:txBody>
@@ -5233,7 +5241,7 @@
             </a:xfrm>
             <a:prstGeom prst="diagStripe">
               <a:avLst>
-                <a:gd fmla="val 50000" name="adj"/>
+                <a:gd name="adj" fmla="val 50000"/>
               </a:avLst>
             </a:prstGeom>
             <a:solidFill>
@@ -5246,12 +5254,12 @@
             </a:ln>
           </p:spPr>
           <p:txBody>
-            <a:bodyPr anchorCtr="0" anchor="ctr" bIns="91425" lIns="91425" spcFirstLastPara="1" rIns="91425" wrap="square" tIns="91425">
+            <a:bodyPr spcFirstLastPara="1" wrap="square" lIns="91425" tIns="91425" rIns="91425" bIns="91425" anchor="ctr" anchorCtr="0">
               <a:noAutofit/>
             </a:bodyPr>
             <a:lstStyle/>
             <a:p>
-              <a:pPr indent="0" lvl="0" marL="0" rtl="0" algn="l">
+              <a:pPr marL="0" lvl="0" indent="0" algn="l" rtl="0">
                 <a:spcBef>
                   <a:spcPts val="0"/>
                 </a:spcBef>
@@ -5260,9 +5268,6 @@
                 </a:spcAft>
                 <a:buNone/>
               </a:pPr>
-              <a:r>
-                <a:t/>
-              </a:r>
               <a:endParaRPr/>
             </a:p>
           </p:txBody>
@@ -5280,7 +5285,7 @@
             </a:xfrm>
             <a:prstGeom prst="diagStripe">
               <a:avLst>
-                <a:gd fmla="val 50000" name="adj"/>
+                <a:gd name="adj" fmla="val 50000"/>
               </a:avLst>
             </a:prstGeom>
             <a:solidFill>
@@ -5293,12 +5298,12 @@
             </a:ln>
           </p:spPr>
           <p:txBody>
-            <a:bodyPr anchorCtr="0" anchor="ctr" bIns="91425" lIns="91425" spcFirstLastPara="1" rIns="91425" wrap="square" tIns="91425">
+            <a:bodyPr spcFirstLastPara="1" wrap="square" lIns="91425" tIns="91425" rIns="91425" bIns="91425" anchor="ctr" anchorCtr="0">
               <a:noAutofit/>
             </a:bodyPr>
             <a:lstStyle/>
             <a:p>
-              <a:pPr indent="0" lvl="0" marL="0" rtl="0" algn="l">
+              <a:pPr marL="0" lvl="0" indent="0" algn="l" rtl="0">
                 <a:spcBef>
                   <a:spcPts val="0"/>
                 </a:spcBef>
@@ -5307,9 +5312,6 @@
                 </a:spcAft>
                 <a:buNone/>
               </a:pPr>
-              <a:r>
-                <a:t/>
-              </a:r>
               <a:endParaRPr/>
             </a:p>
           </p:txBody>
@@ -5318,7 +5320,9 @@
       <p:sp>
         <p:nvSpPr>
           <p:cNvPr id="39" name="Google Shape;39;p3"/>
-          <p:cNvSpPr txBox="1"/>
+          <p:cNvSpPr txBox="1">
+            <a:spLocks noGrp="1"/>
+          </p:cNvSpPr>
           <p:nvPr>
             <p:ph type="title"/>
           </p:nvPr>
@@ -5333,7 +5337,7 @@
           </a:prstGeom>
         </p:spPr>
         <p:txBody>
-          <a:bodyPr anchorCtr="0" anchor="ctr" bIns="91425" lIns="91425" spcFirstLastPara="1" rIns="91425" wrap="square" tIns="91425">
+          <a:bodyPr spcFirstLastPara="1" wrap="square" lIns="91425" tIns="91425" rIns="91425" bIns="91425" anchor="ctr" anchorCtr="0">
             <a:normAutofit/>
           </a:bodyPr>
           <a:lstStyle>
@@ -5437,15 +5441,19 @@
               <a:defRPr/>
             </a:lvl9pPr>
           </a:lstStyle>
-          <a:p/>
+          <a:p>
+            <a:endParaRPr/>
+          </a:p>
         </p:txBody>
       </p:sp>
       <p:sp>
         <p:nvSpPr>
           <p:cNvPr id="40" name="Google Shape;40;p3"/>
-          <p:cNvSpPr txBox="1"/>
+          <p:cNvSpPr txBox="1">
+            <a:spLocks noGrp="1"/>
+          </p:cNvSpPr>
           <p:nvPr>
-            <p:ph idx="12" type="sldNum"/>
+            <p:ph type="sldNum" idx="12"/>
           </p:nvPr>
         </p:nvSpPr>
         <p:spPr>
@@ -5458,7 +5466,7 @@
           </a:prstGeom>
         </p:spPr>
         <p:txBody>
-          <a:bodyPr anchorCtr="0" anchor="ctr" bIns="91425" lIns="91425" spcFirstLastPara="1" rIns="91425" wrap="square" tIns="91425">
+          <a:bodyPr spcFirstLastPara="1" wrap="square" lIns="91425" tIns="91425" rIns="91425" bIns="91425" anchor="ctr" anchorCtr="0">
             <a:normAutofit/>
           </a:bodyPr>
           <a:lstStyle>
@@ -5500,7 +5508,7 @@
             </a:lvl9pPr>
           </a:lstStyle>
           <a:p>
-            <a:pPr indent="0" lvl="0" marL="0" rtl="0" algn="r">
+            <a:pPr marL="0" lvl="0" indent="0" algn="r" rtl="0">
               <a:spcBef>
                 <a:spcPts val="0"/>
               </a:spcBef>
@@ -5526,11 +5534,11 @@
 </file>
 
 <file path=ppt/slideLayouts/slideLayout3.xml><?xml version="1.0" encoding="utf-8"?>
-<p:sldLayout xmlns:a="http://schemas.openxmlformats.org/drawingml/2006/main" xmlns:r="http://schemas.openxmlformats.org/officeDocument/2006/relationships" xmlns:mc="http://schemas.openxmlformats.org/markup-compatibility/2006" xmlns:mv="urn:schemas-microsoft-com:mac:vml" xmlns:p="http://schemas.openxmlformats.org/presentationml/2006/main" xmlns:c="http://schemas.openxmlformats.org/drawingml/2006/chart" xmlns:dgm="http://schemas.openxmlformats.org/drawingml/2006/diagram" xmlns:o="urn:schemas-microsoft-com:office:office" xmlns:v="urn:schemas-microsoft-com:vml" xmlns:pvml="urn:schemas-microsoft-com:office:powerpoint" xmlns:com="http://schemas.openxmlformats.org/drawingml/2006/compatibility" xmlns:p14="http://schemas.microsoft.com/office/powerpoint/2010/main" xmlns:p15="http://schemas.microsoft.com/office/powerpoint/2012/main" xmlns:ahyp="http://schemas.microsoft.com/office/drawing/2018/hyperlinkcolor" matchingName="Title and body" type="tx">
+<p:sldLayout xmlns:a="http://schemas.openxmlformats.org/drawingml/2006/main" xmlns:r="http://schemas.openxmlformats.org/officeDocument/2006/relationships" xmlns:p="http://schemas.openxmlformats.org/presentationml/2006/main" matchingName="Title and body" type="tx">
   <p:cSld name="TITLE_AND_BODY">
     <p:spTree>
       <p:nvGrpSpPr>
-        <p:cNvPr id="41" name="Shape 41"/>
+        <p:cNvPr id="1" name="Shape 41"/>
         <p:cNvGrpSpPr/>
         <p:nvPr/>
       </p:nvGrpSpPr>
@@ -5569,7 +5577,7 @@
             </a:xfrm>
             <a:prstGeom prst="diagStripe">
               <a:avLst>
-                <a:gd fmla="val 50000" name="adj"/>
+                <a:gd name="adj" fmla="val 50000"/>
               </a:avLst>
             </a:prstGeom>
             <a:solidFill>
@@ -5580,12 +5588,12 @@
             </a:ln>
           </p:spPr>
           <p:txBody>
-            <a:bodyPr anchorCtr="0" anchor="ctr" bIns="91425" lIns="91425" spcFirstLastPara="1" rIns="91425" wrap="square" tIns="91425">
+            <a:bodyPr spcFirstLastPara="1" wrap="square" lIns="91425" tIns="91425" rIns="91425" bIns="91425" anchor="ctr" anchorCtr="0">
               <a:noAutofit/>
             </a:bodyPr>
             <a:lstStyle/>
             <a:p>
-              <a:pPr indent="0" lvl="0" marL="0" rtl="0" algn="l">
+              <a:pPr marL="0" lvl="0" indent="0" algn="l" rtl="0">
                 <a:spcBef>
                   <a:spcPts val="0"/>
                 </a:spcBef>
@@ -5594,9 +5602,6 @@
                 </a:spcAft>
                 <a:buNone/>
               </a:pPr>
-              <a:r>
-                <a:t/>
-              </a:r>
               <a:endParaRPr/>
             </a:p>
           </p:txBody>
@@ -5614,7 +5619,7 @@
             </a:xfrm>
             <a:prstGeom prst="diagStripe">
               <a:avLst>
-                <a:gd fmla="val 50000" name="adj"/>
+                <a:gd name="adj" fmla="val 50000"/>
               </a:avLst>
             </a:prstGeom>
             <a:solidFill>
@@ -5625,12 +5630,12 @@
             </a:ln>
           </p:spPr>
           <p:txBody>
-            <a:bodyPr anchorCtr="0" anchor="ctr" bIns="91425" lIns="91425" spcFirstLastPara="1" rIns="91425" wrap="square" tIns="91425">
+            <a:bodyPr spcFirstLastPara="1" wrap="square" lIns="91425" tIns="91425" rIns="91425" bIns="91425" anchor="ctr" anchorCtr="0">
               <a:noAutofit/>
             </a:bodyPr>
             <a:lstStyle/>
             <a:p>
-              <a:pPr indent="0" lvl="0" marL="0" rtl="0" algn="l">
+              <a:pPr marL="0" lvl="0" indent="0" algn="l" rtl="0">
                 <a:spcBef>
                   <a:spcPts val="0"/>
                 </a:spcBef>
@@ -5639,9 +5644,6 @@
                 </a:spcAft>
                 <a:buNone/>
               </a:pPr>
-              <a:r>
-                <a:t/>
-              </a:r>
               <a:endParaRPr/>
             </a:p>
           </p:txBody>
@@ -5650,7 +5652,9 @@
       <p:sp>
         <p:nvSpPr>
           <p:cNvPr id="45" name="Google Shape;45;p4"/>
-          <p:cNvSpPr txBox="1"/>
+          <p:cNvSpPr txBox="1">
+            <a:spLocks noGrp="1"/>
+          </p:cNvSpPr>
           <p:nvPr>
             <p:ph type="title"/>
           </p:nvPr>
@@ -5665,7 +5669,7 @@
           </a:prstGeom>
         </p:spPr>
         <p:txBody>
-          <a:bodyPr anchorCtr="0" anchor="t" bIns="91425" lIns="91425" spcFirstLastPara="1" rIns="91425" wrap="square" tIns="91425">
+          <a:bodyPr spcFirstLastPara="1" wrap="square" lIns="91425" tIns="91425" rIns="91425" bIns="91425" anchor="t" anchorCtr="0">
             <a:normAutofit/>
           </a:bodyPr>
           <a:lstStyle>
@@ -5769,15 +5773,19 @@
               <a:defRPr sz="2400"/>
             </a:lvl9pPr>
           </a:lstStyle>
-          <a:p/>
+          <a:p>
+            <a:endParaRPr/>
+          </a:p>
         </p:txBody>
       </p:sp>
       <p:sp>
         <p:nvSpPr>
           <p:cNvPr id="46" name="Google Shape;46;p4"/>
-          <p:cNvSpPr txBox="1"/>
+          <p:cNvSpPr txBox="1">
+            <a:spLocks noGrp="1"/>
+          </p:cNvSpPr>
           <p:nvPr>
-            <p:ph idx="1" type="body"/>
+            <p:ph type="body" idx="1"/>
           </p:nvPr>
         </p:nvSpPr>
         <p:spPr>
@@ -5790,11 +5798,11 @@
           </a:prstGeom>
         </p:spPr>
         <p:txBody>
-          <a:bodyPr anchorCtr="0" anchor="t" bIns="91425" lIns="91425" spcFirstLastPara="1" rIns="91425" wrap="square" tIns="91425">
+          <a:bodyPr spcFirstLastPara="1" wrap="square" lIns="91425" tIns="91425" rIns="91425" bIns="91425" anchor="t" anchorCtr="0">
             <a:normAutofit/>
           </a:bodyPr>
           <a:lstStyle>
-            <a:lvl1pPr indent="-311150" lvl="0" marL="457200">
+            <a:lvl1pPr marL="457200" lvl="0" indent="-311150">
               <a:spcBef>
                 <a:spcPts val="0"/>
               </a:spcBef>
@@ -5805,7 +5813,7 @@
               <a:buChar char="●"/>
               <a:defRPr/>
             </a:lvl1pPr>
-            <a:lvl2pPr indent="-298450" lvl="1" marL="914400">
+            <a:lvl2pPr marL="914400" lvl="1" indent="-298450">
               <a:spcBef>
                 <a:spcPts val="0"/>
               </a:spcBef>
@@ -5816,7 +5824,7 @@
               <a:buChar char="○"/>
               <a:defRPr/>
             </a:lvl2pPr>
-            <a:lvl3pPr indent="-298450" lvl="2" marL="1371600">
+            <a:lvl3pPr marL="1371600" lvl="2" indent="-298450">
               <a:spcBef>
                 <a:spcPts val="0"/>
               </a:spcBef>
@@ -5827,7 +5835,7 @@
               <a:buChar char="■"/>
               <a:defRPr/>
             </a:lvl3pPr>
-            <a:lvl4pPr indent="-298450" lvl="3" marL="1828800">
+            <a:lvl4pPr marL="1828800" lvl="3" indent="-298450">
               <a:spcBef>
                 <a:spcPts val="0"/>
               </a:spcBef>
@@ -5838,7 +5846,7 @@
               <a:buChar char="●"/>
               <a:defRPr/>
             </a:lvl4pPr>
-            <a:lvl5pPr indent="-298450" lvl="4" marL="2286000">
+            <a:lvl5pPr marL="2286000" lvl="4" indent="-298450">
               <a:spcBef>
                 <a:spcPts val="0"/>
               </a:spcBef>
@@ -5849,7 +5857,7 @@
               <a:buChar char="○"/>
               <a:defRPr/>
             </a:lvl5pPr>
-            <a:lvl6pPr indent="-298450" lvl="5" marL="2743200">
+            <a:lvl6pPr marL="2743200" lvl="5" indent="-298450">
               <a:spcBef>
                 <a:spcPts val="0"/>
               </a:spcBef>
@@ -5860,7 +5868,7 @@
               <a:buChar char="■"/>
               <a:defRPr/>
             </a:lvl6pPr>
-            <a:lvl7pPr indent="-298450" lvl="6" marL="3200400">
+            <a:lvl7pPr marL="3200400" lvl="6" indent="-298450">
               <a:spcBef>
                 <a:spcPts val="0"/>
               </a:spcBef>
@@ -5871,7 +5879,7 @@
               <a:buChar char="●"/>
               <a:defRPr/>
             </a:lvl7pPr>
-            <a:lvl8pPr indent="-298450" lvl="7" marL="3657600">
+            <a:lvl8pPr marL="3657600" lvl="7" indent="-298450">
               <a:spcBef>
                 <a:spcPts val="0"/>
               </a:spcBef>
@@ -5882,7 +5890,7 @@
               <a:buChar char="○"/>
               <a:defRPr/>
             </a:lvl8pPr>
-            <a:lvl9pPr indent="-298450" lvl="8" marL="4114800">
+            <a:lvl9pPr marL="4114800" lvl="8" indent="-298450">
               <a:spcBef>
                 <a:spcPts val="0"/>
               </a:spcBef>
@@ -5894,15 +5902,19 @@
               <a:defRPr/>
             </a:lvl9pPr>
           </a:lstStyle>
-          <a:p/>
+          <a:p>
+            <a:endParaRPr/>
+          </a:p>
         </p:txBody>
       </p:sp>
       <p:sp>
         <p:nvSpPr>
           <p:cNvPr id="47" name="Google Shape;47;p4"/>
-          <p:cNvSpPr txBox="1"/>
+          <p:cNvSpPr txBox="1">
+            <a:spLocks noGrp="1"/>
+          </p:cNvSpPr>
           <p:nvPr>
-            <p:ph idx="12" type="sldNum"/>
+            <p:ph type="sldNum" idx="12"/>
           </p:nvPr>
         </p:nvSpPr>
         <p:spPr>
@@ -5915,7 +5927,7 @@
           </a:prstGeom>
         </p:spPr>
         <p:txBody>
-          <a:bodyPr anchorCtr="0" anchor="ctr" bIns="91425" lIns="91425" spcFirstLastPara="1" rIns="91425" wrap="square" tIns="91425">
+          <a:bodyPr spcFirstLastPara="1" wrap="square" lIns="91425" tIns="91425" rIns="91425" bIns="91425" anchor="ctr" anchorCtr="0">
             <a:normAutofit/>
           </a:bodyPr>
           <a:lstStyle>
@@ -5957,7 +5969,7 @@
             </a:lvl9pPr>
           </a:lstStyle>
           <a:p>
-            <a:pPr indent="0" lvl="0" marL="0" rtl="0" algn="r">
+            <a:pPr marL="0" lvl="0" indent="0" algn="r" rtl="0">
               <a:spcBef>
                 <a:spcPts val="0"/>
               </a:spcBef>
@@ -5983,11 +5995,11 @@
 </file>
 
 <file path=ppt/slideLayouts/slideLayout4.xml><?xml version="1.0" encoding="utf-8"?>
-<p:sldLayout xmlns:a="http://schemas.openxmlformats.org/drawingml/2006/main" xmlns:r="http://schemas.openxmlformats.org/officeDocument/2006/relationships" xmlns:mc="http://schemas.openxmlformats.org/markup-compatibility/2006" xmlns:mv="urn:schemas-microsoft-com:mac:vml" xmlns:p="http://schemas.openxmlformats.org/presentationml/2006/main" xmlns:c="http://schemas.openxmlformats.org/drawingml/2006/chart" xmlns:dgm="http://schemas.openxmlformats.org/drawingml/2006/diagram" xmlns:o="urn:schemas-microsoft-com:office:office" xmlns:v="urn:schemas-microsoft-com:vml" xmlns:pvml="urn:schemas-microsoft-com:office:powerpoint" xmlns:com="http://schemas.openxmlformats.org/drawingml/2006/compatibility" xmlns:p14="http://schemas.microsoft.com/office/powerpoint/2010/main" xmlns:p15="http://schemas.microsoft.com/office/powerpoint/2012/main" xmlns:ahyp="http://schemas.microsoft.com/office/drawing/2018/hyperlinkcolor" matchingName="Title and two columns" type="twoColTx">
+<p:sldLayout xmlns:a="http://schemas.openxmlformats.org/drawingml/2006/main" xmlns:r="http://schemas.openxmlformats.org/officeDocument/2006/relationships" xmlns:p="http://schemas.openxmlformats.org/presentationml/2006/main" matchingName="Title and two columns" type="twoColTx">
   <p:cSld name="TITLE_AND_TWO_COLUMNS">
     <p:spTree>
       <p:nvGrpSpPr>
-        <p:cNvPr id="48" name="Shape 48"/>
+        <p:cNvPr id="1" name="Shape 48"/>
         <p:cNvGrpSpPr/>
         <p:nvPr/>
       </p:nvGrpSpPr>
@@ -6026,7 +6038,7 @@
             </a:xfrm>
             <a:prstGeom prst="diagStripe">
               <a:avLst>
-                <a:gd fmla="val 50000" name="adj"/>
+                <a:gd name="adj" fmla="val 50000"/>
               </a:avLst>
             </a:prstGeom>
             <a:solidFill>
@@ -6037,12 +6049,12 @@
             </a:ln>
           </p:spPr>
           <p:txBody>
-            <a:bodyPr anchorCtr="0" anchor="ctr" bIns="91425" lIns="91425" spcFirstLastPara="1" rIns="91425" wrap="square" tIns="91425">
+            <a:bodyPr spcFirstLastPara="1" wrap="square" lIns="91425" tIns="91425" rIns="91425" bIns="91425" anchor="ctr" anchorCtr="0">
               <a:noAutofit/>
             </a:bodyPr>
             <a:lstStyle/>
             <a:p>
-              <a:pPr indent="0" lvl="0" marL="0" rtl="0" algn="l">
+              <a:pPr marL="0" lvl="0" indent="0" algn="l" rtl="0">
                 <a:spcBef>
                   <a:spcPts val="0"/>
                 </a:spcBef>
@@ -6051,9 +6063,6 @@
                 </a:spcAft>
                 <a:buNone/>
               </a:pPr>
-              <a:r>
-                <a:t/>
-              </a:r>
               <a:endParaRPr/>
             </a:p>
           </p:txBody>
@@ -6071,7 +6080,7 @@
             </a:xfrm>
             <a:prstGeom prst="diagStripe">
               <a:avLst>
-                <a:gd fmla="val 50000" name="adj"/>
+                <a:gd name="adj" fmla="val 50000"/>
               </a:avLst>
             </a:prstGeom>
             <a:solidFill>
@@ -6082,12 +6091,12 @@
             </a:ln>
           </p:spPr>
           <p:txBody>
-            <a:bodyPr anchorCtr="0" anchor="ctr" bIns="91425" lIns="91425" spcFirstLastPara="1" rIns="91425" wrap="square" tIns="91425">
+            <a:bodyPr spcFirstLastPara="1" wrap="square" lIns="91425" tIns="91425" rIns="91425" bIns="91425" anchor="ctr" anchorCtr="0">
               <a:noAutofit/>
             </a:bodyPr>
             <a:lstStyle/>
             <a:p>
-              <a:pPr indent="0" lvl="0" marL="0" rtl="0" algn="l">
+              <a:pPr marL="0" lvl="0" indent="0" algn="l" rtl="0">
                 <a:spcBef>
                   <a:spcPts val="0"/>
                 </a:spcBef>
@@ -6096,9 +6105,6 @@
                 </a:spcAft>
                 <a:buNone/>
               </a:pPr>
-              <a:r>
-                <a:t/>
-              </a:r>
               <a:endParaRPr/>
             </a:p>
           </p:txBody>
@@ -6107,7 +6113,9 @@
       <p:sp>
         <p:nvSpPr>
           <p:cNvPr id="52" name="Google Shape;52;p5"/>
-          <p:cNvSpPr txBox="1"/>
+          <p:cNvSpPr txBox="1">
+            <a:spLocks noGrp="1"/>
+          </p:cNvSpPr>
           <p:nvPr>
             <p:ph type="title"/>
           </p:nvPr>
@@ -6122,7 +6130,7 @@
           </a:prstGeom>
         </p:spPr>
         <p:txBody>
-          <a:bodyPr anchorCtr="0" anchor="t" bIns="91425" lIns="91425" spcFirstLastPara="1" rIns="91425" wrap="square" tIns="91425">
+          <a:bodyPr spcFirstLastPara="1" wrap="square" lIns="91425" tIns="91425" rIns="91425" bIns="91425" anchor="t" anchorCtr="0">
             <a:normAutofit/>
           </a:bodyPr>
           <a:lstStyle>
@@ -6226,15 +6234,19 @@
               <a:defRPr sz="2400"/>
             </a:lvl9pPr>
           </a:lstStyle>
-          <a:p/>
+          <a:p>
+            <a:endParaRPr/>
+          </a:p>
         </p:txBody>
       </p:sp>
       <p:sp>
         <p:nvSpPr>
           <p:cNvPr id="53" name="Google Shape;53;p5"/>
-          <p:cNvSpPr txBox="1"/>
+          <p:cNvSpPr txBox="1">
+            <a:spLocks noGrp="1"/>
+          </p:cNvSpPr>
           <p:nvPr>
-            <p:ph idx="1" type="body"/>
+            <p:ph type="body" idx="1"/>
           </p:nvPr>
         </p:nvSpPr>
         <p:spPr>
@@ -6247,11 +6259,11 @@
           </a:prstGeom>
         </p:spPr>
         <p:txBody>
-          <a:bodyPr anchorCtr="0" anchor="t" bIns="91425" lIns="91425" spcFirstLastPara="1" rIns="91425" wrap="square" tIns="91425">
+          <a:bodyPr spcFirstLastPara="1" wrap="square" lIns="91425" tIns="91425" rIns="91425" bIns="91425" anchor="t" anchorCtr="0">
             <a:normAutofit/>
           </a:bodyPr>
           <a:lstStyle>
-            <a:lvl1pPr indent="-311150" lvl="0" marL="457200">
+            <a:lvl1pPr marL="457200" lvl="0" indent="-311150">
               <a:spcBef>
                 <a:spcPts val="0"/>
               </a:spcBef>
@@ -6262,7 +6274,7 @@
               <a:buChar char="●"/>
               <a:defRPr/>
             </a:lvl1pPr>
-            <a:lvl2pPr indent="-298450" lvl="1" marL="914400">
+            <a:lvl2pPr marL="914400" lvl="1" indent="-298450">
               <a:spcBef>
                 <a:spcPts val="0"/>
               </a:spcBef>
@@ -6273,7 +6285,7 @@
               <a:buChar char="○"/>
               <a:defRPr/>
             </a:lvl2pPr>
-            <a:lvl3pPr indent="-298450" lvl="2" marL="1371600">
+            <a:lvl3pPr marL="1371600" lvl="2" indent="-298450">
               <a:spcBef>
                 <a:spcPts val="0"/>
               </a:spcBef>
@@ -6284,7 +6296,7 @@
               <a:buChar char="■"/>
               <a:defRPr/>
             </a:lvl3pPr>
-            <a:lvl4pPr indent="-298450" lvl="3" marL="1828800">
+            <a:lvl4pPr marL="1828800" lvl="3" indent="-298450">
               <a:spcBef>
                 <a:spcPts val="0"/>
               </a:spcBef>
@@ -6295,7 +6307,7 @@
               <a:buChar char="●"/>
               <a:defRPr/>
             </a:lvl4pPr>
-            <a:lvl5pPr indent="-298450" lvl="4" marL="2286000">
+            <a:lvl5pPr marL="2286000" lvl="4" indent="-298450">
               <a:spcBef>
                 <a:spcPts val="0"/>
               </a:spcBef>
@@ -6306,7 +6318,7 @@
               <a:buChar char="○"/>
               <a:defRPr/>
             </a:lvl5pPr>
-            <a:lvl6pPr indent="-298450" lvl="5" marL="2743200">
+            <a:lvl6pPr marL="2743200" lvl="5" indent="-298450">
               <a:spcBef>
                 <a:spcPts val="0"/>
               </a:spcBef>
@@ -6317,7 +6329,7 @@
               <a:buChar char="■"/>
               <a:defRPr/>
             </a:lvl6pPr>
-            <a:lvl7pPr indent="-298450" lvl="6" marL="3200400">
+            <a:lvl7pPr marL="3200400" lvl="6" indent="-298450">
               <a:spcBef>
                 <a:spcPts val="0"/>
               </a:spcBef>
@@ -6328,7 +6340,7 @@
               <a:buChar char="●"/>
               <a:defRPr/>
             </a:lvl7pPr>
-            <a:lvl8pPr indent="-298450" lvl="7" marL="3657600">
+            <a:lvl8pPr marL="3657600" lvl="7" indent="-298450">
               <a:spcBef>
                 <a:spcPts val="0"/>
               </a:spcBef>
@@ -6339,7 +6351,7 @@
               <a:buChar char="○"/>
               <a:defRPr/>
             </a:lvl8pPr>
-            <a:lvl9pPr indent="-298450" lvl="8" marL="4114800">
+            <a:lvl9pPr marL="4114800" lvl="8" indent="-298450">
               <a:spcBef>
                 <a:spcPts val="0"/>
               </a:spcBef>
@@ -6351,15 +6363,19 @@
               <a:defRPr/>
             </a:lvl9pPr>
           </a:lstStyle>
-          <a:p/>
+          <a:p>
+            <a:endParaRPr/>
+          </a:p>
         </p:txBody>
       </p:sp>
       <p:sp>
         <p:nvSpPr>
           <p:cNvPr id="54" name="Google Shape;54;p5"/>
-          <p:cNvSpPr txBox="1"/>
+          <p:cNvSpPr txBox="1">
+            <a:spLocks noGrp="1"/>
+          </p:cNvSpPr>
           <p:nvPr>
-            <p:ph idx="2" type="body"/>
+            <p:ph type="body" idx="2"/>
           </p:nvPr>
         </p:nvSpPr>
         <p:spPr>
@@ -6372,11 +6388,11 @@
           </a:prstGeom>
         </p:spPr>
         <p:txBody>
-          <a:bodyPr anchorCtr="0" anchor="t" bIns="91425" lIns="91425" spcFirstLastPara="1" rIns="91425" wrap="square" tIns="91425">
+          <a:bodyPr spcFirstLastPara="1" wrap="square" lIns="91425" tIns="91425" rIns="91425" bIns="91425" anchor="t" anchorCtr="0">
             <a:normAutofit/>
           </a:bodyPr>
           <a:lstStyle>
-            <a:lvl1pPr indent="-311150" lvl="0" marL="457200">
+            <a:lvl1pPr marL="457200" lvl="0" indent="-311150">
               <a:spcBef>
                 <a:spcPts val="0"/>
               </a:spcBef>
@@ -6387,7 +6403,7 @@
               <a:buChar char="●"/>
               <a:defRPr/>
             </a:lvl1pPr>
-            <a:lvl2pPr indent="-298450" lvl="1" marL="914400">
+            <a:lvl2pPr marL="914400" lvl="1" indent="-298450">
               <a:spcBef>
                 <a:spcPts val="0"/>
               </a:spcBef>
@@ -6398,7 +6414,7 @@
               <a:buChar char="○"/>
               <a:defRPr/>
             </a:lvl2pPr>
-            <a:lvl3pPr indent="-298450" lvl="2" marL="1371600">
+            <a:lvl3pPr marL="1371600" lvl="2" indent="-298450">
               <a:spcBef>
                 <a:spcPts val="0"/>
               </a:spcBef>
@@ -6409,7 +6425,7 @@
               <a:buChar char="■"/>
               <a:defRPr/>
             </a:lvl3pPr>
-            <a:lvl4pPr indent="-298450" lvl="3" marL="1828800">
+            <a:lvl4pPr marL="1828800" lvl="3" indent="-298450">
               <a:spcBef>
                 <a:spcPts val="0"/>
               </a:spcBef>
@@ -6420,7 +6436,7 @@
               <a:buChar char="●"/>
               <a:defRPr/>
             </a:lvl4pPr>
-            <a:lvl5pPr indent="-298450" lvl="4" marL="2286000">
+            <a:lvl5pPr marL="2286000" lvl="4" indent="-298450">
               <a:spcBef>
                 <a:spcPts val="0"/>
               </a:spcBef>
@@ -6431,7 +6447,7 @@
               <a:buChar char="○"/>
               <a:defRPr/>
             </a:lvl5pPr>
-            <a:lvl6pPr indent="-298450" lvl="5" marL="2743200">
+            <a:lvl6pPr marL="2743200" lvl="5" indent="-298450">
               <a:spcBef>
                 <a:spcPts val="0"/>
               </a:spcBef>
@@ -6442,7 +6458,7 @@
               <a:buChar char="■"/>
               <a:defRPr/>
             </a:lvl6pPr>
-            <a:lvl7pPr indent="-298450" lvl="6" marL="3200400">
+            <a:lvl7pPr marL="3200400" lvl="6" indent="-298450">
               <a:spcBef>
                 <a:spcPts val="0"/>
               </a:spcBef>
@@ -6453,7 +6469,7 @@
               <a:buChar char="●"/>
               <a:defRPr/>
             </a:lvl7pPr>
-            <a:lvl8pPr indent="-298450" lvl="7" marL="3657600">
+            <a:lvl8pPr marL="3657600" lvl="7" indent="-298450">
               <a:spcBef>
                 <a:spcPts val="0"/>
               </a:spcBef>
@@ -6464,7 +6480,7 @@
               <a:buChar char="○"/>
               <a:defRPr/>
             </a:lvl8pPr>
-            <a:lvl9pPr indent="-298450" lvl="8" marL="4114800">
+            <a:lvl9pPr marL="4114800" lvl="8" indent="-298450">
               <a:spcBef>
                 <a:spcPts val="0"/>
               </a:spcBef>
@@ -6476,15 +6492,19 @@
               <a:defRPr/>
             </a:lvl9pPr>
           </a:lstStyle>
-          <a:p/>
+          <a:p>
+            <a:endParaRPr/>
+          </a:p>
         </p:txBody>
       </p:sp>
       <p:sp>
         <p:nvSpPr>
           <p:cNvPr id="55" name="Google Shape;55;p5"/>
-          <p:cNvSpPr txBox="1"/>
+          <p:cNvSpPr txBox="1">
+            <a:spLocks noGrp="1"/>
+          </p:cNvSpPr>
           <p:nvPr>
-            <p:ph idx="12" type="sldNum"/>
+            <p:ph type="sldNum" idx="12"/>
           </p:nvPr>
         </p:nvSpPr>
         <p:spPr>
@@ -6497,7 +6517,7 @@
           </a:prstGeom>
         </p:spPr>
         <p:txBody>
-          <a:bodyPr anchorCtr="0" anchor="ctr" bIns="91425" lIns="91425" spcFirstLastPara="1" rIns="91425" wrap="square" tIns="91425">
+          <a:bodyPr spcFirstLastPara="1" wrap="square" lIns="91425" tIns="91425" rIns="91425" bIns="91425" anchor="ctr" anchorCtr="0">
             <a:normAutofit/>
           </a:bodyPr>
           <a:lstStyle>
@@ -6539,7 +6559,7 @@
             </a:lvl9pPr>
           </a:lstStyle>
           <a:p>
-            <a:pPr indent="0" lvl="0" marL="0" rtl="0" algn="r">
+            <a:pPr marL="0" lvl="0" indent="0" algn="r" rtl="0">
               <a:spcBef>
                 <a:spcPts val="0"/>
               </a:spcBef>
@@ -6565,11 +6585,11 @@
 </file>
 
 <file path=ppt/slideLayouts/slideLayout5.xml><?xml version="1.0" encoding="utf-8"?>
-<p:sldLayout xmlns:a="http://schemas.openxmlformats.org/drawingml/2006/main" xmlns:r="http://schemas.openxmlformats.org/officeDocument/2006/relationships" xmlns:mc="http://schemas.openxmlformats.org/markup-compatibility/2006" xmlns:mv="urn:schemas-microsoft-com:mac:vml" xmlns:p="http://schemas.openxmlformats.org/presentationml/2006/main" xmlns:c="http://schemas.openxmlformats.org/drawingml/2006/chart" xmlns:dgm="http://schemas.openxmlformats.org/drawingml/2006/diagram" xmlns:o="urn:schemas-microsoft-com:office:office" xmlns:v="urn:schemas-microsoft-com:vml" xmlns:pvml="urn:schemas-microsoft-com:office:powerpoint" xmlns:com="http://schemas.openxmlformats.org/drawingml/2006/compatibility" xmlns:p14="http://schemas.microsoft.com/office/powerpoint/2010/main" xmlns:p15="http://schemas.microsoft.com/office/powerpoint/2012/main" xmlns:ahyp="http://schemas.microsoft.com/office/drawing/2018/hyperlinkcolor" matchingName="Title only" type="titleOnly">
+<p:sldLayout xmlns:a="http://schemas.openxmlformats.org/drawingml/2006/main" xmlns:r="http://schemas.openxmlformats.org/officeDocument/2006/relationships" xmlns:p="http://schemas.openxmlformats.org/presentationml/2006/main" matchingName="Title only" type="titleOnly">
   <p:cSld name="TITLE_ONLY">
     <p:spTree>
       <p:nvGrpSpPr>
-        <p:cNvPr id="56" name="Shape 56"/>
+        <p:cNvPr id="1" name="Shape 56"/>
         <p:cNvGrpSpPr/>
         <p:nvPr/>
       </p:nvGrpSpPr>
@@ -6608,7 +6628,7 @@
             </a:xfrm>
             <a:prstGeom prst="diagStripe">
               <a:avLst>
-                <a:gd fmla="val 50000" name="adj"/>
+                <a:gd name="adj" fmla="val 50000"/>
               </a:avLst>
             </a:prstGeom>
             <a:solidFill>
@@ -6619,12 +6639,12 @@
             </a:ln>
           </p:spPr>
           <p:txBody>
-            <a:bodyPr anchorCtr="0" anchor="ctr" bIns="91425" lIns="91425" spcFirstLastPara="1" rIns="91425" wrap="square" tIns="91425">
+            <a:bodyPr spcFirstLastPara="1" wrap="square" lIns="91425" tIns="91425" rIns="91425" bIns="91425" anchor="ctr" anchorCtr="0">
               <a:noAutofit/>
             </a:bodyPr>
             <a:lstStyle/>
             <a:p>
-              <a:pPr indent="0" lvl="0" marL="0" rtl="0" algn="l">
+              <a:pPr marL="0" lvl="0" indent="0" algn="l" rtl="0">
                 <a:spcBef>
                   <a:spcPts val="0"/>
                 </a:spcBef>
@@ -6633,9 +6653,6 @@
                 </a:spcAft>
                 <a:buNone/>
               </a:pPr>
-              <a:r>
-                <a:t/>
-              </a:r>
               <a:endParaRPr/>
             </a:p>
           </p:txBody>
@@ -6653,7 +6670,7 @@
             </a:xfrm>
             <a:prstGeom prst="diagStripe">
               <a:avLst>
-                <a:gd fmla="val 50000" name="adj"/>
+                <a:gd name="adj" fmla="val 50000"/>
               </a:avLst>
             </a:prstGeom>
             <a:solidFill>
@@ -6664,12 +6681,12 @@
             </a:ln>
           </p:spPr>
           <p:txBody>
-            <a:bodyPr anchorCtr="0" anchor="ctr" bIns="91425" lIns="91425" spcFirstLastPara="1" rIns="91425" wrap="square" tIns="91425">
+            <a:bodyPr spcFirstLastPara="1" wrap="square" lIns="91425" tIns="91425" rIns="91425" bIns="91425" anchor="ctr" anchorCtr="0">
               <a:noAutofit/>
             </a:bodyPr>
             <a:lstStyle/>
             <a:p>
-              <a:pPr indent="0" lvl="0" marL="0" rtl="0" algn="l">
+              <a:pPr marL="0" lvl="0" indent="0" algn="l" rtl="0">
                 <a:spcBef>
                   <a:spcPts val="0"/>
                 </a:spcBef>
@@ -6678,9 +6695,6 @@
                 </a:spcAft>
                 <a:buNone/>
               </a:pPr>
-              <a:r>
-                <a:t/>
-              </a:r>
               <a:endParaRPr/>
             </a:p>
           </p:txBody>
@@ -6689,7 +6703,9 @@
       <p:sp>
         <p:nvSpPr>
           <p:cNvPr id="60" name="Google Shape;60;p6"/>
-          <p:cNvSpPr txBox="1"/>
+          <p:cNvSpPr txBox="1">
+            <a:spLocks noGrp="1"/>
+          </p:cNvSpPr>
           <p:nvPr>
             <p:ph type="title"/>
           </p:nvPr>
@@ -6704,7 +6720,7 @@
           </a:prstGeom>
         </p:spPr>
         <p:txBody>
-          <a:bodyPr anchorCtr="0" anchor="t" bIns="91425" lIns="91425" spcFirstLastPara="1" rIns="91425" wrap="square" tIns="91425">
+          <a:bodyPr spcFirstLastPara="1" wrap="square" lIns="91425" tIns="91425" rIns="91425" bIns="91425" anchor="t" anchorCtr="0">
             <a:normAutofit/>
           </a:bodyPr>
           <a:lstStyle>
@@ -6808,15 +6824,19 @@
               <a:defRPr sz="2400"/>
             </a:lvl9pPr>
           </a:lstStyle>
-          <a:p/>
+          <a:p>
+            <a:endParaRPr/>
+          </a:p>
         </p:txBody>
       </p:sp>
       <p:sp>
         <p:nvSpPr>
           <p:cNvPr id="61" name="Google Shape;61;p6"/>
-          <p:cNvSpPr txBox="1"/>
+          <p:cNvSpPr txBox="1">
+            <a:spLocks noGrp="1"/>
+          </p:cNvSpPr>
           <p:nvPr>
-            <p:ph idx="12" type="sldNum"/>
+            <p:ph type="sldNum" idx="12"/>
           </p:nvPr>
         </p:nvSpPr>
         <p:spPr>
@@ -6829,7 +6849,7 @@
           </a:prstGeom>
         </p:spPr>
         <p:txBody>
-          <a:bodyPr anchorCtr="0" anchor="ctr" bIns="91425" lIns="91425" spcFirstLastPara="1" rIns="91425" wrap="square" tIns="91425">
+          <a:bodyPr spcFirstLastPara="1" wrap="square" lIns="91425" tIns="91425" rIns="91425" bIns="91425" anchor="ctr" anchorCtr="0">
             <a:normAutofit/>
           </a:bodyPr>
           <a:lstStyle>
@@ -6871,7 +6891,7 @@
             </a:lvl9pPr>
           </a:lstStyle>
           <a:p>
-            <a:pPr indent="0" lvl="0" marL="0" rtl="0" algn="r">
+            <a:pPr marL="0" lvl="0" indent="0" algn="r" rtl="0">
               <a:spcBef>
                 <a:spcPts val="0"/>
               </a:spcBef>
@@ -6897,11 +6917,11 @@
 </file>
 
 <file path=ppt/slideLayouts/slideLayout6.xml><?xml version="1.0" encoding="utf-8"?>
-<p:sldLayout xmlns:a="http://schemas.openxmlformats.org/drawingml/2006/main" xmlns:r="http://schemas.openxmlformats.org/officeDocument/2006/relationships" xmlns:mc="http://schemas.openxmlformats.org/markup-compatibility/2006" xmlns:mv="urn:schemas-microsoft-com:mac:vml" xmlns:p="http://schemas.openxmlformats.org/presentationml/2006/main" xmlns:c="http://schemas.openxmlformats.org/drawingml/2006/chart" xmlns:dgm="http://schemas.openxmlformats.org/drawingml/2006/diagram" xmlns:o="urn:schemas-microsoft-com:office:office" xmlns:v="urn:schemas-microsoft-com:vml" xmlns:pvml="urn:schemas-microsoft-com:office:powerpoint" xmlns:com="http://schemas.openxmlformats.org/drawingml/2006/compatibility" xmlns:p14="http://schemas.microsoft.com/office/powerpoint/2010/main" xmlns:p15="http://schemas.microsoft.com/office/powerpoint/2012/main" xmlns:ahyp="http://schemas.microsoft.com/office/drawing/2018/hyperlinkcolor" matchingName="One column text">
+<p:sldLayout xmlns:a="http://schemas.openxmlformats.org/drawingml/2006/main" xmlns:r="http://schemas.openxmlformats.org/officeDocument/2006/relationships" xmlns:p="http://schemas.openxmlformats.org/presentationml/2006/main" matchingName="One column text">
   <p:cSld name="ONE_COLUMN_TEXT">
     <p:spTree>
       <p:nvGrpSpPr>
-        <p:cNvPr id="62" name="Shape 62"/>
+        <p:cNvPr id="1" name="Shape 62"/>
         <p:cNvGrpSpPr/>
         <p:nvPr/>
       </p:nvGrpSpPr>
@@ -6940,7 +6960,7 @@
             </a:xfrm>
             <a:prstGeom prst="diagStripe">
               <a:avLst>
-                <a:gd fmla="val 50000" name="adj"/>
+                <a:gd name="adj" fmla="val 50000"/>
               </a:avLst>
             </a:prstGeom>
             <a:solidFill>
@@ -6951,12 +6971,12 @@
             </a:ln>
           </p:spPr>
           <p:txBody>
-            <a:bodyPr anchorCtr="0" anchor="ctr" bIns="91425" lIns="91425" spcFirstLastPara="1" rIns="91425" wrap="square" tIns="91425">
+            <a:bodyPr spcFirstLastPara="1" wrap="square" lIns="91425" tIns="91425" rIns="91425" bIns="91425" anchor="ctr" anchorCtr="0">
               <a:noAutofit/>
             </a:bodyPr>
             <a:lstStyle/>
             <a:p>
-              <a:pPr indent="0" lvl="0" marL="0" rtl="0" algn="l">
+              <a:pPr marL="0" lvl="0" indent="0" algn="l" rtl="0">
                 <a:spcBef>
                   <a:spcPts val="0"/>
                 </a:spcBef>
@@ -6965,9 +6985,6 @@
                 </a:spcAft>
                 <a:buNone/>
               </a:pPr>
-              <a:r>
-                <a:t/>
-              </a:r>
               <a:endParaRPr/>
             </a:p>
           </p:txBody>
@@ -6985,7 +7002,7 @@
             </a:xfrm>
             <a:prstGeom prst="diagStripe">
               <a:avLst>
-                <a:gd fmla="val 50000" name="adj"/>
+                <a:gd name="adj" fmla="val 50000"/>
               </a:avLst>
             </a:prstGeom>
             <a:solidFill>
@@ -6996,12 +7013,12 @@
             </a:ln>
           </p:spPr>
           <p:txBody>
-            <a:bodyPr anchorCtr="0" anchor="ctr" bIns="91425" lIns="91425" spcFirstLastPara="1" rIns="91425" wrap="square" tIns="91425">
+            <a:bodyPr spcFirstLastPara="1" wrap="square" lIns="91425" tIns="91425" rIns="91425" bIns="91425" anchor="ctr" anchorCtr="0">
               <a:noAutofit/>
             </a:bodyPr>
             <a:lstStyle/>
             <a:p>
-              <a:pPr indent="0" lvl="0" marL="0" rtl="0" algn="l">
+              <a:pPr marL="0" lvl="0" indent="0" algn="l" rtl="0">
                 <a:spcBef>
                   <a:spcPts val="0"/>
                 </a:spcBef>
@@ -7010,9 +7027,6 @@
                 </a:spcAft>
                 <a:buNone/>
               </a:pPr>
-              <a:r>
-                <a:t/>
-              </a:r>
               <a:endParaRPr/>
             </a:p>
           </p:txBody>
@@ -7021,7 +7035,9 @@
       <p:sp>
         <p:nvSpPr>
           <p:cNvPr id="66" name="Google Shape;66;p7"/>
-          <p:cNvSpPr txBox="1"/>
+          <p:cNvSpPr txBox="1">
+            <a:spLocks noGrp="1"/>
+          </p:cNvSpPr>
           <p:nvPr>
             <p:ph type="title"/>
           </p:nvPr>
@@ -7036,7 +7052,7 @@
           </a:prstGeom>
         </p:spPr>
         <p:txBody>
-          <a:bodyPr anchorCtr="0" anchor="t" bIns="91425" lIns="91425" spcFirstLastPara="1" rIns="91425" wrap="square" tIns="91425">
+          <a:bodyPr spcFirstLastPara="1" wrap="square" lIns="91425" tIns="91425" rIns="91425" bIns="91425" anchor="t" anchorCtr="0">
             <a:normAutofit/>
           </a:bodyPr>
           <a:lstStyle>
@@ -7140,15 +7156,19 @@
               <a:defRPr sz="2400"/>
             </a:lvl9pPr>
           </a:lstStyle>
-          <a:p/>
+          <a:p>
+            <a:endParaRPr/>
+          </a:p>
         </p:txBody>
       </p:sp>
       <p:sp>
         <p:nvSpPr>
           <p:cNvPr id="67" name="Google Shape;67;p7"/>
-          <p:cNvSpPr txBox="1"/>
+          <p:cNvSpPr txBox="1">
+            <a:spLocks noGrp="1"/>
+          </p:cNvSpPr>
           <p:nvPr>
-            <p:ph idx="1" type="body"/>
+            <p:ph type="body" idx="1"/>
           </p:nvPr>
         </p:nvSpPr>
         <p:spPr>
@@ -7161,11 +7181,11 @@
           </a:prstGeom>
         </p:spPr>
         <p:txBody>
-          <a:bodyPr anchorCtr="0" anchor="t" bIns="91425" lIns="91425" spcFirstLastPara="1" rIns="91425" wrap="square" tIns="91425">
+          <a:bodyPr spcFirstLastPara="1" wrap="square" lIns="91425" tIns="91425" rIns="91425" bIns="91425" anchor="t" anchorCtr="0">
             <a:normAutofit/>
           </a:bodyPr>
           <a:lstStyle>
-            <a:lvl1pPr indent="-311150" lvl="0" marL="457200">
+            <a:lvl1pPr marL="457200" lvl="0" indent="-311150">
               <a:spcBef>
                 <a:spcPts val="0"/>
               </a:spcBef>
@@ -7176,7 +7196,7 @@
               <a:buChar char="●"/>
               <a:defRPr/>
             </a:lvl1pPr>
-            <a:lvl2pPr indent="-298450" lvl="1" marL="914400">
+            <a:lvl2pPr marL="914400" lvl="1" indent="-298450">
               <a:spcBef>
                 <a:spcPts val="0"/>
               </a:spcBef>
@@ -7187,7 +7207,7 @@
               <a:buChar char="○"/>
               <a:defRPr/>
             </a:lvl2pPr>
-            <a:lvl3pPr indent="-298450" lvl="2" marL="1371600">
+            <a:lvl3pPr marL="1371600" lvl="2" indent="-298450">
               <a:spcBef>
                 <a:spcPts val="0"/>
               </a:spcBef>
@@ -7198,7 +7218,7 @@
               <a:buChar char="■"/>
               <a:defRPr/>
             </a:lvl3pPr>
-            <a:lvl4pPr indent="-298450" lvl="3" marL="1828800">
+            <a:lvl4pPr marL="1828800" lvl="3" indent="-298450">
               <a:spcBef>
                 <a:spcPts val="0"/>
               </a:spcBef>
@@ -7209,7 +7229,7 @@
               <a:buChar char="●"/>
               <a:defRPr/>
             </a:lvl4pPr>
-            <a:lvl5pPr indent="-298450" lvl="4" marL="2286000">
+            <a:lvl5pPr marL="2286000" lvl="4" indent="-298450">
               <a:spcBef>
                 <a:spcPts val="0"/>
               </a:spcBef>
@@ -7220,7 +7240,7 @@
               <a:buChar char="○"/>
               <a:defRPr/>
             </a:lvl5pPr>
-            <a:lvl6pPr indent="-298450" lvl="5" marL="2743200">
+            <a:lvl6pPr marL="2743200" lvl="5" indent="-298450">
               <a:spcBef>
                 <a:spcPts val="0"/>
               </a:spcBef>
@@ -7231,7 +7251,7 @@
               <a:buChar char="■"/>
               <a:defRPr/>
             </a:lvl6pPr>
-            <a:lvl7pPr indent="-298450" lvl="6" marL="3200400">
+            <a:lvl7pPr marL="3200400" lvl="6" indent="-298450">
               <a:spcBef>
                 <a:spcPts val="0"/>
               </a:spcBef>
@@ -7242,7 +7262,7 @@
               <a:buChar char="●"/>
               <a:defRPr/>
             </a:lvl7pPr>
-            <a:lvl8pPr indent="-298450" lvl="7" marL="3657600">
+            <a:lvl8pPr marL="3657600" lvl="7" indent="-298450">
               <a:spcBef>
                 <a:spcPts val="0"/>
               </a:spcBef>
@@ -7253,7 +7273,7 @@
               <a:buChar char="○"/>
               <a:defRPr/>
             </a:lvl8pPr>
-            <a:lvl9pPr indent="-298450" lvl="8" marL="4114800">
+            <a:lvl9pPr marL="4114800" lvl="8" indent="-298450">
               <a:spcBef>
                 <a:spcPts val="0"/>
               </a:spcBef>
@@ -7265,15 +7285,19 @@
               <a:defRPr/>
             </a:lvl9pPr>
           </a:lstStyle>
-          <a:p/>
+          <a:p>
+            <a:endParaRPr/>
+          </a:p>
         </p:txBody>
       </p:sp>
       <p:sp>
         <p:nvSpPr>
           <p:cNvPr id="68" name="Google Shape;68;p7"/>
-          <p:cNvSpPr txBox="1"/>
+          <p:cNvSpPr txBox="1">
+            <a:spLocks noGrp="1"/>
+          </p:cNvSpPr>
           <p:nvPr>
-            <p:ph idx="12" type="sldNum"/>
+            <p:ph type="sldNum" idx="12"/>
           </p:nvPr>
         </p:nvSpPr>
         <p:spPr>
@@ -7286,7 +7310,7 @@
           </a:prstGeom>
         </p:spPr>
         <p:txBody>
-          <a:bodyPr anchorCtr="0" anchor="ctr" bIns="91425" lIns="91425" spcFirstLastPara="1" rIns="91425" wrap="square" tIns="91425">
+          <a:bodyPr spcFirstLastPara="1" wrap="square" lIns="91425" tIns="91425" rIns="91425" bIns="91425" anchor="ctr" anchorCtr="0">
             <a:normAutofit/>
           </a:bodyPr>
           <a:lstStyle>
@@ -7328,7 +7352,7 @@
             </a:lvl9pPr>
           </a:lstStyle>
           <a:p>
-            <a:pPr indent="0" lvl="0" marL="0" rtl="0" algn="r">
+            <a:pPr marL="0" lvl="0" indent="0" algn="r" rtl="0">
               <a:spcBef>
                 <a:spcPts val="0"/>
               </a:spcBef>
@@ -7354,11 +7378,11 @@
 </file>
 
 <file path=ppt/slideLayouts/slideLayout7.xml><?xml version="1.0" encoding="utf-8"?>
-<p:sldLayout xmlns:a="http://schemas.openxmlformats.org/drawingml/2006/main" xmlns:r="http://schemas.openxmlformats.org/officeDocument/2006/relationships" xmlns:mc="http://schemas.openxmlformats.org/markup-compatibility/2006" xmlns:mv="urn:schemas-microsoft-com:mac:vml" xmlns:p="http://schemas.openxmlformats.org/presentationml/2006/main" xmlns:c="http://schemas.openxmlformats.org/drawingml/2006/chart" xmlns:dgm="http://schemas.openxmlformats.org/drawingml/2006/diagram" xmlns:o="urn:schemas-microsoft-com:office:office" xmlns:v="urn:schemas-microsoft-com:vml" xmlns:pvml="urn:schemas-microsoft-com:office:powerpoint" xmlns:com="http://schemas.openxmlformats.org/drawingml/2006/compatibility" xmlns:p14="http://schemas.microsoft.com/office/powerpoint/2010/main" xmlns:p15="http://schemas.microsoft.com/office/powerpoint/2012/main" xmlns:ahyp="http://schemas.microsoft.com/office/drawing/2018/hyperlinkcolor" matchingName="Main point">
+<p:sldLayout xmlns:a="http://schemas.openxmlformats.org/drawingml/2006/main" xmlns:r="http://schemas.openxmlformats.org/officeDocument/2006/relationships" xmlns:p="http://schemas.openxmlformats.org/presentationml/2006/main" matchingName="Main point">
   <p:cSld name="MAIN_POINT">
     <p:spTree>
       <p:nvGrpSpPr>
-        <p:cNvPr id="69" name="Shape 69"/>
+        <p:cNvPr id="1" name="Shape 69"/>
         <p:cNvGrpSpPr/>
         <p:nvPr/>
       </p:nvGrpSpPr>
@@ -7397,7 +7421,7 @@
             </a:xfrm>
             <a:prstGeom prst="diagStripe">
               <a:avLst>
-                <a:gd fmla="val 49469" name="adj"/>
+                <a:gd name="adj" fmla="val 49469"/>
               </a:avLst>
             </a:prstGeom>
             <a:solidFill>
@@ -7410,12 +7434,12 @@
             </a:ln>
           </p:spPr>
           <p:txBody>
-            <a:bodyPr anchorCtr="0" anchor="ctr" bIns="91425" lIns="91425" spcFirstLastPara="1" rIns="91425" wrap="square" tIns="91425">
+            <a:bodyPr spcFirstLastPara="1" wrap="square" lIns="91425" tIns="91425" rIns="91425" bIns="91425" anchor="ctr" anchorCtr="0">
               <a:noAutofit/>
             </a:bodyPr>
             <a:lstStyle/>
             <a:p>
-              <a:pPr indent="0" lvl="0" marL="0" rtl="0" algn="l">
+              <a:pPr marL="0" lvl="0" indent="0" algn="l" rtl="0">
                 <a:spcBef>
                   <a:spcPts val="0"/>
                 </a:spcBef>
@@ -7424,9 +7448,6 @@
                 </a:spcAft>
                 <a:buNone/>
               </a:pPr>
-              <a:r>
-                <a:t/>
-              </a:r>
               <a:endParaRPr/>
             </a:p>
           </p:txBody>
@@ -7444,7 +7465,7 @@
             </a:xfrm>
             <a:prstGeom prst="diagStripe">
               <a:avLst>
-                <a:gd fmla="val 0" name="adj"/>
+                <a:gd name="adj" fmla="val 0"/>
               </a:avLst>
             </a:prstGeom>
             <a:solidFill>
@@ -7457,12 +7478,12 @@
             </a:ln>
           </p:spPr>
           <p:txBody>
-            <a:bodyPr anchorCtr="0" anchor="ctr" bIns="91425" lIns="91425" spcFirstLastPara="1" rIns="91425" wrap="square" tIns="91425">
+            <a:bodyPr spcFirstLastPara="1" wrap="square" lIns="91425" tIns="91425" rIns="91425" bIns="91425" anchor="ctr" anchorCtr="0">
               <a:noAutofit/>
             </a:bodyPr>
             <a:lstStyle/>
             <a:p>
-              <a:pPr indent="0" lvl="0" marL="0" rtl="0" algn="l">
+              <a:pPr marL="0" lvl="0" indent="0" algn="l" rtl="0">
                 <a:spcBef>
                   <a:spcPts val="0"/>
                 </a:spcBef>
@@ -7471,9 +7492,6 @@
                 </a:spcAft>
                 <a:buNone/>
               </a:pPr>
-              <a:r>
-                <a:t/>
-              </a:r>
               <a:endParaRPr/>
             </a:p>
           </p:txBody>
@@ -7491,7 +7509,7 @@
             </a:xfrm>
             <a:prstGeom prst="diagStripe">
               <a:avLst>
-                <a:gd fmla="val 50000" name="adj"/>
+                <a:gd name="adj" fmla="val 50000"/>
               </a:avLst>
             </a:prstGeom>
             <a:solidFill>
@@ -7504,12 +7522,12 @@
             </a:ln>
           </p:spPr>
           <p:txBody>
-            <a:bodyPr anchorCtr="0" anchor="ctr" bIns="91425" lIns="91425" spcFirstLastPara="1" rIns="91425" wrap="square" tIns="91425">
+            <a:bodyPr spcFirstLastPara="1" wrap="square" lIns="91425" tIns="91425" rIns="91425" bIns="91425" anchor="ctr" anchorCtr="0">
               <a:noAutofit/>
             </a:bodyPr>
             <a:lstStyle/>
             <a:p>
-              <a:pPr indent="0" lvl="0" marL="0" rtl="0" algn="l">
+              <a:pPr marL="0" lvl="0" indent="0" algn="l" rtl="0">
                 <a:spcBef>
                   <a:spcPts val="0"/>
                 </a:spcBef>
@@ -7518,9 +7536,6 @@
                 </a:spcAft>
                 <a:buNone/>
               </a:pPr>
-              <a:r>
-                <a:t/>
-              </a:r>
               <a:endParaRPr/>
             </a:p>
           </p:txBody>
@@ -7538,7 +7553,7 @@
             </a:xfrm>
             <a:prstGeom prst="diagStripe">
               <a:avLst>
-                <a:gd fmla="val 50000" name="adj"/>
+                <a:gd name="adj" fmla="val 50000"/>
               </a:avLst>
             </a:prstGeom>
             <a:solidFill>
@@ -7551,12 +7566,12 @@
             </a:ln>
           </p:spPr>
           <p:txBody>
-            <a:bodyPr anchorCtr="0" anchor="ctr" bIns="91425" lIns="91425" spcFirstLastPara="1" rIns="91425" wrap="square" tIns="91425">
+            <a:bodyPr spcFirstLastPara="1" wrap="square" lIns="91425" tIns="91425" rIns="91425" bIns="91425" anchor="ctr" anchorCtr="0">
               <a:noAutofit/>
             </a:bodyPr>
             <a:lstStyle/>
             <a:p>
-              <a:pPr indent="0" lvl="0" marL="0" rtl="0" algn="l">
+              <a:pPr marL="0" lvl="0" indent="0" algn="l" rtl="0">
                 <a:spcBef>
                   <a:spcPts val="0"/>
                 </a:spcBef>
@@ -7565,9 +7580,6 @@
                 </a:spcAft>
                 <a:buNone/>
               </a:pPr>
-              <a:r>
-                <a:t/>
-              </a:r>
               <a:endParaRPr/>
             </a:p>
           </p:txBody>
@@ -7585,7 +7597,7 @@
             </a:xfrm>
             <a:prstGeom prst="diagStripe">
               <a:avLst>
-                <a:gd fmla="val 50000" name="adj"/>
+                <a:gd name="adj" fmla="val 50000"/>
               </a:avLst>
             </a:prstGeom>
             <a:solidFill>
@@ -7598,12 +7610,12 @@
             </a:ln>
           </p:spPr>
           <p:txBody>
-            <a:bodyPr anchorCtr="0" anchor="ctr" bIns="91425" lIns="91425" spcFirstLastPara="1" rIns="91425" wrap="square" tIns="91425">
+            <a:bodyPr spcFirstLastPara="1" wrap="square" lIns="91425" tIns="91425" rIns="91425" bIns="91425" anchor="ctr" anchorCtr="0">
               <a:noAutofit/>
             </a:bodyPr>
             <a:lstStyle/>
             <a:p>
-              <a:pPr indent="0" lvl="0" marL="0" rtl="0" algn="l">
+              <a:pPr marL="0" lvl="0" indent="0" algn="l" rtl="0">
                 <a:spcBef>
                   <a:spcPts val="0"/>
                 </a:spcBef>
@@ -7612,9 +7624,6 @@
                 </a:spcAft>
                 <a:buNone/>
               </a:pPr>
-              <a:r>
-                <a:t/>
-              </a:r>
               <a:endParaRPr/>
             </a:p>
           </p:txBody>
@@ -7632,7 +7641,7 @@
             </a:xfrm>
             <a:prstGeom prst="diagStripe">
               <a:avLst>
-                <a:gd fmla="val 50000" name="adj"/>
+                <a:gd name="adj" fmla="val 50000"/>
               </a:avLst>
             </a:prstGeom>
             <a:solidFill>
@@ -7645,12 +7654,12 @@
             </a:ln>
           </p:spPr>
           <p:txBody>
-            <a:bodyPr anchorCtr="0" anchor="ctr" bIns="91425" lIns="91425" spcFirstLastPara="1" rIns="91425" wrap="square" tIns="91425">
+            <a:bodyPr spcFirstLastPara="1" wrap="square" lIns="91425" tIns="91425" rIns="91425" bIns="91425" anchor="ctr" anchorCtr="0">
               <a:noAutofit/>
             </a:bodyPr>
             <a:lstStyle/>
             <a:p>
-              <a:pPr indent="0" lvl="0" marL="0" rtl="0" algn="l">
+              <a:pPr marL="0" lvl="0" indent="0" algn="l" rtl="0">
                 <a:spcBef>
                   <a:spcPts val="0"/>
                 </a:spcBef>
@@ -7659,9 +7668,6 @@
                 </a:spcAft>
                 <a:buNone/>
               </a:pPr>
-              <a:r>
-                <a:t/>
-              </a:r>
               <a:endParaRPr/>
             </a:p>
           </p:txBody>
@@ -7679,7 +7685,7 @@
             </a:xfrm>
             <a:prstGeom prst="diagStripe">
               <a:avLst>
-                <a:gd fmla="val 50000" name="adj"/>
+                <a:gd name="adj" fmla="val 50000"/>
               </a:avLst>
             </a:prstGeom>
             <a:solidFill>
@@ -7692,12 +7698,12 @@
             </a:ln>
           </p:spPr>
           <p:txBody>
-            <a:bodyPr anchorCtr="0" anchor="ctr" bIns="91425" lIns="91425" spcFirstLastPara="1" rIns="91425" wrap="square" tIns="91425">
+            <a:bodyPr spcFirstLastPara="1" wrap="square" lIns="91425" tIns="91425" rIns="91425" bIns="91425" anchor="ctr" anchorCtr="0">
               <a:noAutofit/>
             </a:bodyPr>
             <a:lstStyle/>
             <a:p>
-              <a:pPr indent="0" lvl="0" marL="0" rtl="0" algn="l">
+              <a:pPr marL="0" lvl="0" indent="0" algn="l" rtl="0">
                 <a:spcBef>
                   <a:spcPts val="0"/>
                 </a:spcBef>
@@ -7706,9 +7712,6 @@
                 </a:spcAft>
                 <a:buNone/>
               </a:pPr>
-              <a:r>
-                <a:t/>
-              </a:r>
               <a:endParaRPr/>
             </a:p>
           </p:txBody>
@@ -7726,7 +7729,7 @@
             </a:xfrm>
             <a:prstGeom prst="diagStripe">
               <a:avLst>
-                <a:gd fmla="val 50000" name="adj"/>
+                <a:gd name="adj" fmla="val 50000"/>
               </a:avLst>
             </a:prstGeom>
             <a:solidFill>
@@ -7737,12 +7740,12 @@
             </a:ln>
           </p:spPr>
           <p:txBody>
-            <a:bodyPr anchorCtr="0" anchor="ctr" bIns="91425" lIns="91425" spcFirstLastPara="1" rIns="91425" wrap="square" tIns="91425">
+            <a:bodyPr spcFirstLastPara="1" wrap="square" lIns="91425" tIns="91425" rIns="91425" bIns="91425" anchor="ctr" anchorCtr="0">
               <a:noAutofit/>
             </a:bodyPr>
             <a:lstStyle/>
             <a:p>
-              <a:pPr indent="0" lvl="0" marL="0" rtl="0" algn="l">
+              <a:pPr marL="0" lvl="0" indent="0" algn="l" rtl="0">
                 <a:spcBef>
                   <a:spcPts val="0"/>
                 </a:spcBef>
@@ -7751,9 +7754,6 @@
                 </a:spcAft>
                 <a:buNone/>
               </a:pPr>
-              <a:r>
-                <a:t/>
-              </a:r>
               <a:endParaRPr/>
             </a:p>
           </p:txBody>
@@ -7771,7 +7771,7 @@
             </a:xfrm>
             <a:prstGeom prst="diagStripe">
               <a:avLst>
-                <a:gd fmla="val 50000" name="adj"/>
+                <a:gd name="adj" fmla="val 50000"/>
               </a:avLst>
             </a:prstGeom>
             <a:solidFill>
@@ -7784,12 +7784,12 @@
             </a:ln>
           </p:spPr>
           <p:txBody>
-            <a:bodyPr anchorCtr="0" anchor="ctr" bIns="91425" lIns="91425" spcFirstLastPara="1" rIns="91425" wrap="square" tIns="91425">
+            <a:bodyPr spcFirstLastPara="1" wrap="square" lIns="91425" tIns="91425" rIns="91425" bIns="91425" anchor="ctr" anchorCtr="0">
               <a:noAutofit/>
             </a:bodyPr>
             <a:lstStyle/>
             <a:p>
-              <a:pPr indent="0" lvl="0" marL="0" rtl="0" algn="l">
+              <a:pPr marL="0" lvl="0" indent="0" algn="l" rtl="0">
                 <a:spcBef>
                   <a:spcPts val="0"/>
                 </a:spcBef>
@@ -7798,9 +7798,6 @@
                 </a:spcAft>
                 <a:buNone/>
               </a:pPr>
-              <a:r>
-                <a:t/>
-              </a:r>
               <a:endParaRPr/>
             </a:p>
           </p:txBody>
@@ -7818,7 +7815,7 @@
             </a:xfrm>
             <a:prstGeom prst="diagStripe">
               <a:avLst>
-                <a:gd fmla="val 50000" name="adj"/>
+                <a:gd name="adj" fmla="val 50000"/>
               </a:avLst>
             </a:prstGeom>
             <a:solidFill>
@@ -7831,12 +7828,12 @@
             </a:ln>
           </p:spPr>
           <p:txBody>
-            <a:bodyPr anchorCtr="0" anchor="ctr" bIns="91425" lIns="91425" spcFirstLastPara="1" rIns="91425" wrap="square" tIns="91425">
+            <a:bodyPr spcFirstLastPara="1" wrap="square" lIns="91425" tIns="91425" rIns="91425" bIns="91425" anchor="ctr" anchorCtr="0">
               <a:noAutofit/>
             </a:bodyPr>
             <a:lstStyle/>
             <a:p>
-              <a:pPr indent="0" lvl="0" marL="0" rtl="0" algn="l">
+              <a:pPr marL="0" lvl="0" indent="0" algn="l" rtl="0">
                 <a:spcBef>
                   <a:spcPts val="0"/>
                 </a:spcBef>
@@ -7845,9 +7842,6 @@
                 </a:spcAft>
                 <a:buNone/>
               </a:pPr>
-              <a:r>
-                <a:t/>
-              </a:r>
               <a:endParaRPr/>
             </a:p>
           </p:txBody>
@@ -7865,7 +7859,7 @@
             </a:xfrm>
             <a:prstGeom prst="diagStripe">
               <a:avLst>
-                <a:gd fmla="val 50000" name="adj"/>
+                <a:gd name="adj" fmla="val 50000"/>
               </a:avLst>
             </a:prstGeom>
             <a:solidFill>
@@ -7878,12 +7872,12 @@
             </a:ln>
           </p:spPr>
           <p:txBody>
-            <a:bodyPr anchorCtr="0" anchor="ctr" bIns="91425" lIns="91425" spcFirstLastPara="1" rIns="91425" wrap="square" tIns="91425">
+            <a:bodyPr spcFirstLastPara="1" wrap="square" lIns="91425" tIns="91425" rIns="91425" bIns="91425" anchor="ctr" anchorCtr="0">
               <a:noAutofit/>
             </a:bodyPr>
             <a:lstStyle/>
             <a:p>
-              <a:pPr indent="0" lvl="0" marL="0" rtl="0" algn="l">
+              <a:pPr marL="0" lvl="0" indent="0" algn="l" rtl="0">
                 <a:spcBef>
                   <a:spcPts val="0"/>
                 </a:spcBef>
@@ -7892,9 +7886,6 @@
                 </a:spcAft>
                 <a:buNone/>
               </a:pPr>
-              <a:r>
-                <a:t/>
-              </a:r>
               <a:endParaRPr/>
             </a:p>
           </p:txBody>
@@ -7912,7 +7903,7 @@
             </a:xfrm>
             <a:prstGeom prst="diagStripe">
               <a:avLst>
-                <a:gd fmla="val 50000" name="adj"/>
+                <a:gd name="adj" fmla="val 50000"/>
               </a:avLst>
             </a:prstGeom>
             <a:solidFill>
@@ -7925,12 +7916,12 @@
             </a:ln>
           </p:spPr>
           <p:txBody>
-            <a:bodyPr anchorCtr="0" anchor="ctr" bIns="91425" lIns="91425" spcFirstLastPara="1" rIns="91425" wrap="square" tIns="91425">
+            <a:bodyPr spcFirstLastPara="1" wrap="square" lIns="91425" tIns="91425" rIns="91425" bIns="91425" anchor="ctr" anchorCtr="0">
               <a:noAutofit/>
             </a:bodyPr>
             <a:lstStyle/>
             <a:p>
-              <a:pPr indent="0" lvl="0" marL="0" rtl="0" algn="l">
+              <a:pPr marL="0" lvl="0" indent="0" algn="l" rtl="0">
                 <a:spcBef>
                   <a:spcPts val="0"/>
                 </a:spcBef>
@@ -7939,9 +7930,6 @@
                 </a:spcAft>
                 <a:buNone/>
               </a:pPr>
-              <a:r>
-                <a:t/>
-              </a:r>
               <a:endParaRPr/>
             </a:p>
           </p:txBody>
@@ -7959,7 +7947,7 @@
             </a:xfrm>
             <a:prstGeom prst="diagStripe">
               <a:avLst>
-                <a:gd fmla="val 50000" name="adj"/>
+                <a:gd name="adj" fmla="val 50000"/>
               </a:avLst>
             </a:prstGeom>
             <a:solidFill>
@@ -7972,12 +7960,12 @@
             </a:ln>
           </p:spPr>
           <p:txBody>
-            <a:bodyPr anchorCtr="0" anchor="ctr" bIns="91425" lIns="91425" spcFirstLastPara="1" rIns="91425" wrap="square" tIns="91425">
+            <a:bodyPr spcFirstLastPara="1" wrap="square" lIns="91425" tIns="91425" rIns="91425" bIns="91425" anchor="ctr" anchorCtr="0">
               <a:noAutofit/>
             </a:bodyPr>
             <a:lstStyle/>
             <a:p>
-              <a:pPr indent="0" lvl="0" marL="0" rtl="0" algn="l">
+              <a:pPr marL="0" lvl="0" indent="0" algn="l" rtl="0">
                 <a:spcBef>
                   <a:spcPts val="0"/>
                 </a:spcBef>
@@ -7986,9 +7974,6 @@
                 </a:spcAft>
                 <a:buNone/>
               </a:pPr>
-              <a:r>
-                <a:t/>
-              </a:r>
               <a:endParaRPr/>
             </a:p>
           </p:txBody>
@@ -8006,7 +7991,7 @@
             </a:xfrm>
             <a:prstGeom prst="diagStripe">
               <a:avLst>
-                <a:gd fmla="val 50000" name="adj"/>
+                <a:gd name="adj" fmla="val 50000"/>
               </a:avLst>
             </a:prstGeom>
             <a:solidFill>
@@ -8017,12 +8002,12 @@
             </a:ln>
           </p:spPr>
           <p:txBody>
-            <a:bodyPr anchorCtr="0" anchor="ctr" bIns="91425" lIns="91425" spcFirstLastPara="1" rIns="91425" wrap="square" tIns="91425">
+            <a:bodyPr spcFirstLastPara="1" wrap="square" lIns="91425" tIns="91425" rIns="91425" bIns="91425" anchor="ctr" anchorCtr="0">
               <a:noAutofit/>
             </a:bodyPr>
             <a:lstStyle/>
             <a:p>
-              <a:pPr indent="0" lvl="0" marL="0" rtl="0" algn="l">
+              <a:pPr marL="0" lvl="0" indent="0" algn="l" rtl="0">
                 <a:spcBef>
                   <a:spcPts val="0"/>
                 </a:spcBef>
@@ -8031,9 +8016,6 @@
                 </a:spcAft>
                 <a:buNone/>
               </a:pPr>
-              <a:r>
-                <a:t/>
-              </a:r>
               <a:endParaRPr/>
             </a:p>
           </p:txBody>
@@ -8051,7 +8033,7 @@
             </a:xfrm>
             <a:prstGeom prst="diagStripe">
               <a:avLst>
-                <a:gd fmla="val 50000" name="adj"/>
+                <a:gd name="adj" fmla="val 50000"/>
               </a:avLst>
             </a:prstGeom>
             <a:solidFill>
@@ -8064,12 +8046,12 @@
             </a:ln>
           </p:spPr>
           <p:txBody>
-            <a:bodyPr anchorCtr="0" anchor="ctr" bIns="91425" lIns="91425" spcFirstLastPara="1" rIns="91425" wrap="square" tIns="91425">
+            <a:bodyPr spcFirstLastPara="1" wrap="square" lIns="91425" tIns="91425" rIns="91425" bIns="91425" anchor="ctr" anchorCtr="0">
               <a:noAutofit/>
             </a:bodyPr>
             <a:lstStyle/>
             <a:p>
-              <a:pPr indent="0" lvl="0" marL="0" rtl="0" algn="l">
+              <a:pPr marL="0" lvl="0" indent="0" algn="l" rtl="0">
                 <a:spcBef>
                   <a:spcPts val="0"/>
                 </a:spcBef>
@@ -8078,9 +8060,6 @@
                 </a:spcAft>
                 <a:buNone/>
               </a:pPr>
-              <a:r>
-                <a:t/>
-              </a:r>
               <a:endParaRPr/>
             </a:p>
           </p:txBody>
@@ -8098,7 +8077,7 @@
             </a:xfrm>
             <a:prstGeom prst="diagStripe">
               <a:avLst>
-                <a:gd fmla="val 50000" name="adj"/>
+                <a:gd name="adj" fmla="val 50000"/>
               </a:avLst>
             </a:prstGeom>
             <a:solidFill>
@@ -8111,12 +8090,12 @@
             </a:ln>
           </p:spPr>
           <p:txBody>
-            <a:bodyPr anchorCtr="0" anchor="ctr" bIns="91425" lIns="91425" spcFirstLastPara="1" rIns="91425" wrap="square" tIns="91425">
+            <a:bodyPr spcFirstLastPara="1" wrap="square" lIns="91425" tIns="91425" rIns="91425" bIns="91425" anchor="ctr" anchorCtr="0">
               <a:noAutofit/>
             </a:bodyPr>
             <a:lstStyle/>
             <a:p>
-              <a:pPr indent="0" lvl="0" marL="0" rtl="0" algn="l">
+              <a:pPr marL="0" lvl="0" indent="0" algn="l" rtl="0">
                 <a:spcBef>
                   <a:spcPts val="0"/>
                 </a:spcBef>
@@ -8125,9 +8104,6 @@
                 </a:spcAft>
                 <a:buNone/>
               </a:pPr>
-              <a:r>
-                <a:t/>
-              </a:r>
               <a:endParaRPr/>
             </a:p>
           </p:txBody>
@@ -8145,7 +8121,7 @@
             </a:xfrm>
             <a:prstGeom prst="diagStripe">
               <a:avLst>
-                <a:gd fmla="val 50000" name="adj"/>
+                <a:gd name="adj" fmla="val 50000"/>
               </a:avLst>
             </a:prstGeom>
             <a:solidFill>
@@ -8158,12 +8134,12 @@
             </a:ln>
           </p:spPr>
           <p:txBody>
-            <a:bodyPr anchorCtr="0" anchor="ctr" bIns="91425" lIns="91425" spcFirstLastPara="1" rIns="91425" wrap="square" tIns="91425">
+            <a:bodyPr spcFirstLastPara="1" wrap="square" lIns="91425" tIns="91425" rIns="91425" bIns="91425" anchor="ctr" anchorCtr="0">
               <a:noAutofit/>
             </a:bodyPr>
             <a:lstStyle/>
             <a:p>
-              <a:pPr indent="0" lvl="0" marL="0" rtl="0" algn="l">
+              <a:pPr marL="0" lvl="0" indent="0" algn="l" rtl="0">
                 <a:spcBef>
                   <a:spcPts val="0"/>
                 </a:spcBef>
@@ -8172,9 +8148,6 @@
                 </a:spcAft>
                 <a:buNone/>
               </a:pPr>
-              <a:r>
-                <a:t/>
-              </a:r>
               <a:endParaRPr/>
             </a:p>
           </p:txBody>
@@ -8192,7 +8165,7 @@
             </a:xfrm>
             <a:prstGeom prst="diagStripe">
               <a:avLst>
-                <a:gd fmla="val 50000" name="adj"/>
+                <a:gd name="adj" fmla="val 50000"/>
               </a:avLst>
             </a:prstGeom>
             <a:solidFill>
@@ -8205,12 +8178,12 @@
             </a:ln>
           </p:spPr>
           <p:txBody>
-            <a:bodyPr anchorCtr="0" anchor="ctr" bIns="91425" lIns="91425" spcFirstLastPara="1" rIns="91425" wrap="square" tIns="91425">
+            <a:bodyPr spcFirstLastPara="1" wrap="square" lIns="91425" tIns="91425" rIns="91425" bIns="91425" anchor="ctr" anchorCtr="0">
               <a:noAutofit/>
             </a:bodyPr>
             <a:lstStyle/>
             <a:p>
-              <a:pPr indent="0" lvl="0" marL="0" rtl="0" algn="l">
+              <a:pPr marL="0" lvl="0" indent="0" algn="l" rtl="0">
                 <a:spcBef>
                   <a:spcPts val="0"/>
                 </a:spcBef>
@@ -8219,9 +8192,6 @@
                 </a:spcAft>
                 <a:buNone/>
               </a:pPr>
-              <a:r>
-                <a:t/>
-              </a:r>
               <a:endParaRPr/>
             </a:p>
           </p:txBody>
@@ -8230,7 +8200,9 @@
       <p:sp>
         <p:nvSpPr>
           <p:cNvPr id="89" name="Google Shape;89;p8"/>
-          <p:cNvSpPr txBox="1"/>
+          <p:cNvSpPr txBox="1">
+            <a:spLocks noGrp="1"/>
+          </p:cNvSpPr>
           <p:nvPr>
             <p:ph type="title"/>
           </p:nvPr>
@@ -8245,7 +8217,7 @@
           </a:prstGeom>
         </p:spPr>
         <p:txBody>
-          <a:bodyPr anchorCtr="0" anchor="ctr" bIns="91425" lIns="91425" spcFirstLastPara="1" rIns="91425" wrap="square" tIns="91425">
+          <a:bodyPr spcFirstLastPara="1" wrap="square" lIns="91425" tIns="91425" rIns="91425" bIns="91425" anchor="ctr" anchorCtr="0">
             <a:normAutofit/>
           </a:bodyPr>
           <a:lstStyle>
@@ -8349,15 +8321,19 @@
               <a:defRPr/>
             </a:lvl9pPr>
           </a:lstStyle>
-          <a:p/>
+          <a:p>
+            <a:endParaRPr/>
+          </a:p>
         </p:txBody>
       </p:sp>
       <p:sp>
         <p:nvSpPr>
           <p:cNvPr id="90" name="Google Shape;90;p8"/>
-          <p:cNvSpPr txBox="1"/>
+          <p:cNvSpPr txBox="1">
+            <a:spLocks noGrp="1"/>
+          </p:cNvSpPr>
           <p:nvPr>
-            <p:ph idx="12" type="sldNum"/>
+            <p:ph type="sldNum" idx="12"/>
           </p:nvPr>
         </p:nvSpPr>
         <p:spPr>
@@ -8370,7 +8346,7 @@
           </a:prstGeom>
         </p:spPr>
         <p:txBody>
-          <a:bodyPr anchorCtr="0" anchor="ctr" bIns="91425" lIns="91425" spcFirstLastPara="1" rIns="91425" wrap="square" tIns="91425">
+          <a:bodyPr spcFirstLastPara="1" wrap="square" lIns="91425" tIns="91425" rIns="91425" bIns="91425" anchor="ctr" anchorCtr="0">
             <a:normAutofit/>
           </a:bodyPr>
           <a:lstStyle>
@@ -8412,7 +8388,7 @@
             </a:lvl9pPr>
           </a:lstStyle>
           <a:p>
-            <a:pPr indent="0" lvl="0" marL="0" rtl="0" algn="r">
+            <a:pPr marL="0" lvl="0" indent="0" algn="r" rtl="0">
               <a:spcBef>
                 <a:spcPts val="0"/>
               </a:spcBef>
@@ -8438,11 +8414,11 @@
 </file>
 
 <file path=ppt/slideLayouts/slideLayout8.xml><?xml version="1.0" encoding="utf-8"?>
-<p:sldLayout xmlns:a="http://schemas.openxmlformats.org/drawingml/2006/main" xmlns:r="http://schemas.openxmlformats.org/officeDocument/2006/relationships" xmlns:mc="http://schemas.openxmlformats.org/markup-compatibility/2006" xmlns:mv="urn:schemas-microsoft-com:mac:vml" xmlns:p="http://schemas.openxmlformats.org/presentationml/2006/main" xmlns:c="http://schemas.openxmlformats.org/drawingml/2006/chart" xmlns:dgm="http://schemas.openxmlformats.org/drawingml/2006/diagram" xmlns:o="urn:schemas-microsoft-com:office:office" xmlns:v="urn:schemas-microsoft-com:vml" xmlns:pvml="urn:schemas-microsoft-com:office:powerpoint" xmlns:com="http://schemas.openxmlformats.org/drawingml/2006/compatibility" xmlns:p14="http://schemas.microsoft.com/office/powerpoint/2010/main" xmlns:p15="http://schemas.microsoft.com/office/powerpoint/2012/main" xmlns:ahyp="http://schemas.microsoft.com/office/drawing/2018/hyperlinkcolor" matchingName="Section title and description">
+<p:sldLayout xmlns:a="http://schemas.openxmlformats.org/drawingml/2006/main" xmlns:r="http://schemas.openxmlformats.org/officeDocument/2006/relationships" xmlns:p="http://schemas.openxmlformats.org/presentationml/2006/main" matchingName="Section title and description">
   <p:cSld name="SECTION_TITLE_AND_DESCRIPTION">
     <p:spTree>
       <p:nvGrpSpPr>
-        <p:cNvPr id="91" name="Shape 91"/>
+        <p:cNvPr id="1" name="Shape 91"/>
         <p:cNvGrpSpPr/>
         <p:nvPr/>
       </p:nvGrpSpPr>
@@ -8481,7 +8457,7 @@
             </a:xfrm>
             <a:prstGeom prst="diagStripe">
               <a:avLst>
-                <a:gd fmla="val 50000" name="adj"/>
+                <a:gd name="adj" fmla="val 50000"/>
               </a:avLst>
             </a:prstGeom>
             <a:solidFill>
@@ -8492,12 +8468,12 @@
             </a:ln>
           </p:spPr>
           <p:txBody>
-            <a:bodyPr anchorCtr="0" anchor="ctr" bIns="91425" lIns="91425" spcFirstLastPara="1" rIns="91425" wrap="square" tIns="91425">
+            <a:bodyPr spcFirstLastPara="1" wrap="square" lIns="91425" tIns="91425" rIns="91425" bIns="91425" anchor="ctr" anchorCtr="0">
               <a:noAutofit/>
             </a:bodyPr>
             <a:lstStyle/>
             <a:p>
-              <a:pPr indent="0" lvl="0" marL="0" rtl="0" algn="l">
+              <a:pPr marL="0" lvl="0" indent="0" algn="l" rtl="0">
                 <a:spcBef>
                   <a:spcPts val="0"/>
                 </a:spcBef>
@@ -8506,9 +8482,6 @@
                 </a:spcAft>
                 <a:buNone/>
               </a:pPr>
-              <a:r>
-                <a:t/>
-              </a:r>
               <a:endParaRPr/>
             </a:p>
           </p:txBody>
@@ -8526,7 +8499,7 @@
             </a:xfrm>
             <a:prstGeom prst="diagStripe">
               <a:avLst>
-                <a:gd fmla="val 50000" name="adj"/>
+                <a:gd name="adj" fmla="val 50000"/>
               </a:avLst>
             </a:prstGeom>
             <a:solidFill>
@@ -8537,12 +8510,12 @@
             </a:ln>
           </p:spPr>
           <p:txBody>
-            <a:bodyPr anchorCtr="0" anchor="ctr" bIns="91425" lIns="91425" spcFirstLastPara="1" rIns="91425" wrap="square" tIns="91425">
+            <a:bodyPr spcFirstLastPara="1" wrap="square" lIns="91425" tIns="91425" rIns="91425" bIns="91425" anchor="ctr" anchorCtr="0">
               <a:noAutofit/>
             </a:bodyPr>
             <a:lstStyle/>
             <a:p>
-              <a:pPr indent="0" lvl="0" marL="0" rtl="0" algn="l">
+              <a:pPr marL="0" lvl="0" indent="0" algn="l" rtl="0">
                 <a:spcBef>
                   <a:spcPts val="0"/>
                 </a:spcBef>
@@ -8551,9 +8524,6 @@
                 </a:spcAft>
                 <a:buNone/>
               </a:pPr>
-              <a:r>
-                <a:t/>
-              </a:r>
               <a:endParaRPr/>
             </a:p>
           </p:txBody>
@@ -8562,7 +8532,9 @@
       <p:sp>
         <p:nvSpPr>
           <p:cNvPr id="95" name="Google Shape;95;p9"/>
-          <p:cNvSpPr txBox="1"/>
+          <p:cNvSpPr txBox="1">
+            <a:spLocks noGrp="1"/>
+          </p:cNvSpPr>
           <p:nvPr>
             <p:ph type="title"/>
           </p:nvPr>
@@ -8577,7 +8549,7 @@
           </a:prstGeom>
         </p:spPr>
         <p:txBody>
-          <a:bodyPr anchorCtr="0" anchor="t" bIns="91425" lIns="91425" spcFirstLastPara="1" rIns="91425" wrap="square" tIns="91425">
+          <a:bodyPr spcFirstLastPara="1" wrap="square" lIns="91425" tIns="91425" rIns="91425" bIns="91425" anchor="t" anchorCtr="0">
             <a:normAutofit/>
           </a:bodyPr>
           <a:lstStyle>
@@ -8681,15 +8653,19 @@
               <a:defRPr sz="2400"/>
             </a:lvl9pPr>
           </a:lstStyle>
-          <a:p/>
+          <a:p>
+            <a:endParaRPr/>
+          </a:p>
         </p:txBody>
       </p:sp>
       <p:sp>
         <p:nvSpPr>
           <p:cNvPr id="96" name="Google Shape;96;p9"/>
-          <p:cNvSpPr txBox="1"/>
+          <p:cNvSpPr txBox="1">
+            <a:spLocks noGrp="1"/>
+          </p:cNvSpPr>
           <p:nvPr>
-            <p:ph idx="1" type="subTitle"/>
+            <p:ph type="subTitle" idx="1"/>
           </p:nvPr>
         </p:nvSpPr>
         <p:spPr>
@@ -8702,7 +8678,7 @@
           </a:prstGeom>
         </p:spPr>
         <p:txBody>
-          <a:bodyPr anchorCtr="0" anchor="t" bIns="91425" lIns="91425" spcFirstLastPara="1" rIns="91425" wrap="square" tIns="91425">
+          <a:bodyPr spcFirstLastPara="1" wrap="square" lIns="91425" tIns="91425" rIns="91425" bIns="91425" anchor="t" anchorCtr="0">
             <a:normAutofit/>
           </a:bodyPr>
           <a:lstStyle>
@@ -8833,15 +8809,19 @@
               <a:defRPr sz="1300"/>
             </a:lvl9pPr>
           </a:lstStyle>
-          <a:p/>
+          <a:p>
+            <a:endParaRPr/>
+          </a:p>
         </p:txBody>
       </p:sp>
       <p:sp>
         <p:nvSpPr>
           <p:cNvPr id="97" name="Google Shape;97;p9"/>
-          <p:cNvSpPr txBox="1"/>
+          <p:cNvSpPr txBox="1">
+            <a:spLocks noGrp="1"/>
+          </p:cNvSpPr>
           <p:nvPr>
-            <p:ph idx="2" type="body"/>
+            <p:ph type="body" idx="2"/>
           </p:nvPr>
         </p:nvSpPr>
         <p:spPr>
@@ -8854,11 +8834,11 @@
           </a:prstGeom>
         </p:spPr>
         <p:txBody>
-          <a:bodyPr anchorCtr="0" anchor="t" bIns="91425" lIns="91425" spcFirstLastPara="1" rIns="91425" wrap="square" tIns="91425">
+          <a:bodyPr spcFirstLastPara="1" wrap="square" lIns="91425" tIns="91425" rIns="91425" bIns="91425" anchor="t" anchorCtr="0">
             <a:normAutofit/>
           </a:bodyPr>
           <a:lstStyle>
-            <a:lvl1pPr indent="-311150" lvl="0" marL="457200">
+            <a:lvl1pPr marL="457200" lvl="0" indent="-311150">
               <a:spcBef>
                 <a:spcPts val="0"/>
               </a:spcBef>
@@ -8869,7 +8849,7 @@
               <a:buChar char="●"/>
               <a:defRPr/>
             </a:lvl1pPr>
-            <a:lvl2pPr indent="-298450" lvl="1" marL="914400">
+            <a:lvl2pPr marL="914400" lvl="1" indent="-298450">
               <a:spcBef>
                 <a:spcPts val="0"/>
               </a:spcBef>
@@ -8880,7 +8860,7 @@
               <a:buChar char="○"/>
               <a:defRPr/>
             </a:lvl2pPr>
-            <a:lvl3pPr indent="-298450" lvl="2" marL="1371600">
+            <a:lvl3pPr marL="1371600" lvl="2" indent="-298450">
               <a:spcBef>
                 <a:spcPts val="0"/>
               </a:spcBef>
@@ -8891,7 +8871,7 @@
               <a:buChar char="■"/>
               <a:defRPr/>
             </a:lvl3pPr>
-            <a:lvl4pPr indent="-298450" lvl="3" marL="1828800">
+            <a:lvl4pPr marL="1828800" lvl="3" indent="-298450">
               <a:spcBef>
                 <a:spcPts val="0"/>
               </a:spcBef>
@@ -8902,7 +8882,7 @@
               <a:buChar char="●"/>
               <a:defRPr/>
             </a:lvl4pPr>
-            <a:lvl5pPr indent="-298450" lvl="4" marL="2286000">
+            <a:lvl5pPr marL="2286000" lvl="4" indent="-298450">
               <a:spcBef>
                 <a:spcPts val="0"/>
               </a:spcBef>
@@ -8913,7 +8893,7 @@
               <a:buChar char="○"/>
               <a:defRPr/>
             </a:lvl5pPr>
-            <a:lvl6pPr indent="-298450" lvl="5" marL="2743200">
+            <a:lvl6pPr marL="2743200" lvl="5" indent="-298450">
               <a:spcBef>
                 <a:spcPts val="0"/>
               </a:spcBef>
@@ -8924,7 +8904,7 @@
               <a:buChar char="■"/>
               <a:defRPr/>
             </a:lvl6pPr>
-            <a:lvl7pPr indent="-298450" lvl="6" marL="3200400">
+            <a:lvl7pPr marL="3200400" lvl="6" indent="-298450">
               <a:spcBef>
                 <a:spcPts val="0"/>
               </a:spcBef>
@@ -8935,7 +8915,7 @@
               <a:buChar char="●"/>
               <a:defRPr/>
             </a:lvl7pPr>
-            <a:lvl8pPr indent="-298450" lvl="7" marL="3657600">
+            <a:lvl8pPr marL="3657600" lvl="7" indent="-298450">
               <a:spcBef>
                 <a:spcPts val="0"/>
               </a:spcBef>
@@ -8946,7 +8926,7 @@
               <a:buChar char="○"/>
               <a:defRPr/>
             </a:lvl8pPr>
-            <a:lvl9pPr indent="-298450" lvl="8" marL="4114800">
+            <a:lvl9pPr marL="4114800" lvl="8" indent="-298450">
               <a:spcBef>
                 <a:spcPts val="0"/>
               </a:spcBef>
@@ -8958,15 +8938,19 @@
               <a:defRPr/>
             </a:lvl9pPr>
           </a:lstStyle>
-          <a:p/>
+          <a:p>
+            <a:endParaRPr/>
+          </a:p>
         </p:txBody>
       </p:sp>
       <p:sp>
         <p:nvSpPr>
           <p:cNvPr id="98" name="Google Shape;98;p9"/>
-          <p:cNvSpPr txBox="1"/>
+          <p:cNvSpPr txBox="1">
+            <a:spLocks noGrp="1"/>
+          </p:cNvSpPr>
           <p:nvPr>
-            <p:ph idx="12" type="sldNum"/>
+            <p:ph type="sldNum" idx="12"/>
           </p:nvPr>
         </p:nvSpPr>
         <p:spPr>
@@ -8979,7 +8963,7 @@
           </a:prstGeom>
         </p:spPr>
         <p:txBody>
-          <a:bodyPr anchorCtr="0" anchor="ctr" bIns="91425" lIns="91425" spcFirstLastPara="1" rIns="91425" wrap="square" tIns="91425">
+          <a:bodyPr spcFirstLastPara="1" wrap="square" lIns="91425" tIns="91425" rIns="91425" bIns="91425" anchor="ctr" anchorCtr="0">
             <a:normAutofit/>
           </a:bodyPr>
           <a:lstStyle>
@@ -9021,7 +9005,7 @@
             </a:lvl9pPr>
           </a:lstStyle>
           <a:p>
-            <a:pPr indent="0" lvl="0" marL="0" rtl="0" algn="r">
+            <a:pPr marL="0" lvl="0" indent="0" algn="r" rtl="0">
               <a:spcBef>
                 <a:spcPts val="0"/>
               </a:spcBef>
@@ -9047,11 +9031,11 @@
 </file>
 
 <file path=ppt/slideLayouts/slideLayout9.xml><?xml version="1.0" encoding="utf-8"?>
-<p:sldLayout xmlns:a="http://schemas.openxmlformats.org/drawingml/2006/main" xmlns:r="http://schemas.openxmlformats.org/officeDocument/2006/relationships" xmlns:mc="http://schemas.openxmlformats.org/markup-compatibility/2006" xmlns:mv="urn:schemas-microsoft-com:mac:vml" xmlns:p="http://schemas.openxmlformats.org/presentationml/2006/main" xmlns:c="http://schemas.openxmlformats.org/drawingml/2006/chart" xmlns:dgm="http://schemas.openxmlformats.org/drawingml/2006/diagram" xmlns:o="urn:schemas-microsoft-com:office:office" xmlns:v="urn:schemas-microsoft-com:vml" xmlns:pvml="urn:schemas-microsoft-com:office:powerpoint" xmlns:com="http://schemas.openxmlformats.org/drawingml/2006/compatibility" xmlns:p14="http://schemas.microsoft.com/office/powerpoint/2010/main" xmlns:p15="http://schemas.microsoft.com/office/powerpoint/2012/main" xmlns:ahyp="http://schemas.microsoft.com/office/drawing/2018/hyperlinkcolor" matchingName="Caption">
+<p:sldLayout xmlns:a="http://schemas.openxmlformats.org/drawingml/2006/main" xmlns:r="http://schemas.openxmlformats.org/officeDocument/2006/relationships" xmlns:p="http://schemas.openxmlformats.org/presentationml/2006/main" matchingName="Caption">
   <p:cSld name="CAPTION_ONLY">
     <p:spTree>
       <p:nvGrpSpPr>
-        <p:cNvPr id="99" name="Shape 99"/>
+        <p:cNvPr id="1" name="Shape 99"/>
         <p:cNvGrpSpPr/>
         <p:nvPr/>
       </p:nvGrpSpPr>
@@ -9090,7 +9074,7 @@
             </a:xfrm>
             <a:prstGeom prst="diagStripe">
               <a:avLst>
-                <a:gd fmla="val 50000" name="adj"/>
+                <a:gd name="adj" fmla="val 50000"/>
               </a:avLst>
             </a:prstGeom>
             <a:solidFill>
@@ -9103,12 +9087,12 @@
             </a:ln>
           </p:spPr>
           <p:txBody>
-            <a:bodyPr anchorCtr="0" anchor="ctr" bIns="91425" lIns="91425" spcFirstLastPara="1" rIns="91425" wrap="square" tIns="91425">
+            <a:bodyPr spcFirstLastPara="1" wrap="square" lIns="91425" tIns="91425" rIns="91425" bIns="91425" anchor="ctr" anchorCtr="0">
               <a:noAutofit/>
             </a:bodyPr>
             <a:lstStyle/>
             <a:p>
-              <a:pPr indent="0" lvl="0" marL="0" rtl="0" algn="l">
+              <a:pPr marL="0" lvl="0" indent="0" algn="l" rtl="0">
                 <a:spcBef>
                   <a:spcPts val="0"/>
                 </a:spcBef>
@@ -9117,9 +9101,6 @@
                 </a:spcAft>
                 <a:buNone/>
               </a:pPr>
-              <a:r>
-                <a:t/>
-              </a:r>
               <a:endParaRPr/>
             </a:p>
           </p:txBody>
@@ -9137,7 +9118,7 @@
             </a:xfrm>
             <a:prstGeom prst="diagStripe">
               <a:avLst>
-                <a:gd fmla="val 50000" name="adj"/>
+                <a:gd name="adj" fmla="val 50000"/>
               </a:avLst>
             </a:prstGeom>
             <a:solidFill>
@@ -9150,12 +9131,12 @@
             </a:ln>
           </p:spPr>
           <p:txBody>
-            <a:bodyPr anchorCtr="0" anchor="ctr" bIns="91425" lIns="91425" spcFirstLastPara="1" rIns="91425" wrap="square" tIns="91425">
+            <a:bodyPr spcFirstLastPara="1" wrap="square" lIns="91425" tIns="91425" rIns="91425" bIns="91425" anchor="ctr" anchorCtr="0">
               <a:noAutofit/>
             </a:bodyPr>
             <a:lstStyle/>
             <a:p>
-              <a:pPr indent="0" lvl="0" marL="0" rtl="0" algn="l">
+              <a:pPr marL="0" lvl="0" indent="0" algn="l" rtl="0">
                 <a:spcBef>
                   <a:spcPts val="0"/>
                 </a:spcBef>
@@ -9164,9 +9145,6 @@
                 </a:spcAft>
                 <a:buNone/>
               </a:pPr>
-              <a:r>
-                <a:t/>
-              </a:r>
               <a:endParaRPr/>
             </a:p>
           </p:txBody>
@@ -9175,9 +9153,11 @@
       <p:sp>
         <p:nvSpPr>
           <p:cNvPr id="103" name="Google Shape;103;p10"/>
-          <p:cNvSpPr txBox="1"/>
+          <p:cNvSpPr txBox="1">
+            <a:spLocks noGrp="1"/>
+          </p:cNvSpPr>
           <p:nvPr>
-            <p:ph idx="1" type="body"/>
+            <p:ph type="body" idx="1"/>
           </p:nvPr>
         </p:nvSpPr>
         <p:spPr>
@@ -9190,11 +9170,11 @@
           </a:prstGeom>
         </p:spPr>
         <p:txBody>
-          <a:bodyPr anchorCtr="0" anchor="ctr" bIns="91425" lIns="91425" spcFirstLastPara="1" rIns="91425" wrap="square" tIns="91425">
+          <a:bodyPr spcFirstLastPara="1" wrap="square" lIns="91425" tIns="91425" rIns="91425" bIns="91425" anchor="ctr" anchorCtr="0">
             <a:normAutofit/>
           </a:bodyPr>
           <a:lstStyle>
-            <a:lvl1pPr indent="-228600" lvl="0" marL="457200">
+            <a:lvl1pPr marL="457200" lvl="0" indent="-228600">
               <a:lnSpc>
                 <a:spcPct val="100000"/>
               </a:lnSpc>
@@ -9209,15 +9189,19 @@
               <a:defRPr/>
             </a:lvl1pPr>
           </a:lstStyle>
-          <a:p/>
+          <a:p>
+            <a:endParaRPr/>
+          </a:p>
         </p:txBody>
       </p:sp>
       <p:sp>
         <p:nvSpPr>
           <p:cNvPr id="104" name="Google Shape;104;p10"/>
-          <p:cNvSpPr txBox="1"/>
+          <p:cNvSpPr txBox="1">
+            <a:spLocks noGrp="1"/>
+          </p:cNvSpPr>
           <p:nvPr>
-            <p:ph idx="12" type="sldNum"/>
+            <p:ph type="sldNum" idx="12"/>
           </p:nvPr>
         </p:nvSpPr>
         <p:spPr>
@@ -9230,7 +9214,7 @@
           </a:prstGeom>
         </p:spPr>
         <p:txBody>
-          <a:bodyPr anchorCtr="0" anchor="ctr" bIns="91425" lIns="91425" spcFirstLastPara="1" rIns="91425" wrap="square" tIns="91425">
+          <a:bodyPr spcFirstLastPara="1" wrap="square" lIns="91425" tIns="91425" rIns="91425" bIns="91425" anchor="ctr" anchorCtr="0">
             <a:normAutofit/>
           </a:bodyPr>
           <a:lstStyle>
@@ -9272,7 +9256,7 @@
             </a:lvl9pPr>
           </a:lstStyle>
           <a:p>
-            <a:pPr indent="0" lvl="0" marL="0" rtl="0" algn="r">
+            <a:pPr marL="0" lvl="0" indent="0" algn="r" rtl="0">
               <a:spcBef>
                 <a:spcPts val="0"/>
               </a:spcBef>
@@ -9298,18 +9282,19 @@
 </file>
 
 <file path=ppt/slideMasters/slideMaster1.xml><?xml version="1.0" encoding="utf-8"?>
-<p:sldMaster xmlns:a="http://schemas.openxmlformats.org/drawingml/2006/main" xmlns:r="http://schemas.openxmlformats.org/officeDocument/2006/relationships" xmlns:mc="http://schemas.openxmlformats.org/markup-compatibility/2006" xmlns:mv="urn:schemas-microsoft-com:mac:vml" xmlns:p="http://schemas.openxmlformats.org/presentationml/2006/main" xmlns:c="http://schemas.openxmlformats.org/drawingml/2006/chart" xmlns:dgm="http://schemas.openxmlformats.org/drawingml/2006/diagram" xmlns:o="urn:schemas-microsoft-com:office:office" xmlns:v="urn:schemas-microsoft-com:vml" xmlns:pvml="urn:schemas-microsoft-com:office:powerpoint" xmlns:com="http://schemas.openxmlformats.org/drawingml/2006/compatibility" xmlns:p14="http://schemas.microsoft.com/office/powerpoint/2010/main" xmlns:p15="http://schemas.microsoft.com/office/powerpoint/2012/main" xmlns:ahyp="http://schemas.microsoft.com/office/drawing/2018/hyperlinkcolor">
+<p:sldMaster xmlns:a="http://schemas.openxmlformats.org/drawingml/2006/main" xmlns:r="http://schemas.openxmlformats.org/officeDocument/2006/relationships" xmlns:p="http://schemas.openxmlformats.org/presentationml/2006/main">
   <p:cSld name="focus">
     <p:bg>
       <p:bgPr>
         <a:solidFill>
           <a:schemeClr val="dk1"/>
         </a:solidFill>
+        <a:effectLst/>
       </p:bgPr>
     </p:bg>
     <p:spTree>
       <p:nvGrpSpPr>
-        <p:cNvPr id="5" name="Shape 5"/>
+        <p:cNvPr id="1" name="Shape 5"/>
         <p:cNvGrpSpPr/>
         <p:nvPr/>
       </p:nvGrpSpPr>
@@ -9324,7 +9309,9 @@
       <p:sp>
         <p:nvSpPr>
           <p:cNvPr id="6" name="Google Shape;6;p1"/>
-          <p:cNvSpPr txBox="1"/>
+          <p:cNvSpPr txBox="1">
+            <a:spLocks noGrp="1"/>
+          </p:cNvSpPr>
           <p:nvPr>
             <p:ph type="title"/>
           </p:nvPr>
@@ -9343,7 +9330,7 @@
           </a:ln>
         </p:spPr>
         <p:txBody>
-          <a:bodyPr anchorCtr="0" anchor="t" bIns="91425" lIns="91425" spcFirstLastPara="1" rIns="91425" wrap="square" tIns="91425">
+          <a:bodyPr spcFirstLastPara="1" wrap="square" lIns="91425" tIns="91425" rIns="91425" bIns="91425" anchor="t" anchorCtr="0">
             <a:normAutofit/>
           </a:bodyPr>
           <a:lstStyle>
@@ -9555,15 +9542,19 @@
               </a:defRPr>
             </a:lvl9pPr>
           </a:lstStyle>
-          <a:p/>
+          <a:p>
+            <a:endParaRPr/>
+          </a:p>
         </p:txBody>
       </p:sp>
       <p:sp>
         <p:nvSpPr>
           <p:cNvPr id="7" name="Google Shape;7;p1"/>
-          <p:cNvSpPr txBox="1"/>
+          <p:cNvSpPr txBox="1">
+            <a:spLocks noGrp="1"/>
+          </p:cNvSpPr>
           <p:nvPr>
-            <p:ph idx="1" type="body"/>
+            <p:ph type="body" idx="1"/>
           </p:nvPr>
         </p:nvSpPr>
         <p:spPr>
@@ -9580,11 +9571,11 @@
           </a:ln>
         </p:spPr>
         <p:txBody>
-          <a:bodyPr anchorCtr="0" anchor="t" bIns="91425" lIns="91425" spcFirstLastPara="1" rIns="91425" wrap="square" tIns="91425">
+          <a:bodyPr spcFirstLastPara="1" wrap="square" lIns="91425" tIns="91425" rIns="91425" bIns="91425" anchor="t" anchorCtr="0">
             <a:normAutofit/>
           </a:bodyPr>
           <a:lstStyle>
-            <a:lvl1pPr indent="-311150" lvl="0" marL="457200">
+            <a:lvl1pPr marL="457200" lvl="0" indent="-311150">
               <a:lnSpc>
                 <a:spcPct val="115000"/>
               </a:lnSpc>
@@ -9610,7 +9601,7 @@
                 <a:sym typeface="Lato"/>
               </a:defRPr>
             </a:lvl1pPr>
-            <a:lvl2pPr indent="-298450" lvl="1" marL="914400">
+            <a:lvl2pPr marL="914400" lvl="1" indent="-298450">
               <a:lnSpc>
                 <a:spcPct val="115000"/>
               </a:lnSpc>
@@ -9636,7 +9627,7 @@
                 <a:sym typeface="Lato"/>
               </a:defRPr>
             </a:lvl2pPr>
-            <a:lvl3pPr indent="-298450" lvl="2" marL="1371600">
+            <a:lvl3pPr marL="1371600" lvl="2" indent="-298450">
               <a:lnSpc>
                 <a:spcPct val="115000"/>
               </a:lnSpc>
@@ -9662,7 +9653,7 @@
                 <a:sym typeface="Lato"/>
               </a:defRPr>
             </a:lvl3pPr>
-            <a:lvl4pPr indent="-298450" lvl="3" marL="1828800">
+            <a:lvl4pPr marL="1828800" lvl="3" indent="-298450">
               <a:lnSpc>
                 <a:spcPct val="115000"/>
               </a:lnSpc>
@@ -9688,7 +9679,7 @@
                 <a:sym typeface="Lato"/>
               </a:defRPr>
             </a:lvl4pPr>
-            <a:lvl5pPr indent="-298450" lvl="4" marL="2286000">
+            <a:lvl5pPr marL="2286000" lvl="4" indent="-298450">
               <a:lnSpc>
                 <a:spcPct val="115000"/>
               </a:lnSpc>
@@ -9714,7 +9705,7 @@
                 <a:sym typeface="Lato"/>
               </a:defRPr>
             </a:lvl5pPr>
-            <a:lvl6pPr indent="-298450" lvl="5" marL="2743200">
+            <a:lvl6pPr marL="2743200" lvl="5" indent="-298450">
               <a:lnSpc>
                 <a:spcPct val="115000"/>
               </a:lnSpc>
@@ -9740,7 +9731,7 @@
                 <a:sym typeface="Lato"/>
               </a:defRPr>
             </a:lvl6pPr>
-            <a:lvl7pPr indent="-298450" lvl="6" marL="3200400">
+            <a:lvl7pPr marL="3200400" lvl="6" indent="-298450">
               <a:lnSpc>
                 <a:spcPct val="115000"/>
               </a:lnSpc>
@@ -9766,7 +9757,7 @@
                 <a:sym typeface="Lato"/>
               </a:defRPr>
             </a:lvl7pPr>
-            <a:lvl8pPr indent="-298450" lvl="7" marL="3657600">
+            <a:lvl8pPr marL="3657600" lvl="7" indent="-298450">
               <a:lnSpc>
                 <a:spcPct val="115000"/>
               </a:lnSpc>
@@ -9792,7 +9783,7 @@
                 <a:sym typeface="Lato"/>
               </a:defRPr>
             </a:lvl8pPr>
-            <a:lvl9pPr indent="-298450" lvl="8" marL="4114800">
+            <a:lvl9pPr marL="4114800" lvl="8" indent="-298450">
               <a:lnSpc>
                 <a:spcPct val="115000"/>
               </a:lnSpc>
@@ -9819,15 +9810,19 @@
               </a:defRPr>
             </a:lvl9pPr>
           </a:lstStyle>
-          <a:p/>
+          <a:p>
+            <a:endParaRPr/>
+          </a:p>
         </p:txBody>
       </p:sp>
       <p:sp>
         <p:nvSpPr>
           <p:cNvPr id="8" name="Google Shape;8;p1"/>
-          <p:cNvSpPr txBox="1"/>
+          <p:cNvSpPr txBox="1">
+            <a:spLocks noGrp="1"/>
+          </p:cNvSpPr>
           <p:nvPr>
-            <p:ph idx="12" type="sldNum"/>
+            <p:ph type="sldNum" idx="12"/>
           </p:nvPr>
         </p:nvSpPr>
         <p:spPr>
@@ -9844,7 +9839,7 @@
           </a:ln>
         </p:spPr>
         <p:txBody>
-          <a:bodyPr anchorCtr="0" anchor="ctr" bIns="91425" lIns="91425" spcFirstLastPara="1" rIns="91425" wrap="square" tIns="91425">
+          <a:bodyPr spcFirstLastPara="1" wrap="square" lIns="91425" tIns="91425" rIns="91425" bIns="91425" anchor="ctr" anchorCtr="0">
             <a:normAutofit/>
           </a:bodyPr>
           <a:lstStyle>
@@ -9958,7 +9953,7 @@
             </a:lvl9pPr>
           </a:lstStyle>
           <a:p>
-            <a:pPr indent="0" lvl="0" marL="0" rtl="0" algn="r">
+            <a:pPr marL="0" lvl="0" indent="0" algn="r" rtl="0">
               <a:spcBef>
                 <a:spcPts val="0"/>
               </a:spcBef>
@@ -9977,7 +9972,7 @@
       </p:sp>
     </p:spTree>
   </p:cSld>
-  <p:clrMap accent1="accent1" accent2="accent2" accent3="accent3" accent4="accent4" accent5="accent5" accent6="accent6" bg1="lt1" bg2="dk2" tx1="dk1" tx2="lt2" folHlink="folHlink" hlink="hlink"/>
+  <p:clrMap bg1="lt1" tx1="dk1" bg2="dk2" tx2="lt2" accent1="accent1" accent2="accent2" accent3="accent3" accent4="accent4" accent5="accent5" accent6="accent6" hlink="hlink" folHlink="folHlink"/>
   <p:sldLayoutIdLst>
     <p:sldLayoutId id="2147483648" r:id="rId1"/>
     <p:sldLayoutId id="2147483649" r:id="rId2"/>
@@ -9991,10 +9986,10 @@
     <p:sldLayoutId id="2147483657" r:id="rId10"/>
     <p:sldLayoutId id="2147483658" r:id="rId11"/>
   </p:sldLayoutIdLst>
-  <p:hf dt="0" ftr="0" hdr="0" sldNum="0"/>
+  <p:hf sldNum="0" hdr="0" ftr="0" dt="0"/>
   <p:txStyles>
     <p:titleStyle>
-      <a:defPPr lvl="0" marR="0" rtl="0" algn="l">
+      <a:defPPr marR="0" lvl="0" algn="l" rtl="0">
         <a:lnSpc>
           <a:spcPct val="100000"/>
         </a:lnSpc>
@@ -10005,7 +10000,7 @@
           <a:spcPts val="0"/>
         </a:spcAft>
       </a:defPPr>
-      <a:lvl1pPr lvl="0" marR="0" rtl="0" algn="l">
+      <a:lvl1pPr marR="0" lvl="0" algn="l" rtl="0">
         <a:lnSpc>
           <a:spcPct val="100000"/>
         </a:lnSpc>
@@ -10019,7 +10014,7 @@
           <a:srgbClr val="000000"/>
         </a:buClr>
         <a:buFont typeface="Arial"/>
-        <a:defRPr b="0" i="0" sz="1400" u="none" cap="none" strike="noStrike">
+        <a:defRPr sz="1400" b="0" i="0" u="none" strike="noStrike" cap="none">
           <a:solidFill>
             <a:srgbClr val="000000"/>
           </a:solidFill>
@@ -10029,7 +10024,7 @@
           <a:sym typeface="Arial"/>
         </a:defRPr>
       </a:lvl1pPr>
-      <a:lvl2pPr lvl="1" marR="0" rtl="0" algn="l">
+      <a:lvl2pPr marR="0" lvl="1" algn="l" rtl="0">
         <a:lnSpc>
           <a:spcPct val="100000"/>
         </a:lnSpc>
@@ -10043,7 +10038,7 @@
           <a:srgbClr val="000000"/>
         </a:buClr>
         <a:buFont typeface="Arial"/>
-        <a:defRPr b="0" i="0" sz="1400" u="none" cap="none" strike="noStrike">
+        <a:defRPr sz="1400" b="0" i="0" u="none" strike="noStrike" cap="none">
           <a:solidFill>
             <a:srgbClr val="000000"/>
           </a:solidFill>
@@ -10053,7 +10048,7 @@
           <a:sym typeface="Arial"/>
         </a:defRPr>
       </a:lvl2pPr>
-      <a:lvl3pPr lvl="2" marR="0" rtl="0" algn="l">
+      <a:lvl3pPr marR="0" lvl="2" algn="l" rtl="0">
         <a:lnSpc>
           <a:spcPct val="100000"/>
         </a:lnSpc>
@@ -10067,7 +10062,7 @@
           <a:srgbClr val="000000"/>
         </a:buClr>
         <a:buFont typeface="Arial"/>
-        <a:defRPr b="0" i="0" sz="1400" u="none" cap="none" strike="noStrike">
+        <a:defRPr sz="1400" b="0" i="0" u="none" strike="noStrike" cap="none">
           <a:solidFill>
             <a:srgbClr val="000000"/>
           </a:solidFill>
@@ -10077,7 +10072,7 @@
           <a:sym typeface="Arial"/>
         </a:defRPr>
       </a:lvl3pPr>
-      <a:lvl4pPr lvl="3" marR="0" rtl="0" algn="l">
+      <a:lvl4pPr marR="0" lvl="3" algn="l" rtl="0">
         <a:lnSpc>
           <a:spcPct val="100000"/>
         </a:lnSpc>
@@ -10091,7 +10086,7 @@
           <a:srgbClr val="000000"/>
         </a:buClr>
         <a:buFont typeface="Arial"/>
-        <a:defRPr b="0" i="0" sz="1400" u="none" cap="none" strike="noStrike">
+        <a:defRPr sz="1400" b="0" i="0" u="none" strike="noStrike" cap="none">
           <a:solidFill>
             <a:srgbClr val="000000"/>
           </a:solidFill>
@@ -10101,7 +10096,7 @@
           <a:sym typeface="Arial"/>
         </a:defRPr>
       </a:lvl4pPr>
-      <a:lvl5pPr lvl="4" marR="0" rtl="0" algn="l">
+      <a:lvl5pPr marR="0" lvl="4" algn="l" rtl="0">
         <a:lnSpc>
           <a:spcPct val="100000"/>
         </a:lnSpc>
@@ -10115,7 +10110,7 @@
           <a:srgbClr val="000000"/>
         </a:buClr>
         <a:buFont typeface="Arial"/>
-        <a:defRPr b="0" i="0" sz="1400" u="none" cap="none" strike="noStrike">
+        <a:defRPr sz="1400" b="0" i="0" u="none" strike="noStrike" cap="none">
           <a:solidFill>
             <a:srgbClr val="000000"/>
           </a:solidFill>
@@ -10125,7 +10120,7 @@
           <a:sym typeface="Arial"/>
         </a:defRPr>
       </a:lvl5pPr>
-      <a:lvl6pPr lvl="5" marR="0" rtl="0" algn="l">
+      <a:lvl6pPr marR="0" lvl="5" algn="l" rtl="0">
         <a:lnSpc>
           <a:spcPct val="100000"/>
         </a:lnSpc>
@@ -10139,7 +10134,7 @@
           <a:srgbClr val="000000"/>
         </a:buClr>
         <a:buFont typeface="Arial"/>
-        <a:defRPr b="0" i="0" sz="1400" u="none" cap="none" strike="noStrike">
+        <a:defRPr sz="1400" b="0" i="0" u="none" strike="noStrike" cap="none">
           <a:solidFill>
             <a:srgbClr val="000000"/>
           </a:solidFill>
@@ -10149,7 +10144,7 @@
           <a:sym typeface="Arial"/>
         </a:defRPr>
       </a:lvl6pPr>
-      <a:lvl7pPr lvl="6" marR="0" rtl="0" algn="l">
+      <a:lvl7pPr marR="0" lvl="6" algn="l" rtl="0">
         <a:lnSpc>
           <a:spcPct val="100000"/>
         </a:lnSpc>
@@ -10163,7 +10158,7 @@
           <a:srgbClr val="000000"/>
         </a:buClr>
         <a:buFont typeface="Arial"/>
-        <a:defRPr b="0" i="0" sz="1400" u="none" cap="none" strike="noStrike">
+        <a:defRPr sz="1400" b="0" i="0" u="none" strike="noStrike" cap="none">
           <a:solidFill>
             <a:srgbClr val="000000"/>
           </a:solidFill>
@@ -10173,7 +10168,7 @@
           <a:sym typeface="Arial"/>
         </a:defRPr>
       </a:lvl7pPr>
-      <a:lvl8pPr lvl="7" marR="0" rtl="0" algn="l">
+      <a:lvl8pPr marR="0" lvl="7" algn="l" rtl="0">
         <a:lnSpc>
           <a:spcPct val="100000"/>
         </a:lnSpc>
@@ -10187,7 +10182,7 @@
           <a:srgbClr val="000000"/>
         </a:buClr>
         <a:buFont typeface="Arial"/>
-        <a:defRPr b="0" i="0" sz="1400" u="none" cap="none" strike="noStrike">
+        <a:defRPr sz="1400" b="0" i="0" u="none" strike="noStrike" cap="none">
           <a:solidFill>
             <a:srgbClr val="000000"/>
           </a:solidFill>
@@ -10197,7 +10192,7 @@
           <a:sym typeface="Arial"/>
         </a:defRPr>
       </a:lvl8pPr>
-      <a:lvl9pPr lvl="8" marR="0" rtl="0" algn="l">
+      <a:lvl9pPr marR="0" lvl="8" algn="l" rtl="0">
         <a:lnSpc>
           <a:spcPct val="100000"/>
         </a:lnSpc>
@@ -10211,7 +10206,7 @@
           <a:srgbClr val="000000"/>
         </a:buClr>
         <a:buFont typeface="Arial"/>
-        <a:defRPr b="0" i="0" sz="1400" u="none" cap="none" strike="noStrike">
+        <a:defRPr sz="1400" b="0" i="0" u="none" strike="noStrike" cap="none">
           <a:solidFill>
             <a:srgbClr val="000000"/>
           </a:solidFill>
@@ -10223,7 +10218,7 @@
       </a:lvl9pPr>
     </p:titleStyle>
     <p:bodyStyle>
-      <a:defPPr lvl="0" marR="0" rtl="0" algn="l">
+      <a:defPPr marR="0" lvl="0" algn="l" rtl="0">
         <a:lnSpc>
           <a:spcPct val="100000"/>
         </a:lnSpc>
@@ -10234,7 +10229,7 @@
           <a:spcPts val="0"/>
         </a:spcAft>
       </a:defPPr>
-      <a:lvl1pPr lvl="0" marR="0" rtl="0" algn="l">
+      <a:lvl1pPr marR="0" lvl="0" algn="l" rtl="0">
         <a:lnSpc>
           <a:spcPct val="100000"/>
         </a:lnSpc>
@@ -10248,7 +10243,7 @@
           <a:srgbClr val="000000"/>
         </a:buClr>
         <a:buFont typeface="Arial"/>
-        <a:defRPr b="0" i="0" sz="1400" u="none" cap="none" strike="noStrike">
+        <a:defRPr sz="1400" b="0" i="0" u="none" strike="noStrike" cap="none">
           <a:solidFill>
             <a:srgbClr val="000000"/>
           </a:solidFill>
@@ -10258,7 +10253,7 @@
           <a:sym typeface="Arial"/>
         </a:defRPr>
       </a:lvl1pPr>
-      <a:lvl2pPr lvl="1" marR="0" rtl="0" algn="l">
+      <a:lvl2pPr marR="0" lvl="1" algn="l" rtl="0">
         <a:lnSpc>
           <a:spcPct val="100000"/>
         </a:lnSpc>
@@ -10272,7 +10267,7 @@
           <a:srgbClr val="000000"/>
         </a:buClr>
         <a:buFont typeface="Arial"/>
-        <a:defRPr b="0" i="0" sz="1400" u="none" cap="none" strike="noStrike">
+        <a:defRPr sz="1400" b="0" i="0" u="none" strike="noStrike" cap="none">
           <a:solidFill>
             <a:srgbClr val="000000"/>
           </a:solidFill>
@@ -10282,7 +10277,7 @@
           <a:sym typeface="Arial"/>
         </a:defRPr>
       </a:lvl2pPr>
-      <a:lvl3pPr lvl="2" marR="0" rtl="0" algn="l">
+      <a:lvl3pPr marR="0" lvl="2" algn="l" rtl="0">
         <a:lnSpc>
           <a:spcPct val="100000"/>
         </a:lnSpc>
@@ -10296,7 +10291,7 @@
           <a:srgbClr val="000000"/>
         </a:buClr>
         <a:buFont typeface="Arial"/>
-        <a:defRPr b="0" i="0" sz="1400" u="none" cap="none" strike="noStrike">
+        <a:defRPr sz="1400" b="0" i="0" u="none" strike="noStrike" cap="none">
           <a:solidFill>
             <a:srgbClr val="000000"/>
           </a:solidFill>
@@ -10306,7 +10301,7 @@
           <a:sym typeface="Arial"/>
         </a:defRPr>
       </a:lvl3pPr>
-      <a:lvl4pPr lvl="3" marR="0" rtl="0" algn="l">
+      <a:lvl4pPr marR="0" lvl="3" algn="l" rtl="0">
         <a:lnSpc>
           <a:spcPct val="100000"/>
         </a:lnSpc>
@@ -10320,7 +10315,7 @@
           <a:srgbClr val="000000"/>
         </a:buClr>
         <a:buFont typeface="Arial"/>
-        <a:defRPr b="0" i="0" sz="1400" u="none" cap="none" strike="noStrike">
+        <a:defRPr sz="1400" b="0" i="0" u="none" strike="noStrike" cap="none">
           <a:solidFill>
             <a:srgbClr val="000000"/>
           </a:solidFill>
@@ -10330,7 +10325,7 @@
           <a:sym typeface="Arial"/>
         </a:defRPr>
       </a:lvl4pPr>
-      <a:lvl5pPr lvl="4" marR="0" rtl="0" algn="l">
+      <a:lvl5pPr marR="0" lvl="4" algn="l" rtl="0">
         <a:lnSpc>
           <a:spcPct val="100000"/>
         </a:lnSpc>
@@ -10344,7 +10339,7 @@
           <a:srgbClr val="000000"/>
         </a:buClr>
         <a:buFont typeface="Arial"/>
-        <a:defRPr b="0" i="0" sz="1400" u="none" cap="none" strike="noStrike">
+        <a:defRPr sz="1400" b="0" i="0" u="none" strike="noStrike" cap="none">
           <a:solidFill>
             <a:srgbClr val="000000"/>
           </a:solidFill>
@@ -10354,7 +10349,7 @@
           <a:sym typeface="Arial"/>
         </a:defRPr>
       </a:lvl5pPr>
-      <a:lvl6pPr lvl="5" marR="0" rtl="0" algn="l">
+      <a:lvl6pPr marR="0" lvl="5" algn="l" rtl="0">
         <a:lnSpc>
           <a:spcPct val="100000"/>
         </a:lnSpc>
@@ -10368,7 +10363,7 @@
           <a:srgbClr val="000000"/>
         </a:buClr>
         <a:buFont typeface="Arial"/>
-        <a:defRPr b="0" i="0" sz="1400" u="none" cap="none" strike="noStrike">
+        <a:defRPr sz="1400" b="0" i="0" u="none" strike="noStrike" cap="none">
           <a:solidFill>
             <a:srgbClr val="000000"/>
           </a:solidFill>
@@ -10378,7 +10373,7 @@
           <a:sym typeface="Arial"/>
         </a:defRPr>
       </a:lvl6pPr>
-      <a:lvl7pPr lvl="6" marR="0" rtl="0" algn="l">
+      <a:lvl7pPr marR="0" lvl="6" algn="l" rtl="0">
         <a:lnSpc>
           <a:spcPct val="100000"/>
         </a:lnSpc>
@@ -10392,7 +10387,7 @@
           <a:srgbClr val="000000"/>
         </a:buClr>
         <a:buFont typeface="Arial"/>
-        <a:defRPr b="0" i="0" sz="1400" u="none" cap="none" strike="noStrike">
+        <a:defRPr sz="1400" b="0" i="0" u="none" strike="noStrike" cap="none">
           <a:solidFill>
             <a:srgbClr val="000000"/>
           </a:solidFill>
@@ -10402,7 +10397,7 @@
           <a:sym typeface="Arial"/>
         </a:defRPr>
       </a:lvl7pPr>
-      <a:lvl8pPr lvl="7" marR="0" rtl="0" algn="l">
+      <a:lvl8pPr marR="0" lvl="7" algn="l" rtl="0">
         <a:lnSpc>
           <a:spcPct val="100000"/>
         </a:lnSpc>
@@ -10416,7 +10411,7 @@
           <a:srgbClr val="000000"/>
         </a:buClr>
         <a:buFont typeface="Arial"/>
-        <a:defRPr b="0" i="0" sz="1400" u="none" cap="none" strike="noStrike">
+        <a:defRPr sz="1400" b="0" i="0" u="none" strike="noStrike" cap="none">
           <a:solidFill>
             <a:srgbClr val="000000"/>
           </a:solidFill>
@@ -10426,7 +10421,7 @@
           <a:sym typeface="Arial"/>
         </a:defRPr>
       </a:lvl8pPr>
-      <a:lvl9pPr lvl="8" marR="0" rtl="0" algn="l">
+      <a:lvl9pPr marR="0" lvl="8" algn="l" rtl="0">
         <a:lnSpc>
           <a:spcPct val="100000"/>
         </a:lnSpc>
@@ -10440,7 +10435,7 @@
           <a:srgbClr val="000000"/>
         </a:buClr>
         <a:buFont typeface="Arial"/>
-        <a:defRPr b="0" i="0" sz="1400" u="none" cap="none" strike="noStrike">
+        <a:defRPr sz="1400" b="0" i="0" u="none" strike="noStrike" cap="none">
           <a:solidFill>
             <a:srgbClr val="000000"/>
           </a:solidFill>
@@ -10452,7 +10447,7 @@
       </a:lvl9pPr>
     </p:bodyStyle>
     <p:otherStyle>
-      <a:defPPr lvl="0" marR="0" rtl="0" algn="l">
+      <a:defPPr marR="0" lvl="0" algn="l" rtl="0">
         <a:lnSpc>
           <a:spcPct val="100000"/>
         </a:lnSpc>
@@ -10463,7 +10458,7 @@
           <a:spcPts val="0"/>
         </a:spcAft>
       </a:defPPr>
-      <a:lvl1pPr lvl="0" marR="0" rtl="0" algn="l">
+      <a:lvl1pPr marR="0" lvl="0" algn="l" rtl="0">
         <a:lnSpc>
           <a:spcPct val="100000"/>
         </a:lnSpc>
@@ -10477,7 +10472,7 @@
           <a:srgbClr val="000000"/>
         </a:buClr>
         <a:buFont typeface="Arial"/>
-        <a:defRPr b="0" i="0" sz="1400" u="none" cap="none" strike="noStrike">
+        <a:defRPr sz="1400" b="0" i="0" u="none" strike="noStrike" cap="none">
           <a:solidFill>
             <a:srgbClr val="000000"/>
           </a:solidFill>
@@ -10487,7 +10482,7 @@
           <a:sym typeface="Arial"/>
         </a:defRPr>
       </a:lvl1pPr>
-      <a:lvl2pPr lvl="1" marR="0" rtl="0" algn="l">
+      <a:lvl2pPr marR="0" lvl="1" algn="l" rtl="0">
         <a:lnSpc>
           <a:spcPct val="100000"/>
         </a:lnSpc>
@@ -10501,7 +10496,7 @@
           <a:srgbClr val="000000"/>
         </a:buClr>
         <a:buFont typeface="Arial"/>
-        <a:defRPr b="0" i="0" sz="1400" u="none" cap="none" strike="noStrike">
+        <a:defRPr sz="1400" b="0" i="0" u="none" strike="noStrike" cap="none">
           <a:solidFill>
             <a:srgbClr val="000000"/>
           </a:solidFill>
@@ -10511,7 +10506,7 @@
           <a:sym typeface="Arial"/>
         </a:defRPr>
       </a:lvl2pPr>
-      <a:lvl3pPr lvl="2" marR="0" rtl="0" algn="l">
+      <a:lvl3pPr marR="0" lvl="2" algn="l" rtl="0">
         <a:lnSpc>
           <a:spcPct val="100000"/>
         </a:lnSpc>
@@ -10525,7 +10520,7 @@
           <a:srgbClr val="000000"/>
         </a:buClr>
         <a:buFont typeface="Arial"/>
-        <a:defRPr b="0" i="0" sz="1400" u="none" cap="none" strike="noStrike">
+        <a:defRPr sz="1400" b="0" i="0" u="none" strike="noStrike" cap="none">
           <a:solidFill>
             <a:srgbClr val="000000"/>
           </a:solidFill>
@@ -10535,7 +10530,7 @@
           <a:sym typeface="Arial"/>
         </a:defRPr>
       </a:lvl3pPr>
-      <a:lvl4pPr lvl="3" marR="0" rtl="0" algn="l">
+      <a:lvl4pPr marR="0" lvl="3" algn="l" rtl="0">
         <a:lnSpc>
           <a:spcPct val="100000"/>
         </a:lnSpc>
@@ -10549,7 +10544,7 @@
           <a:srgbClr val="000000"/>
         </a:buClr>
         <a:buFont typeface="Arial"/>
-        <a:defRPr b="0" i="0" sz="1400" u="none" cap="none" strike="noStrike">
+        <a:defRPr sz="1400" b="0" i="0" u="none" strike="noStrike" cap="none">
           <a:solidFill>
             <a:srgbClr val="000000"/>
           </a:solidFill>
@@ -10559,7 +10554,7 @@
           <a:sym typeface="Arial"/>
         </a:defRPr>
       </a:lvl4pPr>
-      <a:lvl5pPr lvl="4" marR="0" rtl="0" algn="l">
+      <a:lvl5pPr marR="0" lvl="4" algn="l" rtl="0">
         <a:lnSpc>
           <a:spcPct val="100000"/>
         </a:lnSpc>
@@ -10573,7 +10568,7 @@
           <a:srgbClr val="000000"/>
         </a:buClr>
         <a:buFont typeface="Arial"/>
-        <a:defRPr b="0" i="0" sz="1400" u="none" cap="none" strike="noStrike">
+        <a:defRPr sz="1400" b="0" i="0" u="none" strike="noStrike" cap="none">
           <a:solidFill>
             <a:srgbClr val="000000"/>
           </a:solidFill>
@@ -10583,7 +10578,7 @@
           <a:sym typeface="Arial"/>
         </a:defRPr>
       </a:lvl5pPr>
-      <a:lvl6pPr lvl="5" marR="0" rtl="0" algn="l">
+      <a:lvl6pPr marR="0" lvl="5" algn="l" rtl="0">
         <a:lnSpc>
           <a:spcPct val="100000"/>
         </a:lnSpc>
@@ -10597,7 +10592,7 @@
           <a:srgbClr val="000000"/>
         </a:buClr>
         <a:buFont typeface="Arial"/>
-        <a:defRPr b="0" i="0" sz="1400" u="none" cap="none" strike="noStrike">
+        <a:defRPr sz="1400" b="0" i="0" u="none" strike="noStrike" cap="none">
           <a:solidFill>
             <a:srgbClr val="000000"/>
           </a:solidFill>
@@ -10607,7 +10602,7 @@
           <a:sym typeface="Arial"/>
         </a:defRPr>
       </a:lvl6pPr>
-      <a:lvl7pPr lvl="6" marR="0" rtl="0" algn="l">
+      <a:lvl7pPr marR="0" lvl="6" algn="l" rtl="0">
         <a:lnSpc>
           <a:spcPct val="100000"/>
         </a:lnSpc>
@@ -10621,7 +10616,7 @@
           <a:srgbClr val="000000"/>
         </a:buClr>
         <a:buFont typeface="Arial"/>
-        <a:defRPr b="0" i="0" sz="1400" u="none" cap="none" strike="noStrike">
+        <a:defRPr sz="1400" b="0" i="0" u="none" strike="noStrike" cap="none">
           <a:solidFill>
             <a:srgbClr val="000000"/>
           </a:solidFill>
@@ -10631,7 +10626,7 @@
           <a:sym typeface="Arial"/>
         </a:defRPr>
       </a:lvl7pPr>
-      <a:lvl8pPr lvl="7" marR="0" rtl="0" algn="l">
+      <a:lvl8pPr marR="0" lvl="7" algn="l" rtl="0">
         <a:lnSpc>
           <a:spcPct val="100000"/>
         </a:lnSpc>
@@ -10645,7 +10640,7 @@
           <a:srgbClr val="000000"/>
         </a:buClr>
         <a:buFont typeface="Arial"/>
-        <a:defRPr b="0" i="0" sz="1400" u="none" cap="none" strike="noStrike">
+        <a:defRPr sz="1400" b="0" i="0" u="none" strike="noStrike" cap="none">
           <a:solidFill>
             <a:srgbClr val="000000"/>
           </a:solidFill>
@@ -10655,7 +10650,7 @@
           <a:sym typeface="Arial"/>
         </a:defRPr>
       </a:lvl8pPr>
-      <a:lvl9pPr lvl="8" marR="0" rtl="0" algn="l">
+      <a:lvl9pPr marR="0" lvl="8" algn="l" rtl="0">
         <a:lnSpc>
           <a:spcPct val="100000"/>
         </a:lnSpc>
@@ -10669,7 +10664,7 @@
           <a:srgbClr val="000000"/>
         </a:buClr>
         <a:buFont typeface="Arial"/>
-        <a:defRPr b="0" i="0" sz="1400" u="none" cap="none" strike="noStrike">
+        <a:defRPr sz="1400" b="0" i="0" u="none" strike="noStrike" cap="none">
           <a:solidFill>
             <a:srgbClr val="000000"/>
           </a:solidFill>
@@ -10685,18 +10680,19 @@
 </file>
 
 <file path=ppt/slides/slide1.xml><?xml version="1.0" encoding="utf-8"?>
-<p:sld xmlns:a="http://schemas.openxmlformats.org/drawingml/2006/main" xmlns:r="http://schemas.openxmlformats.org/officeDocument/2006/relationships" xmlns:mc="http://schemas.openxmlformats.org/markup-compatibility/2006" xmlns:mv="urn:schemas-microsoft-com:mac:vml" xmlns:p="http://schemas.openxmlformats.org/presentationml/2006/main" xmlns:c="http://schemas.openxmlformats.org/drawingml/2006/chart" xmlns:dgm="http://schemas.openxmlformats.org/drawingml/2006/diagram" xmlns:o="urn:schemas-microsoft-com:office:office" xmlns:v="urn:schemas-microsoft-com:vml" xmlns:pvml="urn:schemas-microsoft-com:office:powerpoint" xmlns:com="http://schemas.openxmlformats.org/drawingml/2006/compatibility" xmlns:p14="http://schemas.microsoft.com/office/powerpoint/2010/main" xmlns:p15="http://schemas.microsoft.com/office/powerpoint/2012/main" xmlns:ahyp="http://schemas.microsoft.com/office/drawing/2018/hyperlinkcolor">
+<p:sld xmlns:a="http://schemas.openxmlformats.org/drawingml/2006/main" xmlns:r="http://schemas.openxmlformats.org/officeDocument/2006/relationships" xmlns:p="http://schemas.openxmlformats.org/presentationml/2006/main">
   <p:cSld>
     <p:bg>
       <p:bgPr>
         <a:solidFill>
           <a:srgbClr val="000000"/>
         </a:solidFill>
+        <a:effectLst/>
       </p:bgPr>
     </p:bg>
     <p:spTree>
       <p:nvGrpSpPr>
-        <p:cNvPr id="133" name="Shape 133"/>
+        <p:cNvPr id="1" name="Shape 133"/>
         <p:cNvGrpSpPr/>
         <p:nvPr/>
       </p:nvGrpSpPr>
@@ -10711,7 +10707,9 @@
       <p:sp>
         <p:nvSpPr>
           <p:cNvPr id="134" name="Google Shape;134;p13"/>
-          <p:cNvSpPr txBox="1"/>
+          <p:cNvSpPr txBox="1">
+            <a:spLocks noGrp="1"/>
+          </p:cNvSpPr>
           <p:nvPr>
             <p:ph type="ctrTitle"/>
           </p:nvPr>
@@ -10726,12 +10724,12 @@
           </a:prstGeom>
         </p:spPr>
         <p:txBody>
-          <a:bodyPr anchorCtr="0" anchor="t" bIns="91425" lIns="91425" spcFirstLastPara="1" rIns="91425" wrap="square" tIns="91425">
+          <a:bodyPr spcFirstLastPara="1" wrap="square" lIns="91425" tIns="91425" rIns="91425" bIns="91425" anchor="t" anchorCtr="0">
             <a:normAutofit/>
           </a:bodyPr>
           <a:lstStyle/>
           <a:p>
-            <a:pPr indent="0" lvl="0" marL="0" rtl="0" algn="l">
+            <a:pPr marL="0" lvl="0" indent="0" algn="l" rtl="0">
               <a:spcBef>
                 <a:spcPts val="0"/>
               </a:spcBef>
@@ -10751,9 +10749,11 @@
       <p:sp>
         <p:nvSpPr>
           <p:cNvPr id="135" name="Google Shape;135;p13"/>
-          <p:cNvSpPr txBox="1"/>
+          <p:cNvSpPr txBox="1">
+            <a:spLocks noGrp="1"/>
+          </p:cNvSpPr>
           <p:nvPr>
-            <p:ph idx="1" type="subTitle"/>
+            <p:ph type="subTitle" idx="1"/>
           </p:nvPr>
         </p:nvSpPr>
         <p:spPr>
@@ -10766,12 +10766,12 @@
           </a:prstGeom>
         </p:spPr>
         <p:txBody>
-          <a:bodyPr anchorCtr="0" anchor="t" bIns="91425" lIns="91425" spcFirstLastPara="1" rIns="91425" wrap="square" tIns="91425">
+          <a:bodyPr spcFirstLastPara="1" wrap="square" lIns="91425" tIns="91425" rIns="91425" bIns="91425" anchor="t" anchorCtr="0">
             <a:normAutofit/>
           </a:bodyPr>
           <a:lstStyle/>
           <a:p>
-            <a:pPr indent="0" lvl="0" marL="0" rtl="0" algn="l">
+            <a:pPr marL="0" lvl="0" indent="0" algn="l" rtl="0">
               <a:spcBef>
                 <a:spcPts val="0"/>
               </a:spcBef>
@@ -10787,7 +10787,7 @@
             <a:endParaRPr/>
           </a:p>
           <a:p>
-            <a:pPr indent="0" lvl="0" marL="0" rtl="0" algn="l">
+            <a:pPr marL="0" lvl="0" indent="0" algn="l" rtl="0">
               <a:spcBef>
                 <a:spcPts val="0"/>
               </a:spcBef>
@@ -10796,13 +10796,10 @@
               </a:spcAft>
               <a:buNone/>
             </a:pPr>
-            <a:r>
-              <a:t/>
-            </a:r>
             <a:endParaRPr/>
           </a:p>
           <a:p>
-            <a:pPr indent="0" lvl="0" marL="0" rtl="0" algn="l">
+            <a:pPr marL="0" lvl="0" indent="0" algn="l" rtl="0">
               <a:spcBef>
                 <a:spcPts val="0"/>
               </a:spcBef>
@@ -10818,7 +10815,7 @@
             <a:endParaRPr/>
           </a:p>
           <a:p>
-            <a:pPr indent="0" lvl="0" marL="0" rtl="0" algn="l">
+            <a:pPr marL="0" lvl="0" indent="0" algn="l" rtl="0">
               <a:spcBef>
                 <a:spcPts val="0"/>
               </a:spcBef>
@@ -10844,18 +10841,19 @@
 </file>
 
 <file path=ppt/slides/slide10.xml><?xml version="1.0" encoding="utf-8"?>
-<p:sld xmlns:a="http://schemas.openxmlformats.org/drawingml/2006/main" xmlns:r="http://schemas.openxmlformats.org/officeDocument/2006/relationships" xmlns:mc="http://schemas.openxmlformats.org/markup-compatibility/2006" xmlns:mv="urn:schemas-microsoft-com:mac:vml" xmlns:p="http://schemas.openxmlformats.org/presentationml/2006/main" xmlns:c="http://schemas.openxmlformats.org/drawingml/2006/chart" xmlns:dgm="http://schemas.openxmlformats.org/drawingml/2006/diagram" xmlns:o="urn:schemas-microsoft-com:office:office" xmlns:v="urn:schemas-microsoft-com:vml" xmlns:pvml="urn:schemas-microsoft-com:office:powerpoint" xmlns:com="http://schemas.openxmlformats.org/drawingml/2006/compatibility" xmlns:p14="http://schemas.microsoft.com/office/powerpoint/2010/main" xmlns:p15="http://schemas.microsoft.com/office/powerpoint/2012/main" xmlns:ahyp="http://schemas.microsoft.com/office/drawing/2018/hyperlinkcolor">
+<p:sld xmlns:a="http://schemas.openxmlformats.org/drawingml/2006/main" xmlns:r="http://schemas.openxmlformats.org/officeDocument/2006/relationships" xmlns:p="http://schemas.openxmlformats.org/presentationml/2006/main">
   <p:cSld>
     <p:bg>
       <p:bgPr>
         <a:solidFill>
           <a:srgbClr val="000000"/>
         </a:solidFill>
+        <a:effectLst/>
       </p:bgPr>
     </p:bg>
     <p:spTree>
       <p:nvGrpSpPr>
-        <p:cNvPr id="185" name="Shape 185"/>
+        <p:cNvPr id="1" name="Shape 185"/>
         <p:cNvGrpSpPr/>
         <p:nvPr/>
       </p:nvGrpSpPr>
@@ -10887,12 +10885,12 @@
           </a:ln>
         </p:spPr>
         <p:txBody>
-          <a:bodyPr anchorCtr="0" anchor="t" bIns="91425" lIns="91425" spcFirstLastPara="1" rIns="91425" wrap="square" tIns="91425">
+          <a:bodyPr spcFirstLastPara="1" wrap="square" lIns="91425" tIns="91425" rIns="91425" bIns="91425" anchor="t" anchorCtr="0">
             <a:noAutofit/>
           </a:bodyPr>
           <a:lstStyle/>
           <a:p>
-            <a:pPr indent="0" lvl="0" marL="0" rtl="0" algn="l">
+            <a:pPr marL="0" lvl="0" indent="0" algn="l" rtl="0">
               <a:spcBef>
                 <a:spcPts val="0"/>
               </a:spcBef>
@@ -10952,7 +10950,7 @@
             <a:noFill/>
           </a:ln>
           <a:effectLst>
-            <a:outerShdw blurRad="57150" rotWithShape="0" algn="bl" dir="5400000" dist="19050">
+            <a:outerShdw blurRad="57150" dist="19050" dir="5400000" algn="bl" rotWithShape="0">
               <a:srgbClr val="000000">
                 <a:alpha val="50000"/>
               </a:srgbClr>
@@ -10969,18 +10967,19 @@
 </file>
 
 <file path=ppt/slides/slide11.xml><?xml version="1.0" encoding="utf-8"?>
-<p:sld xmlns:a="http://schemas.openxmlformats.org/drawingml/2006/main" xmlns:r="http://schemas.openxmlformats.org/officeDocument/2006/relationships" xmlns:mc="http://schemas.openxmlformats.org/markup-compatibility/2006" xmlns:mv="urn:schemas-microsoft-com:mac:vml" xmlns:p="http://schemas.openxmlformats.org/presentationml/2006/main" xmlns:c="http://schemas.openxmlformats.org/drawingml/2006/chart" xmlns:dgm="http://schemas.openxmlformats.org/drawingml/2006/diagram" xmlns:o="urn:schemas-microsoft-com:office:office" xmlns:v="urn:schemas-microsoft-com:vml" xmlns:pvml="urn:schemas-microsoft-com:office:powerpoint" xmlns:com="http://schemas.openxmlformats.org/drawingml/2006/compatibility" xmlns:p14="http://schemas.microsoft.com/office/powerpoint/2010/main" xmlns:p15="http://schemas.microsoft.com/office/powerpoint/2012/main" xmlns:ahyp="http://schemas.microsoft.com/office/drawing/2018/hyperlinkcolor">
+<p:sld xmlns:a="http://schemas.openxmlformats.org/drawingml/2006/main" xmlns:r="http://schemas.openxmlformats.org/officeDocument/2006/relationships" xmlns:p="http://schemas.openxmlformats.org/presentationml/2006/main">
   <p:cSld>
     <p:bg>
       <p:bgPr>
         <a:solidFill>
           <a:srgbClr val="000000"/>
         </a:solidFill>
+        <a:effectLst/>
       </p:bgPr>
     </p:bg>
     <p:spTree>
       <p:nvGrpSpPr>
-        <p:cNvPr id="191" name="Shape 191"/>
+        <p:cNvPr id="1" name="Shape 191"/>
         <p:cNvGrpSpPr/>
         <p:nvPr/>
       </p:nvGrpSpPr>
@@ -11040,12 +11039,12 @@
           </a:ln>
         </p:spPr>
         <p:txBody>
-          <a:bodyPr anchorCtr="0" anchor="t" bIns="91425" lIns="91425" spcFirstLastPara="1" rIns="91425" wrap="square" tIns="91425">
+          <a:bodyPr spcFirstLastPara="1" wrap="square" lIns="91425" tIns="91425" rIns="91425" bIns="91425" anchor="t" anchorCtr="0">
             <a:noAutofit/>
           </a:bodyPr>
           <a:lstStyle/>
           <a:p>
-            <a:pPr indent="0" lvl="0" marL="0" rtl="0" algn="l">
+            <a:pPr marL="0" lvl="0" indent="0" algn="l" rtl="0">
               <a:spcBef>
                 <a:spcPts val="0"/>
               </a:spcBef>
@@ -11087,18 +11086,19 @@
 </file>
 
 <file path=ppt/slides/slide12.xml><?xml version="1.0" encoding="utf-8"?>
-<p:sld xmlns:a="http://schemas.openxmlformats.org/drawingml/2006/main" xmlns:r="http://schemas.openxmlformats.org/officeDocument/2006/relationships" xmlns:mc="http://schemas.openxmlformats.org/markup-compatibility/2006" xmlns:mv="urn:schemas-microsoft-com:mac:vml" xmlns:p="http://schemas.openxmlformats.org/presentationml/2006/main" xmlns:c="http://schemas.openxmlformats.org/drawingml/2006/chart" xmlns:dgm="http://schemas.openxmlformats.org/drawingml/2006/diagram" xmlns:o="urn:schemas-microsoft-com:office:office" xmlns:v="urn:schemas-microsoft-com:vml" xmlns:pvml="urn:schemas-microsoft-com:office:powerpoint" xmlns:com="http://schemas.openxmlformats.org/drawingml/2006/compatibility" xmlns:p14="http://schemas.microsoft.com/office/powerpoint/2010/main" xmlns:p15="http://schemas.microsoft.com/office/powerpoint/2012/main" xmlns:ahyp="http://schemas.microsoft.com/office/drawing/2018/hyperlinkcolor">
+<p:sld xmlns:a="http://schemas.openxmlformats.org/drawingml/2006/main" xmlns:r="http://schemas.openxmlformats.org/officeDocument/2006/relationships" xmlns:p="http://schemas.openxmlformats.org/presentationml/2006/main">
   <p:cSld>
     <p:bg>
       <p:bgPr>
         <a:solidFill>
           <a:srgbClr val="000000"/>
         </a:solidFill>
+        <a:effectLst/>
       </p:bgPr>
     </p:bg>
     <p:spTree>
       <p:nvGrpSpPr>
-        <p:cNvPr id="197" name="Shape 197"/>
+        <p:cNvPr id="1" name="Shape 197"/>
         <p:cNvGrpSpPr/>
         <p:nvPr/>
       </p:nvGrpSpPr>
@@ -11158,12 +11158,12 @@
           </a:ln>
         </p:spPr>
         <p:txBody>
-          <a:bodyPr anchorCtr="0" anchor="t" bIns="91425" lIns="91425" spcFirstLastPara="1" rIns="91425" wrap="square" tIns="91425">
+          <a:bodyPr spcFirstLastPara="1" wrap="square" lIns="91425" tIns="91425" rIns="91425" bIns="91425" anchor="t" anchorCtr="0">
             <a:noAutofit/>
           </a:bodyPr>
           <a:lstStyle/>
           <a:p>
-            <a:pPr indent="0" lvl="0" marL="0" rtl="0" algn="l">
+            <a:pPr marL="0" lvl="0" indent="0" algn="l" rtl="0">
               <a:spcBef>
                 <a:spcPts val="0"/>
               </a:spcBef>
@@ -11195,7 +11195,7 @@
             </a:endParaRPr>
           </a:p>
           <a:p>
-            <a:pPr indent="0" lvl="0" marL="0" rtl="0" algn="l">
+            <a:pPr marL="0" lvl="0" indent="0" algn="l" rtl="0">
               <a:spcBef>
                 <a:spcPts val="0"/>
               </a:spcBef>
@@ -11237,18 +11237,19 @@
 </file>
 
 <file path=ppt/slides/slide13.xml><?xml version="1.0" encoding="utf-8"?>
-<p:sld xmlns:a="http://schemas.openxmlformats.org/drawingml/2006/main" xmlns:r="http://schemas.openxmlformats.org/officeDocument/2006/relationships" xmlns:mc="http://schemas.openxmlformats.org/markup-compatibility/2006" xmlns:mv="urn:schemas-microsoft-com:mac:vml" xmlns:p="http://schemas.openxmlformats.org/presentationml/2006/main" xmlns:c="http://schemas.openxmlformats.org/drawingml/2006/chart" xmlns:dgm="http://schemas.openxmlformats.org/drawingml/2006/diagram" xmlns:o="urn:schemas-microsoft-com:office:office" xmlns:v="urn:schemas-microsoft-com:vml" xmlns:pvml="urn:schemas-microsoft-com:office:powerpoint" xmlns:com="http://schemas.openxmlformats.org/drawingml/2006/compatibility" xmlns:p14="http://schemas.microsoft.com/office/powerpoint/2010/main" xmlns:p15="http://schemas.microsoft.com/office/powerpoint/2012/main" xmlns:ahyp="http://schemas.microsoft.com/office/drawing/2018/hyperlinkcolor">
+<p:sld xmlns:a="http://schemas.openxmlformats.org/drawingml/2006/main" xmlns:r="http://schemas.openxmlformats.org/officeDocument/2006/relationships" xmlns:p="http://schemas.openxmlformats.org/presentationml/2006/main">
   <p:cSld>
     <p:bg>
       <p:bgPr>
         <a:solidFill>
           <a:srgbClr val="000000"/>
         </a:solidFill>
+        <a:effectLst/>
       </p:bgPr>
     </p:bg>
     <p:spTree>
       <p:nvGrpSpPr>
-        <p:cNvPr id="203" name="Shape 203"/>
+        <p:cNvPr id="1" name="Shape 203"/>
         <p:cNvGrpSpPr/>
         <p:nvPr/>
       </p:nvGrpSpPr>
@@ -11308,12 +11309,12 @@
           </a:ln>
         </p:spPr>
         <p:txBody>
-          <a:bodyPr anchorCtr="0" anchor="t" bIns="91425" lIns="91425" spcFirstLastPara="1" rIns="91425" wrap="square" tIns="91425">
+          <a:bodyPr spcFirstLastPara="1" wrap="square" lIns="91425" tIns="91425" rIns="91425" bIns="91425" anchor="t" anchorCtr="0">
             <a:noAutofit/>
           </a:bodyPr>
           <a:lstStyle/>
           <a:p>
-            <a:pPr indent="0" lvl="0" marL="0" rtl="0" algn="l">
+            <a:pPr marL="0" lvl="0" indent="0" algn="l" rtl="0">
               <a:spcBef>
                 <a:spcPts val="0"/>
               </a:spcBef>
@@ -11355,18 +11356,19 @@
 </file>
 
 <file path=ppt/slides/slide14.xml><?xml version="1.0" encoding="utf-8"?>
-<p:sld xmlns:a="http://schemas.openxmlformats.org/drawingml/2006/main" xmlns:r="http://schemas.openxmlformats.org/officeDocument/2006/relationships" xmlns:mc="http://schemas.openxmlformats.org/markup-compatibility/2006" xmlns:mv="urn:schemas-microsoft-com:mac:vml" xmlns:p="http://schemas.openxmlformats.org/presentationml/2006/main" xmlns:c="http://schemas.openxmlformats.org/drawingml/2006/chart" xmlns:dgm="http://schemas.openxmlformats.org/drawingml/2006/diagram" xmlns:o="urn:schemas-microsoft-com:office:office" xmlns:v="urn:schemas-microsoft-com:vml" xmlns:pvml="urn:schemas-microsoft-com:office:powerpoint" xmlns:com="http://schemas.openxmlformats.org/drawingml/2006/compatibility" xmlns:p14="http://schemas.microsoft.com/office/powerpoint/2010/main" xmlns:p15="http://schemas.microsoft.com/office/powerpoint/2012/main" xmlns:ahyp="http://schemas.microsoft.com/office/drawing/2018/hyperlinkcolor">
+<p:sld xmlns:a="http://schemas.openxmlformats.org/drawingml/2006/main" xmlns:r="http://schemas.openxmlformats.org/officeDocument/2006/relationships" xmlns:p="http://schemas.openxmlformats.org/presentationml/2006/main">
   <p:cSld>
     <p:bg>
       <p:bgPr>
         <a:solidFill>
           <a:srgbClr val="000000"/>
         </a:solidFill>
+        <a:effectLst/>
       </p:bgPr>
     </p:bg>
     <p:spTree>
       <p:nvGrpSpPr>
-        <p:cNvPr id="209" name="Shape 209"/>
+        <p:cNvPr id="1" name="Shape 209"/>
         <p:cNvGrpSpPr/>
         <p:nvPr/>
       </p:nvGrpSpPr>
@@ -11381,7 +11383,9 @@
       <p:sp>
         <p:nvSpPr>
           <p:cNvPr id="210" name="Google Shape;210;p26"/>
-          <p:cNvSpPr txBox="1"/>
+          <p:cNvSpPr txBox="1">
+            <a:spLocks noGrp="1"/>
+          </p:cNvSpPr>
           <p:nvPr>
             <p:ph type="title"/>
           </p:nvPr>
@@ -11396,12 +11400,12 @@
           </a:prstGeom>
         </p:spPr>
         <p:txBody>
-          <a:bodyPr anchorCtr="0" anchor="ctr" bIns="91425" lIns="91425" spcFirstLastPara="1" rIns="91425" wrap="square" tIns="91425">
+          <a:bodyPr spcFirstLastPara="1" wrap="square" lIns="91425" tIns="91425" rIns="91425" bIns="91425" anchor="ctr" anchorCtr="0">
             <a:normAutofit/>
           </a:bodyPr>
           <a:lstStyle/>
           <a:p>
-            <a:pPr indent="0" lvl="0" marL="0" rtl="0" algn="l">
+            <a:pPr marL="0" lvl="0" indent="0" algn="l" rtl="0">
               <a:spcBef>
                 <a:spcPts val="0"/>
               </a:spcBef>
@@ -11427,18 +11431,19 @@
 </file>
 
 <file path=ppt/slides/slide15.xml><?xml version="1.0" encoding="utf-8"?>
-<p:sld xmlns:a="http://schemas.openxmlformats.org/drawingml/2006/main" xmlns:r="http://schemas.openxmlformats.org/officeDocument/2006/relationships" xmlns:mc="http://schemas.openxmlformats.org/markup-compatibility/2006" xmlns:mv="urn:schemas-microsoft-com:mac:vml" xmlns:p="http://schemas.openxmlformats.org/presentationml/2006/main" xmlns:c="http://schemas.openxmlformats.org/drawingml/2006/chart" xmlns:dgm="http://schemas.openxmlformats.org/drawingml/2006/diagram" xmlns:o="urn:schemas-microsoft-com:office:office" xmlns:v="urn:schemas-microsoft-com:vml" xmlns:pvml="urn:schemas-microsoft-com:office:powerpoint" xmlns:com="http://schemas.openxmlformats.org/drawingml/2006/compatibility" xmlns:p14="http://schemas.microsoft.com/office/powerpoint/2010/main" xmlns:p15="http://schemas.microsoft.com/office/powerpoint/2012/main" xmlns:ahyp="http://schemas.microsoft.com/office/drawing/2018/hyperlinkcolor">
+<p:sld xmlns:a="http://schemas.openxmlformats.org/drawingml/2006/main" xmlns:r="http://schemas.openxmlformats.org/officeDocument/2006/relationships" xmlns:p="http://schemas.openxmlformats.org/presentationml/2006/main">
   <p:cSld>
     <p:bg>
       <p:bgPr>
         <a:solidFill>
           <a:srgbClr val="000000"/>
         </a:solidFill>
+        <a:effectLst/>
       </p:bgPr>
     </p:bg>
     <p:spTree>
       <p:nvGrpSpPr>
-        <p:cNvPr id="214" name="Shape 214"/>
+        <p:cNvPr id="1" name="Shape 214"/>
         <p:cNvGrpSpPr/>
         <p:nvPr/>
       </p:nvGrpSpPr>
@@ -11453,7 +11458,9 @@
       <p:sp>
         <p:nvSpPr>
           <p:cNvPr id="215" name="Google Shape;215;p27"/>
-          <p:cNvSpPr txBox="1"/>
+          <p:cNvSpPr txBox="1">
+            <a:spLocks noGrp="1"/>
+          </p:cNvSpPr>
           <p:nvPr>
             <p:ph type="title"/>
           </p:nvPr>
@@ -11468,12 +11475,12 @@
           </a:prstGeom>
         </p:spPr>
         <p:txBody>
-          <a:bodyPr anchorCtr="0" anchor="t" bIns="91425" lIns="91425" spcFirstLastPara="1" rIns="91425" wrap="square" tIns="91425">
+          <a:bodyPr spcFirstLastPara="1" wrap="square" lIns="91425" tIns="91425" rIns="91425" bIns="91425" anchor="t" anchorCtr="0">
             <a:normAutofit/>
           </a:bodyPr>
           <a:lstStyle/>
           <a:p>
-            <a:pPr indent="0" lvl="0" marL="0" rtl="0" algn="l">
+            <a:pPr marL="0" lvl="0" indent="0" algn="l" rtl="0">
               <a:spcBef>
                 <a:spcPts val="0"/>
               </a:spcBef>
@@ -11493,9 +11500,11 @@
       <p:sp>
         <p:nvSpPr>
           <p:cNvPr id="216" name="Google Shape;216;p27"/>
-          <p:cNvSpPr txBox="1"/>
+          <p:cNvSpPr txBox="1">
+            <a:spLocks noGrp="1"/>
+          </p:cNvSpPr>
           <p:nvPr>
-            <p:ph idx="1" type="body"/>
+            <p:ph type="body" idx="1"/>
           </p:nvPr>
         </p:nvSpPr>
         <p:spPr>
@@ -11508,12 +11517,12 @@
           </a:prstGeom>
         </p:spPr>
         <p:txBody>
-          <a:bodyPr anchorCtr="0" anchor="t" bIns="91425" lIns="91425" spcFirstLastPara="1" rIns="91425" wrap="square" tIns="91425">
+          <a:bodyPr spcFirstLastPara="1" wrap="square" lIns="91425" tIns="91425" rIns="91425" bIns="91425" anchor="t" anchorCtr="0">
             <a:normAutofit fontScale="92500" lnSpcReduction="20000"/>
           </a:bodyPr>
           <a:lstStyle/>
           <a:p>
-            <a:pPr indent="0" lvl="0" marL="0" rtl="0" algn="l">
+            <a:pPr marL="0" lvl="0" indent="0" algn="l" rtl="0">
               <a:spcBef>
                 <a:spcPts val="0"/>
               </a:spcBef>
@@ -11529,7 +11538,7 @@
             <a:endParaRPr/>
           </a:p>
           <a:p>
-            <a:pPr indent="0" lvl="0" marL="0" rtl="0" algn="l">
+            <a:pPr marL="0" lvl="0" indent="0" algn="l" rtl="0">
               <a:spcBef>
                 <a:spcPts val="1200"/>
               </a:spcBef>
@@ -11545,7 +11554,7 @@
             <a:endParaRPr/>
           </a:p>
           <a:p>
-            <a:pPr indent="0" lvl="0" marL="0" rtl="0" algn="l">
+            <a:pPr marL="0" lvl="0" indent="0" algn="l" rtl="0">
               <a:spcBef>
                 <a:spcPts val="1200"/>
               </a:spcBef>
@@ -11571,18 +11580,19 @@
 </file>
 
 <file path=ppt/slides/slide16.xml><?xml version="1.0" encoding="utf-8"?>
-<p:sld xmlns:a="http://schemas.openxmlformats.org/drawingml/2006/main" xmlns:r="http://schemas.openxmlformats.org/officeDocument/2006/relationships" xmlns:mc="http://schemas.openxmlformats.org/markup-compatibility/2006" xmlns:mv="urn:schemas-microsoft-com:mac:vml" xmlns:p="http://schemas.openxmlformats.org/presentationml/2006/main" xmlns:c="http://schemas.openxmlformats.org/drawingml/2006/chart" xmlns:dgm="http://schemas.openxmlformats.org/drawingml/2006/diagram" xmlns:o="urn:schemas-microsoft-com:office:office" xmlns:v="urn:schemas-microsoft-com:vml" xmlns:pvml="urn:schemas-microsoft-com:office:powerpoint" xmlns:com="http://schemas.openxmlformats.org/drawingml/2006/compatibility" xmlns:p14="http://schemas.microsoft.com/office/powerpoint/2010/main" xmlns:p15="http://schemas.microsoft.com/office/powerpoint/2012/main" xmlns:ahyp="http://schemas.microsoft.com/office/drawing/2018/hyperlinkcolor">
+<p:sld xmlns:a="http://schemas.openxmlformats.org/drawingml/2006/main" xmlns:r="http://schemas.openxmlformats.org/officeDocument/2006/relationships" xmlns:p="http://schemas.openxmlformats.org/presentationml/2006/main">
   <p:cSld>
     <p:bg>
       <p:bgPr>
         <a:solidFill>
           <a:srgbClr val="000000"/>
         </a:solidFill>
+        <a:effectLst/>
       </p:bgPr>
     </p:bg>
     <p:spTree>
       <p:nvGrpSpPr>
-        <p:cNvPr id="220" name="Shape 220"/>
+        <p:cNvPr id="1" name="Shape 220"/>
         <p:cNvGrpSpPr/>
         <p:nvPr/>
       </p:nvGrpSpPr>
@@ -11597,7 +11607,9 @@
       <p:sp>
         <p:nvSpPr>
           <p:cNvPr id="221" name="Google Shape;221;p28"/>
-          <p:cNvSpPr txBox="1"/>
+          <p:cNvSpPr txBox="1">
+            <a:spLocks noGrp="1"/>
+          </p:cNvSpPr>
           <p:nvPr>
             <p:ph type="title"/>
           </p:nvPr>
@@ -11612,12 +11624,12 @@
           </a:prstGeom>
         </p:spPr>
         <p:txBody>
-          <a:bodyPr anchorCtr="0" anchor="ctr" bIns="91425" lIns="91425" spcFirstLastPara="1" rIns="91425" wrap="square" tIns="91425">
+          <a:bodyPr spcFirstLastPara="1" wrap="square" lIns="91425" tIns="91425" rIns="91425" bIns="91425" anchor="ctr" anchorCtr="0">
             <a:normAutofit/>
           </a:bodyPr>
           <a:lstStyle/>
           <a:p>
-            <a:pPr indent="0" lvl="0" marL="0" rtl="0" algn="l">
+            <a:pPr marL="0" lvl="0" indent="0" algn="l" rtl="0">
               <a:spcBef>
                 <a:spcPts val="0"/>
               </a:spcBef>
@@ -11643,18 +11655,19 @@
 </file>
 
 <file path=ppt/slides/slide17.xml><?xml version="1.0" encoding="utf-8"?>
-<p:sld xmlns:a="http://schemas.openxmlformats.org/drawingml/2006/main" xmlns:r="http://schemas.openxmlformats.org/officeDocument/2006/relationships" xmlns:mc="http://schemas.openxmlformats.org/markup-compatibility/2006" xmlns:mv="urn:schemas-microsoft-com:mac:vml" xmlns:p="http://schemas.openxmlformats.org/presentationml/2006/main" xmlns:c="http://schemas.openxmlformats.org/drawingml/2006/chart" xmlns:dgm="http://schemas.openxmlformats.org/drawingml/2006/diagram" xmlns:o="urn:schemas-microsoft-com:office:office" xmlns:v="urn:schemas-microsoft-com:vml" xmlns:pvml="urn:schemas-microsoft-com:office:powerpoint" xmlns:com="http://schemas.openxmlformats.org/drawingml/2006/compatibility" xmlns:p14="http://schemas.microsoft.com/office/powerpoint/2010/main" xmlns:p15="http://schemas.microsoft.com/office/powerpoint/2012/main" xmlns:ahyp="http://schemas.microsoft.com/office/drawing/2018/hyperlinkcolor">
+<p:sld xmlns:a="http://schemas.openxmlformats.org/drawingml/2006/main" xmlns:r="http://schemas.openxmlformats.org/officeDocument/2006/relationships" xmlns:p="http://schemas.openxmlformats.org/presentationml/2006/main">
   <p:cSld>
     <p:bg>
       <p:bgPr>
         <a:solidFill>
           <a:srgbClr val="000000"/>
         </a:solidFill>
+        <a:effectLst/>
       </p:bgPr>
     </p:bg>
     <p:spTree>
       <p:nvGrpSpPr>
-        <p:cNvPr id="225" name="Shape 225"/>
+        <p:cNvPr id="1" name="Shape 225"/>
         <p:cNvGrpSpPr/>
         <p:nvPr/>
       </p:nvGrpSpPr>
@@ -11669,7 +11682,9 @@
       <p:sp>
         <p:nvSpPr>
           <p:cNvPr id="226" name="Google Shape;226;p29"/>
-          <p:cNvSpPr txBox="1"/>
+          <p:cNvSpPr txBox="1">
+            <a:spLocks noGrp="1"/>
+          </p:cNvSpPr>
           <p:nvPr>
             <p:ph type="title"/>
           </p:nvPr>
@@ -11684,12 +11699,12 @@
           </a:prstGeom>
         </p:spPr>
         <p:txBody>
-          <a:bodyPr anchorCtr="0" anchor="t" bIns="91425" lIns="91425" spcFirstLastPara="1" rIns="91425" wrap="square" tIns="91425">
+          <a:bodyPr spcFirstLastPara="1" wrap="square" lIns="91425" tIns="91425" rIns="91425" bIns="91425" anchor="t" anchorCtr="0">
             <a:normAutofit fontScale="90000"/>
           </a:bodyPr>
           <a:lstStyle/>
           <a:p>
-            <a:pPr indent="0" lvl="0" marL="0" rtl="0" algn="l">
+            <a:pPr marL="0" lvl="0" indent="0" algn="l" rtl="0">
               <a:spcBef>
                 <a:spcPts val="0"/>
               </a:spcBef>
@@ -11705,7 +11720,7 @@
             <a:endParaRPr/>
           </a:p>
           <a:p>
-            <a:pPr indent="0" lvl="0" marL="0" rtl="0" algn="l">
+            <a:pPr marL="0" lvl="0" indent="0" algn="l" rtl="0">
               <a:spcBef>
                 <a:spcPts val="0"/>
               </a:spcBef>
@@ -11714,9 +11729,6 @@
               </a:spcAft>
               <a:buNone/>
             </a:pPr>
-            <a:r>
-              <a:t/>
-            </a:r>
             <a:endParaRPr/>
           </a:p>
         </p:txBody>
@@ -11769,12 +11781,12 @@
           </a:ln>
         </p:spPr>
         <p:txBody>
-          <a:bodyPr anchorCtr="0" anchor="t" bIns="91425" lIns="91425" spcFirstLastPara="1" rIns="91425" wrap="square" tIns="91425">
+          <a:bodyPr spcFirstLastPara="1" wrap="square" lIns="91425" tIns="91425" rIns="91425" bIns="91425" anchor="t" anchorCtr="0">
             <a:spAutoFit/>
           </a:bodyPr>
           <a:lstStyle/>
           <a:p>
-            <a:pPr indent="0" lvl="0" marL="0" rtl="0" algn="ctr">
+            <a:pPr marL="0" lvl="0" indent="0" algn="ctr" rtl="0">
               <a:spcBef>
                 <a:spcPts val="0"/>
               </a:spcBef>
@@ -11784,22 +11796,28 @@
               <a:buNone/>
             </a:pPr>
             <a:r>
-              <a:rPr lang="en" u="sng">
+              <a:rPr lang="en" u="sng" dirty="0">
                 <a:solidFill>
-                  <a:schemeClr val="hlink"/>
+                  <a:schemeClr val="bg1"/>
                 </a:solidFill>
                 <a:latin typeface="Lato"/>
                 <a:ea typeface="Lato"/>
                 <a:cs typeface="Lato"/>
                 <a:sym typeface="Lato"/>
-                <a:hlinkClick r:id="rId4"/>
+                <a:hlinkClick r:id="rId4">
+                  <a:extLst>
+                    <a:ext uri="{A12FA001-AC4F-418D-AE19-62706E023703}">
+                      <ahyp:hlinkClr xmlns:ahyp="http://schemas.microsoft.com/office/drawing/2018/hyperlinkcolor" val="tx"/>
+                    </a:ext>
+                  </a:extLst>
+                </a:hlinkClick>
               </a:rPr>
               <a:t>http://54.90.52.121/</a:t>
             </a:r>
             <a:r>
-              <a:rPr lang="en">
+              <a:rPr lang="en" dirty="0">
                 <a:solidFill>
-                  <a:schemeClr val="lt1"/>
+                  <a:schemeClr val="bg1"/>
                 </a:solidFill>
                 <a:latin typeface="Lato"/>
                 <a:ea typeface="Lato"/>
@@ -11808,9 +11826,9 @@
               </a:rPr>
               <a:t> </a:t>
             </a:r>
-            <a:endParaRPr>
+            <a:endParaRPr dirty="0">
               <a:solidFill>
-                <a:schemeClr val="lt1"/>
+                <a:schemeClr val="bg1"/>
               </a:solidFill>
               <a:latin typeface="Lato"/>
               <a:ea typeface="Lato"/>
@@ -11829,18 +11847,19 @@
 </file>
 
 <file path=ppt/slides/slide18.xml><?xml version="1.0" encoding="utf-8"?>
-<p:sld xmlns:a="http://schemas.openxmlformats.org/drawingml/2006/main" xmlns:r="http://schemas.openxmlformats.org/officeDocument/2006/relationships" xmlns:mc="http://schemas.openxmlformats.org/markup-compatibility/2006" xmlns:mv="urn:schemas-microsoft-com:mac:vml" xmlns:p="http://schemas.openxmlformats.org/presentationml/2006/main" xmlns:c="http://schemas.openxmlformats.org/drawingml/2006/chart" xmlns:dgm="http://schemas.openxmlformats.org/drawingml/2006/diagram" xmlns:o="urn:schemas-microsoft-com:office:office" xmlns:v="urn:schemas-microsoft-com:vml" xmlns:pvml="urn:schemas-microsoft-com:office:powerpoint" xmlns:com="http://schemas.openxmlformats.org/drawingml/2006/compatibility" xmlns:p14="http://schemas.microsoft.com/office/powerpoint/2010/main" xmlns:p15="http://schemas.microsoft.com/office/powerpoint/2012/main" xmlns:ahyp="http://schemas.microsoft.com/office/drawing/2018/hyperlinkcolor">
+<p:sld xmlns:a="http://schemas.openxmlformats.org/drawingml/2006/main" xmlns:r="http://schemas.openxmlformats.org/officeDocument/2006/relationships" xmlns:p="http://schemas.openxmlformats.org/presentationml/2006/main">
   <p:cSld>
     <p:bg>
       <p:bgPr>
         <a:solidFill>
           <a:srgbClr val="000000"/>
         </a:solidFill>
+        <a:effectLst/>
       </p:bgPr>
     </p:bg>
     <p:spTree>
       <p:nvGrpSpPr>
-        <p:cNvPr id="232" name="Shape 232"/>
+        <p:cNvPr id="1" name="Shape 232"/>
         <p:cNvGrpSpPr/>
         <p:nvPr/>
       </p:nvGrpSpPr>
@@ -11855,7 +11874,9 @@
       <p:sp>
         <p:nvSpPr>
           <p:cNvPr id="233" name="Google Shape;233;p30"/>
-          <p:cNvSpPr txBox="1"/>
+          <p:cNvSpPr txBox="1">
+            <a:spLocks noGrp="1"/>
+          </p:cNvSpPr>
           <p:nvPr>
             <p:ph type="title"/>
           </p:nvPr>
@@ -11870,12 +11891,12 @@
           </a:prstGeom>
         </p:spPr>
         <p:txBody>
-          <a:bodyPr anchorCtr="0" anchor="t" bIns="91425" lIns="91425" spcFirstLastPara="1" rIns="91425" wrap="square" tIns="91425">
+          <a:bodyPr spcFirstLastPara="1" wrap="square" lIns="91425" tIns="91425" rIns="91425" bIns="91425" anchor="t" anchorCtr="0">
             <a:normAutofit fontScale="90000"/>
           </a:bodyPr>
           <a:lstStyle/>
           <a:p>
-            <a:pPr indent="0" lvl="0" marL="0" rtl="0" algn="l">
+            <a:pPr marL="0" lvl="0" indent="0" algn="l" rtl="0">
               <a:spcBef>
                 <a:spcPts val="0"/>
               </a:spcBef>
@@ -11901,18 +11922,19 @@
 </file>
 
 <file path=ppt/slides/slide2.xml><?xml version="1.0" encoding="utf-8"?>
-<p:sld xmlns:a="http://schemas.openxmlformats.org/drawingml/2006/main" xmlns:r="http://schemas.openxmlformats.org/officeDocument/2006/relationships" xmlns:mc="http://schemas.openxmlformats.org/markup-compatibility/2006" xmlns:mv="urn:schemas-microsoft-com:mac:vml" xmlns:p="http://schemas.openxmlformats.org/presentationml/2006/main" xmlns:c="http://schemas.openxmlformats.org/drawingml/2006/chart" xmlns:dgm="http://schemas.openxmlformats.org/drawingml/2006/diagram" xmlns:o="urn:schemas-microsoft-com:office:office" xmlns:v="urn:schemas-microsoft-com:vml" xmlns:pvml="urn:schemas-microsoft-com:office:powerpoint" xmlns:com="http://schemas.openxmlformats.org/drawingml/2006/compatibility" xmlns:p14="http://schemas.microsoft.com/office/powerpoint/2010/main" xmlns:p15="http://schemas.microsoft.com/office/powerpoint/2012/main" xmlns:ahyp="http://schemas.microsoft.com/office/drawing/2018/hyperlinkcolor">
+<p:sld xmlns:a="http://schemas.openxmlformats.org/drawingml/2006/main" xmlns:r="http://schemas.openxmlformats.org/officeDocument/2006/relationships" xmlns:p="http://schemas.openxmlformats.org/presentationml/2006/main">
   <p:cSld>
     <p:bg>
       <p:bgPr>
         <a:solidFill>
           <a:srgbClr val="000000"/>
         </a:solidFill>
+        <a:effectLst/>
       </p:bgPr>
     </p:bg>
     <p:spTree>
       <p:nvGrpSpPr>
-        <p:cNvPr id="139" name="Shape 139"/>
+        <p:cNvPr id="1" name="Shape 139"/>
         <p:cNvGrpSpPr/>
         <p:nvPr/>
       </p:nvGrpSpPr>
@@ -11927,7 +11949,9 @@
       <p:sp>
         <p:nvSpPr>
           <p:cNvPr id="140" name="Google Shape;140;p14"/>
-          <p:cNvSpPr txBox="1"/>
+          <p:cNvSpPr txBox="1">
+            <a:spLocks noGrp="1"/>
+          </p:cNvSpPr>
           <p:nvPr>
             <p:ph type="title"/>
           </p:nvPr>
@@ -11942,12 +11966,12 @@
           </a:prstGeom>
         </p:spPr>
         <p:txBody>
-          <a:bodyPr anchorCtr="0" anchor="t" bIns="91425" lIns="91425" spcFirstLastPara="1" rIns="91425" wrap="square" tIns="91425">
+          <a:bodyPr spcFirstLastPara="1" wrap="square" lIns="91425" tIns="91425" rIns="91425" bIns="91425" anchor="t" anchorCtr="0">
             <a:normAutofit/>
           </a:bodyPr>
           <a:lstStyle/>
           <a:p>
-            <a:pPr indent="0" lvl="0" marL="0" rtl="0" algn="l">
+            <a:pPr marL="0" lvl="0" indent="0" algn="l" rtl="0">
               <a:spcBef>
                 <a:spcPts val="0"/>
               </a:spcBef>
@@ -11967,9 +11991,11 @@
       <p:sp>
         <p:nvSpPr>
           <p:cNvPr id="141" name="Google Shape;141;p14"/>
-          <p:cNvSpPr txBox="1"/>
+          <p:cNvSpPr txBox="1">
+            <a:spLocks noGrp="1"/>
+          </p:cNvSpPr>
           <p:nvPr>
-            <p:ph idx="1" type="body"/>
+            <p:ph type="body" idx="1"/>
           </p:nvPr>
         </p:nvSpPr>
         <p:spPr>
@@ -11982,12 +12008,12 @@
           </a:prstGeom>
         </p:spPr>
         <p:txBody>
-          <a:bodyPr anchorCtr="0" anchor="t" bIns="91425" lIns="91425" spcFirstLastPara="1" rIns="91425" wrap="square" tIns="91425">
+          <a:bodyPr spcFirstLastPara="1" wrap="square" lIns="91425" tIns="91425" rIns="91425" bIns="91425" anchor="t" anchorCtr="0">
             <a:normAutofit/>
           </a:bodyPr>
           <a:lstStyle/>
           <a:p>
-            <a:pPr indent="-330200" lvl="0" marL="457200" rtl="0" algn="l">
+            <a:pPr marL="457200" lvl="0" indent="-330200" algn="l" rtl="0">
               <a:spcBef>
                 <a:spcPts val="0"/>
               </a:spcBef>
@@ -12004,7 +12030,7 @@
             <a:endParaRPr sz="1600"/>
           </a:p>
           <a:p>
-            <a:pPr indent="-330200" lvl="0" marL="457200" rtl="0" algn="l">
+            <a:pPr marL="457200" lvl="0" indent="-330200" algn="l" rtl="0">
               <a:spcBef>
                 <a:spcPts val="0"/>
               </a:spcBef>
@@ -12021,7 +12047,7 @@
             <a:endParaRPr sz="1600"/>
           </a:p>
           <a:p>
-            <a:pPr indent="-330200" lvl="0" marL="457200" rtl="0" algn="l">
+            <a:pPr marL="457200" lvl="0" indent="-330200" algn="l" rtl="0">
               <a:spcBef>
                 <a:spcPts val="0"/>
               </a:spcBef>
@@ -12038,7 +12064,7 @@
             <a:endParaRPr sz="1600"/>
           </a:p>
           <a:p>
-            <a:pPr indent="-330200" lvl="0" marL="457200" rtl="0" algn="l">
+            <a:pPr marL="457200" lvl="0" indent="-330200" algn="l" rtl="0">
               <a:spcBef>
                 <a:spcPts val="0"/>
               </a:spcBef>
@@ -12055,7 +12081,7 @@
             <a:endParaRPr sz="1600"/>
           </a:p>
           <a:p>
-            <a:pPr indent="-330200" lvl="0" marL="457200" rtl="0" algn="l">
+            <a:pPr marL="457200" lvl="0" indent="-330200" algn="l" rtl="0">
               <a:spcBef>
                 <a:spcPts val="0"/>
               </a:spcBef>
@@ -12082,18 +12108,19 @@
 </file>
 
 <file path=ppt/slides/slide3.xml><?xml version="1.0" encoding="utf-8"?>
-<p:sld xmlns:a="http://schemas.openxmlformats.org/drawingml/2006/main" xmlns:r="http://schemas.openxmlformats.org/officeDocument/2006/relationships" xmlns:mc="http://schemas.openxmlformats.org/markup-compatibility/2006" xmlns:mv="urn:schemas-microsoft-com:mac:vml" xmlns:p="http://schemas.openxmlformats.org/presentationml/2006/main" xmlns:c="http://schemas.openxmlformats.org/drawingml/2006/chart" xmlns:dgm="http://schemas.openxmlformats.org/drawingml/2006/diagram" xmlns:o="urn:schemas-microsoft-com:office:office" xmlns:v="urn:schemas-microsoft-com:vml" xmlns:pvml="urn:schemas-microsoft-com:office:powerpoint" xmlns:com="http://schemas.openxmlformats.org/drawingml/2006/compatibility" xmlns:p14="http://schemas.microsoft.com/office/powerpoint/2010/main" xmlns:p15="http://schemas.microsoft.com/office/powerpoint/2012/main" xmlns:ahyp="http://schemas.microsoft.com/office/drawing/2018/hyperlinkcolor">
+<p:sld xmlns:a="http://schemas.openxmlformats.org/drawingml/2006/main" xmlns:r="http://schemas.openxmlformats.org/officeDocument/2006/relationships" xmlns:p="http://schemas.openxmlformats.org/presentationml/2006/main">
   <p:cSld>
     <p:bg>
       <p:bgPr>
         <a:solidFill>
           <a:srgbClr val="000000"/>
         </a:solidFill>
+        <a:effectLst/>
       </p:bgPr>
     </p:bg>
     <p:spTree>
       <p:nvGrpSpPr>
-        <p:cNvPr id="145" name="Shape 145"/>
+        <p:cNvPr id="1" name="Shape 145"/>
         <p:cNvGrpSpPr/>
         <p:nvPr/>
       </p:nvGrpSpPr>
@@ -12108,7 +12135,9 @@
       <p:sp>
         <p:nvSpPr>
           <p:cNvPr id="146" name="Google Shape;146;p15"/>
-          <p:cNvSpPr txBox="1"/>
+          <p:cNvSpPr txBox="1">
+            <a:spLocks noGrp="1"/>
+          </p:cNvSpPr>
           <p:nvPr>
             <p:ph type="title"/>
           </p:nvPr>
@@ -12123,12 +12152,12 @@
           </a:prstGeom>
         </p:spPr>
         <p:txBody>
-          <a:bodyPr anchorCtr="0" anchor="t" bIns="91425" lIns="91425" spcFirstLastPara="1" rIns="91425" wrap="square" tIns="91425">
+          <a:bodyPr spcFirstLastPara="1" wrap="square" lIns="91425" tIns="91425" rIns="91425" bIns="91425" anchor="t" anchorCtr="0">
             <a:normAutofit/>
           </a:bodyPr>
           <a:lstStyle/>
           <a:p>
-            <a:pPr indent="0" lvl="0" marL="0" rtl="0" algn="l">
+            <a:pPr marL="0" lvl="0" indent="0" algn="l" rtl="0">
               <a:spcBef>
                 <a:spcPts val="0"/>
               </a:spcBef>
@@ -12148,9 +12177,11 @@
       <p:sp>
         <p:nvSpPr>
           <p:cNvPr id="147" name="Google Shape;147;p15"/>
-          <p:cNvSpPr txBox="1"/>
+          <p:cNvSpPr txBox="1">
+            <a:spLocks noGrp="1"/>
+          </p:cNvSpPr>
           <p:nvPr>
-            <p:ph idx="1" type="body"/>
+            <p:ph type="body" idx="1"/>
           </p:nvPr>
         </p:nvSpPr>
         <p:spPr>
@@ -12163,12 +12194,12 @@
           </a:prstGeom>
         </p:spPr>
         <p:txBody>
-          <a:bodyPr anchorCtr="0" anchor="t" bIns="91425" lIns="91425" spcFirstLastPara="1" rIns="91425" wrap="square" tIns="91425">
+          <a:bodyPr spcFirstLastPara="1" wrap="square" lIns="91425" tIns="91425" rIns="91425" bIns="91425" anchor="t" anchorCtr="0">
             <a:normAutofit/>
           </a:bodyPr>
           <a:lstStyle/>
           <a:p>
-            <a:pPr indent="0" lvl="0" marL="0" rtl="0" algn="l">
+            <a:pPr marL="0" lvl="0" indent="0" algn="l" rtl="0">
               <a:spcBef>
                 <a:spcPts val="0"/>
               </a:spcBef>
@@ -12194,18 +12225,19 @@
 </file>
 
 <file path=ppt/slides/slide4.xml><?xml version="1.0" encoding="utf-8"?>
-<p:sld xmlns:a="http://schemas.openxmlformats.org/drawingml/2006/main" xmlns:r="http://schemas.openxmlformats.org/officeDocument/2006/relationships" xmlns:mc="http://schemas.openxmlformats.org/markup-compatibility/2006" xmlns:mv="urn:schemas-microsoft-com:mac:vml" xmlns:p="http://schemas.openxmlformats.org/presentationml/2006/main" xmlns:c="http://schemas.openxmlformats.org/drawingml/2006/chart" xmlns:dgm="http://schemas.openxmlformats.org/drawingml/2006/diagram" xmlns:o="urn:schemas-microsoft-com:office:office" xmlns:v="urn:schemas-microsoft-com:vml" xmlns:pvml="urn:schemas-microsoft-com:office:powerpoint" xmlns:com="http://schemas.openxmlformats.org/drawingml/2006/compatibility" xmlns:p14="http://schemas.microsoft.com/office/powerpoint/2010/main" xmlns:p15="http://schemas.microsoft.com/office/powerpoint/2012/main" xmlns:ahyp="http://schemas.microsoft.com/office/drawing/2018/hyperlinkcolor">
+<p:sld xmlns:a="http://schemas.openxmlformats.org/drawingml/2006/main" xmlns:r="http://schemas.openxmlformats.org/officeDocument/2006/relationships" xmlns:p="http://schemas.openxmlformats.org/presentationml/2006/main">
   <p:cSld>
     <p:bg>
       <p:bgPr>
         <a:solidFill>
           <a:srgbClr val="000000"/>
         </a:solidFill>
+        <a:effectLst/>
       </p:bgPr>
     </p:bg>
     <p:spTree>
       <p:nvGrpSpPr>
-        <p:cNvPr id="151" name="Shape 151"/>
+        <p:cNvPr id="1" name="Shape 151"/>
         <p:cNvGrpSpPr/>
         <p:nvPr/>
       </p:nvGrpSpPr>
@@ -12220,7 +12252,9 @@
       <p:sp>
         <p:nvSpPr>
           <p:cNvPr id="152" name="Google Shape;152;p16"/>
-          <p:cNvSpPr txBox="1"/>
+          <p:cNvSpPr txBox="1">
+            <a:spLocks noGrp="1"/>
+          </p:cNvSpPr>
           <p:nvPr>
             <p:ph type="title"/>
           </p:nvPr>
@@ -12235,12 +12269,12 @@
           </a:prstGeom>
         </p:spPr>
         <p:txBody>
-          <a:bodyPr anchorCtr="0" anchor="t" bIns="91425" lIns="91425" spcFirstLastPara="1" rIns="91425" wrap="square" tIns="91425">
+          <a:bodyPr spcFirstLastPara="1" wrap="square" lIns="91425" tIns="91425" rIns="91425" bIns="91425" anchor="t" anchorCtr="0">
             <a:normAutofit/>
           </a:bodyPr>
           <a:lstStyle/>
           <a:p>
-            <a:pPr indent="0" lvl="0" marL="0" rtl="0" algn="l">
+            <a:pPr marL="0" lvl="0" indent="0" algn="l" rtl="0">
               <a:spcBef>
                 <a:spcPts val="0"/>
               </a:spcBef>
@@ -12251,11 +12285,7 @@
             </a:pPr>
             <a:r>
               <a:rPr lang="en"/>
-              <a:t>Background (</a:t>
-            </a:r>
-            <a:r>
-              <a:rPr lang="en"/>
-              <a:t>cont'd)</a:t>
+              <a:t>Background (cont'd)</a:t>
             </a:r>
             <a:endParaRPr/>
           </a:p>
@@ -12264,9 +12294,11 @@
       <p:sp>
         <p:nvSpPr>
           <p:cNvPr id="153" name="Google Shape;153;p16"/>
-          <p:cNvSpPr txBox="1"/>
+          <p:cNvSpPr txBox="1">
+            <a:spLocks noGrp="1"/>
+          </p:cNvSpPr>
           <p:nvPr>
-            <p:ph idx="1" type="body"/>
+            <p:ph type="body" idx="1"/>
           </p:nvPr>
         </p:nvSpPr>
         <p:spPr>
@@ -12279,12 +12311,12 @@
           </a:prstGeom>
         </p:spPr>
         <p:txBody>
-          <a:bodyPr anchorCtr="0" anchor="t" bIns="91425" lIns="91425" spcFirstLastPara="1" rIns="91425" wrap="square" tIns="91425">
+          <a:bodyPr spcFirstLastPara="1" wrap="square" lIns="91425" tIns="91425" rIns="91425" bIns="91425" anchor="t" anchorCtr="0">
             <a:normAutofit/>
           </a:bodyPr>
           <a:lstStyle/>
           <a:p>
-            <a:pPr indent="-323850" lvl="0" marL="457200" rtl="0" algn="l">
+            <a:pPr marL="457200" lvl="0" indent="-323850" algn="l" rtl="0">
               <a:spcBef>
                 <a:spcPts val="0"/>
               </a:spcBef>
@@ -12295,7 +12327,7 @@
               <a:buChar char="-"/>
             </a:pPr>
             <a:r>
-              <a:rPr b="1" lang="en" sz="1500"/>
+              <a:rPr lang="en" sz="1500" b="1"/>
               <a:t>Service Mismatch</a:t>
             </a:r>
             <a:r>
@@ -12305,7 +12337,7 @@
             <a:endParaRPr sz="1500"/>
           </a:p>
           <a:p>
-            <a:pPr indent="-323850" lvl="0" marL="457200" rtl="0" algn="l">
+            <a:pPr marL="457200" lvl="0" indent="-323850" algn="l" rtl="0">
               <a:spcBef>
                 <a:spcPts val="0"/>
               </a:spcBef>
@@ -12316,7 +12348,7 @@
               <a:buChar char="-"/>
             </a:pPr>
             <a:r>
-              <a:rPr b="1" lang="en" sz="1500"/>
+              <a:rPr lang="en" sz="1500" b="1"/>
               <a:t>COVID-19 Effect</a:t>
             </a:r>
             <a:r>
@@ -12326,7 +12358,7 @@
             <a:endParaRPr sz="1500"/>
           </a:p>
           <a:p>
-            <a:pPr indent="-323850" lvl="0" marL="457200" rtl="0" algn="l">
+            <a:pPr marL="457200" lvl="0" indent="-323850" algn="l" rtl="0">
               <a:spcBef>
                 <a:spcPts val="0"/>
               </a:spcBef>
@@ -12337,7 +12369,7 @@
               <a:buChar char="-"/>
             </a:pPr>
             <a:r>
-              <a:rPr b="1" lang="en" sz="1500"/>
+              <a:rPr lang="en" sz="1500" b="1"/>
               <a:t>Funding Discrepancies</a:t>
             </a:r>
             <a:r>
@@ -12357,18 +12389,19 @@
 </file>
 
 <file path=ppt/slides/slide5.xml><?xml version="1.0" encoding="utf-8"?>
-<p:sld xmlns:a="http://schemas.openxmlformats.org/drawingml/2006/main" xmlns:r="http://schemas.openxmlformats.org/officeDocument/2006/relationships" xmlns:mc="http://schemas.openxmlformats.org/markup-compatibility/2006" xmlns:mv="urn:schemas-microsoft-com:mac:vml" xmlns:p="http://schemas.openxmlformats.org/presentationml/2006/main" xmlns:c="http://schemas.openxmlformats.org/drawingml/2006/chart" xmlns:dgm="http://schemas.openxmlformats.org/drawingml/2006/diagram" xmlns:o="urn:schemas-microsoft-com:office:office" xmlns:v="urn:schemas-microsoft-com:vml" xmlns:pvml="urn:schemas-microsoft-com:office:powerpoint" xmlns:com="http://schemas.openxmlformats.org/drawingml/2006/compatibility" xmlns:p14="http://schemas.microsoft.com/office/powerpoint/2010/main" xmlns:p15="http://schemas.microsoft.com/office/powerpoint/2012/main" xmlns:ahyp="http://schemas.microsoft.com/office/drawing/2018/hyperlinkcolor">
+<p:sld xmlns:a="http://schemas.openxmlformats.org/drawingml/2006/main" xmlns:r="http://schemas.openxmlformats.org/officeDocument/2006/relationships" xmlns:p="http://schemas.openxmlformats.org/presentationml/2006/main">
   <p:cSld>
     <p:bg>
       <p:bgPr>
         <a:solidFill>
           <a:srgbClr val="000000"/>
         </a:solidFill>
+        <a:effectLst/>
       </p:bgPr>
     </p:bg>
     <p:spTree>
       <p:nvGrpSpPr>
-        <p:cNvPr id="157" name="Shape 157"/>
+        <p:cNvPr id="1" name="Shape 157"/>
         <p:cNvGrpSpPr/>
         <p:nvPr/>
       </p:nvGrpSpPr>
@@ -12383,7 +12416,9 @@
       <p:sp>
         <p:nvSpPr>
           <p:cNvPr id="158" name="Google Shape;158;p17"/>
-          <p:cNvSpPr txBox="1"/>
+          <p:cNvSpPr txBox="1">
+            <a:spLocks noGrp="1"/>
+          </p:cNvSpPr>
           <p:nvPr>
             <p:ph type="title"/>
           </p:nvPr>
@@ -12398,12 +12433,12 @@
           </a:prstGeom>
         </p:spPr>
         <p:txBody>
-          <a:bodyPr anchorCtr="0" anchor="t" bIns="91425" lIns="91425" spcFirstLastPara="1" rIns="91425" wrap="square" tIns="91425">
+          <a:bodyPr spcFirstLastPara="1" wrap="square" lIns="91425" tIns="91425" rIns="91425" bIns="91425" anchor="t" anchorCtr="0">
             <a:normAutofit/>
           </a:bodyPr>
           <a:lstStyle/>
           <a:p>
-            <a:pPr indent="0" lvl="0" marL="0" rtl="0" algn="l">
+            <a:pPr marL="0" lvl="0" indent="0" algn="l" rtl="0">
               <a:spcBef>
                 <a:spcPts val="0"/>
               </a:spcBef>
@@ -12423,9 +12458,11 @@
       <p:sp>
         <p:nvSpPr>
           <p:cNvPr id="159" name="Google Shape;159;p17"/>
-          <p:cNvSpPr txBox="1"/>
+          <p:cNvSpPr txBox="1">
+            <a:spLocks noGrp="1"/>
+          </p:cNvSpPr>
           <p:nvPr>
-            <p:ph idx="1" type="body"/>
+            <p:ph type="body" idx="1"/>
           </p:nvPr>
         </p:nvSpPr>
         <p:spPr>
@@ -12438,12 +12475,12 @@
           </a:prstGeom>
         </p:spPr>
         <p:txBody>
-          <a:bodyPr anchorCtr="0" anchor="t" bIns="91425" lIns="91425" spcFirstLastPara="1" rIns="91425" wrap="square" tIns="91425">
+          <a:bodyPr spcFirstLastPara="1" wrap="square" lIns="91425" tIns="91425" rIns="91425" bIns="91425" anchor="t" anchorCtr="0">
             <a:normAutofit/>
           </a:bodyPr>
           <a:lstStyle/>
           <a:p>
-            <a:pPr indent="-342900" lvl="0" marL="457200" rtl="0" algn="l">
+            <a:pPr marL="457200" lvl="0" indent="-342900" algn="l" rtl="0">
               <a:spcBef>
                 <a:spcPts val="0"/>
               </a:spcBef>
@@ -12454,7 +12491,7 @@
               <a:buChar char="-"/>
             </a:pPr>
             <a:r>
-              <a:rPr b="1" lang="en" sz="1800"/>
+              <a:rPr lang="en" sz="1800" b="1"/>
               <a:t>Python</a:t>
             </a:r>
             <a:r>
@@ -12464,7 +12501,7 @@
             <a:endParaRPr sz="1800"/>
           </a:p>
           <a:p>
-            <a:pPr indent="-342900" lvl="0" marL="457200" rtl="0" algn="l">
+            <a:pPr marL="457200" lvl="0" indent="-342900" algn="l" rtl="0">
               <a:spcBef>
                 <a:spcPts val="0"/>
               </a:spcBef>
@@ -12475,7 +12512,7 @@
               <a:buChar char="-"/>
             </a:pPr>
             <a:r>
-              <a:rPr b="1" lang="en" sz="1800"/>
+              <a:rPr lang="en" sz="1800" b="1"/>
               <a:t>Tableau</a:t>
             </a:r>
             <a:r>
@@ -12485,7 +12522,7 @@
             <a:endParaRPr sz="1800"/>
           </a:p>
           <a:p>
-            <a:pPr indent="-342900" lvl="0" marL="457200" rtl="0" algn="l">
+            <a:pPr marL="457200" lvl="0" indent="-342900" algn="l" rtl="0">
               <a:spcBef>
                 <a:spcPts val="0"/>
               </a:spcBef>
@@ -12496,7 +12533,7 @@
               <a:buChar char="-"/>
             </a:pPr>
             <a:r>
-              <a:rPr b="1" lang="en" sz="1800"/>
+              <a:rPr lang="en" sz="1800" b="1"/>
               <a:t>PowerPoint</a:t>
             </a:r>
             <a:r>
@@ -12516,18 +12553,19 @@
 </file>
 
 <file path=ppt/slides/slide6.xml><?xml version="1.0" encoding="utf-8"?>
-<p:sld xmlns:a="http://schemas.openxmlformats.org/drawingml/2006/main" xmlns:r="http://schemas.openxmlformats.org/officeDocument/2006/relationships" xmlns:mc="http://schemas.openxmlformats.org/markup-compatibility/2006" xmlns:mv="urn:schemas-microsoft-com:mac:vml" xmlns:p="http://schemas.openxmlformats.org/presentationml/2006/main" xmlns:c="http://schemas.openxmlformats.org/drawingml/2006/chart" xmlns:dgm="http://schemas.openxmlformats.org/drawingml/2006/diagram" xmlns:o="urn:schemas-microsoft-com:office:office" xmlns:v="urn:schemas-microsoft-com:vml" xmlns:pvml="urn:schemas-microsoft-com:office:powerpoint" xmlns:com="http://schemas.openxmlformats.org/drawingml/2006/compatibility" xmlns:p14="http://schemas.microsoft.com/office/powerpoint/2010/main" xmlns:p15="http://schemas.microsoft.com/office/powerpoint/2012/main" xmlns:ahyp="http://schemas.microsoft.com/office/drawing/2018/hyperlinkcolor">
+<p:sld xmlns:a="http://schemas.openxmlformats.org/drawingml/2006/main" xmlns:r="http://schemas.openxmlformats.org/officeDocument/2006/relationships" xmlns:p="http://schemas.openxmlformats.org/presentationml/2006/main">
   <p:cSld>
     <p:bg>
       <p:bgPr>
         <a:solidFill>
           <a:srgbClr val="000000"/>
         </a:solidFill>
+        <a:effectLst/>
       </p:bgPr>
     </p:bg>
     <p:spTree>
       <p:nvGrpSpPr>
-        <p:cNvPr id="163" name="Shape 163"/>
+        <p:cNvPr id="1" name="Shape 163"/>
         <p:cNvGrpSpPr/>
         <p:nvPr/>
       </p:nvGrpSpPr>
@@ -12542,7 +12580,9 @@
       <p:sp>
         <p:nvSpPr>
           <p:cNvPr id="164" name="Google Shape;164;p18"/>
-          <p:cNvSpPr txBox="1"/>
+          <p:cNvSpPr txBox="1">
+            <a:spLocks noGrp="1"/>
+          </p:cNvSpPr>
           <p:nvPr>
             <p:ph type="title"/>
           </p:nvPr>
@@ -12557,12 +12597,12 @@
           </a:prstGeom>
         </p:spPr>
         <p:txBody>
-          <a:bodyPr anchorCtr="0" anchor="ctr" bIns="91425" lIns="91425" spcFirstLastPara="1" rIns="91425" wrap="square" tIns="91425">
+          <a:bodyPr spcFirstLastPara="1" wrap="square" lIns="91425" tIns="91425" rIns="91425" bIns="91425" anchor="ctr" anchorCtr="0">
             <a:normAutofit/>
           </a:bodyPr>
           <a:lstStyle/>
           <a:p>
-            <a:pPr indent="0" lvl="0" marL="0" rtl="0" algn="l">
+            <a:pPr marL="0" lvl="0" indent="0" algn="l" rtl="0">
               <a:spcBef>
                 <a:spcPts val="0"/>
               </a:spcBef>
@@ -12588,18 +12628,19 @@
 </file>
 
 <file path=ppt/slides/slide7.xml><?xml version="1.0" encoding="utf-8"?>
-<p:sld xmlns:a="http://schemas.openxmlformats.org/drawingml/2006/main" xmlns:r="http://schemas.openxmlformats.org/officeDocument/2006/relationships" xmlns:mc="http://schemas.openxmlformats.org/markup-compatibility/2006" xmlns:mv="urn:schemas-microsoft-com:mac:vml" xmlns:p="http://schemas.openxmlformats.org/presentationml/2006/main" xmlns:c="http://schemas.openxmlformats.org/drawingml/2006/chart" xmlns:dgm="http://schemas.openxmlformats.org/drawingml/2006/diagram" xmlns:o="urn:schemas-microsoft-com:office:office" xmlns:v="urn:schemas-microsoft-com:vml" xmlns:pvml="urn:schemas-microsoft-com:office:powerpoint" xmlns:com="http://schemas.openxmlformats.org/drawingml/2006/compatibility" xmlns:p14="http://schemas.microsoft.com/office/powerpoint/2010/main" xmlns:p15="http://schemas.microsoft.com/office/powerpoint/2012/main" xmlns:ahyp="http://schemas.microsoft.com/office/drawing/2018/hyperlinkcolor">
+<p:sld xmlns:a="http://schemas.openxmlformats.org/drawingml/2006/main" xmlns:r="http://schemas.openxmlformats.org/officeDocument/2006/relationships" xmlns:p="http://schemas.openxmlformats.org/presentationml/2006/main">
   <p:cSld>
     <p:bg>
       <p:bgPr>
         <a:solidFill>
           <a:srgbClr val="000000"/>
         </a:solidFill>
+        <a:effectLst/>
       </p:bgPr>
     </p:bg>
     <p:spTree>
       <p:nvGrpSpPr>
-        <p:cNvPr id="168" name="Shape 168"/>
+        <p:cNvPr id="1" name="Shape 168"/>
         <p:cNvGrpSpPr/>
         <p:nvPr/>
       </p:nvGrpSpPr>
@@ -12614,7 +12655,9 @@
       <p:sp>
         <p:nvSpPr>
           <p:cNvPr id="169" name="Google Shape;169;p19"/>
-          <p:cNvSpPr txBox="1"/>
+          <p:cNvSpPr txBox="1">
+            <a:spLocks noGrp="1"/>
+          </p:cNvSpPr>
           <p:nvPr>
             <p:ph type="title"/>
           </p:nvPr>
@@ -12629,12 +12672,12 @@
           </a:prstGeom>
         </p:spPr>
         <p:txBody>
-          <a:bodyPr anchorCtr="0" anchor="t" bIns="91425" lIns="91425" spcFirstLastPara="1" rIns="91425" wrap="square" tIns="91425">
+          <a:bodyPr spcFirstLastPara="1" wrap="square" lIns="91425" tIns="91425" rIns="91425" bIns="91425" anchor="t" anchorCtr="0">
             <a:normAutofit/>
           </a:bodyPr>
           <a:lstStyle/>
           <a:p>
-            <a:pPr indent="0" lvl="0" marL="0" rtl="0" algn="l">
+            <a:pPr marL="0" lvl="0" indent="0" algn="l" rtl="0">
               <a:spcBef>
                 <a:spcPts val="0"/>
               </a:spcBef>
@@ -12645,11 +12688,7 @@
             </a:pPr>
             <a:r>
               <a:rPr lang="en"/>
-              <a:t>M</a:t>
-            </a:r>
-            <a:r>
-              <a:rPr lang="en"/>
-              <a:t>etrics</a:t>
+              <a:t>Metrics</a:t>
             </a:r>
             <a:endParaRPr/>
           </a:p>
@@ -12658,9 +12697,11 @@
       <p:sp>
         <p:nvSpPr>
           <p:cNvPr id="170" name="Google Shape;170;p19"/>
-          <p:cNvSpPr txBox="1"/>
+          <p:cNvSpPr txBox="1">
+            <a:spLocks noGrp="1"/>
+          </p:cNvSpPr>
           <p:nvPr>
-            <p:ph idx="1" type="body"/>
+            <p:ph type="body" idx="1"/>
           </p:nvPr>
         </p:nvSpPr>
         <p:spPr>
@@ -12673,12 +12714,12 @@
           </a:prstGeom>
         </p:spPr>
         <p:txBody>
-          <a:bodyPr anchorCtr="0" anchor="t" bIns="91425" lIns="91425" spcFirstLastPara="1" rIns="91425" wrap="square" tIns="91425">
+          <a:bodyPr spcFirstLastPara="1" wrap="square" lIns="91425" tIns="91425" rIns="91425" bIns="91425" anchor="t" anchorCtr="0">
             <a:normAutofit/>
           </a:bodyPr>
           <a:lstStyle/>
           <a:p>
-            <a:pPr indent="-342900" lvl="0" marL="457200" rtl="0" algn="l">
+            <a:pPr marL="457200" lvl="0" indent="-342900" algn="l" rtl="0">
               <a:spcBef>
                 <a:spcPts val="0"/>
               </a:spcBef>
@@ -12695,7 +12736,7 @@
             <a:endParaRPr sz="1800"/>
           </a:p>
           <a:p>
-            <a:pPr indent="-342900" lvl="0" marL="457200" rtl="0" algn="l">
+            <a:pPr marL="457200" lvl="0" indent="-342900" algn="l" rtl="0">
               <a:spcBef>
                 <a:spcPts val="0"/>
               </a:spcBef>
@@ -12712,7 +12753,7 @@
             <a:endParaRPr sz="1800"/>
           </a:p>
           <a:p>
-            <a:pPr indent="-342900" lvl="0" marL="457200" rtl="0" algn="l">
+            <a:pPr marL="457200" lvl="0" indent="-342900" algn="l" rtl="0">
               <a:spcBef>
                 <a:spcPts val="0"/>
               </a:spcBef>
@@ -12729,7 +12770,7 @@
             <a:endParaRPr sz="1800"/>
           </a:p>
           <a:p>
-            <a:pPr indent="-342900" lvl="0" marL="457200" rtl="0" algn="l">
+            <a:pPr marL="457200" lvl="0" indent="-342900" algn="l" rtl="0">
               <a:spcBef>
                 <a:spcPts val="0"/>
               </a:spcBef>
@@ -12746,7 +12787,7 @@
             <a:endParaRPr sz="1800"/>
           </a:p>
           <a:p>
-            <a:pPr indent="-342900" lvl="0" marL="457200" rtl="0" algn="l">
+            <a:pPr marL="457200" lvl="0" indent="-342900" algn="l" rtl="0">
               <a:spcBef>
                 <a:spcPts val="0"/>
               </a:spcBef>
@@ -12773,18 +12814,19 @@
 </file>
 
 <file path=ppt/slides/slide8.xml><?xml version="1.0" encoding="utf-8"?>
-<p:sld xmlns:a="http://schemas.openxmlformats.org/drawingml/2006/main" xmlns:r="http://schemas.openxmlformats.org/officeDocument/2006/relationships" xmlns:mc="http://schemas.openxmlformats.org/markup-compatibility/2006" xmlns:mv="urn:schemas-microsoft-com:mac:vml" xmlns:p="http://schemas.openxmlformats.org/presentationml/2006/main" xmlns:c="http://schemas.openxmlformats.org/drawingml/2006/chart" xmlns:dgm="http://schemas.openxmlformats.org/drawingml/2006/diagram" xmlns:o="urn:schemas-microsoft-com:office:office" xmlns:v="urn:schemas-microsoft-com:vml" xmlns:pvml="urn:schemas-microsoft-com:office:powerpoint" xmlns:com="http://schemas.openxmlformats.org/drawingml/2006/compatibility" xmlns:p14="http://schemas.microsoft.com/office/powerpoint/2010/main" xmlns:p15="http://schemas.microsoft.com/office/powerpoint/2012/main" xmlns:ahyp="http://schemas.microsoft.com/office/drawing/2018/hyperlinkcolor">
+<p:sld xmlns:a="http://schemas.openxmlformats.org/drawingml/2006/main" xmlns:r="http://schemas.openxmlformats.org/officeDocument/2006/relationships" xmlns:p="http://schemas.openxmlformats.org/presentationml/2006/main">
   <p:cSld>
     <p:bg>
       <p:bgPr>
         <a:solidFill>
           <a:srgbClr val="000000"/>
         </a:solidFill>
+        <a:effectLst/>
       </p:bgPr>
     </p:bg>
     <p:spTree>
       <p:nvGrpSpPr>
-        <p:cNvPr id="174" name="Shape 174"/>
+        <p:cNvPr id="1" name="Shape 174"/>
         <p:cNvGrpSpPr/>
         <p:nvPr/>
       </p:nvGrpSpPr>
@@ -12816,12 +12858,12 @@
           </a:ln>
         </p:spPr>
         <p:txBody>
-          <a:bodyPr anchorCtr="0" anchor="t" bIns="91425" lIns="91425" spcFirstLastPara="1" rIns="91425" wrap="square" tIns="91425">
+          <a:bodyPr spcFirstLastPara="1" wrap="square" lIns="91425" tIns="91425" rIns="91425" bIns="91425" anchor="t" anchorCtr="0">
             <a:noAutofit/>
           </a:bodyPr>
           <a:lstStyle/>
           <a:p>
-            <a:pPr indent="0" lvl="0" marL="0" rtl="0" algn="l">
+            <a:pPr marL="0" lvl="0" indent="0" algn="l" rtl="0">
               <a:spcBef>
                 <a:spcPts val="0"/>
               </a:spcBef>
@@ -12853,7 +12895,7 @@
             </a:endParaRPr>
           </a:p>
           <a:p>
-            <a:pPr indent="0" lvl="0" marL="0" rtl="0" algn="l">
+            <a:pPr marL="0" lvl="0" indent="0" algn="l" rtl="0">
               <a:spcBef>
                 <a:spcPts val="0"/>
               </a:spcBef>
@@ -12885,7 +12927,7 @@
             </a:endParaRPr>
           </a:p>
           <a:p>
-            <a:pPr indent="0" lvl="0" marL="0" rtl="0" algn="l">
+            <a:pPr marL="0" lvl="0" indent="0" algn="l" rtl="0">
               <a:spcBef>
                 <a:spcPts val="0"/>
               </a:spcBef>
@@ -12955,18 +12997,19 @@
 </file>
 
 <file path=ppt/slides/slide9.xml><?xml version="1.0" encoding="utf-8"?>
-<p:sld xmlns:a="http://schemas.openxmlformats.org/drawingml/2006/main" xmlns:r="http://schemas.openxmlformats.org/officeDocument/2006/relationships" xmlns:mc="http://schemas.openxmlformats.org/markup-compatibility/2006" xmlns:mv="urn:schemas-microsoft-com:mac:vml" xmlns:p="http://schemas.openxmlformats.org/presentationml/2006/main" xmlns:c="http://schemas.openxmlformats.org/drawingml/2006/chart" xmlns:dgm="http://schemas.openxmlformats.org/drawingml/2006/diagram" xmlns:o="urn:schemas-microsoft-com:office:office" xmlns:v="urn:schemas-microsoft-com:vml" xmlns:pvml="urn:schemas-microsoft-com:office:powerpoint" xmlns:com="http://schemas.openxmlformats.org/drawingml/2006/compatibility" xmlns:p14="http://schemas.microsoft.com/office/powerpoint/2010/main" xmlns:p15="http://schemas.microsoft.com/office/powerpoint/2012/main" xmlns:ahyp="http://schemas.microsoft.com/office/drawing/2018/hyperlinkcolor">
+<p:sld xmlns:a="http://schemas.openxmlformats.org/drawingml/2006/main" xmlns:r="http://schemas.openxmlformats.org/officeDocument/2006/relationships" xmlns:p="http://schemas.openxmlformats.org/presentationml/2006/main">
   <p:cSld>
     <p:bg>
       <p:bgPr>
         <a:solidFill>
           <a:srgbClr val="000000"/>
         </a:solidFill>
+        <a:effectLst/>
       </p:bgPr>
     </p:bg>
     <p:spTree>
       <p:nvGrpSpPr>
-        <p:cNvPr id="180" name="Shape 180"/>
+        <p:cNvPr id="1" name="Shape 180"/>
         <p:cNvGrpSpPr/>
         <p:nvPr/>
       </p:nvGrpSpPr>
@@ -13015,7 +13058,7 @@
 </file>
 
 <file path=ppt/theme/theme1.xml><?xml version="1.0" encoding="utf-8"?>
-<a:theme xmlns:a="http://schemas.openxmlformats.org/drawingml/2006/main" xmlns:r="http://schemas.openxmlformats.org/officeDocument/2006/relationships" name="Focus">
+<a:theme xmlns:a="http://schemas.openxmlformats.org/drawingml/2006/main" name="Focus">
   <a:themeElements>
     <a:clrScheme name="Focus">
       <a:dk1>
@@ -13290,11 +13333,13 @@
       </a:bgFillStyleLst>
     </a:fmtScheme>
   </a:themeElements>
+  <a:objectDefaults/>
+  <a:extraClrSchemeLst/>
 </a:theme>
 </file>
 
 <file path=ppt/theme/theme2.xml><?xml version="1.0" encoding="utf-8"?>
-<a:theme xmlns:a="http://schemas.openxmlformats.org/drawingml/2006/main" xmlns:r="http://schemas.openxmlformats.org/officeDocument/2006/relationships">
+<a:theme xmlns:a="http://schemas.openxmlformats.org/drawingml/2006/main">
   <a:themeElements>
     <a:clrScheme name="Default">
       <a:dk1>
@@ -13569,5 +13614,7 @@
       </a:bgFillStyleLst>
     </a:fmtScheme>
   </a:themeElements>
+  <a:objectDefaults/>
+  <a:extraClrSchemeLst/>
 </a:theme>
 </file>
--- a/AGA Datathon 2023.pptx
+++ b/AGA Datathon 2023.pptx
@@ -11796,7 +11796,7 @@
               <a:buNone/>
             </a:pPr>
             <a:r>
-              <a:rPr lang="en" u="sng" dirty="0">
+              <a:rPr lang="en-US" u="sng">
                 <a:solidFill>
                   <a:schemeClr val="bg1"/>
                 </a:solidFill>
@@ -11812,10 +11812,10 @@
                   </a:extLst>
                 </a:hlinkClick>
               </a:rPr>
-              <a:t>http://54.90.52.121/</a:t>
+              <a:t>http://54.237.226.144/</a:t>
             </a:r>
             <a:r>
-              <a:rPr lang="en" dirty="0">
+              <a:rPr lang="en-US">
                 <a:solidFill>
                   <a:schemeClr val="bg1"/>
                 </a:solidFill>
@@ -11826,7 +11826,7 @@
               </a:rPr>
               <a:t> </a:t>
             </a:r>
-            <a:endParaRPr dirty="0">
+            <a:endParaRPr lang="en-US" dirty="0">
               <a:solidFill>
                 <a:schemeClr val="bg1"/>
               </a:solidFill>
